--- a/IPI-HR-30-07A转正述职报告.pptx
+++ b/IPI-HR-30-07A转正述职报告.pptx
@@ -5,10 +5,10 @@
     <p:sldMasterId id="2147483648" r:id="rId1"/>
   </p:sldMasterIdLst>
   <p:notesMasterIdLst>
-    <p:notesMasterId r:id="rId11"/>
+    <p:notesMasterId r:id="rId23"/>
   </p:notesMasterIdLst>
   <p:handoutMasterIdLst>
-    <p:handoutMasterId r:id="rId12"/>
+    <p:handoutMasterId r:id="rId24"/>
   </p:handoutMasterIdLst>
   <p:sldIdLst>
     <p:sldId id="256" r:id="rId2"/>
@@ -16,10 +16,22 @@
     <p:sldId id="466" r:id="rId4"/>
     <p:sldId id="468" r:id="rId5"/>
     <p:sldId id="470" r:id="rId6"/>
-    <p:sldId id="471" r:id="rId7"/>
-    <p:sldId id="472" r:id="rId8"/>
-    <p:sldId id="474" r:id="rId9"/>
-    <p:sldId id="299" r:id="rId10"/>
+    <p:sldId id="475" r:id="rId7"/>
+    <p:sldId id="476" r:id="rId8"/>
+    <p:sldId id="477" r:id="rId9"/>
+    <p:sldId id="478" r:id="rId10"/>
+    <p:sldId id="479" r:id="rId11"/>
+    <p:sldId id="486" r:id="rId12"/>
+    <p:sldId id="480" r:id="rId13"/>
+    <p:sldId id="481" r:id="rId14"/>
+    <p:sldId id="482" r:id="rId15"/>
+    <p:sldId id="483" r:id="rId16"/>
+    <p:sldId id="484" r:id="rId17"/>
+    <p:sldId id="485" r:id="rId18"/>
+    <p:sldId id="471" r:id="rId19"/>
+    <p:sldId id="472" r:id="rId20"/>
+    <p:sldId id="474" r:id="rId21"/>
+    <p:sldId id="299" r:id="rId22"/>
   </p:sldIdLst>
   <p:sldSz cx="12192000" cy="6858000"/>
   <p:notesSz cx="6858000" cy="9144000"/>
@@ -128,6 +140,18 @@
             <p14:sldId id="466"/>
             <p14:sldId id="468"/>
             <p14:sldId id="470"/>
+            <p14:sldId id="475"/>
+            <p14:sldId id="476"/>
+            <p14:sldId id="477"/>
+            <p14:sldId id="478"/>
+            <p14:sldId id="479"/>
+            <p14:sldId id="486"/>
+            <p14:sldId id="480"/>
+            <p14:sldId id="481"/>
+            <p14:sldId id="482"/>
+            <p14:sldId id="483"/>
+            <p14:sldId id="484"/>
+            <p14:sldId id="485"/>
             <p14:sldId id="471"/>
             <p14:sldId id="472"/>
             <p14:sldId id="474"/>
@@ -3048,7 +3072,7 @@
           <a:blip r:embed="rId2">
             <a:extLst>
               <a:ext uri="{96DAC541-7B7A-43D3-8B79-37D633B846F1}">
-                <asvg:svgBlip xmlns:asvg="http://schemas.microsoft.com/office/drawing/2016/SVG/main" xmlns="" r:embed="rId3"/>
+                <asvg:svgBlip xmlns="" xmlns:asvg="http://schemas.microsoft.com/office/drawing/2016/SVG/main" r:embed="rId3"/>
               </a:ext>
             </a:extLst>
           </a:blip>
@@ -3203,6 +3227,1201 @@
     <a:masterClrMapping/>
   </p:clrMapOvr>
   <p:transition/>
+</p:sld>
+</file>
+
+<file path=ppt/slides/slide10.xml><?xml version="1.0" encoding="utf-8"?>
+<p:sld xmlns:a="http://schemas.openxmlformats.org/drawingml/2006/main" xmlns:r="http://schemas.openxmlformats.org/officeDocument/2006/relationships" xmlns:p="http://schemas.openxmlformats.org/presentationml/2006/main">
+  <p:cSld>
+    <p:spTree>
+      <p:nvGrpSpPr>
+        <p:cNvPr id="1" name=""/>
+        <p:cNvGrpSpPr/>
+        <p:nvPr/>
+      </p:nvGrpSpPr>
+      <p:grpSpPr>
+        <a:xfrm>
+          <a:off x="0" y="0"/>
+          <a:ext cx="0" cy="0"/>
+          <a:chOff x="0" y="0"/>
+          <a:chExt cx="0" cy="0"/>
+        </a:xfrm>
+      </p:grpSpPr>
+      <p:pic>
+        <p:nvPicPr>
+          <p:cNvPr id="2" name="图片 1"/>
+          <p:cNvPicPr>
+            <a:picLocks noChangeAspect="1"/>
+          </p:cNvPicPr>
+          <p:nvPr/>
+        </p:nvPicPr>
+        <p:blipFill>
+          <a:blip r:embed="rId2"/>
+          <a:stretch>
+            <a:fillRect/>
+          </a:stretch>
+        </p:blipFill>
+        <p:spPr>
+          <a:xfrm>
+            <a:off x="474455" y="1140735"/>
+            <a:ext cx="11045251" cy="4409039"/>
+          </a:xfrm>
+          <a:prstGeom prst="rect">
+            <a:avLst/>
+          </a:prstGeom>
+        </p:spPr>
+      </p:pic>
+      <p:sp>
+        <p:nvSpPr>
+          <p:cNvPr id="4" name="文本框 3"/>
+          <p:cNvSpPr txBox="1"/>
+          <p:nvPr/>
+        </p:nvSpPr>
+        <p:spPr>
+          <a:xfrm>
+            <a:off x="725699" y="287673"/>
+            <a:ext cx="6704965" cy="1261884"/>
+          </a:xfrm>
+          <a:prstGeom prst="rect">
+            <a:avLst/>
+          </a:prstGeom>
+          <a:noFill/>
+          <a:ln w="19050">
+            <a:noFill/>
+            <a:prstDash val="solid"/>
+          </a:ln>
+        </p:spPr>
+        <p:txBody>
+          <a:bodyPr wrap="square" rtlCol="0">
+            <a:spAutoFit/>
+          </a:bodyPr>
+          <a:lstStyle/>
+          <a:p>
+            <a:pPr lvl="0" algn="l"/>
+            <a:r>
+              <a:rPr lang="zh-CN" altLang="en-US" sz="2000" dirty="0">
+                <a:ea typeface="宋体" panose="02010600030101010101" pitchFamily="2" charset="-122"/>
+                <a:cs typeface="+mn-ea"/>
+                <a:sym typeface="+mn-lt"/>
+              </a:rPr>
+              <a:t>上</a:t>
+            </a:r>
+            <a:r>
+              <a:rPr lang="zh-CN" altLang="en-US" sz="2000" dirty="0" smtClean="0">
+                <a:ea typeface="宋体" panose="02010600030101010101" pitchFamily="2" charset="-122"/>
+                <a:cs typeface="+mn-ea"/>
+                <a:sym typeface="+mn-lt"/>
+              </a:rPr>
+              <a:t>料表管理</a:t>
+            </a:r>
+            <a:endParaRPr lang="en-US" altLang="zh-CN" sz="2000" dirty="0" smtClean="0">
+              <a:ea typeface="宋体" panose="02010600030101010101" pitchFamily="2" charset="-122"/>
+              <a:cs typeface="+mn-ea"/>
+              <a:sym typeface="+mn-lt"/>
+            </a:endParaRPr>
+          </a:p>
+          <a:p>
+            <a:pPr lvl="0" algn="l"/>
+            <a:endParaRPr lang="en-US" altLang="zh-CN" sz="2000" dirty="0" smtClean="0">
+              <a:ea typeface="宋体" panose="02010600030101010101" pitchFamily="2" charset="-122"/>
+              <a:cs typeface="+mn-ea"/>
+              <a:sym typeface="+mn-lt"/>
+            </a:endParaRPr>
+          </a:p>
+          <a:p>
+            <a:pPr lvl="0" algn="l"/>
+            <a:endParaRPr lang="en-US" altLang="zh-CN" sz="2000" dirty="0" smtClean="0">
+              <a:ea typeface="宋体" panose="02010600030101010101" pitchFamily="2" charset="-122"/>
+              <a:cs typeface="+mn-ea"/>
+              <a:sym typeface="+mn-lt"/>
+            </a:endParaRPr>
+          </a:p>
+          <a:p>
+            <a:pPr lvl="0" algn="l"/>
+            <a:endParaRPr lang="zh-CN" sz="1600" dirty="0">
+              <a:solidFill>
+                <a:srgbClr val="FF0000"/>
+              </a:solidFill>
+              <a:ea typeface="宋体" panose="02010600030101010101" pitchFamily="2" charset="-122"/>
+              <a:cs typeface="+mn-ea"/>
+              <a:sym typeface="+mn-lt"/>
+            </a:endParaRPr>
+          </a:p>
+        </p:txBody>
+      </p:sp>
+    </p:spTree>
+    <p:extLst>
+      <p:ext uri="{BB962C8B-B14F-4D97-AF65-F5344CB8AC3E}">
+        <p14:creationId xmlns:p14="http://schemas.microsoft.com/office/powerpoint/2010/main" val="2665948676"/>
+      </p:ext>
+    </p:extLst>
+  </p:cSld>
+  <p:clrMapOvr>
+    <a:masterClrMapping/>
+  </p:clrMapOvr>
+</p:sld>
+</file>
+
+<file path=ppt/slides/slide11.xml><?xml version="1.0" encoding="utf-8"?>
+<p:sld xmlns:a="http://schemas.openxmlformats.org/drawingml/2006/main" xmlns:r="http://schemas.openxmlformats.org/officeDocument/2006/relationships" xmlns:p="http://schemas.openxmlformats.org/presentationml/2006/main">
+  <p:cSld>
+    <p:spTree>
+      <p:nvGrpSpPr>
+        <p:cNvPr id="1" name=""/>
+        <p:cNvGrpSpPr/>
+        <p:nvPr/>
+      </p:nvGrpSpPr>
+      <p:grpSpPr>
+        <a:xfrm>
+          <a:off x="0" y="0"/>
+          <a:ext cx="0" cy="0"/>
+          <a:chOff x="0" y="0"/>
+          <a:chExt cx="0" cy="0"/>
+        </a:xfrm>
+      </p:grpSpPr>
+      <p:pic>
+        <p:nvPicPr>
+          <p:cNvPr id="2" name="图片 1"/>
+          <p:cNvPicPr>
+            <a:picLocks noChangeAspect="1"/>
+          </p:cNvPicPr>
+          <p:nvPr/>
+        </p:nvPicPr>
+        <p:blipFill>
+          <a:blip r:embed="rId2"/>
+          <a:stretch>
+            <a:fillRect/>
+          </a:stretch>
+        </p:blipFill>
+        <p:spPr>
+          <a:xfrm>
+            <a:off x="575162" y="824261"/>
+            <a:ext cx="10371719" cy="5662151"/>
+          </a:xfrm>
+          <a:prstGeom prst="rect">
+            <a:avLst/>
+          </a:prstGeom>
+        </p:spPr>
+      </p:pic>
+      <p:sp>
+        <p:nvSpPr>
+          <p:cNvPr id="3" name="文本框 2"/>
+          <p:cNvSpPr txBox="1"/>
+          <p:nvPr/>
+        </p:nvSpPr>
+        <p:spPr>
+          <a:xfrm>
+            <a:off x="725699" y="287673"/>
+            <a:ext cx="6704965" cy="1261884"/>
+          </a:xfrm>
+          <a:prstGeom prst="rect">
+            <a:avLst/>
+          </a:prstGeom>
+          <a:noFill/>
+          <a:ln w="19050">
+            <a:noFill/>
+            <a:prstDash val="solid"/>
+          </a:ln>
+        </p:spPr>
+        <p:txBody>
+          <a:bodyPr wrap="square" rtlCol="0">
+            <a:spAutoFit/>
+          </a:bodyPr>
+          <a:lstStyle/>
+          <a:p>
+            <a:pPr lvl="0" algn="l"/>
+            <a:r>
+              <a:rPr lang="zh-CN" altLang="en-US" sz="2000" dirty="0">
+                <a:ea typeface="宋体" panose="02010600030101010101" pitchFamily="2" charset="-122"/>
+                <a:cs typeface="+mn-ea"/>
+                <a:sym typeface="+mn-lt"/>
+              </a:rPr>
+              <a:t>上</a:t>
+            </a:r>
+            <a:r>
+              <a:rPr lang="zh-CN" altLang="en-US" sz="2000" dirty="0" smtClean="0">
+                <a:ea typeface="宋体" panose="02010600030101010101" pitchFamily="2" charset="-122"/>
+                <a:cs typeface="+mn-ea"/>
+                <a:sym typeface="+mn-lt"/>
+              </a:rPr>
+              <a:t>料表导入模板</a:t>
+            </a:r>
+            <a:endParaRPr lang="en-US" altLang="zh-CN" sz="2000" dirty="0" smtClean="0">
+              <a:ea typeface="宋体" panose="02010600030101010101" pitchFamily="2" charset="-122"/>
+              <a:cs typeface="+mn-ea"/>
+              <a:sym typeface="+mn-lt"/>
+            </a:endParaRPr>
+          </a:p>
+          <a:p>
+            <a:pPr lvl="0" algn="l"/>
+            <a:endParaRPr lang="en-US" altLang="zh-CN" sz="2000" dirty="0" smtClean="0">
+              <a:ea typeface="宋体" panose="02010600030101010101" pitchFamily="2" charset="-122"/>
+              <a:cs typeface="+mn-ea"/>
+              <a:sym typeface="+mn-lt"/>
+            </a:endParaRPr>
+          </a:p>
+          <a:p>
+            <a:pPr lvl="0" algn="l"/>
+            <a:endParaRPr lang="en-US" altLang="zh-CN" sz="2000" dirty="0" smtClean="0">
+              <a:ea typeface="宋体" panose="02010600030101010101" pitchFamily="2" charset="-122"/>
+              <a:cs typeface="+mn-ea"/>
+              <a:sym typeface="+mn-lt"/>
+            </a:endParaRPr>
+          </a:p>
+          <a:p>
+            <a:pPr lvl="0" algn="l"/>
+            <a:endParaRPr lang="zh-CN" sz="1600" dirty="0">
+              <a:solidFill>
+                <a:srgbClr val="FF0000"/>
+              </a:solidFill>
+              <a:ea typeface="宋体" panose="02010600030101010101" pitchFamily="2" charset="-122"/>
+              <a:cs typeface="+mn-ea"/>
+              <a:sym typeface="+mn-lt"/>
+            </a:endParaRPr>
+          </a:p>
+        </p:txBody>
+      </p:sp>
+    </p:spTree>
+    <p:extLst>
+      <p:ext uri="{BB962C8B-B14F-4D97-AF65-F5344CB8AC3E}">
+        <p14:creationId xmlns:p14="http://schemas.microsoft.com/office/powerpoint/2010/main" val="1726678472"/>
+      </p:ext>
+    </p:extLst>
+  </p:cSld>
+  <p:clrMapOvr>
+    <a:masterClrMapping/>
+  </p:clrMapOvr>
+</p:sld>
+</file>
+
+<file path=ppt/slides/slide12.xml><?xml version="1.0" encoding="utf-8"?>
+<p:sld xmlns:a="http://schemas.openxmlformats.org/drawingml/2006/main" xmlns:r="http://schemas.openxmlformats.org/officeDocument/2006/relationships" xmlns:p="http://schemas.openxmlformats.org/presentationml/2006/main">
+  <p:cSld>
+    <p:spTree>
+      <p:nvGrpSpPr>
+        <p:cNvPr id="1" name=""/>
+        <p:cNvGrpSpPr/>
+        <p:nvPr/>
+      </p:nvGrpSpPr>
+      <p:grpSpPr>
+        <a:xfrm>
+          <a:off x="0" y="0"/>
+          <a:ext cx="0" cy="0"/>
+          <a:chOff x="0" y="0"/>
+          <a:chExt cx="0" cy="0"/>
+        </a:xfrm>
+      </p:grpSpPr>
+      <p:pic>
+        <p:nvPicPr>
+          <p:cNvPr id="2" name="图片 1"/>
+          <p:cNvPicPr>
+            <a:picLocks noChangeAspect="1"/>
+          </p:cNvPicPr>
+          <p:nvPr/>
+        </p:nvPicPr>
+        <p:blipFill>
+          <a:blip r:embed="rId2"/>
+          <a:stretch>
+            <a:fillRect/>
+          </a:stretch>
+        </p:blipFill>
+        <p:spPr>
+          <a:xfrm>
+            <a:off x="380245" y="918614"/>
+            <a:ext cx="11024679" cy="5418811"/>
+          </a:xfrm>
+          <a:prstGeom prst="rect">
+            <a:avLst/>
+          </a:prstGeom>
+        </p:spPr>
+      </p:pic>
+      <p:sp>
+        <p:nvSpPr>
+          <p:cNvPr id="3" name="文本框 2"/>
+          <p:cNvSpPr txBox="1"/>
+          <p:nvPr/>
+        </p:nvSpPr>
+        <p:spPr>
+          <a:xfrm>
+            <a:off x="725699" y="287673"/>
+            <a:ext cx="6704965" cy="1261884"/>
+          </a:xfrm>
+          <a:prstGeom prst="rect">
+            <a:avLst/>
+          </a:prstGeom>
+          <a:noFill/>
+          <a:ln w="19050">
+            <a:noFill/>
+            <a:prstDash val="solid"/>
+          </a:ln>
+        </p:spPr>
+        <p:txBody>
+          <a:bodyPr wrap="square" rtlCol="0">
+            <a:spAutoFit/>
+          </a:bodyPr>
+          <a:lstStyle/>
+          <a:p>
+            <a:pPr lvl="0" algn="l"/>
+            <a:r>
+              <a:rPr lang="zh-CN" altLang="en-US" sz="2000" dirty="0">
+                <a:ea typeface="宋体" panose="02010600030101010101" pitchFamily="2" charset="-122"/>
+                <a:cs typeface="+mn-ea"/>
+                <a:sym typeface="+mn-lt"/>
+              </a:rPr>
+              <a:t>上</a:t>
+            </a:r>
+            <a:r>
+              <a:rPr lang="zh-CN" altLang="en-US" sz="2000" dirty="0" smtClean="0">
+                <a:ea typeface="宋体" panose="02010600030101010101" pitchFamily="2" charset="-122"/>
+                <a:cs typeface="+mn-ea"/>
+                <a:sym typeface="+mn-lt"/>
+              </a:rPr>
+              <a:t>料</a:t>
+            </a:r>
+            <a:endParaRPr lang="en-US" altLang="zh-CN" sz="2000" dirty="0" smtClean="0">
+              <a:ea typeface="宋体" panose="02010600030101010101" pitchFamily="2" charset="-122"/>
+              <a:cs typeface="+mn-ea"/>
+              <a:sym typeface="+mn-lt"/>
+            </a:endParaRPr>
+          </a:p>
+          <a:p>
+            <a:pPr lvl="0" algn="l"/>
+            <a:endParaRPr lang="en-US" altLang="zh-CN" sz="2000" dirty="0" smtClean="0">
+              <a:ea typeface="宋体" panose="02010600030101010101" pitchFamily="2" charset="-122"/>
+              <a:cs typeface="+mn-ea"/>
+              <a:sym typeface="+mn-lt"/>
+            </a:endParaRPr>
+          </a:p>
+          <a:p>
+            <a:pPr lvl="0" algn="l"/>
+            <a:endParaRPr lang="en-US" altLang="zh-CN" sz="2000" dirty="0" smtClean="0">
+              <a:ea typeface="宋体" panose="02010600030101010101" pitchFamily="2" charset="-122"/>
+              <a:cs typeface="+mn-ea"/>
+              <a:sym typeface="+mn-lt"/>
+            </a:endParaRPr>
+          </a:p>
+          <a:p>
+            <a:pPr lvl="0" algn="l"/>
+            <a:endParaRPr lang="zh-CN" sz="1600" dirty="0">
+              <a:solidFill>
+                <a:srgbClr val="FF0000"/>
+              </a:solidFill>
+              <a:ea typeface="宋体" panose="02010600030101010101" pitchFamily="2" charset="-122"/>
+              <a:cs typeface="+mn-ea"/>
+              <a:sym typeface="+mn-lt"/>
+            </a:endParaRPr>
+          </a:p>
+        </p:txBody>
+      </p:sp>
+    </p:spTree>
+    <p:extLst>
+      <p:ext uri="{BB962C8B-B14F-4D97-AF65-F5344CB8AC3E}">
+        <p14:creationId xmlns:p14="http://schemas.microsoft.com/office/powerpoint/2010/main" val="2700103903"/>
+      </p:ext>
+    </p:extLst>
+  </p:cSld>
+  <p:clrMapOvr>
+    <a:masterClrMapping/>
+  </p:clrMapOvr>
+</p:sld>
+</file>
+
+<file path=ppt/slides/slide13.xml><?xml version="1.0" encoding="utf-8"?>
+<p:sld xmlns:a="http://schemas.openxmlformats.org/drawingml/2006/main" xmlns:r="http://schemas.openxmlformats.org/officeDocument/2006/relationships" xmlns:p="http://schemas.openxmlformats.org/presentationml/2006/main">
+  <p:cSld>
+    <p:spTree>
+      <p:nvGrpSpPr>
+        <p:cNvPr id="1" name=""/>
+        <p:cNvGrpSpPr/>
+        <p:nvPr/>
+      </p:nvGrpSpPr>
+      <p:grpSpPr>
+        <a:xfrm>
+          <a:off x="0" y="0"/>
+          <a:ext cx="0" cy="0"/>
+          <a:chOff x="0" y="0"/>
+          <a:chExt cx="0" cy="0"/>
+        </a:xfrm>
+      </p:grpSpPr>
+      <p:pic>
+        <p:nvPicPr>
+          <p:cNvPr id="2" name="图片 1"/>
+          <p:cNvPicPr>
+            <a:picLocks noChangeAspect="1"/>
+          </p:cNvPicPr>
+          <p:nvPr/>
+        </p:nvPicPr>
+        <p:blipFill>
+          <a:blip r:embed="rId2"/>
+          <a:stretch>
+            <a:fillRect/>
+          </a:stretch>
+        </p:blipFill>
+        <p:spPr>
+          <a:xfrm>
+            <a:off x="454785" y="918615"/>
+            <a:ext cx="10850551" cy="5409757"/>
+          </a:xfrm>
+          <a:prstGeom prst="rect">
+            <a:avLst/>
+          </a:prstGeom>
+        </p:spPr>
+      </p:pic>
+      <p:sp>
+        <p:nvSpPr>
+          <p:cNvPr id="3" name="文本框 2"/>
+          <p:cNvSpPr txBox="1"/>
+          <p:nvPr/>
+        </p:nvSpPr>
+        <p:spPr>
+          <a:xfrm>
+            <a:off x="725699" y="287673"/>
+            <a:ext cx="6704965" cy="1261884"/>
+          </a:xfrm>
+          <a:prstGeom prst="rect">
+            <a:avLst/>
+          </a:prstGeom>
+          <a:noFill/>
+          <a:ln w="19050">
+            <a:noFill/>
+            <a:prstDash val="solid"/>
+          </a:ln>
+        </p:spPr>
+        <p:txBody>
+          <a:bodyPr wrap="square" rtlCol="0">
+            <a:spAutoFit/>
+          </a:bodyPr>
+          <a:lstStyle/>
+          <a:p>
+            <a:pPr lvl="0" algn="l"/>
+            <a:r>
+              <a:rPr lang="zh-CN" altLang="en-US" sz="2000" dirty="0" smtClean="0">
+                <a:ea typeface="宋体" panose="02010600030101010101" pitchFamily="2" charset="-122"/>
+                <a:cs typeface="+mn-ea"/>
+                <a:sym typeface="+mn-lt"/>
+              </a:rPr>
+              <a:t>下料</a:t>
+            </a:r>
+            <a:endParaRPr lang="en-US" altLang="zh-CN" sz="2000" dirty="0" smtClean="0">
+              <a:ea typeface="宋体" panose="02010600030101010101" pitchFamily="2" charset="-122"/>
+              <a:cs typeface="+mn-ea"/>
+              <a:sym typeface="+mn-lt"/>
+            </a:endParaRPr>
+          </a:p>
+          <a:p>
+            <a:pPr lvl="0" algn="l"/>
+            <a:endParaRPr lang="en-US" altLang="zh-CN" sz="2000" dirty="0" smtClean="0">
+              <a:ea typeface="宋体" panose="02010600030101010101" pitchFamily="2" charset="-122"/>
+              <a:cs typeface="+mn-ea"/>
+              <a:sym typeface="+mn-lt"/>
+            </a:endParaRPr>
+          </a:p>
+          <a:p>
+            <a:pPr lvl="0" algn="l"/>
+            <a:endParaRPr lang="en-US" altLang="zh-CN" sz="2000" dirty="0" smtClean="0">
+              <a:ea typeface="宋体" panose="02010600030101010101" pitchFamily="2" charset="-122"/>
+              <a:cs typeface="+mn-ea"/>
+              <a:sym typeface="+mn-lt"/>
+            </a:endParaRPr>
+          </a:p>
+          <a:p>
+            <a:pPr lvl="0" algn="l"/>
+            <a:endParaRPr lang="zh-CN" sz="1600" dirty="0">
+              <a:solidFill>
+                <a:srgbClr val="FF0000"/>
+              </a:solidFill>
+              <a:ea typeface="宋体" panose="02010600030101010101" pitchFamily="2" charset="-122"/>
+              <a:cs typeface="+mn-ea"/>
+              <a:sym typeface="+mn-lt"/>
+            </a:endParaRPr>
+          </a:p>
+        </p:txBody>
+      </p:sp>
+    </p:spTree>
+    <p:extLst>
+      <p:ext uri="{BB962C8B-B14F-4D97-AF65-F5344CB8AC3E}">
+        <p14:creationId xmlns:p14="http://schemas.microsoft.com/office/powerpoint/2010/main" val="1804050216"/>
+      </p:ext>
+    </p:extLst>
+  </p:cSld>
+  <p:clrMapOvr>
+    <a:masterClrMapping/>
+  </p:clrMapOvr>
+</p:sld>
+</file>
+
+<file path=ppt/slides/slide14.xml><?xml version="1.0" encoding="utf-8"?>
+<p:sld xmlns:a="http://schemas.openxmlformats.org/drawingml/2006/main" xmlns:r="http://schemas.openxmlformats.org/officeDocument/2006/relationships" xmlns:p="http://schemas.openxmlformats.org/presentationml/2006/main">
+  <p:cSld>
+    <p:spTree>
+      <p:nvGrpSpPr>
+        <p:cNvPr id="1" name=""/>
+        <p:cNvGrpSpPr/>
+        <p:nvPr/>
+      </p:nvGrpSpPr>
+      <p:grpSpPr>
+        <a:xfrm>
+          <a:off x="0" y="0"/>
+          <a:ext cx="0" cy="0"/>
+          <a:chOff x="0" y="0"/>
+          <a:chExt cx="0" cy="0"/>
+        </a:xfrm>
+      </p:grpSpPr>
+      <p:pic>
+        <p:nvPicPr>
+          <p:cNvPr id="2" name="图片 1"/>
+          <p:cNvPicPr>
+            <a:picLocks noChangeAspect="1"/>
+          </p:cNvPicPr>
+          <p:nvPr/>
+        </p:nvPicPr>
+        <p:blipFill>
+          <a:blip r:embed="rId2"/>
+          <a:stretch>
+            <a:fillRect/>
+          </a:stretch>
+        </p:blipFill>
+        <p:spPr>
+          <a:xfrm>
+            <a:off x="399709" y="733330"/>
+            <a:ext cx="10981991" cy="5768008"/>
+          </a:xfrm>
+          <a:prstGeom prst="rect">
+            <a:avLst/>
+          </a:prstGeom>
+        </p:spPr>
+      </p:pic>
+      <p:sp>
+        <p:nvSpPr>
+          <p:cNvPr id="3" name="文本框 2"/>
+          <p:cNvSpPr txBox="1"/>
+          <p:nvPr/>
+        </p:nvSpPr>
+        <p:spPr>
+          <a:xfrm>
+            <a:off x="517470" y="169978"/>
+            <a:ext cx="6704965" cy="954107"/>
+          </a:xfrm>
+          <a:prstGeom prst="rect">
+            <a:avLst/>
+          </a:prstGeom>
+          <a:noFill/>
+          <a:ln w="19050">
+            <a:noFill/>
+            <a:prstDash val="solid"/>
+          </a:ln>
+        </p:spPr>
+        <p:txBody>
+          <a:bodyPr wrap="square" rtlCol="0">
+            <a:spAutoFit/>
+          </a:bodyPr>
+          <a:lstStyle/>
+          <a:p>
+            <a:pPr lvl="0" algn="l"/>
+            <a:r>
+              <a:rPr lang="zh-CN" altLang="en-US" sz="2000" dirty="0">
+                <a:ea typeface="宋体" panose="02010600030101010101" pitchFamily="2" charset="-122"/>
+                <a:cs typeface="+mn-ea"/>
+                <a:sym typeface="+mn-lt"/>
+              </a:rPr>
+              <a:t>过</a:t>
+            </a:r>
+            <a:r>
+              <a:rPr lang="zh-CN" altLang="en-US" sz="2000" dirty="0" smtClean="0">
+                <a:ea typeface="宋体" panose="02010600030101010101" pitchFamily="2" charset="-122"/>
+                <a:cs typeface="+mn-ea"/>
+                <a:sym typeface="+mn-lt"/>
+              </a:rPr>
+              <a:t>站扫描</a:t>
+            </a:r>
+            <a:endParaRPr lang="en-US" altLang="zh-CN" sz="2000" dirty="0" smtClean="0">
+              <a:ea typeface="宋体" panose="02010600030101010101" pitchFamily="2" charset="-122"/>
+              <a:cs typeface="+mn-ea"/>
+              <a:sym typeface="+mn-lt"/>
+            </a:endParaRPr>
+          </a:p>
+          <a:p>
+            <a:pPr lvl="0" algn="l"/>
+            <a:endParaRPr lang="en-US" altLang="zh-CN" sz="2000" dirty="0" smtClean="0">
+              <a:ea typeface="宋体" panose="02010600030101010101" pitchFamily="2" charset="-122"/>
+              <a:cs typeface="+mn-ea"/>
+              <a:sym typeface="+mn-lt"/>
+            </a:endParaRPr>
+          </a:p>
+          <a:p>
+            <a:pPr lvl="0" algn="l"/>
+            <a:endParaRPr lang="zh-CN" sz="1600" dirty="0">
+              <a:solidFill>
+                <a:srgbClr val="FF0000"/>
+              </a:solidFill>
+              <a:ea typeface="宋体" panose="02010600030101010101" pitchFamily="2" charset="-122"/>
+              <a:cs typeface="+mn-ea"/>
+              <a:sym typeface="+mn-lt"/>
+            </a:endParaRPr>
+          </a:p>
+        </p:txBody>
+      </p:sp>
+    </p:spTree>
+    <p:extLst>
+      <p:ext uri="{BB962C8B-B14F-4D97-AF65-F5344CB8AC3E}">
+        <p14:creationId xmlns:p14="http://schemas.microsoft.com/office/powerpoint/2010/main" val="2043130284"/>
+      </p:ext>
+    </p:extLst>
+  </p:cSld>
+  <p:clrMapOvr>
+    <a:masterClrMapping/>
+  </p:clrMapOvr>
+</p:sld>
+</file>
+
+<file path=ppt/slides/slide15.xml><?xml version="1.0" encoding="utf-8"?>
+<p:sld xmlns:a="http://schemas.openxmlformats.org/drawingml/2006/main" xmlns:r="http://schemas.openxmlformats.org/officeDocument/2006/relationships" xmlns:p="http://schemas.openxmlformats.org/presentationml/2006/main">
+  <p:cSld>
+    <p:spTree>
+      <p:nvGrpSpPr>
+        <p:cNvPr id="1" name=""/>
+        <p:cNvGrpSpPr/>
+        <p:nvPr/>
+      </p:nvGrpSpPr>
+      <p:grpSpPr>
+        <a:xfrm>
+          <a:off x="0" y="0"/>
+          <a:ext cx="0" cy="0"/>
+          <a:chOff x="0" y="0"/>
+          <a:chExt cx="0" cy="0"/>
+        </a:xfrm>
+      </p:grpSpPr>
+      <p:pic>
+        <p:nvPicPr>
+          <p:cNvPr id="2" name="图片 1"/>
+          <p:cNvPicPr>
+            <a:picLocks noChangeAspect="1"/>
+          </p:cNvPicPr>
+          <p:nvPr/>
+        </p:nvPicPr>
+        <p:blipFill>
+          <a:blip r:embed="rId2"/>
+          <a:stretch>
+            <a:fillRect/>
+          </a:stretch>
+        </p:blipFill>
+        <p:spPr>
+          <a:xfrm>
+            <a:off x="517470" y="1054486"/>
+            <a:ext cx="10756286" cy="5065657"/>
+          </a:xfrm>
+          <a:prstGeom prst="rect">
+            <a:avLst/>
+          </a:prstGeom>
+        </p:spPr>
+      </p:pic>
+      <p:sp>
+        <p:nvSpPr>
+          <p:cNvPr id="4" name="文本框 3"/>
+          <p:cNvSpPr txBox="1"/>
+          <p:nvPr/>
+        </p:nvSpPr>
+        <p:spPr>
+          <a:xfrm>
+            <a:off x="517470" y="169978"/>
+            <a:ext cx="6704965" cy="646331"/>
+          </a:xfrm>
+          <a:prstGeom prst="rect">
+            <a:avLst/>
+          </a:prstGeom>
+          <a:noFill/>
+          <a:ln w="19050">
+            <a:noFill/>
+            <a:prstDash val="solid"/>
+          </a:ln>
+        </p:spPr>
+        <p:txBody>
+          <a:bodyPr wrap="square" rtlCol="0">
+            <a:spAutoFit/>
+          </a:bodyPr>
+          <a:lstStyle/>
+          <a:p>
+            <a:pPr lvl="0" algn="l"/>
+            <a:r>
+              <a:rPr lang="zh-CN" altLang="en-US" sz="2000" dirty="0" smtClean="0">
+                <a:ea typeface="宋体" panose="02010600030101010101" pitchFamily="2" charset="-122"/>
+                <a:cs typeface="+mn-ea"/>
+                <a:sym typeface="+mn-lt"/>
+              </a:rPr>
+              <a:t>退料通知单</a:t>
+            </a:r>
+            <a:endParaRPr lang="en-US" altLang="zh-CN" sz="2000" dirty="0" smtClean="0">
+              <a:ea typeface="宋体" panose="02010600030101010101" pitchFamily="2" charset="-122"/>
+              <a:cs typeface="+mn-ea"/>
+              <a:sym typeface="+mn-lt"/>
+            </a:endParaRPr>
+          </a:p>
+          <a:p>
+            <a:pPr lvl="0" algn="l"/>
+            <a:endParaRPr lang="zh-CN" sz="1600" dirty="0">
+              <a:solidFill>
+                <a:srgbClr val="FF0000"/>
+              </a:solidFill>
+              <a:ea typeface="宋体" panose="02010600030101010101" pitchFamily="2" charset="-122"/>
+              <a:cs typeface="+mn-ea"/>
+              <a:sym typeface="+mn-lt"/>
+            </a:endParaRPr>
+          </a:p>
+        </p:txBody>
+      </p:sp>
+    </p:spTree>
+    <p:extLst>
+      <p:ext uri="{BB962C8B-B14F-4D97-AF65-F5344CB8AC3E}">
+        <p14:creationId xmlns:p14="http://schemas.microsoft.com/office/powerpoint/2010/main" val="371436985"/>
+      </p:ext>
+    </p:extLst>
+  </p:cSld>
+  <p:clrMapOvr>
+    <a:masterClrMapping/>
+  </p:clrMapOvr>
+</p:sld>
+</file>
+
+<file path=ppt/slides/slide16.xml><?xml version="1.0" encoding="utf-8"?>
+<p:sld xmlns:a="http://schemas.openxmlformats.org/drawingml/2006/main" xmlns:r="http://schemas.openxmlformats.org/officeDocument/2006/relationships" xmlns:p="http://schemas.openxmlformats.org/presentationml/2006/main">
+  <p:cSld>
+    <p:spTree>
+      <p:nvGrpSpPr>
+        <p:cNvPr id="1" name=""/>
+        <p:cNvGrpSpPr/>
+        <p:nvPr/>
+      </p:nvGrpSpPr>
+      <p:grpSpPr>
+        <a:xfrm>
+          <a:off x="0" y="0"/>
+          <a:ext cx="0" cy="0"/>
+          <a:chOff x="0" y="0"/>
+          <a:chExt cx="0" cy="0"/>
+        </a:xfrm>
+      </p:grpSpPr>
+      <p:pic>
+        <p:nvPicPr>
+          <p:cNvPr id="2" name="图片 1"/>
+          <p:cNvPicPr>
+            <a:picLocks noChangeAspect="1"/>
+          </p:cNvPicPr>
+          <p:nvPr/>
+        </p:nvPicPr>
+        <p:blipFill>
+          <a:blip r:embed="rId2"/>
+          <a:stretch>
+            <a:fillRect/>
+          </a:stretch>
+        </p:blipFill>
+        <p:spPr>
+          <a:xfrm>
+            <a:off x="320513" y="959668"/>
+            <a:ext cx="11463019" cy="4937812"/>
+          </a:xfrm>
+          <a:prstGeom prst="rect">
+            <a:avLst/>
+          </a:prstGeom>
+        </p:spPr>
+      </p:pic>
+      <p:sp>
+        <p:nvSpPr>
+          <p:cNvPr id="3" name="文本框 2"/>
+          <p:cNvSpPr txBox="1"/>
+          <p:nvPr/>
+        </p:nvSpPr>
+        <p:spPr>
+          <a:xfrm>
+            <a:off x="517470" y="169978"/>
+            <a:ext cx="6704965" cy="646331"/>
+          </a:xfrm>
+          <a:prstGeom prst="rect">
+            <a:avLst/>
+          </a:prstGeom>
+          <a:noFill/>
+          <a:ln w="19050">
+            <a:noFill/>
+            <a:prstDash val="solid"/>
+          </a:ln>
+        </p:spPr>
+        <p:txBody>
+          <a:bodyPr wrap="square" rtlCol="0">
+            <a:spAutoFit/>
+          </a:bodyPr>
+          <a:lstStyle/>
+          <a:p>
+            <a:pPr lvl="0" algn="l"/>
+            <a:r>
+              <a:rPr lang="zh-CN" altLang="en-US" sz="2000" dirty="0" smtClean="0">
+                <a:ea typeface="宋体" panose="02010600030101010101" pitchFamily="2" charset="-122"/>
+                <a:cs typeface="+mn-ea"/>
+                <a:sym typeface="+mn-lt"/>
+              </a:rPr>
+              <a:t>条码锁定</a:t>
+            </a:r>
+            <a:endParaRPr lang="en-US" altLang="zh-CN" sz="2000" dirty="0" smtClean="0">
+              <a:ea typeface="宋体" panose="02010600030101010101" pitchFamily="2" charset="-122"/>
+              <a:cs typeface="+mn-ea"/>
+              <a:sym typeface="+mn-lt"/>
+            </a:endParaRPr>
+          </a:p>
+          <a:p>
+            <a:pPr lvl="0" algn="l"/>
+            <a:endParaRPr lang="zh-CN" sz="1600" dirty="0">
+              <a:solidFill>
+                <a:srgbClr val="FF0000"/>
+              </a:solidFill>
+              <a:ea typeface="宋体" panose="02010600030101010101" pitchFamily="2" charset="-122"/>
+              <a:cs typeface="+mn-ea"/>
+              <a:sym typeface="+mn-lt"/>
+            </a:endParaRPr>
+          </a:p>
+        </p:txBody>
+      </p:sp>
+    </p:spTree>
+    <p:extLst>
+      <p:ext uri="{BB962C8B-B14F-4D97-AF65-F5344CB8AC3E}">
+        <p14:creationId xmlns:p14="http://schemas.microsoft.com/office/powerpoint/2010/main" val="2965210956"/>
+      </p:ext>
+    </p:extLst>
+  </p:cSld>
+  <p:clrMapOvr>
+    <a:masterClrMapping/>
+  </p:clrMapOvr>
+</p:sld>
+</file>
+
+<file path=ppt/slides/slide17.xml><?xml version="1.0" encoding="utf-8"?>
+<p:sld xmlns:a="http://schemas.openxmlformats.org/drawingml/2006/main" xmlns:r="http://schemas.openxmlformats.org/officeDocument/2006/relationships" xmlns:p="http://schemas.openxmlformats.org/presentationml/2006/main">
+  <p:cSld>
+    <p:spTree>
+      <p:nvGrpSpPr>
+        <p:cNvPr id="1" name=""/>
+        <p:cNvGrpSpPr/>
+        <p:nvPr/>
+      </p:nvGrpSpPr>
+      <p:grpSpPr>
+        <a:xfrm>
+          <a:off x="0" y="0"/>
+          <a:ext cx="0" cy="0"/>
+          <a:chOff x="0" y="0"/>
+          <a:chExt cx="0" cy="0"/>
+        </a:xfrm>
+      </p:grpSpPr>
+      <p:pic>
+        <p:nvPicPr>
+          <p:cNvPr id="2" name="图片 1"/>
+          <p:cNvPicPr>
+            <a:picLocks noChangeAspect="1"/>
+          </p:cNvPicPr>
+          <p:nvPr/>
+        </p:nvPicPr>
+        <p:blipFill>
+          <a:blip r:embed="rId2"/>
+          <a:stretch>
+            <a:fillRect/>
+          </a:stretch>
+        </p:blipFill>
+        <p:spPr>
+          <a:xfrm>
+            <a:off x="298764" y="647031"/>
+            <a:ext cx="10793239" cy="5916731"/>
+          </a:xfrm>
+          <a:prstGeom prst="rect">
+            <a:avLst/>
+          </a:prstGeom>
+        </p:spPr>
+      </p:pic>
+      <p:sp>
+        <p:nvSpPr>
+          <p:cNvPr id="5" name="文本框 4"/>
+          <p:cNvSpPr txBox="1"/>
+          <p:nvPr/>
+        </p:nvSpPr>
+        <p:spPr>
+          <a:xfrm>
+            <a:off x="517470" y="169978"/>
+            <a:ext cx="6704965" cy="954107"/>
+          </a:xfrm>
+          <a:prstGeom prst="rect">
+            <a:avLst/>
+          </a:prstGeom>
+          <a:noFill/>
+          <a:ln w="19050">
+            <a:noFill/>
+            <a:prstDash val="solid"/>
+          </a:ln>
+        </p:spPr>
+        <p:txBody>
+          <a:bodyPr wrap="square" rtlCol="0">
+            <a:spAutoFit/>
+          </a:bodyPr>
+          <a:lstStyle/>
+          <a:p>
+            <a:pPr lvl="0" algn="l"/>
+            <a:r>
+              <a:rPr lang="zh-CN" altLang="en-US" sz="2000" dirty="0" smtClean="0">
+                <a:ea typeface="宋体" panose="02010600030101010101" pitchFamily="2" charset="-122"/>
+                <a:cs typeface="+mn-ea"/>
+                <a:sym typeface="+mn-lt"/>
+              </a:rPr>
+              <a:t>设备维修单据申请</a:t>
+            </a:r>
+            <a:endParaRPr lang="en-US" altLang="zh-CN" sz="2000" dirty="0" smtClean="0">
+              <a:ea typeface="宋体" panose="02010600030101010101" pitchFamily="2" charset="-122"/>
+              <a:cs typeface="+mn-ea"/>
+              <a:sym typeface="+mn-lt"/>
+            </a:endParaRPr>
+          </a:p>
+          <a:p>
+            <a:pPr lvl="0" algn="l"/>
+            <a:endParaRPr lang="en-US" altLang="zh-CN" sz="2000" dirty="0" smtClean="0">
+              <a:ea typeface="宋体" panose="02010600030101010101" pitchFamily="2" charset="-122"/>
+              <a:cs typeface="+mn-ea"/>
+              <a:sym typeface="+mn-lt"/>
+            </a:endParaRPr>
+          </a:p>
+          <a:p>
+            <a:pPr lvl="0" algn="l"/>
+            <a:endParaRPr lang="zh-CN" sz="1600" dirty="0">
+              <a:solidFill>
+                <a:srgbClr val="FF0000"/>
+              </a:solidFill>
+              <a:ea typeface="宋体" panose="02010600030101010101" pitchFamily="2" charset="-122"/>
+              <a:cs typeface="+mn-ea"/>
+              <a:sym typeface="+mn-lt"/>
+            </a:endParaRPr>
+          </a:p>
+        </p:txBody>
+      </p:sp>
+    </p:spTree>
+    <p:extLst>
+      <p:ext uri="{BB962C8B-B14F-4D97-AF65-F5344CB8AC3E}">
+        <p14:creationId xmlns:p14="http://schemas.microsoft.com/office/powerpoint/2010/main" val="2194435856"/>
+      </p:ext>
+    </p:extLst>
+  </p:cSld>
+  <p:clrMapOvr>
+    <a:masterClrMapping/>
+  </p:clrMapOvr>
+</p:sld>
+</file>
+
+<file path=ppt/slides/slide18.xml><?xml version="1.0" encoding="utf-8"?>
+<p:sld xmlns:a="http://schemas.openxmlformats.org/drawingml/2006/main" xmlns:r="http://schemas.openxmlformats.org/officeDocument/2006/relationships" xmlns:p="http://schemas.openxmlformats.org/presentationml/2006/main">
+  <p:cSld>
+    <p:bg>
+      <p:bgRef idx="1001">
+        <a:schemeClr val="bg1"/>
+      </p:bgRef>
+    </p:bg>
+    <p:spTree>
+      <p:nvGrpSpPr>
+        <p:cNvPr id="1" name=""/>
+        <p:cNvGrpSpPr/>
+        <p:nvPr/>
+      </p:nvGrpSpPr>
+      <p:grpSpPr>
+        <a:xfrm>
+          <a:off x="0" y="0"/>
+          <a:ext cx="0" cy="0"/>
+          <a:chOff x="0" y="0"/>
+          <a:chExt cx="0" cy="0"/>
+        </a:xfrm>
+      </p:grpSpPr>
+      <p:sp>
+        <p:nvSpPr>
+          <p:cNvPr id="20481" name="文本框 15"/>
+          <p:cNvSpPr txBox="1"/>
+          <p:nvPr/>
+        </p:nvSpPr>
+        <p:spPr>
+          <a:xfrm>
+            <a:off x="479743" y="246380"/>
+            <a:ext cx="4204335" cy="553085"/>
+          </a:xfrm>
+          <a:prstGeom prst="rect">
+            <a:avLst/>
+          </a:prstGeom>
+          <a:noFill/>
+          <a:ln w="9525">
+            <a:noFill/>
+          </a:ln>
+        </p:spPr>
+        <p:txBody>
+          <a:bodyPr wrap="none" anchor="t">
+            <a:spAutoFit/>
+          </a:bodyPr>
+          <a:lstStyle/>
+          <a:p>
+            <a:r>
+              <a:rPr lang="en-US" altLang="zh-CN" sz="3000" b="1">
+                <a:solidFill>
+                  <a:srgbClr val="0070C0"/>
+                </a:solidFill>
+                <a:latin typeface="黑体" panose="02010609060101010101" charset="-122"/>
+                <a:ea typeface="黑体" panose="02010609060101010101" charset="-122"/>
+                <a:sym typeface="等线" panose="02010600030101010101" charset="-122"/>
+              </a:rPr>
+              <a:t>3</a:t>
+            </a:r>
+            <a:r>
+              <a:rPr lang="zh-CN" altLang="en-US" sz="3000" b="1">
+                <a:solidFill>
+                  <a:srgbClr val="0070C0"/>
+                </a:solidFill>
+                <a:latin typeface="黑体" panose="02010609060101010101" charset="-122"/>
+                <a:ea typeface="黑体" panose="02010609060101010101" charset="-122"/>
+                <a:sym typeface="等线" panose="02010600030101010101" charset="-122"/>
+              </a:rPr>
+              <a:t>、试用期工作亮点展示</a:t>
+            </a:r>
+          </a:p>
+        </p:txBody>
+      </p:sp>
+      <p:sp>
+        <p:nvSpPr>
+          <p:cNvPr id="3" name="文本框 2"/>
+          <p:cNvSpPr txBox="1"/>
+          <p:nvPr/>
+        </p:nvSpPr>
+        <p:spPr>
+          <a:xfrm>
+            <a:off x="626110" y="1094740"/>
+            <a:ext cx="6704965" cy="398780"/>
+          </a:xfrm>
+          <a:prstGeom prst="rect">
+            <a:avLst/>
+          </a:prstGeom>
+          <a:noFill/>
+          <a:ln w="19050">
+            <a:noFill/>
+            <a:prstDash val="solid"/>
+          </a:ln>
+        </p:spPr>
+        <p:txBody>
+          <a:bodyPr wrap="square" rtlCol="0">
+            <a:spAutoFit/>
+          </a:bodyPr>
+          <a:lstStyle/>
+          <a:p>
+            <a:pPr lvl="0" algn="l"/>
+            <a:r>
+              <a:rPr lang="zh-CN" sz="2000" dirty="0">
+                <a:solidFill>
+                  <a:srgbClr val="FF0000"/>
+                </a:solidFill>
+                <a:ea typeface="宋体" panose="02010600030101010101" pitchFamily="2" charset="-122"/>
+                <a:cs typeface="+mn-ea"/>
+                <a:sym typeface="+mn-lt"/>
+              </a:rPr>
+              <a:t>备注：试用期突出贡献</a:t>
+            </a:r>
+            <a:endParaRPr lang="zh-CN" sz="1600" dirty="0">
+              <a:solidFill>
+                <a:srgbClr val="FF0000"/>
+              </a:solidFill>
+              <a:ea typeface="宋体" panose="02010600030101010101" pitchFamily="2" charset="-122"/>
+              <a:cs typeface="+mn-ea"/>
+              <a:sym typeface="+mn-lt"/>
+            </a:endParaRPr>
+          </a:p>
+        </p:txBody>
+      </p:sp>
+    </p:spTree>
+  </p:cSld>
+  <p:clrMapOvr>
+    <a:overrideClrMapping bg1="lt1" tx1="dk1" bg2="lt2" tx2="dk2" accent1="accent1" accent2="accent2" accent3="accent3" accent4="accent4" accent5="accent5" accent6="accent6" hlink="hlink" folHlink="folHlink"/>
+  </p:clrMapOvr>
+</p:sld>
+</file>
+
+<file path=ppt/slides/slide19.xml><?xml version="1.0" encoding="utf-8"?>
+<p:sld xmlns:a="http://schemas.openxmlformats.org/drawingml/2006/main" xmlns:r="http://schemas.openxmlformats.org/officeDocument/2006/relationships" xmlns:p="http://schemas.openxmlformats.org/presentationml/2006/main">
+  <p:cSld>
+    <p:bg>
+      <p:bgRef idx="1001">
+        <a:schemeClr val="bg1"/>
+      </p:bgRef>
+    </p:bg>
+    <p:spTree>
+      <p:nvGrpSpPr>
+        <p:cNvPr id="1" name=""/>
+        <p:cNvGrpSpPr/>
+        <p:nvPr/>
+      </p:nvGrpSpPr>
+      <p:grpSpPr>
+        <a:xfrm>
+          <a:off x="0" y="0"/>
+          <a:ext cx="0" cy="0"/>
+          <a:chOff x="0" y="0"/>
+          <a:chExt cx="0" cy="0"/>
+        </a:xfrm>
+      </p:grpSpPr>
+      <p:sp>
+        <p:nvSpPr>
+          <p:cNvPr id="20481" name="文本框 15"/>
+          <p:cNvSpPr txBox="1"/>
+          <p:nvPr/>
+        </p:nvSpPr>
+        <p:spPr>
+          <a:xfrm>
+            <a:off x="479743" y="246380"/>
+            <a:ext cx="3438525" cy="553085"/>
+          </a:xfrm>
+          <a:prstGeom prst="rect">
+            <a:avLst/>
+          </a:prstGeom>
+          <a:noFill/>
+          <a:ln w="9525">
+            <a:noFill/>
+          </a:ln>
+        </p:spPr>
+        <p:txBody>
+          <a:bodyPr wrap="none" anchor="t">
+            <a:spAutoFit/>
+          </a:bodyPr>
+          <a:lstStyle/>
+          <a:p>
+            <a:r>
+              <a:rPr lang="en-US" altLang="zh-CN" sz="3000" b="1">
+                <a:solidFill>
+                  <a:srgbClr val="0070C0"/>
+                </a:solidFill>
+                <a:latin typeface="黑体" panose="02010609060101010101" charset="-122"/>
+                <a:ea typeface="黑体" panose="02010609060101010101" charset="-122"/>
+                <a:sym typeface="等线" panose="02010600030101010101" charset="-122"/>
+              </a:rPr>
+              <a:t>4</a:t>
+            </a:r>
+            <a:r>
+              <a:rPr lang="zh-CN" altLang="en-US" sz="3000" b="1">
+                <a:solidFill>
+                  <a:srgbClr val="0070C0"/>
+                </a:solidFill>
+                <a:latin typeface="黑体" panose="02010609060101010101" charset="-122"/>
+                <a:ea typeface="黑体" panose="02010609060101010101" charset="-122"/>
+                <a:sym typeface="等线" panose="02010600030101010101" charset="-122"/>
+              </a:rPr>
+              <a:t>、下阶段工作计划</a:t>
+            </a:r>
+            <a:endParaRPr lang="zh-CN" altLang="en-US" sz="3000" b="1">
+              <a:solidFill>
+                <a:schemeClr val="bg2">
+                  <a:lumMod val="75000"/>
+                </a:schemeClr>
+              </a:solidFill>
+              <a:latin typeface="黑体" panose="02010609060101010101" charset="-122"/>
+              <a:ea typeface="黑体" panose="02010609060101010101" charset="-122"/>
+              <a:sym typeface="等线" panose="02010600030101010101" charset="-122"/>
+            </a:endParaRPr>
+          </a:p>
+        </p:txBody>
+      </p:sp>
+    </p:spTree>
+  </p:cSld>
+  <p:clrMapOvr>
+    <a:overrideClrMapping bg1="lt1" tx1="dk1" bg2="lt2" tx2="dk2" accent1="accent1" accent2="accent2" accent3="accent3" accent4="accent4" accent5="accent5" accent6="accent6" hlink="hlink" folHlink="folHlink"/>
+  </p:clrMapOvr>
 </p:sld>
 </file>
 
@@ -3751,1498 +4970,7 @@
 </p:sld>
 </file>
 
-<file path=ppt/slides/slide3.xml><?xml version="1.0" encoding="utf-8"?>
-<p:sld xmlns:a="http://schemas.openxmlformats.org/drawingml/2006/main" xmlns:r="http://schemas.openxmlformats.org/officeDocument/2006/relationships" xmlns:p="http://schemas.openxmlformats.org/presentationml/2006/main">
-  <p:cSld>
-    <p:bg>
-      <p:bgRef idx="1001">
-        <a:schemeClr val="bg1"/>
-      </p:bgRef>
-    </p:bg>
-    <p:spTree>
-      <p:nvGrpSpPr>
-        <p:cNvPr id="1" name=""/>
-        <p:cNvGrpSpPr/>
-        <p:nvPr/>
-      </p:nvGrpSpPr>
-      <p:grpSpPr>
-        <a:xfrm>
-          <a:off x="0" y="0"/>
-          <a:ext cx="0" cy="0"/>
-          <a:chOff x="0" y="0"/>
-          <a:chExt cx="0" cy="0"/>
-        </a:xfrm>
-      </p:grpSpPr>
-      <p:sp>
-        <p:nvSpPr>
-          <p:cNvPr id="28" name="矩形 27"/>
-          <p:cNvSpPr/>
-          <p:nvPr/>
-        </p:nvSpPr>
-        <p:spPr>
-          <a:xfrm>
-            <a:off x="554355" y="1230630"/>
-            <a:ext cx="10937240" cy="4949825"/>
-          </a:xfrm>
-          <a:prstGeom prst="rect">
-            <a:avLst/>
-          </a:prstGeom>
-          <a:solidFill>
-            <a:srgbClr val="6B96CE"/>
-          </a:solidFill>
-          <a:ln w="12700">
-            <a:solidFill>
-              <a:schemeClr val="tx1"/>
-            </a:solidFill>
-          </a:ln>
-        </p:spPr>
-        <p:style>
-          <a:lnRef idx="2">
-            <a:schemeClr val="accent1">
-              <a:shade val="50000"/>
-            </a:schemeClr>
-          </a:lnRef>
-          <a:fillRef idx="1">
-            <a:schemeClr val="accent1"/>
-          </a:fillRef>
-          <a:effectRef idx="0">
-            <a:schemeClr val="accent1"/>
-          </a:effectRef>
-          <a:fontRef idx="minor">
-            <a:schemeClr val="lt1"/>
-          </a:fontRef>
-        </p:style>
-        <p:txBody>
-          <a:bodyPr rtlCol="0" anchor="ctr"/>
-          <a:lstStyle/>
-          <a:p>
-            <a:pPr algn="ctr"/>
-            <a:endParaRPr lang="zh-CN" altLang="en-US" dirty="0">
-              <a:cs typeface="+mn-ea"/>
-              <a:sym typeface="+mn-lt"/>
-            </a:endParaRPr>
-          </a:p>
-        </p:txBody>
-      </p:sp>
-      <p:grpSp>
-        <p:nvGrpSpPr>
-          <p:cNvPr id="31" name="组合 30"/>
-          <p:cNvGrpSpPr/>
-          <p:nvPr/>
-        </p:nvGrpSpPr>
-        <p:grpSpPr>
-          <a:xfrm>
-            <a:off x="921900" y="2566015"/>
-            <a:ext cx="4799965" cy="398780"/>
-            <a:chOff x="5012373" y="3489017"/>
-            <a:chExt cx="4799965" cy="398780"/>
-          </a:xfrm>
-        </p:grpSpPr>
-        <p:sp>
-          <p:nvSpPr>
-            <p:cNvPr id="32" name="文本框 31"/>
-            <p:cNvSpPr txBox="1"/>
-            <p:nvPr/>
-          </p:nvSpPr>
-          <p:spPr>
-            <a:xfrm>
-              <a:off x="7847013" y="3489017"/>
-              <a:ext cx="1965325" cy="398780"/>
-            </a:xfrm>
-            <a:prstGeom prst="rect">
-              <a:avLst/>
-            </a:prstGeom>
-            <a:noFill/>
-            <a:ln w="19050">
-              <a:noFill/>
-              <a:prstDash val="solid"/>
-            </a:ln>
-          </p:spPr>
-          <p:txBody>
-            <a:bodyPr wrap="square" rtlCol="0">
-              <a:spAutoFit/>
-            </a:bodyPr>
-            <a:lstStyle/>
-            <a:p>
-              <a:pPr lvl="0" algn="l"/>
-              <a:r>
-                <a:rPr lang="zh-CN" altLang="en-US" sz="2000" dirty="0">
-                  <a:solidFill>
-                    <a:schemeClr val="bg1"/>
-                  </a:solidFill>
-                  <a:cs typeface="+mn-ea"/>
-                  <a:sym typeface="+mn-lt"/>
-                </a:rPr>
-                <a:t>岗位</a:t>
-              </a:r>
-              <a:r>
-                <a:rPr lang="zh-CN" altLang="en-US" sz="2000" dirty="0" smtClean="0">
-                  <a:solidFill>
-                    <a:schemeClr val="bg1"/>
-                  </a:solidFill>
-                  <a:cs typeface="+mn-ea"/>
-                  <a:sym typeface="+mn-lt"/>
-                </a:rPr>
-                <a:t>：</a:t>
-              </a:r>
-              <a:r>
-                <a:rPr lang="zh-CN" altLang="en-US" sz="1600" dirty="0" smtClean="0">
-                  <a:solidFill>
-                    <a:schemeClr val="bg1"/>
-                  </a:solidFill>
-                  <a:cs typeface="+mn-ea"/>
-                  <a:sym typeface="+mn-lt"/>
-                </a:rPr>
-                <a:t>软件工程师</a:t>
-              </a:r>
-              <a:endParaRPr lang="zh-CN" altLang="en-US" sz="1600" dirty="0">
-                <a:solidFill>
-                  <a:schemeClr val="bg1"/>
-                </a:solidFill>
-                <a:cs typeface="+mn-ea"/>
-                <a:sym typeface="+mn-lt"/>
-              </a:endParaRPr>
-            </a:p>
-          </p:txBody>
-        </p:sp>
-        <p:sp>
-          <p:nvSpPr>
-            <p:cNvPr id="33" name="文本框 32"/>
-            <p:cNvSpPr txBox="1"/>
-            <p:nvPr/>
-          </p:nvSpPr>
-          <p:spPr>
-            <a:xfrm>
-              <a:off x="5012373" y="3489017"/>
-              <a:ext cx="2304474" cy="398780"/>
-            </a:xfrm>
-            <a:prstGeom prst="rect">
-              <a:avLst/>
-            </a:prstGeom>
-            <a:noFill/>
-            <a:ln w="19050">
-              <a:noFill/>
-              <a:prstDash val="solid"/>
-            </a:ln>
-          </p:spPr>
-          <p:txBody>
-            <a:bodyPr wrap="square" rtlCol="0">
-              <a:spAutoFit/>
-            </a:bodyPr>
-            <a:lstStyle/>
-            <a:p>
-              <a:pPr lvl="0" algn="l"/>
-              <a:r>
-                <a:rPr lang="zh-CN" altLang="en-US" sz="2000" dirty="0">
-                  <a:solidFill>
-                    <a:schemeClr val="bg1"/>
-                  </a:solidFill>
-                  <a:cs typeface="+mn-ea"/>
-                  <a:sym typeface="+mn-lt"/>
-                </a:rPr>
-                <a:t>部门</a:t>
-              </a:r>
-              <a:r>
-                <a:rPr lang="zh-CN" altLang="en-US" sz="2000" dirty="0" smtClean="0">
-                  <a:solidFill>
-                    <a:schemeClr val="bg1"/>
-                  </a:solidFill>
-                  <a:cs typeface="+mn-ea"/>
-                  <a:sym typeface="+mn-lt"/>
-                </a:rPr>
-                <a:t>：</a:t>
-              </a:r>
-              <a:r>
-                <a:rPr lang="zh-CN" altLang="en-US" sz="1600" dirty="0" smtClean="0">
-                  <a:solidFill>
-                    <a:schemeClr val="bg1"/>
-                  </a:solidFill>
-                  <a:ea typeface="宋体" panose="02010600030101010101" pitchFamily="2" charset="-122"/>
-                  <a:cs typeface="+mn-ea"/>
-                  <a:sym typeface="+mn-lt"/>
-                </a:rPr>
-                <a:t>通用研发部</a:t>
-              </a:r>
-              <a:endParaRPr lang="zh-CN" altLang="en-US" sz="1600" dirty="0">
-                <a:solidFill>
-                  <a:schemeClr val="bg1"/>
-                </a:solidFill>
-                <a:ea typeface="宋体" panose="02010600030101010101" pitchFamily="2" charset="-122"/>
-                <a:cs typeface="+mn-ea"/>
-                <a:sym typeface="+mn-lt"/>
-              </a:endParaRPr>
-            </a:p>
-          </p:txBody>
-        </p:sp>
-      </p:grpSp>
-      <p:sp>
-        <p:nvSpPr>
-          <p:cNvPr id="34" name="文本框 33"/>
-          <p:cNvSpPr txBox="1"/>
-          <p:nvPr/>
-        </p:nvSpPr>
-        <p:spPr>
-          <a:xfrm>
-            <a:off x="921900" y="1428995"/>
-            <a:ext cx="1848014" cy="398780"/>
-          </a:xfrm>
-          <a:prstGeom prst="rect">
-            <a:avLst/>
-          </a:prstGeom>
-          <a:noFill/>
-          <a:ln w="19050">
-            <a:noFill/>
-            <a:prstDash val="solid"/>
-          </a:ln>
-        </p:spPr>
-        <p:txBody>
-          <a:bodyPr wrap="square" rtlCol="0">
-            <a:spAutoFit/>
-          </a:bodyPr>
-          <a:lstStyle/>
-          <a:p>
-            <a:pPr lvl="0" algn="l"/>
-            <a:r>
-              <a:rPr lang="zh-CN" altLang="en-US" sz="2000" dirty="0">
-                <a:solidFill>
-                  <a:schemeClr val="bg1"/>
-                </a:solidFill>
-                <a:cs typeface="+mn-ea"/>
-                <a:sym typeface="+mn-lt"/>
-              </a:rPr>
-              <a:t>姓名</a:t>
-            </a:r>
-            <a:r>
-              <a:rPr lang="zh-CN" altLang="en-US" sz="2000" dirty="0" smtClean="0">
-                <a:solidFill>
-                  <a:schemeClr val="bg1"/>
-                </a:solidFill>
-                <a:cs typeface="+mn-ea"/>
-                <a:sym typeface="+mn-lt"/>
-              </a:rPr>
-              <a:t>：</a:t>
-            </a:r>
-            <a:r>
-              <a:rPr lang="zh-CN" altLang="en-US" sz="1600" dirty="0" smtClean="0">
-                <a:solidFill>
-                  <a:schemeClr val="bg1"/>
-                </a:solidFill>
-                <a:cs typeface="+mn-ea"/>
-                <a:sym typeface="+mn-lt"/>
-              </a:rPr>
-              <a:t>肖自翔</a:t>
-            </a:r>
-            <a:endParaRPr lang="zh-CN" altLang="en-US" sz="1600" dirty="0">
-              <a:solidFill>
-                <a:schemeClr val="bg1"/>
-              </a:solidFill>
-              <a:cs typeface="+mn-ea"/>
-              <a:sym typeface="+mn-lt"/>
-            </a:endParaRPr>
-          </a:p>
-        </p:txBody>
-      </p:sp>
-      <p:sp>
-        <p:nvSpPr>
-          <p:cNvPr id="38" name="文本框 37"/>
-          <p:cNvSpPr txBox="1"/>
-          <p:nvPr/>
-        </p:nvSpPr>
-        <p:spPr>
-          <a:xfrm>
-            <a:off x="922020" y="3324225"/>
-            <a:ext cx="10304780" cy="2031325"/>
-          </a:xfrm>
-          <a:prstGeom prst="rect">
-            <a:avLst/>
-          </a:prstGeom>
-          <a:noFill/>
-          <a:ln w="19050">
-            <a:noFill/>
-            <a:prstDash val="solid"/>
-          </a:ln>
-        </p:spPr>
-        <p:txBody>
-          <a:bodyPr wrap="square" rtlCol="0">
-            <a:spAutoFit/>
-          </a:bodyPr>
-          <a:lstStyle/>
-          <a:p>
-            <a:pPr>
-              <a:lnSpc>
-                <a:spcPct val="150000"/>
-              </a:lnSpc>
-            </a:pPr>
-            <a:r>
-              <a:rPr lang="zh-CN" altLang="en-US" sz="2000" b="1" dirty="0">
-                <a:solidFill>
-                  <a:schemeClr val="tx1"/>
-                </a:solidFill>
-                <a:cs typeface="+mn-ea"/>
-                <a:sym typeface="+mn-lt"/>
-              </a:rPr>
-              <a:t>主要工作职责：</a:t>
-            </a:r>
-          </a:p>
-          <a:p>
-            <a:pPr>
-              <a:lnSpc>
-                <a:spcPct val="150000"/>
-              </a:lnSpc>
-            </a:pPr>
-            <a:r>
-              <a:rPr lang="en-US" altLang="zh-CN" sz="1600" b="1" dirty="0" smtClean="0">
-                <a:solidFill>
-                  <a:schemeClr val="tx1"/>
-                </a:solidFill>
-                <a:cs typeface="+mn-ea"/>
-                <a:sym typeface="+mn-lt"/>
-              </a:rPr>
-              <a:t>1.WMS</a:t>
-            </a:r>
-            <a:r>
-              <a:rPr lang="zh-CN" altLang="en-US" sz="1600" b="1" dirty="0" smtClean="0">
-                <a:solidFill>
-                  <a:schemeClr val="tx1"/>
-                </a:solidFill>
-                <a:cs typeface="+mn-ea"/>
-                <a:sym typeface="+mn-lt"/>
-              </a:rPr>
-              <a:t>仓储模块： 出入库单据，库存查询，备料，收料通知单</a:t>
-            </a:r>
-            <a:endParaRPr lang="en-US" altLang="zh-CN" sz="1600" b="1" dirty="0">
-              <a:solidFill>
-                <a:schemeClr val="tx1"/>
-              </a:solidFill>
-              <a:cs typeface="+mn-ea"/>
-              <a:sym typeface="+mn-lt"/>
-            </a:endParaRPr>
-          </a:p>
-          <a:p>
-            <a:pPr>
-              <a:lnSpc>
-                <a:spcPct val="150000"/>
-              </a:lnSpc>
-            </a:pPr>
-            <a:r>
-              <a:rPr lang="en-US" altLang="zh-CN" sz="1600" b="1" dirty="0" smtClean="0">
-                <a:solidFill>
-                  <a:schemeClr val="tx1"/>
-                </a:solidFill>
-                <a:cs typeface="+mn-ea"/>
-                <a:sym typeface="+mn-lt"/>
-              </a:rPr>
-              <a:t>2.MES</a:t>
-            </a:r>
-            <a:r>
-              <a:rPr lang="zh-CN" altLang="en-US" sz="1600" b="1" dirty="0" smtClean="0">
-                <a:solidFill>
-                  <a:schemeClr val="tx1"/>
-                </a:solidFill>
-                <a:cs typeface="+mn-ea"/>
-                <a:sym typeface="+mn-lt"/>
-              </a:rPr>
-              <a:t>生成模块：上料表管理，上料，下料，过站扫描，退料通知单，包装作业</a:t>
-            </a:r>
-            <a:endParaRPr lang="en-US" altLang="zh-CN" sz="1600" b="1" dirty="0">
-              <a:solidFill>
-                <a:schemeClr val="tx1"/>
-              </a:solidFill>
-              <a:cs typeface="+mn-ea"/>
-              <a:sym typeface="+mn-lt"/>
-            </a:endParaRPr>
-          </a:p>
-          <a:p>
-            <a:pPr>
-              <a:lnSpc>
-                <a:spcPct val="150000"/>
-              </a:lnSpc>
-            </a:pPr>
-            <a:r>
-              <a:rPr lang="en-US" altLang="zh-CN" sz="1600" b="1" dirty="0" smtClean="0">
-                <a:solidFill>
-                  <a:schemeClr val="tx1"/>
-                </a:solidFill>
-                <a:cs typeface="+mn-ea"/>
-                <a:sym typeface="+mn-lt"/>
-              </a:rPr>
-              <a:t>3.</a:t>
-            </a:r>
-            <a:r>
-              <a:rPr lang="zh-CN" altLang="en-US" sz="1600" b="1" dirty="0" smtClean="0">
-                <a:solidFill>
-                  <a:schemeClr val="tx1"/>
-                </a:solidFill>
-                <a:cs typeface="+mn-ea"/>
-                <a:sym typeface="+mn-lt"/>
-              </a:rPr>
-              <a:t>设备管理模块：设备维修任务，设备维修申请</a:t>
-            </a:r>
-            <a:endParaRPr lang="en-US" altLang="zh-CN" sz="1600" b="1" dirty="0">
-              <a:solidFill>
-                <a:schemeClr val="tx1"/>
-              </a:solidFill>
-              <a:cs typeface="+mn-ea"/>
-              <a:sym typeface="+mn-lt"/>
-            </a:endParaRPr>
-          </a:p>
-          <a:p>
-            <a:pPr>
-              <a:lnSpc>
-                <a:spcPct val="150000"/>
-              </a:lnSpc>
-            </a:pPr>
-            <a:r>
-              <a:rPr lang="en-US" altLang="zh-CN" sz="1600" b="1" dirty="0">
-                <a:solidFill>
-                  <a:schemeClr val="tx1"/>
-                </a:solidFill>
-                <a:cs typeface="+mn-ea"/>
-                <a:sym typeface="+mn-lt"/>
-              </a:rPr>
-              <a:t>4</a:t>
-            </a:r>
-            <a:r>
-              <a:rPr lang="en-US" altLang="zh-CN" sz="1600" b="1" dirty="0" smtClean="0">
-                <a:solidFill>
-                  <a:schemeClr val="tx1"/>
-                </a:solidFill>
-                <a:cs typeface="+mn-ea"/>
-                <a:sym typeface="+mn-lt"/>
-              </a:rPr>
-              <a:t>.</a:t>
-            </a:r>
-            <a:r>
-              <a:rPr lang="zh-CN" altLang="en-US" sz="1600" b="1" dirty="0" smtClean="0">
-                <a:solidFill>
-                  <a:schemeClr val="tx1"/>
-                </a:solidFill>
-                <a:cs typeface="+mn-ea"/>
-                <a:sym typeface="+mn-lt"/>
-              </a:rPr>
-              <a:t>品质管理模块：条码锁定</a:t>
-            </a:r>
-            <a:endParaRPr lang="en-US" altLang="zh-CN" sz="1600" b="1" dirty="0">
-              <a:solidFill>
-                <a:schemeClr val="tx1"/>
-              </a:solidFill>
-              <a:cs typeface="+mn-ea"/>
-              <a:sym typeface="+mn-lt"/>
-            </a:endParaRPr>
-          </a:p>
-        </p:txBody>
-      </p:sp>
-      <p:grpSp>
-        <p:nvGrpSpPr>
-          <p:cNvPr id="39" name="组合 38"/>
-          <p:cNvGrpSpPr/>
-          <p:nvPr/>
-        </p:nvGrpSpPr>
-        <p:grpSpPr>
-          <a:xfrm>
-            <a:off x="923170" y="1987150"/>
-            <a:ext cx="4720331" cy="399445"/>
-            <a:chOff x="5012373" y="2819577"/>
-            <a:chExt cx="4720331" cy="399445"/>
-          </a:xfrm>
-        </p:grpSpPr>
-        <p:sp>
-          <p:nvSpPr>
-            <p:cNvPr id="40" name="文本框 39"/>
-            <p:cNvSpPr txBox="1"/>
-            <p:nvPr/>
-          </p:nvSpPr>
-          <p:spPr>
-            <a:xfrm>
-              <a:off x="5012373" y="2820242"/>
-              <a:ext cx="1848014" cy="398780"/>
-            </a:xfrm>
-            <a:prstGeom prst="rect">
-              <a:avLst/>
-            </a:prstGeom>
-            <a:noFill/>
-            <a:ln w="19050">
-              <a:noFill/>
-              <a:prstDash val="solid"/>
-            </a:ln>
-          </p:spPr>
-          <p:txBody>
-            <a:bodyPr wrap="square" rtlCol="0">
-              <a:spAutoFit/>
-            </a:bodyPr>
-            <a:lstStyle/>
-            <a:p>
-              <a:pPr lvl="0" algn="l"/>
-              <a:r>
-                <a:rPr lang="zh-CN" altLang="en-US" sz="2000" dirty="0">
-                  <a:solidFill>
-                    <a:schemeClr val="bg1"/>
-                  </a:solidFill>
-                  <a:cs typeface="+mn-ea"/>
-                  <a:sym typeface="+mn-lt"/>
-                </a:rPr>
-                <a:t>年龄</a:t>
-              </a:r>
-              <a:r>
-                <a:rPr lang="zh-CN" altLang="en-US" sz="2000" dirty="0" smtClean="0">
-                  <a:solidFill>
-                    <a:schemeClr val="bg1"/>
-                  </a:solidFill>
-                  <a:cs typeface="+mn-ea"/>
-                  <a:sym typeface="+mn-lt"/>
-                </a:rPr>
-                <a:t>：</a:t>
-              </a:r>
-              <a:r>
-                <a:rPr lang="en-US" altLang="zh-CN" sz="1600" dirty="0" smtClean="0">
-                  <a:solidFill>
-                    <a:schemeClr val="bg1"/>
-                  </a:solidFill>
-                  <a:cs typeface="+mn-ea"/>
-                  <a:sym typeface="+mn-lt"/>
-                </a:rPr>
-                <a:t>28</a:t>
-              </a:r>
-              <a:endParaRPr lang="en-US" altLang="zh-CN" sz="1600" dirty="0">
-                <a:solidFill>
-                  <a:schemeClr val="bg1"/>
-                </a:solidFill>
-                <a:cs typeface="+mn-ea"/>
-                <a:sym typeface="+mn-lt"/>
-              </a:endParaRPr>
-            </a:p>
-          </p:txBody>
-        </p:sp>
-        <p:sp>
-          <p:nvSpPr>
-            <p:cNvPr id="41" name="文本框 40"/>
-            <p:cNvSpPr txBox="1"/>
-            <p:nvPr/>
-          </p:nvSpPr>
-          <p:spPr>
-            <a:xfrm>
-              <a:off x="7847027" y="2819577"/>
-              <a:ext cx="1885677" cy="398780"/>
-            </a:xfrm>
-            <a:prstGeom prst="rect">
-              <a:avLst/>
-            </a:prstGeom>
-            <a:noFill/>
-            <a:ln w="19050">
-              <a:noFill/>
-              <a:prstDash val="solid"/>
-            </a:ln>
-          </p:spPr>
-          <p:txBody>
-            <a:bodyPr wrap="square" rtlCol="0">
-              <a:spAutoFit/>
-            </a:bodyPr>
-            <a:lstStyle/>
-            <a:p>
-              <a:pPr lvl="0" algn="l"/>
-              <a:r>
-                <a:rPr lang="zh-CN" altLang="en-US" sz="2000" dirty="0">
-                  <a:solidFill>
-                    <a:schemeClr val="bg1"/>
-                  </a:solidFill>
-                  <a:cs typeface="+mn-ea"/>
-                  <a:sym typeface="+mn-lt"/>
-                </a:rPr>
-                <a:t>学历：</a:t>
-              </a:r>
-              <a:r>
-                <a:rPr lang="zh-CN" altLang="en-US" sz="1600" dirty="0">
-                  <a:solidFill>
-                    <a:schemeClr val="bg1"/>
-                  </a:solidFill>
-                  <a:cs typeface="+mn-ea"/>
-                  <a:sym typeface="+mn-lt"/>
-                </a:rPr>
-                <a:t>本科</a:t>
-              </a:r>
-            </a:p>
-          </p:txBody>
-        </p:sp>
-      </p:grpSp>
-      <p:cxnSp>
-        <p:nvCxnSpPr>
-          <p:cNvPr id="42" name="直接连接符 41"/>
-          <p:cNvCxnSpPr/>
-          <p:nvPr/>
-        </p:nvCxnSpPr>
-        <p:spPr>
-          <a:xfrm flipV="1">
-            <a:off x="922020" y="3134360"/>
-            <a:ext cx="10305415" cy="10160"/>
-          </a:xfrm>
-          <a:prstGeom prst="line">
-            <a:avLst/>
-          </a:prstGeom>
-          <a:ln>
-            <a:solidFill>
-              <a:schemeClr val="bg1"/>
-            </a:solidFill>
-          </a:ln>
-        </p:spPr>
-        <p:style>
-          <a:lnRef idx="1">
-            <a:schemeClr val="accent1"/>
-          </a:lnRef>
-          <a:fillRef idx="0">
-            <a:schemeClr val="accent1"/>
-          </a:fillRef>
-          <a:effectRef idx="0">
-            <a:schemeClr val="accent1"/>
-          </a:effectRef>
-          <a:fontRef idx="minor">
-            <a:schemeClr val="tx1"/>
-          </a:fontRef>
-        </p:style>
-      </p:cxnSp>
-      <p:sp>
-        <p:nvSpPr>
-          <p:cNvPr id="20481" name="文本框 15"/>
-          <p:cNvSpPr txBox="1"/>
-          <p:nvPr/>
-        </p:nvSpPr>
-        <p:spPr>
-          <a:xfrm>
-            <a:off x="479743" y="246380"/>
-            <a:ext cx="4013835" cy="553085"/>
-          </a:xfrm>
-          <a:prstGeom prst="rect">
-            <a:avLst/>
-          </a:prstGeom>
-          <a:noFill/>
-          <a:ln w="9525">
-            <a:noFill/>
-          </a:ln>
-        </p:spPr>
-        <p:txBody>
-          <a:bodyPr wrap="none" anchor="t">
-            <a:spAutoFit/>
-          </a:bodyPr>
-          <a:lstStyle/>
-          <a:p>
-            <a:r>
-              <a:rPr lang="en-US" altLang="zh-CN" sz="3000" b="1" dirty="0">
-                <a:solidFill>
-                  <a:srgbClr val="0070C0"/>
-                </a:solidFill>
-                <a:latin typeface="黑体" panose="02010609060101010101" charset="-122"/>
-                <a:ea typeface="黑体" panose="02010609060101010101" charset="-122"/>
-                <a:sym typeface="等线" panose="02010600030101010101" charset="-122"/>
-              </a:rPr>
-              <a:t>1</a:t>
-            </a:r>
-            <a:r>
-              <a:rPr lang="zh-CN" altLang="en-US" sz="3000" b="1" dirty="0">
-                <a:solidFill>
-                  <a:srgbClr val="0070C0"/>
-                </a:solidFill>
-                <a:latin typeface="黑体" panose="02010609060101010101" charset="-122"/>
-                <a:ea typeface="黑体" panose="02010609060101010101" charset="-122"/>
-                <a:sym typeface="等线" panose="02010600030101010101" charset="-122"/>
-              </a:rPr>
-              <a:t>、自我介绍</a:t>
-            </a:r>
-            <a:r>
-              <a:rPr lang="en-US" altLang="zh-CN" sz="3000" b="1" dirty="0">
-                <a:solidFill>
-                  <a:srgbClr val="0070C0"/>
-                </a:solidFill>
-                <a:latin typeface="黑体" panose="02010609060101010101" charset="-122"/>
-                <a:ea typeface="黑体" panose="02010609060101010101" charset="-122"/>
-                <a:sym typeface="等线" panose="02010600030101010101" charset="-122"/>
-              </a:rPr>
-              <a:t>-</a:t>
-            </a:r>
-            <a:r>
-              <a:rPr lang="zh-CN" altLang="en-US" sz="3000" b="1" dirty="0">
-                <a:solidFill>
-                  <a:srgbClr val="0070C0"/>
-                </a:solidFill>
-                <a:latin typeface="黑体" panose="02010609060101010101" charset="-122"/>
-                <a:ea typeface="黑体" panose="02010609060101010101" charset="-122"/>
-                <a:sym typeface="等线" panose="02010600030101010101" charset="-122"/>
-              </a:rPr>
-              <a:t>基础信息</a:t>
-            </a:r>
-          </a:p>
-        </p:txBody>
-      </p:sp>
-    </p:spTree>
-  </p:cSld>
-  <p:clrMapOvr>
-    <a:overrideClrMapping bg1="lt1" tx1="dk1" bg2="lt2" tx2="dk2" accent1="accent1" accent2="accent2" accent3="accent3" accent4="accent4" accent5="accent5" accent6="accent6" hlink="hlink" folHlink="folHlink"/>
-  </p:clrMapOvr>
-  <p:timing>
-    <p:tnLst>
-      <p:par>
-        <p:cTn id="1" dur="indefinite" restart="never" nodeType="tmRoot"/>
-      </p:par>
-    </p:tnLst>
-  </p:timing>
-</p:sld>
-</file>
-
-<file path=ppt/slides/slide4.xml><?xml version="1.0" encoding="utf-8"?>
-<p:sld xmlns:a="http://schemas.openxmlformats.org/drawingml/2006/main" xmlns:r="http://schemas.openxmlformats.org/officeDocument/2006/relationships" xmlns:p="http://schemas.openxmlformats.org/presentationml/2006/main">
-  <p:cSld>
-    <p:bg>
-      <p:bgRef idx="1001">
-        <a:schemeClr val="bg1"/>
-      </p:bgRef>
-    </p:bg>
-    <p:spTree>
-      <p:nvGrpSpPr>
-        <p:cNvPr id="1" name=""/>
-        <p:cNvGrpSpPr/>
-        <p:nvPr/>
-      </p:nvGrpSpPr>
-      <p:grpSpPr>
-        <a:xfrm>
-          <a:off x="0" y="0"/>
-          <a:ext cx="0" cy="0"/>
-          <a:chOff x="0" y="0"/>
-          <a:chExt cx="0" cy="0"/>
-        </a:xfrm>
-      </p:grpSpPr>
-      <p:sp>
-        <p:nvSpPr>
-          <p:cNvPr id="28" name="矩形 27"/>
-          <p:cNvSpPr/>
-          <p:nvPr/>
-        </p:nvSpPr>
-        <p:spPr>
-          <a:xfrm>
-            <a:off x="554355" y="1162685"/>
-            <a:ext cx="10937240" cy="4949825"/>
-          </a:xfrm>
-          <a:prstGeom prst="rect">
-            <a:avLst/>
-          </a:prstGeom>
-          <a:solidFill>
-            <a:srgbClr val="6B96CE"/>
-          </a:solidFill>
-          <a:ln w="12700">
-            <a:solidFill>
-              <a:schemeClr val="tx1"/>
-            </a:solidFill>
-          </a:ln>
-        </p:spPr>
-        <p:style>
-          <a:lnRef idx="2">
-            <a:schemeClr val="accent1">
-              <a:shade val="50000"/>
-            </a:schemeClr>
-          </a:lnRef>
-          <a:fillRef idx="1">
-            <a:schemeClr val="accent1"/>
-          </a:fillRef>
-          <a:effectRef idx="0">
-            <a:schemeClr val="accent1"/>
-          </a:effectRef>
-          <a:fontRef idx="minor">
-            <a:schemeClr val="lt1"/>
-          </a:fontRef>
-        </p:style>
-        <p:txBody>
-          <a:bodyPr rtlCol="0" anchor="ctr"/>
-          <a:lstStyle/>
-          <a:p>
-            <a:pPr algn="ctr"/>
-            <a:endParaRPr lang="zh-CN" altLang="en-US" dirty="0">
-              <a:cs typeface="+mn-ea"/>
-              <a:sym typeface="+mn-lt"/>
-            </a:endParaRPr>
-          </a:p>
-        </p:txBody>
-      </p:sp>
-      <p:sp>
-        <p:nvSpPr>
-          <p:cNvPr id="34" name="文本框 33"/>
-          <p:cNvSpPr txBox="1"/>
-          <p:nvPr/>
-        </p:nvSpPr>
-        <p:spPr>
-          <a:xfrm>
-            <a:off x="3874649" y="1368213"/>
-            <a:ext cx="3187053" cy="400110"/>
-          </a:xfrm>
-          <a:prstGeom prst="rect">
-            <a:avLst/>
-          </a:prstGeom>
-          <a:noFill/>
-          <a:ln w="19050">
-            <a:noFill/>
-            <a:prstDash val="solid"/>
-          </a:ln>
-        </p:spPr>
-        <p:txBody>
-          <a:bodyPr wrap="square" rtlCol="0">
-            <a:spAutoFit/>
-          </a:bodyPr>
-          <a:lstStyle/>
-          <a:p>
-            <a:pPr lvl="0" algn="l"/>
-            <a:r>
-              <a:rPr lang="zh-CN" altLang="en-US" sz="2000" dirty="0">
-                <a:solidFill>
-                  <a:schemeClr val="bg1"/>
-                </a:solidFill>
-                <a:cs typeface="+mn-ea"/>
-                <a:sym typeface="+mn-lt"/>
-              </a:rPr>
-              <a:t>公司</a:t>
-            </a:r>
-            <a:r>
-              <a:rPr lang="zh-CN" altLang="en-US" sz="2000" dirty="0" smtClean="0">
-                <a:solidFill>
-                  <a:schemeClr val="bg1"/>
-                </a:solidFill>
-                <a:cs typeface="+mn-ea"/>
-                <a:sym typeface="+mn-lt"/>
-              </a:rPr>
-              <a:t>：</a:t>
-            </a:r>
-            <a:r>
-              <a:rPr lang="zh-CN" altLang="en-US" sz="1600" dirty="0" smtClean="0">
-                <a:solidFill>
-                  <a:schemeClr val="bg1"/>
-                </a:solidFill>
-                <a:cs typeface="+mn-ea"/>
-                <a:sym typeface="+mn-lt"/>
-              </a:rPr>
-              <a:t>索菲亚家具股份有限公司</a:t>
-            </a:r>
-            <a:endParaRPr lang="en-US" altLang="zh-CN" sz="1600" dirty="0">
-              <a:solidFill>
-                <a:schemeClr val="bg1"/>
-              </a:solidFill>
-              <a:cs typeface="+mn-ea"/>
-              <a:sym typeface="+mn-lt"/>
-            </a:endParaRPr>
-          </a:p>
-        </p:txBody>
-      </p:sp>
-      <p:cxnSp>
-        <p:nvCxnSpPr>
-          <p:cNvPr id="42" name="直接连接符 41"/>
-          <p:cNvCxnSpPr/>
-          <p:nvPr/>
-        </p:nvCxnSpPr>
-        <p:spPr>
-          <a:xfrm flipV="1">
-            <a:off x="869950" y="3632200"/>
-            <a:ext cx="10305415" cy="10160"/>
-          </a:xfrm>
-          <a:prstGeom prst="line">
-            <a:avLst/>
-          </a:prstGeom>
-          <a:ln>
-            <a:solidFill>
-              <a:schemeClr val="bg1"/>
-            </a:solidFill>
-          </a:ln>
-        </p:spPr>
-        <p:style>
-          <a:lnRef idx="1">
-            <a:schemeClr val="accent1"/>
-          </a:lnRef>
-          <a:fillRef idx="0">
-            <a:schemeClr val="accent1"/>
-          </a:fillRef>
-          <a:effectRef idx="0">
-            <a:schemeClr val="accent1"/>
-          </a:effectRef>
-          <a:fontRef idx="minor">
-            <a:schemeClr val="tx1"/>
-          </a:fontRef>
-        </p:style>
-      </p:cxnSp>
-      <p:sp>
-        <p:nvSpPr>
-          <p:cNvPr id="20481" name="文本框 15"/>
-          <p:cNvSpPr txBox="1"/>
-          <p:nvPr/>
-        </p:nvSpPr>
-        <p:spPr>
-          <a:xfrm>
-            <a:off x="479743" y="246380"/>
-            <a:ext cx="4013835" cy="553085"/>
-          </a:xfrm>
-          <a:prstGeom prst="rect">
-            <a:avLst/>
-          </a:prstGeom>
-          <a:noFill/>
-          <a:ln w="9525">
-            <a:noFill/>
-          </a:ln>
-        </p:spPr>
-        <p:txBody>
-          <a:bodyPr wrap="none" anchor="t">
-            <a:spAutoFit/>
-          </a:bodyPr>
-          <a:lstStyle/>
-          <a:p>
-            <a:r>
-              <a:rPr lang="en-US" altLang="zh-CN" sz="3000" b="1">
-                <a:solidFill>
-                  <a:srgbClr val="0070C0"/>
-                </a:solidFill>
-                <a:latin typeface="黑体" panose="02010609060101010101" charset="-122"/>
-                <a:ea typeface="黑体" panose="02010609060101010101" charset="-122"/>
-                <a:sym typeface="等线" panose="02010600030101010101" charset="-122"/>
-              </a:rPr>
-              <a:t>1</a:t>
-            </a:r>
-            <a:r>
-              <a:rPr lang="zh-CN" altLang="en-US" sz="3000" b="1">
-                <a:solidFill>
-                  <a:srgbClr val="0070C0"/>
-                </a:solidFill>
-                <a:latin typeface="黑体" panose="02010609060101010101" charset="-122"/>
-                <a:ea typeface="黑体" panose="02010609060101010101" charset="-122"/>
-                <a:sym typeface="等线" panose="02010600030101010101" charset="-122"/>
-              </a:rPr>
-              <a:t>、自我介绍</a:t>
-            </a:r>
-            <a:r>
-              <a:rPr lang="en-US" altLang="zh-CN" sz="3000" b="1">
-                <a:solidFill>
-                  <a:srgbClr val="0070C0"/>
-                </a:solidFill>
-                <a:latin typeface="黑体" panose="02010609060101010101" charset="-122"/>
-                <a:ea typeface="黑体" panose="02010609060101010101" charset="-122"/>
-                <a:sym typeface="等线" panose="02010600030101010101" charset="-122"/>
-              </a:rPr>
-              <a:t>-</a:t>
-            </a:r>
-            <a:r>
-              <a:rPr lang="zh-CN" altLang="en-US" sz="3000" b="1">
-                <a:solidFill>
-                  <a:srgbClr val="0070C0"/>
-                </a:solidFill>
-                <a:latin typeface="黑体" panose="02010609060101010101" charset="-122"/>
-                <a:ea typeface="黑体" panose="02010609060101010101" charset="-122"/>
-                <a:sym typeface="等线" panose="02010600030101010101" charset="-122"/>
-              </a:rPr>
-              <a:t>工作经历</a:t>
-            </a:r>
-          </a:p>
-        </p:txBody>
-      </p:sp>
-      <p:sp>
-        <p:nvSpPr>
-          <p:cNvPr id="2" name="文本框 1"/>
-          <p:cNvSpPr txBox="1"/>
-          <p:nvPr/>
-        </p:nvSpPr>
-        <p:spPr>
-          <a:xfrm>
-            <a:off x="3874650" y="3759623"/>
-            <a:ext cx="1848014" cy="398780"/>
-          </a:xfrm>
-          <a:prstGeom prst="rect">
-            <a:avLst/>
-          </a:prstGeom>
-          <a:noFill/>
-          <a:ln w="19050">
-            <a:noFill/>
-            <a:prstDash val="solid"/>
-          </a:ln>
-        </p:spPr>
-        <p:txBody>
-          <a:bodyPr wrap="square" rtlCol="0">
-            <a:spAutoFit/>
-          </a:bodyPr>
-          <a:lstStyle/>
-          <a:p>
-            <a:pPr lvl="0" algn="l"/>
-            <a:r>
-              <a:rPr lang="zh-CN" altLang="en-US" sz="2000" dirty="0">
-                <a:solidFill>
-                  <a:schemeClr val="bg1"/>
-                </a:solidFill>
-                <a:cs typeface="+mn-ea"/>
-                <a:sym typeface="+mn-lt"/>
-              </a:rPr>
-              <a:t>公司：</a:t>
-            </a:r>
-            <a:r>
-              <a:rPr lang="en-US" altLang="zh-CN" sz="1600" dirty="0">
-                <a:solidFill>
-                  <a:schemeClr val="bg1"/>
-                </a:solidFill>
-                <a:cs typeface="+mn-ea"/>
-                <a:sym typeface="+mn-lt"/>
-              </a:rPr>
-              <a:t>******</a:t>
-            </a:r>
-          </a:p>
-        </p:txBody>
-      </p:sp>
-      <p:sp>
-        <p:nvSpPr>
-          <p:cNvPr id="4" name="文本框 3"/>
-          <p:cNvSpPr txBox="1"/>
-          <p:nvPr/>
-        </p:nvSpPr>
-        <p:spPr>
-          <a:xfrm>
-            <a:off x="970280" y="1884680"/>
-            <a:ext cx="10252075" cy="1630045"/>
-          </a:xfrm>
-          <a:prstGeom prst="rect">
-            <a:avLst/>
-          </a:prstGeom>
-          <a:noFill/>
-          <a:ln w="19050">
-            <a:noFill/>
-            <a:prstDash val="solid"/>
-          </a:ln>
-        </p:spPr>
-        <p:txBody>
-          <a:bodyPr wrap="square" rtlCol="0">
-            <a:spAutoFit/>
-          </a:bodyPr>
-          <a:lstStyle/>
-          <a:p>
-            <a:pPr lvl="0" algn="l"/>
-            <a:r>
-              <a:rPr lang="zh-CN" altLang="en-US" sz="2000" dirty="0">
-                <a:solidFill>
-                  <a:schemeClr val="tx1"/>
-                </a:solidFill>
-                <a:cs typeface="+mn-ea"/>
-                <a:sym typeface="+mn-lt"/>
-              </a:rPr>
-              <a:t>职责：</a:t>
-            </a:r>
-          </a:p>
-          <a:p>
-            <a:pPr lvl="0" algn="l"/>
-            <a:r>
-              <a:rPr lang="en-US" altLang="zh-CN" sz="1600" dirty="0">
-                <a:solidFill>
-                  <a:schemeClr val="tx1"/>
-                </a:solidFill>
-                <a:cs typeface="+mn-ea"/>
-                <a:sym typeface="+mn-lt"/>
-              </a:rPr>
-              <a:t>1.</a:t>
-            </a:r>
-          </a:p>
-          <a:p>
-            <a:pPr lvl="0" algn="l"/>
-            <a:r>
-              <a:rPr lang="en-US" altLang="zh-CN" sz="1600" dirty="0">
-                <a:solidFill>
-                  <a:schemeClr val="tx1"/>
-                </a:solidFill>
-                <a:cs typeface="+mn-ea"/>
-                <a:sym typeface="+mn-lt"/>
-              </a:rPr>
-              <a:t>2.</a:t>
-            </a:r>
-          </a:p>
-          <a:p>
-            <a:pPr lvl="0" algn="l"/>
-            <a:r>
-              <a:rPr lang="en-US" altLang="zh-CN" sz="1600" dirty="0">
-                <a:solidFill>
-                  <a:schemeClr val="tx1"/>
-                </a:solidFill>
-                <a:cs typeface="+mn-ea"/>
-                <a:sym typeface="+mn-lt"/>
-              </a:rPr>
-              <a:t>3.</a:t>
-            </a:r>
-          </a:p>
-          <a:p>
-            <a:pPr lvl="0" algn="l"/>
-            <a:r>
-              <a:rPr lang="en-US" altLang="zh-CN" sz="1600" dirty="0">
-                <a:solidFill>
-                  <a:schemeClr val="tx1"/>
-                </a:solidFill>
-                <a:cs typeface="+mn-ea"/>
-                <a:sym typeface="+mn-lt"/>
-              </a:rPr>
-              <a:t>4.</a:t>
-            </a:r>
-          </a:p>
-          <a:p>
-            <a:pPr lvl="0" algn="l"/>
-            <a:r>
-              <a:rPr lang="en-US" altLang="zh-CN" sz="1600" dirty="0">
-                <a:solidFill>
-                  <a:schemeClr val="tx1"/>
-                </a:solidFill>
-                <a:cs typeface="+mn-ea"/>
-                <a:sym typeface="+mn-lt"/>
-              </a:rPr>
-              <a:t>5.</a:t>
-            </a:r>
-          </a:p>
-        </p:txBody>
-      </p:sp>
-      <p:sp>
-        <p:nvSpPr>
-          <p:cNvPr id="6" name="文本框 5"/>
-          <p:cNvSpPr txBox="1"/>
-          <p:nvPr/>
-        </p:nvSpPr>
-        <p:spPr>
-          <a:xfrm>
-            <a:off x="970280" y="4276090"/>
-            <a:ext cx="10252075" cy="1630045"/>
-          </a:xfrm>
-          <a:prstGeom prst="rect">
-            <a:avLst/>
-          </a:prstGeom>
-          <a:noFill/>
-          <a:ln w="19050">
-            <a:noFill/>
-            <a:prstDash val="solid"/>
-          </a:ln>
-        </p:spPr>
-        <p:txBody>
-          <a:bodyPr wrap="square" rtlCol="0">
-            <a:spAutoFit/>
-          </a:bodyPr>
-          <a:lstStyle/>
-          <a:p>
-            <a:pPr lvl="0" algn="l"/>
-            <a:r>
-              <a:rPr lang="zh-CN" altLang="en-US" sz="2000" dirty="0">
-                <a:solidFill>
-                  <a:schemeClr val="tx1"/>
-                </a:solidFill>
-                <a:cs typeface="+mn-ea"/>
-                <a:sym typeface="+mn-lt"/>
-              </a:rPr>
-              <a:t>职责：</a:t>
-            </a:r>
-          </a:p>
-          <a:p>
-            <a:pPr lvl="0" algn="l"/>
-            <a:r>
-              <a:rPr lang="en-US" altLang="zh-CN" sz="1600" dirty="0">
-                <a:solidFill>
-                  <a:schemeClr val="tx1"/>
-                </a:solidFill>
-                <a:cs typeface="+mn-ea"/>
-                <a:sym typeface="+mn-lt"/>
-              </a:rPr>
-              <a:t>1.</a:t>
-            </a:r>
-          </a:p>
-          <a:p>
-            <a:pPr lvl="0" algn="l"/>
-            <a:r>
-              <a:rPr lang="en-US" altLang="zh-CN" sz="1600" dirty="0">
-                <a:solidFill>
-                  <a:schemeClr val="tx1"/>
-                </a:solidFill>
-                <a:cs typeface="+mn-ea"/>
-                <a:sym typeface="+mn-lt"/>
-              </a:rPr>
-              <a:t>2.</a:t>
-            </a:r>
-          </a:p>
-          <a:p>
-            <a:pPr lvl="0" algn="l"/>
-            <a:r>
-              <a:rPr lang="en-US" altLang="zh-CN" sz="1600" dirty="0">
-                <a:solidFill>
-                  <a:schemeClr val="tx1"/>
-                </a:solidFill>
-                <a:cs typeface="+mn-ea"/>
-                <a:sym typeface="+mn-lt"/>
-              </a:rPr>
-              <a:t>3.</a:t>
-            </a:r>
-          </a:p>
-          <a:p>
-            <a:pPr lvl="0" algn="l"/>
-            <a:r>
-              <a:rPr lang="en-US" altLang="zh-CN" sz="1600" dirty="0">
-                <a:solidFill>
-                  <a:schemeClr val="tx1"/>
-                </a:solidFill>
-                <a:cs typeface="+mn-ea"/>
-                <a:sym typeface="+mn-lt"/>
-              </a:rPr>
-              <a:t>4.</a:t>
-            </a:r>
-          </a:p>
-          <a:p>
-            <a:pPr lvl="0" algn="l"/>
-            <a:r>
-              <a:rPr lang="en-US" altLang="zh-CN" sz="1600" dirty="0">
-                <a:solidFill>
-                  <a:schemeClr val="tx1"/>
-                </a:solidFill>
-                <a:cs typeface="+mn-ea"/>
-                <a:sym typeface="+mn-lt"/>
-              </a:rPr>
-              <a:t>5.</a:t>
-            </a:r>
-          </a:p>
-        </p:txBody>
-      </p:sp>
-      <p:sp>
-        <p:nvSpPr>
-          <p:cNvPr id="7" name="文本框 6"/>
-          <p:cNvSpPr txBox="1"/>
-          <p:nvPr/>
-        </p:nvSpPr>
-        <p:spPr>
-          <a:xfrm>
-            <a:off x="7575430" y="1368213"/>
-            <a:ext cx="3017124" cy="400110"/>
-          </a:xfrm>
-          <a:prstGeom prst="rect">
-            <a:avLst/>
-          </a:prstGeom>
-          <a:noFill/>
-          <a:ln w="19050">
-            <a:noFill/>
-            <a:prstDash val="solid"/>
-          </a:ln>
-        </p:spPr>
-        <p:txBody>
-          <a:bodyPr wrap="square" rtlCol="0">
-            <a:spAutoFit/>
-          </a:bodyPr>
-          <a:lstStyle/>
-          <a:p>
-            <a:pPr lvl="0" algn="l"/>
-            <a:r>
-              <a:rPr lang="zh-CN" altLang="en-US" sz="2000" dirty="0">
-                <a:solidFill>
-                  <a:schemeClr val="bg1"/>
-                </a:solidFill>
-                <a:cs typeface="+mn-ea"/>
-                <a:sym typeface="+mn-lt"/>
-              </a:rPr>
-              <a:t>职务</a:t>
-            </a:r>
-            <a:r>
-              <a:rPr lang="zh-CN" altLang="en-US" sz="2000" dirty="0" smtClean="0">
-                <a:solidFill>
-                  <a:schemeClr val="bg1"/>
-                </a:solidFill>
-                <a:cs typeface="+mn-ea"/>
-                <a:sym typeface="+mn-lt"/>
-              </a:rPr>
-              <a:t>：</a:t>
-            </a:r>
-            <a:r>
-              <a:rPr lang="en-US" altLang="zh-CN" sz="1600" dirty="0" err="1" smtClean="0">
-                <a:solidFill>
-                  <a:schemeClr val="bg1"/>
-                </a:solidFill>
-                <a:cs typeface="+mn-ea"/>
-                <a:sym typeface="+mn-lt"/>
-              </a:rPr>
-              <a:t>.net</a:t>
-            </a:r>
-            <a:r>
-              <a:rPr lang="zh-CN" altLang="en-US" sz="1600" dirty="0" smtClean="0">
-                <a:solidFill>
-                  <a:schemeClr val="bg1"/>
-                </a:solidFill>
-                <a:cs typeface="+mn-ea"/>
-                <a:sym typeface="+mn-lt"/>
-              </a:rPr>
-              <a:t>开发工程师</a:t>
-            </a:r>
-            <a:endParaRPr lang="en-US" altLang="zh-CN" sz="1600" dirty="0">
-              <a:solidFill>
-                <a:schemeClr val="bg1"/>
-              </a:solidFill>
-              <a:cs typeface="+mn-ea"/>
-              <a:sym typeface="+mn-lt"/>
-            </a:endParaRPr>
-          </a:p>
-        </p:txBody>
-      </p:sp>
-      <p:sp>
-        <p:nvSpPr>
-          <p:cNvPr id="8" name="文本框 7"/>
-          <p:cNvSpPr txBox="1"/>
-          <p:nvPr/>
-        </p:nvSpPr>
-        <p:spPr>
-          <a:xfrm>
-            <a:off x="970280" y="1368425"/>
-            <a:ext cx="2749550" cy="398780"/>
-          </a:xfrm>
-          <a:prstGeom prst="rect">
-            <a:avLst/>
-          </a:prstGeom>
-          <a:noFill/>
-          <a:ln w="19050">
-            <a:noFill/>
-            <a:prstDash val="solid"/>
-          </a:ln>
-        </p:spPr>
-        <p:txBody>
-          <a:bodyPr wrap="square" rtlCol="0">
-            <a:spAutoFit/>
-          </a:bodyPr>
-          <a:lstStyle/>
-          <a:p>
-            <a:pPr lvl="0" algn="l"/>
-            <a:r>
-              <a:rPr lang="zh-CN" altLang="en-US" sz="2000" dirty="0">
-                <a:solidFill>
-                  <a:schemeClr val="bg1"/>
-                </a:solidFill>
-                <a:cs typeface="+mn-ea"/>
-                <a:sym typeface="+mn-lt"/>
-              </a:rPr>
-              <a:t>时间：</a:t>
-            </a:r>
-            <a:r>
-              <a:rPr lang="en-US" altLang="zh-CN" sz="1600" dirty="0" smtClean="0">
-                <a:solidFill>
-                  <a:schemeClr val="bg1"/>
-                </a:solidFill>
-                <a:cs typeface="+mn-ea"/>
-                <a:sym typeface="+mn-lt"/>
-              </a:rPr>
-              <a:t>2019.07-2022.03</a:t>
-            </a:r>
-            <a:endParaRPr lang="en-US" altLang="zh-CN" sz="1600" dirty="0">
-              <a:solidFill>
-                <a:schemeClr val="bg1"/>
-              </a:solidFill>
-              <a:cs typeface="+mn-ea"/>
-              <a:sym typeface="+mn-lt"/>
-            </a:endParaRPr>
-          </a:p>
-        </p:txBody>
-      </p:sp>
-      <p:sp>
-        <p:nvSpPr>
-          <p:cNvPr id="9" name="文本框 8"/>
-          <p:cNvSpPr txBox="1"/>
-          <p:nvPr/>
-        </p:nvSpPr>
-        <p:spPr>
-          <a:xfrm>
-            <a:off x="970280" y="3759835"/>
-            <a:ext cx="2749550" cy="398780"/>
-          </a:xfrm>
-          <a:prstGeom prst="rect">
-            <a:avLst/>
-          </a:prstGeom>
-          <a:noFill/>
-          <a:ln w="19050">
-            <a:noFill/>
-            <a:prstDash val="solid"/>
-          </a:ln>
-        </p:spPr>
-        <p:txBody>
-          <a:bodyPr wrap="square" rtlCol="0">
-            <a:spAutoFit/>
-          </a:bodyPr>
-          <a:lstStyle/>
-          <a:p>
-            <a:pPr lvl="0" algn="l"/>
-            <a:r>
-              <a:rPr lang="zh-CN" altLang="en-US" sz="2000" dirty="0">
-                <a:solidFill>
-                  <a:schemeClr val="bg1"/>
-                </a:solidFill>
-                <a:cs typeface="+mn-ea"/>
-                <a:sym typeface="+mn-lt"/>
-              </a:rPr>
-              <a:t>时间：</a:t>
-            </a:r>
-            <a:r>
-              <a:rPr lang="en-US" altLang="zh-CN" sz="1600" dirty="0">
-                <a:solidFill>
-                  <a:schemeClr val="bg1"/>
-                </a:solidFill>
-                <a:cs typeface="+mn-ea"/>
-                <a:sym typeface="+mn-lt"/>
-              </a:rPr>
-              <a:t>2015.03-2020.02</a:t>
-            </a:r>
-          </a:p>
-        </p:txBody>
-      </p:sp>
-      <p:sp>
-        <p:nvSpPr>
-          <p:cNvPr id="10" name="文本框 9"/>
-          <p:cNvSpPr txBox="1"/>
-          <p:nvPr/>
-        </p:nvSpPr>
-        <p:spPr>
-          <a:xfrm>
-            <a:off x="7575430" y="3759623"/>
-            <a:ext cx="1848014" cy="398780"/>
-          </a:xfrm>
-          <a:prstGeom prst="rect">
-            <a:avLst/>
-          </a:prstGeom>
-          <a:noFill/>
-          <a:ln w="19050">
-            <a:noFill/>
-            <a:prstDash val="solid"/>
-          </a:ln>
-        </p:spPr>
-        <p:txBody>
-          <a:bodyPr wrap="square" rtlCol="0">
-            <a:spAutoFit/>
-          </a:bodyPr>
-          <a:lstStyle/>
-          <a:p>
-            <a:pPr lvl="0" algn="l"/>
-            <a:r>
-              <a:rPr lang="zh-CN" altLang="en-US" sz="2000" dirty="0">
-                <a:solidFill>
-                  <a:schemeClr val="bg1"/>
-                </a:solidFill>
-                <a:cs typeface="+mn-ea"/>
-                <a:sym typeface="+mn-lt"/>
-              </a:rPr>
-              <a:t>职务：</a:t>
-            </a:r>
-            <a:r>
-              <a:rPr lang="en-US" altLang="zh-CN" sz="1600" dirty="0">
-                <a:solidFill>
-                  <a:schemeClr val="bg1"/>
-                </a:solidFill>
-                <a:cs typeface="+mn-ea"/>
-                <a:sym typeface="+mn-lt"/>
-              </a:rPr>
-              <a:t>******</a:t>
-            </a:r>
-          </a:p>
-        </p:txBody>
-      </p:sp>
-    </p:spTree>
-  </p:cSld>
-  <p:clrMapOvr>
-    <a:overrideClrMapping bg1="lt1" tx1="dk1" bg2="lt2" tx2="dk2" accent1="accent1" accent2="accent2" accent3="accent3" accent4="accent4" accent5="accent5" accent6="accent6" hlink="hlink" folHlink="folHlink"/>
-  </p:clrMapOvr>
-  <p:timing>
-    <p:tnLst>
-      <p:par>
-        <p:cTn id="1" dur="indefinite" restart="never" nodeType="tmRoot"/>
-      </p:par>
-    </p:tnLst>
-  </p:timing>
-</p:sld>
-</file>
-
-<file path=ppt/slides/slide5.xml><?xml version="1.0" encoding="utf-8"?>
+<file path=ppt/slides/slide20.xml><?xml version="1.0" encoding="utf-8"?>
 <p:sld xmlns:a="http://schemas.openxmlformats.org/drawingml/2006/main" xmlns:r="http://schemas.openxmlformats.org/officeDocument/2006/relationships" xmlns:p="http://schemas.openxmlformats.org/presentationml/2006/main">
   <p:cSld>
     <p:bg>
@@ -5273,361 +5001,6 @@
         <p:spPr>
           <a:xfrm>
             <a:off x="479743" y="246380"/>
-            <a:ext cx="3438525" cy="553085"/>
-          </a:xfrm>
-          <a:prstGeom prst="rect">
-            <a:avLst/>
-          </a:prstGeom>
-          <a:noFill/>
-          <a:ln w="9525">
-            <a:noFill/>
-          </a:ln>
-        </p:spPr>
-        <p:txBody>
-          <a:bodyPr wrap="none" anchor="t">
-            <a:spAutoFit/>
-          </a:bodyPr>
-          <a:lstStyle/>
-          <a:p>
-            <a:r>
-              <a:rPr lang="en-US" altLang="zh-CN" sz="3000" b="1">
-                <a:solidFill>
-                  <a:srgbClr val="0070C0"/>
-                </a:solidFill>
-                <a:latin typeface="黑体" panose="02010609060101010101" charset="-122"/>
-                <a:ea typeface="黑体" panose="02010609060101010101" charset="-122"/>
-                <a:sym typeface="等线" panose="02010600030101010101" charset="-122"/>
-              </a:rPr>
-              <a:t>2</a:t>
-            </a:r>
-            <a:r>
-              <a:rPr lang="zh-CN" altLang="en-US" sz="3000" b="1">
-                <a:solidFill>
-                  <a:srgbClr val="0070C0"/>
-                </a:solidFill>
-                <a:latin typeface="黑体" panose="02010609060101010101" charset="-122"/>
-                <a:ea typeface="黑体" panose="02010609060101010101" charset="-122"/>
-                <a:sym typeface="等线" panose="02010600030101010101" charset="-122"/>
-              </a:rPr>
-              <a:t>、试用期工作总结</a:t>
-            </a:r>
-          </a:p>
-        </p:txBody>
-      </p:sp>
-      <p:sp>
-        <p:nvSpPr>
-          <p:cNvPr id="8" name="文本框 7"/>
-          <p:cNvSpPr txBox="1"/>
-          <p:nvPr/>
-        </p:nvSpPr>
-        <p:spPr>
-          <a:xfrm>
-            <a:off x="626110" y="1094740"/>
-            <a:ext cx="6704965" cy="398780"/>
-          </a:xfrm>
-          <a:prstGeom prst="rect">
-            <a:avLst/>
-          </a:prstGeom>
-          <a:noFill/>
-          <a:ln w="19050">
-            <a:noFill/>
-            <a:prstDash val="solid"/>
-          </a:ln>
-        </p:spPr>
-        <p:txBody>
-          <a:bodyPr wrap="square" rtlCol="0">
-            <a:spAutoFit/>
-          </a:bodyPr>
-          <a:lstStyle/>
-          <a:p>
-            <a:pPr lvl="0" algn="l"/>
-            <a:r>
-              <a:rPr lang="zh-CN" sz="2000" dirty="0">
-                <a:solidFill>
-                  <a:srgbClr val="FF0000"/>
-                </a:solidFill>
-                <a:ea typeface="宋体" panose="02010600030101010101" pitchFamily="2" charset="-122"/>
-                <a:cs typeface="+mn-ea"/>
-                <a:sym typeface="+mn-lt"/>
-              </a:rPr>
-              <a:t>备注：工作总结要求量化具体，尽量用数据说明</a:t>
-            </a:r>
-            <a:endParaRPr lang="zh-CN" sz="1600" dirty="0">
-              <a:solidFill>
-                <a:srgbClr val="FF0000"/>
-              </a:solidFill>
-              <a:ea typeface="宋体" panose="02010600030101010101" pitchFamily="2" charset="-122"/>
-              <a:cs typeface="+mn-ea"/>
-              <a:sym typeface="+mn-lt"/>
-            </a:endParaRPr>
-          </a:p>
-        </p:txBody>
-      </p:sp>
-    </p:spTree>
-  </p:cSld>
-  <p:clrMapOvr>
-    <a:overrideClrMapping bg1="lt1" tx1="dk1" bg2="lt2" tx2="dk2" accent1="accent1" accent2="accent2" accent3="accent3" accent4="accent4" accent5="accent5" accent6="accent6" hlink="hlink" folHlink="folHlink"/>
-  </p:clrMapOvr>
-  <p:timing>
-    <p:tnLst>
-      <p:par>
-        <p:cTn id="1" dur="indefinite" restart="never" nodeType="tmRoot"/>
-      </p:par>
-    </p:tnLst>
-  </p:timing>
-</p:sld>
-</file>
-
-<file path=ppt/slides/slide6.xml><?xml version="1.0" encoding="utf-8"?>
-<p:sld xmlns:a="http://schemas.openxmlformats.org/drawingml/2006/main" xmlns:r="http://schemas.openxmlformats.org/officeDocument/2006/relationships" xmlns:p="http://schemas.openxmlformats.org/presentationml/2006/main">
-  <p:cSld>
-    <p:bg>
-      <p:bgRef idx="1001">
-        <a:schemeClr val="bg1"/>
-      </p:bgRef>
-    </p:bg>
-    <p:spTree>
-      <p:nvGrpSpPr>
-        <p:cNvPr id="1" name=""/>
-        <p:cNvGrpSpPr/>
-        <p:nvPr/>
-      </p:nvGrpSpPr>
-      <p:grpSpPr>
-        <a:xfrm>
-          <a:off x="0" y="0"/>
-          <a:ext cx="0" cy="0"/>
-          <a:chOff x="0" y="0"/>
-          <a:chExt cx="0" cy="0"/>
-        </a:xfrm>
-      </p:grpSpPr>
-      <p:sp>
-        <p:nvSpPr>
-          <p:cNvPr id="20481" name="文本框 15"/>
-          <p:cNvSpPr txBox="1"/>
-          <p:nvPr/>
-        </p:nvSpPr>
-        <p:spPr>
-          <a:xfrm>
-            <a:off x="479743" y="246380"/>
-            <a:ext cx="4204335" cy="553085"/>
-          </a:xfrm>
-          <a:prstGeom prst="rect">
-            <a:avLst/>
-          </a:prstGeom>
-          <a:noFill/>
-          <a:ln w="9525">
-            <a:noFill/>
-          </a:ln>
-        </p:spPr>
-        <p:txBody>
-          <a:bodyPr wrap="none" anchor="t">
-            <a:spAutoFit/>
-          </a:bodyPr>
-          <a:lstStyle/>
-          <a:p>
-            <a:r>
-              <a:rPr lang="en-US" altLang="zh-CN" sz="3000" b="1">
-                <a:solidFill>
-                  <a:srgbClr val="0070C0"/>
-                </a:solidFill>
-                <a:latin typeface="黑体" panose="02010609060101010101" charset="-122"/>
-                <a:ea typeface="黑体" panose="02010609060101010101" charset="-122"/>
-                <a:sym typeface="等线" panose="02010600030101010101" charset="-122"/>
-              </a:rPr>
-              <a:t>3</a:t>
-            </a:r>
-            <a:r>
-              <a:rPr lang="zh-CN" altLang="en-US" sz="3000" b="1">
-                <a:solidFill>
-                  <a:srgbClr val="0070C0"/>
-                </a:solidFill>
-                <a:latin typeface="黑体" panose="02010609060101010101" charset="-122"/>
-                <a:ea typeface="黑体" panose="02010609060101010101" charset="-122"/>
-                <a:sym typeface="等线" panose="02010600030101010101" charset="-122"/>
-              </a:rPr>
-              <a:t>、试用期工作亮点展示</a:t>
-            </a:r>
-          </a:p>
-        </p:txBody>
-      </p:sp>
-      <p:sp>
-        <p:nvSpPr>
-          <p:cNvPr id="3" name="文本框 2"/>
-          <p:cNvSpPr txBox="1"/>
-          <p:nvPr/>
-        </p:nvSpPr>
-        <p:spPr>
-          <a:xfrm>
-            <a:off x="626110" y="1094740"/>
-            <a:ext cx="6704965" cy="398780"/>
-          </a:xfrm>
-          <a:prstGeom prst="rect">
-            <a:avLst/>
-          </a:prstGeom>
-          <a:noFill/>
-          <a:ln w="19050">
-            <a:noFill/>
-            <a:prstDash val="solid"/>
-          </a:ln>
-        </p:spPr>
-        <p:txBody>
-          <a:bodyPr wrap="square" rtlCol="0">
-            <a:spAutoFit/>
-          </a:bodyPr>
-          <a:lstStyle/>
-          <a:p>
-            <a:pPr lvl="0" algn="l"/>
-            <a:r>
-              <a:rPr lang="zh-CN" sz="2000" dirty="0">
-                <a:solidFill>
-                  <a:srgbClr val="FF0000"/>
-                </a:solidFill>
-                <a:ea typeface="宋体" panose="02010600030101010101" pitchFamily="2" charset="-122"/>
-                <a:cs typeface="+mn-ea"/>
-                <a:sym typeface="+mn-lt"/>
-              </a:rPr>
-              <a:t>备注：试用期突出贡献</a:t>
-            </a:r>
-            <a:endParaRPr lang="zh-CN" sz="1600" dirty="0">
-              <a:solidFill>
-                <a:srgbClr val="FF0000"/>
-              </a:solidFill>
-              <a:ea typeface="宋体" panose="02010600030101010101" pitchFamily="2" charset="-122"/>
-              <a:cs typeface="+mn-ea"/>
-              <a:sym typeface="+mn-lt"/>
-            </a:endParaRPr>
-          </a:p>
-        </p:txBody>
-      </p:sp>
-    </p:spTree>
-  </p:cSld>
-  <p:clrMapOvr>
-    <a:overrideClrMapping bg1="lt1" tx1="dk1" bg2="lt2" tx2="dk2" accent1="accent1" accent2="accent2" accent3="accent3" accent4="accent4" accent5="accent5" accent6="accent6" hlink="hlink" folHlink="folHlink"/>
-  </p:clrMapOvr>
-</p:sld>
-</file>
-
-<file path=ppt/slides/slide7.xml><?xml version="1.0" encoding="utf-8"?>
-<p:sld xmlns:a="http://schemas.openxmlformats.org/drawingml/2006/main" xmlns:r="http://schemas.openxmlformats.org/officeDocument/2006/relationships" xmlns:p="http://schemas.openxmlformats.org/presentationml/2006/main">
-  <p:cSld>
-    <p:bg>
-      <p:bgRef idx="1001">
-        <a:schemeClr val="bg1"/>
-      </p:bgRef>
-    </p:bg>
-    <p:spTree>
-      <p:nvGrpSpPr>
-        <p:cNvPr id="1" name=""/>
-        <p:cNvGrpSpPr/>
-        <p:nvPr/>
-      </p:nvGrpSpPr>
-      <p:grpSpPr>
-        <a:xfrm>
-          <a:off x="0" y="0"/>
-          <a:ext cx="0" cy="0"/>
-          <a:chOff x="0" y="0"/>
-          <a:chExt cx="0" cy="0"/>
-        </a:xfrm>
-      </p:grpSpPr>
-      <p:sp>
-        <p:nvSpPr>
-          <p:cNvPr id="20481" name="文本框 15"/>
-          <p:cNvSpPr txBox="1"/>
-          <p:nvPr/>
-        </p:nvSpPr>
-        <p:spPr>
-          <a:xfrm>
-            <a:off x="479743" y="246380"/>
-            <a:ext cx="3438525" cy="553085"/>
-          </a:xfrm>
-          <a:prstGeom prst="rect">
-            <a:avLst/>
-          </a:prstGeom>
-          <a:noFill/>
-          <a:ln w="9525">
-            <a:noFill/>
-          </a:ln>
-        </p:spPr>
-        <p:txBody>
-          <a:bodyPr wrap="none" anchor="t">
-            <a:spAutoFit/>
-          </a:bodyPr>
-          <a:lstStyle/>
-          <a:p>
-            <a:r>
-              <a:rPr lang="en-US" altLang="zh-CN" sz="3000" b="1">
-                <a:solidFill>
-                  <a:srgbClr val="0070C0"/>
-                </a:solidFill>
-                <a:latin typeface="黑体" panose="02010609060101010101" charset="-122"/>
-                <a:ea typeface="黑体" panose="02010609060101010101" charset="-122"/>
-                <a:sym typeface="等线" panose="02010600030101010101" charset="-122"/>
-              </a:rPr>
-              <a:t>4</a:t>
-            </a:r>
-            <a:r>
-              <a:rPr lang="zh-CN" altLang="en-US" sz="3000" b="1">
-                <a:solidFill>
-                  <a:srgbClr val="0070C0"/>
-                </a:solidFill>
-                <a:latin typeface="黑体" panose="02010609060101010101" charset="-122"/>
-                <a:ea typeface="黑体" panose="02010609060101010101" charset="-122"/>
-                <a:sym typeface="等线" panose="02010600030101010101" charset="-122"/>
-              </a:rPr>
-              <a:t>、下阶段工作计划</a:t>
-            </a:r>
-            <a:endParaRPr lang="zh-CN" altLang="en-US" sz="3000" b="1">
-              <a:solidFill>
-                <a:schemeClr val="bg2">
-                  <a:lumMod val="75000"/>
-                </a:schemeClr>
-              </a:solidFill>
-              <a:latin typeface="黑体" panose="02010609060101010101" charset="-122"/>
-              <a:ea typeface="黑体" panose="02010609060101010101" charset="-122"/>
-              <a:sym typeface="等线" panose="02010600030101010101" charset="-122"/>
-            </a:endParaRPr>
-          </a:p>
-        </p:txBody>
-      </p:sp>
-    </p:spTree>
-  </p:cSld>
-  <p:clrMapOvr>
-    <a:overrideClrMapping bg1="lt1" tx1="dk1" bg2="lt2" tx2="dk2" accent1="accent1" accent2="accent2" accent3="accent3" accent4="accent4" accent5="accent5" accent6="accent6" hlink="hlink" folHlink="folHlink"/>
-  </p:clrMapOvr>
-</p:sld>
-</file>
-
-<file path=ppt/slides/slide8.xml><?xml version="1.0" encoding="utf-8"?>
-<p:sld xmlns:a="http://schemas.openxmlformats.org/drawingml/2006/main" xmlns:r="http://schemas.openxmlformats.org/officeDocument/2006/relationships" xmlns:p="http://schemas.openxmlformats.org/presentationml/2006/main">
-  <p:cSld>
-    <p:bg>
-      <p:bgRef idx="1001">
-        <a:schemeClr val="bg1"/>
-      </p:bgRef>
-    </p:bg>
-    <p:spTree>
-      <p:nvGrpSpPr>
-        <p:cNvPr id="1" name=""/>
-        <p:cNvGrpSpPr/>
-        <p:nvPr/>
-      </p:nvGrpSpPr>
-      <p:grpSpPr>
-        <a:xfrm>
-          <a:off x="0" y="0"/>
-          <a:ext cx="0" cy="0"/>
-          <a:chOff x="0" y="0"/>
-          <a:chExt cx="0" cy="0"/>
-        </a:xfrm>
-      </p:grpSpPr>
-      <p:sp>
-        <p:nvSpPr>
-          <p:cNvPr id="20481" name="文本框 15"/>
-          <p:cNvSpPr txBox="1"/>
-          <p:nvPr/>
-        </p:nvSpPr>
-        <p:spPr>
-          <a:xfrm>
-            <a:off x="479743" y="246380"/>
             <a:ext cx="2289810" cy="553085"/>
           </a:xfrm>
           <a:prstGeom prst="rect">
@@ -6132,7 +5505,7 @@
         </p:nvSpPr>
         <p:spPr>
           <a:xfrm>
-            <a:off x="1645920" y="1769110"/>
+            <a:off x="1645920" y="1849755"/>
             <a:ext cx="3845560" cy="1568450"/>
           </a:xfrm>
           <a:prstGeom prst="rect">
@@ -6262,7 +5635,7 @@
               <a:buChar char="Ø"/>
             </a:pPr>
             <a:r>
-              <a:rPr lang="en-US" altLang="zh-CN" sz="1600">
+              <a:rPr lang="en-US" altLang="zh-CN" sz="1600" dirty="0">
                 <a:latin typeface="微软雅黑" panose="020B0503020204020204" charset="-122"/>
                 <a:ea typeface="微软雅黑" panose="020B0503020204020204" charset="-122"/>
               </a:rPr>
@@ -6275,7 +5648,7 @@
               <a:buNone/>
             </a:pPr>
             <a:r>
-              <a:rPr lang="en-US" altLang="zh-CN" sz="1600">
+              <a:rPr lang="en-US" altLang="zh-CN" sz="1600" dirty="0">
                 <a:latin typeface="微软雅黑" panose="020B0503020204020204" charset="-122"/>
                 <a:ea typeface="微软雅黑" panose="020B0503020204020204" charset="-122"/>
               </a:rPr>
@@ -6288,7 +5661,7 @@
               <a:buChar char="Ø"/>
             </a:pPr>
             <a:r>
-              <a:rPr lang="en-US" altLang="zh-CN" sz="1600">
+              <a:rPr lang="en-US" altLang="zh-CN" sz="1600" dirty="0">
                 <a:latin typeface="微软雅黑" panose="020B0503020204020204" charset="-122"/>
                 <a:ea typeface="微软雅黑" panose="020B0503020204020204" charset="-122"/>
               </a:rPr>
@@ -6301,7 +5674,7 @@
               <a:buNone/>
             </a:pPr>
             <a:r>
-              <a:rPr lang="en-US" altLang="zh-CN" sz="1600">
+              <a:rPr lang="en-US" altLang="zh-CN" sz="1600" dirty="0">
                 <a:latin typeface="微软雅黑" panose="020B0503020204020204" charset="-122"/>
                 <a:ea typeface="微软雅黑" panose="020B0503020204020204" charset="-122"/>
               </a:rPr>
@@ -6314,7 +5687,7 @@
               <a:buChar char="Ø"/>
             </a:pPr>
             <a:r>
-              <a:rPr lang="en-US" altLang="zh-CN" sz="1600">
+              <a:rPr lang="en-US" altLang="zh-CN" sz="1600" dirty="0">
                 <a:latin typeface="微软雅黑" panose="020B0503020204020204" charset="-122"/>
                 <a:ea typeface="微软雅黑" panose="020B0503020204020204" charset="-122"/>
               </a:rPr>
@@ -6327,7 +5700,7 @@
               <a:buNone/>
             </a:pPr>
             <a:r>
-              <a:rPr lang="en-US" altLang="zh-CN" sz="1600">
+              <a:rPr lang="en-US" altLang="zh-CN" sz="1600" dirty="0">
                 <a:latin typeface="微软雅黑" panose="020B0503020204020204" charset="-122"/>
                 <a:ea typeface="微软雅黑" panose="020B0503020204020204" charset="-122"/>
               </a:rPr>
@@ -6344,7 +5717,7 @@
         </p:nvSpPr>
         <p:spPr>
           <a:xfrm>
-            <a:off x="1645920" y="3833495"/>
+            <a:off x="1596073" y="3851275"/>
             <a:ext cx="3845560" cy="1568450"/>
           </a:xfrm>
           <a:prstGeom prst="rect">
@@ -6556,7 +5929,7 @@
 </p:sld>
 </file>
 
-<file path=ppt/slides/slide9.xml><?xml version="1.0" encoding="utf-8"?>
+<file path=ppt/slides/slide21.xml><?xml version="1.0" encoding="utf-8"?>
 <p:sld xmlns:a="http://schemas.openxmlformats.org/drawingml/2006/main" xmlns:r="http://schemas.openxmlformats.org/officeDocument/2006/relationships" xmlns:p="http://schemas.openxmlformats.org/presentationml/2006/main">
   <p:cSld>
     <p:spTree>
@@ -7770,6 +7143,2383 @@
     <a:masterClrMapping/>
   </p:clrMapOvr>
   <p:transition/>
+</p:sld>
+</file>
+
+<file path=ppt/slides/slide3.xml><?xml version="1.0" encoding="utf-8"?>
+<p:sld xmlns:a="http://schemas.openxmlformats.org/drawingml/2006/main" xmlns:r="http://schemas.openxmlformats.org/officeDocument/2006/relationships" xmlns:p="http://schemas.openxmlformats.org/presentationml/2006/main">
+  <p:cSld>
+    <p:bg>
+      <p:bgRef idx="1001">
+        <a:schemeClr val="bg1"/>
+      </p:bgRef>
+    </p:bg>
+    <p:spTree>
+      <p:nvGrpSpPr>
+        <p:cNvPr id="1" name=""/>
+        <p:cNvGrpSpPr/>
+        <p:nvPr/>
+      </p:nvGrpSpPr>
+      <p:grpSpPr>
+        <a:xfrm>
+          <a:off x="0" y="0"/>
+          <a:ext cx="0" cy="0"/>
+          <a:chOff x="0" y="0"/>
+          <a:chExt cx="0" cy="0"/>
+        </a:xfrm>
+      </p:grpSpPr>
+      <p:sp>
+        <p:nvSpPr>
+          <p:cNvPr id="28" name="矩形 27"/>
+          <p:cNvSpPr/>
+          <p:nvPr/>
+        </p:nvSpPr>
+        <p:spPr>
+          <a:xfrm>
+            <a:off x="554355" y="1230630"/>
+            <a:ext cx="10937240" cy="4949825"/>
+          </a:xfrm>
+          <a:prstGeom prst="rect">
+            <a:avLst/>
+          </a:prstGeom>
+          <a:solidFill>
+            <a:srgbClr val="6B96CE"/>
+          </a:solidFill>
+          <a:ln w="12700">
+            <a:solidFill>
+              <a:schemeClr val="tx1"/>
+            </a:solidFill>
+          </a:ln>
+        </p:spPr>
+        <p:style>
+          <a:lnRef idx="2">
+            <a:schemeClr val="accent1">
+              <a:shade val="50000"/>
+            </a:schemeClr>
+          </a:lnRef>
+          <a:fillRef idx="1">
+            <a:schemeClr val="accent1"/>
+          </a:fillRef>
+          <a:effectRef idx="0">
+            <a:schemeClr val="accent1"/>
+          </a:effectRef>
+          <a:fontRef idx="minor">
+            <a:schemeClr val="lt1"/>
+          </a:fontRef>
+        </p:style>
+        <p:txBody>
+          <a:bodyPr rtlCol="0" anchor="ctr"/>
+          <a:lstStyle/>
+          <a:p>
+            <a:pPr algn="ctr"/>
+            <a:endParaRPr lang="zh-CN" altLang="en-US" dirty="0">
+              <a:cs typeface="+mn-ea"/>
+              <a:sym typeface="+mn-lt"/>
+            </a:endParaRPr>
+          </a:p>
+        </p:txBody>
+      </p:sp>
+      <p:grpSp>
+        <p:nvGrpSpPr>
+          <p:cNvPr id="31" name="组合 30"/>
+          <p:cNvGrpSpPr/>
+          <p:nvPr/>
+        </p:nvGrpSpPr>
+        <p:grpSpPr>
+          <a:xfrm>
+            <a:off x="921900" y="2566015"/>
+            <a:ext cx="4799965" cy="398780"/>
+            <a:chOff x="5012373" y="3489017"/>
+            <a:chExt cx="4799965" cy="398780"/>
+          </a:xfrm>
+        </p:grpSpPr>
+        <p:sp>
+          <p:nvSpPr>
+            <p:cNvPr id="32" name="文本框 31"/>
+            <p:cNvSpPr txBox="1"/>
+            <p:nvPr/>
+          </p:nvSpPr>
+          <p:spPr>
+            <a:xfrm>
+              <a:off x="7847013" y="3489017"/>
+              <a:ext cx="1965325" cy="398780"/>
+            </a:xfrm>
+            <a:prstGeom prst="rect">
+              <a:avLst/>
+            </a:prstGeom>
+            <a:noFill/>
+            <a:ln w="19050">
+              <a:noFill/>
+              <a:prstDash val="solid"/>
+            </a:ln>
+          </p:spPr>
+          <p:txBody>
+            <a:bodyPr wrap="square" rtlCol="0">
+              <a:spAutoFit/>
+            </a:bodyPr>
+            <a:lstStyle/>
+            <a:p>
+              <a:pPr lvl="0" algn="l"/>
+              <a:r>
+                <a:rPr lang="zh-CN" altLang="en-US" sz="2000" dirty="0">
+                  <a:solidFill>
+                    <a:schemeClr val="bg1"/>
+                  </a:solidFill>
+                  <a:cs typeface="+mn-ea"/>
+                  <a:sym typeface="+mn-lt"/>
+                </a:rPr>
+                <a:t>岗位</a:t>
+              </a:r>
+              <a:r>
+                <a:rPr lang="zh-CN" altLang="en-US" sz="2000" dirty="0" smtClean="0">
+                  <a:solidFill>
+                    <a:schemeClr val="bg1"/>
+                  </a:solidFill>
+                  <a:cs typeface="+mn-ea"/>
+                  <a:sym typeface="+mn-lt"/>
+                </a:rPr>
+                <a:t>：</a:t>
+              </a:r>
+              <a:r>
+                <a:rPr lang="zh-CN" altLang="en-US" sz="1600" dirty="0" smtClean="0">
+                  <a:solidFill>
+                    <a:schemeClr val="bg1"/>
+                  </a:solidFill>
+                  <a:cs typeface="+mn-ea"/>
+                  <a:sym typeface="+mn-lt"/>
+                </a:rPr>
+                <a:t>软件工程师</a:t>
+              </a:r>
+              <a:endParaRPr lang="zh-CN" altLang="en-US" sz="1600" dirty="0">
+                <a:solidFill>
+                  <a:schemeClr val="bg1"/>
+                </a:solidFill>
+                <a:cs typeface="+mn-ea"/>
+                <a:sym typeface="+mn-lt"/>
+              </a:endParaRPr>
+            </a:p>
+          </p:txBody>
+        </p:sp>
+        <p:sp>
+          <p:nvSpPr>
+            <p:cNvPr id="33" name="文本框 32"/>
+            <p:cNvSpPr txBox="1"/>
+            <p:nvPr/>
+          </p:nvSpPr>
+          <p:spPr>
+            <a:xfrm>
+              <a:off x="5012373" y="3489017"/>
+              <a:ext cx="2304474" cy="398780"/>
+            </a:xfrm>
+            <a:prstGeom prst="rect">
+              <a:avLst/>
+            </a:prstGeom>
+            <a:noFill/>
+            <a:ln w="19050">
+              <a:noFill/>
+              <a:prstDash val="solid"/>
+            </a:ln>
+          </p:spPr>
+          <p:txBody>
+            <a:bodyPr wrap="square" rtlCol="0">
+              <a:spAutoFit/>
+            </a:bodyPr>
+            <a:lstStyle/>
+            <a:p>
+              <a:pPr lvl="0" algn="l"/>
+              <a:r>
+                <a:rPr lang="zh-CN" altLang="en-US" sz="2000" dirty="0">
+                  <a:solidFill>
+                    <a:schemeClr val="bg1"/>
+                  </a:solidFill>
+                  <a:cs typeface="+mn-ea"/>
+                  <a:sym typeface="+mn-lt"/>
+                </a:rPr>
+                <a:t>部门</a:t>
+              </a:r>
+              <a:r>
+                <a:rPr lang="zh-CN" altLang="en-US" sz="2000" dirty="0" smtClean="0">
+                  <a:solidFill>
+                    <a:schemeClr val="bg1"/>
+                  </a:solidFill>
+                  <a:cs typeface="+mn-ea"/>
+                  <a:sym typeface="+mn-lt"/>
+                </a:rPr>
+                <a:t>：</a:t>
+              </a:r>
+              <a:r>
+                <a:rPr lang="zh-CN" altLang="en-US" sz="1600" dirty="0" smtClean="0">
+                  <a:solidFill>
+                    <a:schemeClr val="bg1"/>
+                  </a:solidFill>
+                  <a:ea typeface="宋体" panose="02010600030101010101" pitchFamily="2" charset="-122"/>
+                  <a:cs typeface="+mn-ea"/>
+                  <a:sym typeface="+mn-lt"/>
+                </a:rPr>
+                <a:t>通用研发部</a:t>
+              </a:r>
+              <a:endParaRPr lang="zh-CN" altLang="en-US" sz="1600" dirty="0">
+                <a:solidFill>
+                  <a:schemeClr val="bg1"/>
+                </a:solidFill>
+                <a:ea typeface="宋体" panose="02010600030101010101" pitchFamily="2" charset="-122"/>
+                <a:cs typeface="+mn-ea"/>
+                <a:sym typeface="+mn-lt"/>
+              </a:endParaRPr>
+            </a:p>
+          </p:txBody>
+        </p:sp>
+      </p:grpSp>
+      <p:sp>
+        <p:nvSpPr>
+          <p:cNvPr id="34" name="文本框 33"/>
+          <p:cNvSpPr txBox="1"/>
+          <p:nvPr/>
+        </p:nvSpPr>
+        <p:spPr>
+          <a:xfrm>
+            <a:off x="921900" y="1428995"/>
+            <a:ext cx="1848014" cy="398780"/>
+          </a:xfrm>
+          <a:prstGeom prst="rect">
+            <a:avLst/>
+          </a:prstGeom>
+          <a:noFill/>
+          <a:ln w="19050">
+            <a:noFill/>
+            <a:prstDash val="solid"/>
+          </a:ln>
+        </p:spPr>
+        <p:txBody>
+          <a:bodyPr wrap="square" rtlCol="0">
+            <a:spAutoFit/>
+          </a:bodyPr>
+          <a:lstStyle/>
+          <a:p>
+            <a:pPr lvl="0" algn="l"/>
+            <a:r>
+              <a:rPr lang="zh-CN" altLang="en-US" sz="2000" dirty="0">
+                <a:solidFill>
+                  <a:schemeClr val="bg1"/>
+                </a:solidFill>
+                <a:cs typeface="+mn-ea"/>
+                <a:sym typeface="+mn-lt"/>
+              </a:rPr>
+              <a:t>姓名</a:t>
+            </a:r>
+            <a:r>
+              <a:rPr lang="zh-CN" altLang="en-US" sz="2000" dirty="0" smtClean="0">
+                <a:solidFill>
+                  <a:schemeClr val="bg1"/>
+                </a:solidFill>
+                <a:cs typeface="+mn-ea"/>
+                <a:sym typeface="+mn-lt"/>
+              </a:rPr>
+              <a:t>：</a:t>
+            </a:r>
+            <a:r>
+              <a:rPr lang="zh-CN" altLang="en-US" sz="1600" dirty="0" smtClean="0">
+                <a:solidFill>
+                  <a:schemeClr val="bg1"/>
+                </a:solidFill>
+                <a:cs typeface="+mn-ea"/>
+                <a:sym typeface="+mn-lt"/>
+              </a:rPr>
+              <a:t>肖自翔</a:t>
+            </a:r>
+            <a:endParaRPr lang="zh-CN" altLang="en-US" sz="1600" dirty="0">
+              <a:solidFill>
+                <a:schemeClr val="bg1"/>
+              </a:solidFill>
+              <a:cs typeface="+mn-ea"/>
+              <a:sym typeface="+mn-lt"/>
+            </a:endParaRPr>
+          </a:p>
+        </p:txBody>
+      </p:sp>
+      <p:sp>
+        <p:nvSpPr>
+          <p:cNvPr id="38" name="文本框 37"/>
+          <p:cNvSpPr txBox="1"/>
+          <p:nvPr/>
+        </p:nvSpPr>
+        <p:spPr>
+          <a:xfrm>
+            <a:off x="922020" y="3324225"/>
+            <a:ext cx="10304780" cy="2031325"/>
+          </a:xfrm>
+          <a:prstGeom prst="rect">
+            <a:avLst/>
+          </a:prstGeom>
+          <a:noFill/>
+          <a:ln w="19050">
+            <a:noFill/>
+            <a:prstDash val="solid"/>
+          </a:ln>
+        </p:spPr>
+        <p:txBody>
+          <a:bodyPr wrap="square" rtlCol="0">
+            <a:spAutoFit/>
+          </a:bodyPr>
+          <a:lstStyle/>
+          <a:p>
+            <a:pPr>
+              <a:lnSpc>
+                <a:spcPct val="150000"/>
+              </a:lnSpc>
+            </a:pPr>
+            <a:r>
+              <a:rPr lang="zh-CN" altLang="en-US" sz="2000" b="1" dirty="0">
+                <a:solidFill>
+                  <a:schemeClr val="tx1"/>
+                </a:solidFill>
+                <a:cs typeface="+mn-ea"/>
+                <a:sym typeface="+mn-lt"/>
+              </a:rPr>
+              <a:t>主要工作职责：</a:t>
+            </a:r>
+          </a:p>
+          <a:p>
+            <a:pPr>
+              <a:lnSpc>
+                <a:spcPct val="150000"/>
+              </a:lnSpc>
+            </a:pPr>
+            <a:r>
+              <a:rPr lang="en-US" altLang="zh-CN" sz="1600" b="1" dirty="0" smtClean="0">
+                <a:solidFill>
+                  <a:schemeClr val="tx1"/>
+                </a:solidFill>
+                <a:cs typeface="+mn-ea"/>
+                <a:sym typeface="+mn-lt"/>
+              </a:rPr>
+              <a:t>1.WMS</a:t>
+            </a:r>
+            <a:r>
+              <a:rPr lang="zh-CN" altLang="en-US" sz="1600" b="1" dirty="0" smtClean="0">
+                <a:solidFill>
+                  <a:schemeClr val="tx1"/>
+                </a:solidFill>
+                <a:cs typeface="+mn-ea"/>
+                <a:sym typeface="+mn-lt"/>
+              </a:rPr>
+              <a:t>仓储模块： 出入库单据，库存查询，备料，收料通知单</a:t>
+            </a:r>
+            <a:endParaRPr lang="en-US" altLang="zh-CN" sz="1600" b="1" dirty="0">
+              <a:solidFill>
+                <a:schemeClr val="tx1"/>
+              </a:solidFill>
+              <a:cs typeface="+mn-ea"/>
+              <a:sym typeface="+mn-lt"/>
+            </a:endParaRPr>
+          </a:p>
+          <a:p>
+            <a:pPr>
+              <a:lnSpc>
+                <a:spcPct val="150000"/>
+              </a:lnSpc>
+            </a:pPr>
+            <a:r>
+              <a:rPr lang="en-US" altLang="zh-CN" sz="1600" b="1" dirty="0" smtClean="0">
+                <a:solidFill>
+                  <a:schemeClr val="tx1"/>
+                </a:solidFill>
+                <a:cs typeface="+mn-ea"/>
+                <a:sym typeface="+mn-lt"/>
+              </a:rPr>
+              <a:t>2.MES</a:t>
+            </a:r>
+            <a:r>
+              <a:rPr lang="zh-CN" altLang="en-US" sz="1600" b="1" dirty="0" smtClean="0">
+                <a:solidFill>
+                  <a:schemeClr val="tx1"/>
+                </a:solidFill>
+                <a:cs typeface="+mn-ea"/>
+                <a:sym typeface="+mn-lt"/>
+              </a:rPr>
+              <a:t>生成模块：上料表管理，上料，下料，过站扫描，退料通知单，包装作业</a:t>
+            </a:r>
+            <a:endParaRPr lang="en-US" altLang="zh-CN" sz="1600" b="1" dirty="0">
+              <a:solidFill>
+                <a:schemeClr val="tx1"/>
+              </a:solidFill>
+              <a:cs typeface="+mn-ea"/>
+              <a:sym typeface="+mn-lt"/>
+            </a:endParaRPr>
+          </a:p>
+          <a:p>
+            <a:pPr>
+              <a:lnSpc>
+                <a:spcPct val="150000"/>
+              </a:lnSpc>
+            </a:pPr>
+            <a:r>
+              <a:rPr lang="en-US" altLang="zh-CN" sz="1600" b="1" dirty="0" smtClean="0">
+                <a:solidFill>
+                  <a:schemeClr val="tx1"/>
+                </a:solidFill>
+                <a:cs typeface="+mn-ea"/>
+                <a:sym typeface="+mn-lt"/>
+              </a:rPr>
+              <a:t>3.</a:t>
+            </a:r>
+            <a:r>
+              <a:rPr lang="zh-CN" altLang="en-US" sz="1600" b="1" dirty="0" smtClean="0">
+                <a:solidFill>
+                  <a:schemeClr val="tx1"/>
+                </a:solidFill>
+                <a:cs typeface="+mn-ea"/>
+                <a:sym typeface="+mn-lt"/>
+              </a:rPr>
+              <a:t>设备管理模块：设备维修任务，设备维修申请</a:t>
+            </a:r>
+            <a:endParaRPr lang="en-US" altLang="zh-CN" sz="1600" b="1" dirty="0">
+              <a:solidFill>
+                <a:schemeClr val="tx1"/>
+              </a:solidFill>
+              <a:cs typeface="+mn-ea"/>
+              <a:sym typeface="+mn-lt"/>
+            </a:endParaRPr>
+          </a:p>
+          <a:p>
+            <a:pPr>
+              <a:lnSpc>
+                <a:spcPct val="150000"/>
+              </a:lnSpc>
+            </a:pPr>
+            <a:r>
+              <a:rPr lang="en-US" altLang="zh-CN" sz="1600" b="1" dirty="0">
+                <a:solidFill>
+                  <a:schemeClr val="tx1"/>
+                </a:solidFill>
+                <a:cs typeface="+mn-ea"/>
+                <a:sym typeface="+mn-lt"/>
+              </a:rPr>
+              <a:t>4</a:t>
+            </a:r>
+            <a:r>
+              <a:rPr lang="en-US" altLang="zh-CN" sz="1600" b="1" dirty="0" smtClean="0">
+                <a:solidFill>
+                  <a:schemeClr val="tx1"/>
+                </a:solidFill>
+                <a:cs typeface="+mn-ea"/>
+                <a:sym typeface="+mn-lt"/>
+              </a:rPr>
+              <a:t>.</a:t>
+            </a:r>
+            <a:r>
+              <a:rPr lang="zh-CN" altLang="en-US" sz="1600" b="1" dirty="0" smtClean="0">
+                <a:solidFill>
+                  <a:schemeClr val="tx1"/>
+                </a:solidFill>
+                <a:cs typeface="+mn-ea"/>
+                <a:sym typeface="+mn-lt"/>
+              </a:rPr>
+              <a:t>品质管理模块：条码锁定</a:t>
+            </a:r>
+            <a:endParaRPr lang="en-US" altLang="zh-CN" sz="1600" b="1" dirty="0">
+              <a:solidFill>
+                <a:schemeClr val="tx1"/>
+              </a:solidFill>
+              <a:cs typeface="+mn-ea"/>
+              <a:sym typeface="+mn-lt"/>
+            </a:endParaRPr>
+          </a:p>
+        </p:txBody>
+      </p:sp>
+      <p:grpSp>
+        <p:nvGrpSpPr>
+          <p:cNvPr id="39" name="组合 38"/>
+          <p:cNvGrpSpPr/>
+          <p:nvPr/>
+        </p:nvGrpSpPr>
+        <p:grpSpPr>
+          <a:xfrm>
+            <a:off x="923170" y="1987150"/>
+            <a:ext cx="4720331" cy="399445"/>
+            <a:chOff x="5012373" y="2819577"/>
+            <a:chExt cx="4720331" cy="399445"/>
+          </a:xfrm>
+        </p:grpSpPr>
+        <p:sp>
+          <p:nvSpPr>
+            <p:cNvPr id="40" name="文本框 39"/>
+            <p:cNvSpPr txBox="1"/>
+            <p:nvPr/>
+          </p:nvSpPr>
+          <p:spPr>
+            <a:xfrm>
+              <a:off x="5012373" y="2820242"/>
+              <a:ext cx="1848014" cy="398780"/>
+            </a:xfrm>
+            <a:prstGeom prst="rect">
+              <a:avLst/>
+            </a:prstGeom>
+            <a:noFill/>
+            <a:ln w="19050">
+              <a:noFill/>
+              <a:prstDash val="solid"/>
+            </a:ln>
+          </p:spPr>
+          <p:txBody>
+            <a:bodyPr wrap="square" rtlCol="0">
+              <a:spAutoFit/>
+            </a:bodyPr>
+            <a:lstStyle/>
+            <a:p>
+              <a:pPr lvl="0" algn="l"/>
+              <a:r>
+                <a:rPr lang="zh-CN" altLang="en-US" sz="2000" dirty="0">
+                  <a:solidFill>
+                    <a:schemeClr val="bg1"/>
+                  </a:solidFill>
+                  <a:cs typeface="+mn-ea"/>
+                  <a:sym typeface="+mn-lt"/>
+                </a:rPr>
+                <a:t>年龄</a:t>
+              </a:r>
+              <a:r>
+                <a:rPr lang="zh-CN" altLang="en-US" sz="2000" dirty="0" smtClean="0">
+                  <a:solidFill>
+                    <a:schemeClr val="bg1"/>
+                  </a:solidFill>
+                  <a:cs typeface="+mn-ea"/>
+                  <a:sym typeface="+mn-lt"/>
+                </a:rPr>
+                <a:t>：</a:t>
+              </a:r>
+              <a:r>
+                <a:rPr lang="en-US" altLang="zh-CN" sz="1600" dirty="0" smtClean="0">
+                  <a:solidFill>
+                    <a:schemeClr val="bg1"/>
+                  </a:solidFill>
+                  <a:cs typeface="+mn-ea"/>
+                  <a:sym typeface="+mn-lt"/>
+                </a:rPr>
+                <a:t>28</a:t>
+              </a:r>
+              <a:endParaRPr lang="en-US" altLang="zh-CN" sz="1600" dirty="0">
+                <a:solidFill>
+                  <a:schemeClr val="bg1"/>
+                </a:solidFill>
+                <a:cs typeface="+mn-ea"/>
+                <a:sym typeface="+mn-lt"/>
+              </a:endParaRPr>
+            </a:p>
+          </p:txBody>
+        </p:sp>
+        <p:sp>
+          <p:nvSpPr>
+            <p:cNvPr id="41" name="文本框 40"/>
+            <p:cNvSpPr txBox="1"/>
+            <p:nvPr/>
+          </p:nvSpPr>
+          <p:spPr>
+            <a:xfrm>
+              <a:off x="7847027" y="2819577"/>
+              <a:ext cx="1885677" cy="398780"/>
+            </a:xfrm>
+            <a:prstGeom prst="rect">
+              <a:avLst/>
+            </a:prstGeom>
+            <a:noFill/>
+            <a:ln w="19050">
+              <a:noFill/>
+              <a:prstDash val="solid"/>
+            </a:ln>
+          </p:spPr>
+          <p:txBody>
+            <a:bodyPr wrap="square" rtlCol="0">
+              <a:spAutoFit/>
+            </a:bodyPr>
+            <a:lstStyle/>
+            <a:p>
+              <a:pPr lvl="0" algn="l"/>
+              <a:r>
+                <a:rPr lang="zh-CN" altLang="en-US" sz="2000" dirty="0">
+                  <a:solidFill>
+                    <a:schemeClr val="bg1"/>
+                  </a:solidFill>
+                  <a:cs typeface="+mn-ea"/>
+                  <a:sym typeface="+mn-lt"/>
+                </a:rPr>
+                <a:t>学历：</a:t>
+              </a:r>
+              <a:r>
+                <a:rPr lang="zh-CN" altLang="en-US" sz="1600" dirty="0">
+                  <a:solidFill>
+                    <a:schemeClr val="bg1"/>
+                  </a:solidFill>
+                  <a:cs typeface="+mn-ea"/>
+                  <a:sym typeface="+mn-lt"/>
+                </a:rPr>
+                <a:t>本科</a:t>
+              </a:r>
+            </a:p>
+          </p:txBody>
+        </p:sp>
+      </p:grpSp>
+      <p:cxnSp>
+        <p:nvCxnSpPr>
+          <p:cNvPr id="42" name="直接连接符 41"/>
+          <p:cNvCxnSpPr/>
+          <p:nvPr/>
+        </p:nvCxnSpPr>
+        <p:spPr>
+          <a:xfrm flipV="1">
+            <a:off x="922020" y="3134360"/>
+            <a:ext cx="10305415" cy="10160"/>
+          </a:xfrm>
+          <a:prstGeom prst="line">
+            <a:avLst/>
+          </a:prstGeom>
+          <a:ln>
+            <a:solidFill>
+              <a:schemeClr val="bg1"/>
+            </a:solidFill>
+          </a:ln>
+        </p:spPr>
+        <p:style>
+          <a:lnRef idx="1">
+            <a:schemeClr val="accent1"/>
+          </a:lnRef>
+          <a:fillRef idx="0">
+            <a:schemeClr val="accent1"/>
+          </a:fillRef>
+          <a:effectRef idx="0">
+            <a:schemeClr val="accent1"/>
+          </a:effectRef>
+          <a:fontRef idx="minor">
+            <a:schemeClr val="tx1"/>
+          </a:fontRef>
+        </p:style>
+      </p:cxnSp>
+      <p:sp>
+        <p:nvSpPr>
+          <p:cNvPr id="20481" name="文本框 15"/>
+          <p:cNvSpPr txBox="1"/>
+          <p:nvPr/>
+        </p:nvSpPr>
+        <p:spPr>
+          <a:xfrm>
+            <a:off x="479743" y="246380"/>
+            <a:ext cx="4013835" cy="553085"/>
+          </a:xfrm>
+          <a:prstGeom prst="rect">
+            <a:avLst/>
+          </a:prstGeom>
+          <a:noFill/>
+          <a:ln w="9525">
+            <a:noFill/>
+          </a:ln>
+        </p:spPr>
+        <p:txBody>
+          <a:bodyPr wrap="none" anchor="t">
+            <a:spAutoFit/>
+          </a:bodyPr>
+          <a:lstStyle/>
+          <a:p>
+            <a:r>
+              <a:rPr lang="en-US" altLang="zh-CN" sz="3000" b="1" dirty="0">
+                <a:solidFill>
+                  <a:srgbClr val="0070C0"/>
+                </a:solidFill>
+                <a:latin typeface="黑体" panose="02010609060101010101" charset="-122"/>
+                <a:ea typeface="黑体" panose="02010609060101010101" charset="-122"/>
+                <a:sym typeface="等线" panose="02010600030101010101" charset="-122"/>
+              </a:rPr>
+              <a:t>1</a:t>
+            </a:r>
+            <a:r>
+              <a:rPr lang="zh-CN" altLang="en-US" sz="3000" b="1" dirty="0">
+                <a:solidFill>
+                  <a:srgbClr val="0070C0"/>
+                </a:solidFill>
+                <a:latin typeface="黑体" panose="02010609060101010101" charset="-122"/>
+                <a:ea typeface="黑体" panose="02010609060101010101" charset="-122"/>
+                <a:sym typeface="等线" panose="02010600030101010101" charset="-122"/>
+              </a:rPr>
+              <a:t>、自我介绍</a:t>
+            </a:r>
+            <a:r>
+              <a:rPr lang="en-US" altLang="zh-CN" sz="3000" b="1" dirty="0">
+                <a:solidFill>
+                  <a:srgbClr val="0070C0"/>
+                </a:solidFill>
+                <a:latin typeface="黑体" panose="02010609060101010101" charset="-122"/>
+                <a:ea typeface="黑体" panose="02010609060101010101" charset="-122"/>
+                <a:sym typeface="等线" panose="02010600030101010101" charset="-122"/>
+              </a:rPr>
+              <a:t>-</a:t>
+            </a:r>
+            <a:r>
+              <a:rPr lang="zh-CN" altLang="en-US" sz="3000" b="1" dirty="0">
+                <a:solidFill>
+                  <a:srgbClr val="0070C0"/>
+                </a:solidFill>
+                <a:latin typeface="黑体" panose="02010609060101010101" charset="-122"/>
+                <a:ea typeface="黑体" panose="02010609060101010101" charset="-122"/>
+                <a:sym typeface="等线" panose="02010600030101010101" charset="-122"/>
+              </a:rPr>
+              <a:t>基础信息</a:t>
+            </a:r>
+          </a:p>
+        </p:txBody>
+      </p:sp>
+    </p:spTree>
+  </p:cSld>
+  <p:clrMapOvr>
+    <a:overrideClrMapping bg1="lt1" tx1="dk1" bg2="lt2" tx2="dk2" accent1="accent1" accent2="accent2" accent3="accent3" accent4="accent4" accent5="accent5" accent6="accent6" hlink="hlink" folHlink="folHlink"/>
+  </p:clrMapOvr>
+  <p:timing>
+    <p:tnLst>
+      <p:par>
+        <p:cTn id="1" dur="indefinite" restart="never" nodeType="tmRoot"/>
+      </p:par>
+    </p:tnLst>
+  </p:timing>
+</p:sld>
+</file>
+
+<file path=ppt/slides/slide4.xml><?xml version="1.0" encoding="utf-8"?>
+<p:sld xmlns:a="http://schemas.openxmlformats.org/drawingml/2006/main" xmlns:r="http://schemas.openxmlformats.org/officeDocument/2006/relationships" xmlns:p="http://schemas.openxmlformats.org/presentationml/2006/main">
+  <p:cSld>
+    <p:bg>
+      <p:bgRef idx="1001">
+        <a:schemeClr val="bg1"/>
+      </p:bgRef>
+    </p:bg>
+    <p:spTree>
+      <p:nvGrpSpPr>
+        <p:cNvPr id="1" name=""/>
+        <p:cNvGrpSpPr/>
+        <p:nvPr/>
+      </p:nvGrpSpPr>
+      <p:grpSpPr>
+        <a:xfrm>
+          <a:off x="0" y="0"/>
+          <a:ext cx="0" cy="0"/>
+          <a:chOff x="0" y="0"/>
+          <a:chExt cx="0" cy="0"/>
+        </a:xfrm>
+      </p:grpSpPr>
+      <p:sp>
+        <p:nvSpPr>
+          <p:cNvPr id="28" name="矩形 27"/>
+          <p:cNvSpPr/>
+          <p:nvPr/>
+        </p:nvSpPr>
+        <p:spPr>
+          <a:xfrm>
+            <a:off x="554355" y="1162685"/>
+            <a:ext cx="10937240" cy="4949825"/>
+          </a:xfrm>
+          <a:prstGeom prst="rect">
+            <a:avLst/>
+          </a:prstGeom>
+          <a:solidFill>
+            <a:srgbClr val="6B96CE"/>
+          </a:solidFill>
+          <a:ln w="12700">
+            <a:solidFill>
+              <a:schemeClr val="tx1"/>
+            </a:solidFill>
+          </a:ln>
+        </p:spPr>
+        <p:style>
+          <a:lnRef idx="2">
+            <a:schemeClr val="accent1">
+              <a:shade val="50000"/>
+            </a:schemeClr>
+          </a:lnRef>
+          <a:fillRef idx="1">
+            <a:schemeClr val="accent1"/>
+          </a:fillRef>
+          <a:effectRef idx="0">
+            <a:schemeClr val="accent1"/>
+          </a:effectRef>
+          <a:fontRef idx="minor">
+            <a:schemeClr val="lt1"/>
+          </a:fontRef>
+        </p:style>
+        <p:txBody>
+          <a:bodyPr rtlCol="0" anchor="ctr"/>
+          <a:lstStyle/>
+          <a:p>
+            <a:pPr algn="ctr"/>
+            <a:endParaRPr lang="zh-CN" altLang="en-US" dirty="0">
+              <a:cs typeface="+mn-ea"/>
+              <a:sym typeface="+mn-lt"/>
+            </a:endParaRPr>
+          </a:p>
+        </p:txBody>
+      </p:sp>
+      <p:sp>
+        <p:nvSpPr>
+          <p:cNvPr id="34" name="文本框 33"/>
+          <p:cNvSpPr txBox="1"/>
+          <p:nvPr/>
+        </p:nvSpPr>
+        <p:spPr>
+          <a:xfrm>
+            <a:off x="3874649" y="1368213"/>
+            <a:ext cx="3187053" cy="400110"/>
+          </a:xfrm>
+          <a:prstGeom prst="rect">
+            <a:avLst/>
+          </a:prstGeom>
+          <a:noFill/>
+          <a:ln w="19050">
+            <a:noFill/>
+            <a:prstDash val="solid"/>
+          </a:ln>
+        </p:spPr>
+        <p:txBody>
+          <a:bodyPr wrap="square" rtlCol="0">
+            <a:spAutoFit/>
+          </a:bodyPr>
+          <a:lstStyle/>
+          <a:p>
+            <a:pPr lvl="0" algn="l"/>
+            <a:r>
+              <a:rPr lang="zh-CN" altLang="en-US" sz="2000" dirty="0">
+                <a:solidFill>
+                  <a:schemeClr val="bg1"/>
+                </a:solidFill>
+                <a:cs typeface="+mn-ea"/>
+                <a:sym typeface="+mn-lt"/>
+              </a:rPr>
+              <a:t>公司</a:t>
+            </a:r>
+            <a:r>
+              <a:rPr lang="zh-CN" altLang="en-US" sz="2000" dirty="0" smtClean="0">
+                <a:solidFill>
+                  <a:schemeClr val="bg1"/>
+                </a:solidFill>
+                <a:cs typeface="+mn-ea"/>
+                <a:sym typeface="+mn-lt"/>
+              </a:rPr>
+              <a:t>：</a:t>
+            </a:r>
+            <a:r>
+              <a:rPr lang="zh-CN" altLang="en-US" sz="1600" dirty="0" smtClean="0">
+                <a:solidFill>
+                  <a:schemeClr val="bg1"/>
+                </a:solidFill>
+                <a:cs typeface="+mn-ea"/>
+                <a:sym typeface="+mn-lt"/>
+              </a:rPr>
+              <a:t>索菲亚家具股份有限公司</a:t>
+            </a:r>
+            <a:endParaRPr lang="en-US" altLang="zh-CN" sz="1600" dirty="0">
+              <a:solidFill>
+                <a:schemeClr val="bg1"/>
+              </a:solidFill>
+              <a:cs typeface="+mn-ea"/>
+              <a:sym typeface="+mn-lt"/>
+            </a:endParaRPr>
+          </a:p>
+        </p:txBody>
+      </p:sp>
+      <p:cxnSp>
+        <p:nvCxnSpPr>
+          <p:cNvPr id="42" name="直接连接符 41"/>
+          <p:cNvCxnSpPr/>
+          <p:nvPr/>
+        </p:nvCxnSpPr>
+        <p:spPr>
+          <a:xfrm flipV="1">
+            <a:off x="869950" y="3632200"/>
+            <a:ext cx="10305415" cy="10160"/>
+          </a:xfrm>
+          <a:prstGeom prst="line">
+            <a:avLst/>
+          </a:prstGeom>
+          <a:ln>
+            <a:solidFill>
+              <a:schemeClr val="bg1"/>
+            </a:solidFill>
+          </a:ln>
+        </p:spPr>
+        <p:style>
+          <a:lnRef idx="1">
+            <a:schemeClr val="accent1"/>
+          </a:lnRef>
+          <a:fillRef idx="0">
+            <a:schemeClr val="accent1"/>
+          </a:fillRef>
+          <a:effectRef idx="0">
+            <a:schemeClr val="accent1"/>
+          </a:effectRef>
+          <a:fontRef idx="minor">
+            <a:schemeClr val="tx1"/>
+          </a:fontRef>
+        </p:style>
+      </p:cxnSp>
+      <p:sp>
+        <p:nvSpPr>
+          <p:cNvPr id="20481" name="文本框 15"/>
+          <p:cNvSpPr txBox="1"/>
+          <p:nvPr/>
+        </p:nvSpPr>
+        <p:spPr>
+          <a:xfrm>
+            <a:off x="479743" y="246380"/>
+            <a:ext cx="4013835" cy="553085"/>
+          </a:xfrm>
+          <a:prstGeom prst="rect">
+            <a:avLst/>
+          </a:prstGeom>
+          <a:noFill/>
+          <a:ln w="9525">
+            <a:noFill/>
+          </a:ln>
+        </p:spPr>
+        <p:txBody>
+          <a:bodyPr wrap="none" anchor="t">
+            <a:spAutoFit/>
+          </a:bodyPr>
+          <a:lstStyle/>
+          <a:p>
+            <a:r>
+              <a:rPr lang="en-US" altLang="zh-CN" sz="3000" b="1">
+                <a:solidFill>
+                  <a:srgbClr val="0070C0"/>
+                </a:solidFill>
+                <a:latin typeface="黑体" panose="02010609060101010101" charset="-122"/>
+                <a:ea typeface="黑体" panose="02010609060101010101" charset="-122"/>
+                <a:sym typeface="等线" panose="02010600030101010101" charset="-122"/>
+              </a:rPr>
+              <a:t>1</a:t>
+            </a:r>
+            <a:r>
+              <a:rPr lang="zh-CN" altLang="en-US" sz="3000" b="1">
+                <a:solidFill>
+                  <a:srgbClr val="0070C0"/>
+                </a:solidFill>
+                <a:latin typeface="黑体" panose="02010609060101010101" charset="-122"/>
+                <a:ea typeface="黑体" panose="02010609060101010101" charset="-122"/>
+                <a:sym typeface="等线" panose="02010600030101010101" charset="-122"/>
+              </a:rPr>
+              <a:t>、自我介绍</a:t>
+            </a:r>
+            <a:r>
+              <a:rPr lang="en-US" altLang="zh-CN" sz="3000" b="1">
+                <a:solidFill>
+                  <a:srgbClr val="0070C0"/>
+                </a:solidFill>
+                <a:latin typeface="黑体" panose="02010609060101010101" charset="-122"/>
+                <a:ea typeface="黑体" panose="02010609060101010101" charset="-122"/>
+                <a:sym typeface="等线" panose="02010600030101010101" charset="-122"/>
+              </a:rPr>
+              <a:t>-</a:t>
+            </a:r>
+            <a:r>
+              <a:rPr lang="zh-CN" altLang="en-US" sz="3000" b="1">
+                <a:solidFill>
+                  <a:srgbClr val="0070C0"/>
+                </a:solidFill>
+                <a:latin typeface="黑体" panose="02010609060101010101" charset="-122"/>
+                <a:ea typeface="黑体" panose="02010609060101010101" charset="-122"/>
+                <a:sym typeface="等线" panose="02010600030101010101" charset="-122"/>
+              </a:rPr>
+              <a:t>工作经历</a:t>
+            </a:r>
+          </a:p>
+        </p:txBody>
+      </p:sp>
+      <p:sp>
+        <p:nvSpPr>
+          <p:cNvPr id="2" name="文本框 1"/>
+          <p:cNvSpPr txBox="1"/>
+          <p:nvPr/>
+        </p:nvSpPr>
+        <p:spPr>
+          <a:xfrm>
+            <a:off x="3874650" y="3759623"/>
+            <a:ext cx="3187052" cy="400110"/>
+          </a:xfrm>
+          <a:prstGeom prst="rect">
+            <a:avLst/>
+          </a:prstGeom>
+          <a:noFill/>
+          <a:ln w="19050">
+            <a:noFill/>
+            <a:prstDash val="solid"/>
+          </a:ln>
+        </p:spPr>
+        <p:txBody>
+          <a:bodyPr wrap="square" rtlCol="0">
+            <a:spAutoFit/>
+          </a:bodyPr>
+          <a:lstStyle/>
+          <a:p>
+            <a:pPr lvl="0" algn="l"/>
+            <a:r>
+              <a:rPr lang="zh-CN" altLang="en-US" sz="2000" dirty="0">
+                <a:solidFill>
+                  <a:schemeClr val="bg1"/>
+                </a:solidFill>
+                <a:cs typeface="+mn-ea"/>
+                <a:sym typeface="+mn-lt"/>
+              </a:rPr>
+              <a:t>公司</a:t>
+            </a:r>
+            <a:r>
+              <a:rPr lang="zh-CN" altLang="en-US" sz="2000" dirty="0" smtClean="0">
+                <a:solidFill>
+                  <a:schemeClr val="bg1"/>
+                </a:solidFill>
+                <a:cs typeface="+mn-ea"/>
+                <a:sym typeface="+mn-lt"/>
+              </a:rPr>
+              <a:t>：</a:t>
+            </a:r>
+            <a:r>
+              <a:rPr lang="zh-CN" altLang="en-US" sz="1600" dirty="0">
+                <a:solidFill>
+                  <a:schemeClr val="bg1"/>
+                </a:solidFill>
+                <a:cs typeface="+mn-ea"/>
+                <a:sym typeface="+mn-lt"/>
+              </a:rPr>
+              <a:t>中</a:t>
+            </a:r>
+            <a:r>
+              <a:rPr lang="zh-CN" altLang="en-US" sz="1600" dirty="0" smtClean="0">
+                <a:solidFill>
+                  <a:schemeClr val="bg1"/>
+                </a:solidFill>
+                <a:cs typeface="+mn-ea"/>
+                <a:sym typeface="+mn-lt"/>
+              </a:rPr>
+              <a:t>软国际有限公司</a:t>
+            </a:r>
+            <a:endParaRPr lang="en-US" altLang="zh-CN" sz="1600" dirty="0">
+              <a:solidFill>
+                <a:schemeClr val="bg1"/>
+              </a:solidFill>
+              <a:cs typeface="+mn-ea"/>
+              <a:sym typeface="+mn-lt"/>
+            </a:endParaRPr>
+          </a:p>
+        </p:txBody>
+      </p:sp>
+      <p:sp>
+        <p:nvSpPr>
+          <p:cNvPr id="4" name="文本框 3"/>
+          <p:cNvSpPr txBox="1"/>
+          <p:nvPr/>
+        </p:nvSpPr>
+        <p:spPr>
+          <a:xfrm>
+            <a:off x="970280" y="1884680"/>
+            <a:ext cx="10252075" cy="1630045"/>
+          </a:xfrm>
+          <a:prstGeom prst="rect">
+            <a:avLst/>
+          </a:prstGeom>
+          <a:noFill/>
+          <a:ln w="19050">
+            <a:noFill/>
+            <a:prstDash val="solid"/>
+          </a:ln>
+        </p:spPr>
+        <p:txBody>
+          <a:bodyPr wrap="square" rtlCol="0">
+            <a:spAutoFit/>
+          </a:bodyPr>
+          <a:lstStyle/>
+          <a:p>
+            <a:pPr lvl="0" algn="l"/>
+            <a:r>
+              <a:rPr lang="zh-CN" altLang="en-US" sz="2000" dirty="0">
+                <a:solidFill>
+                  <a:schemeClr val="tx1"/>
+                </a:solidFill>
+                <a:cs typeface="+mn-ea"/>
+                <a:sym typeface="+mn-lt"/>
+              </a:rPr>
+              <a:t>职责：</a:t>
+            </a:r>
+          </a:p>
+          <a:p>
+            <a:pPr lvl="0" algn="l"/>
+            <a:r>
+              <a:rPr lang="en-US" altLang="zh-CN" sz="1600" dirty="0" smtClean="0">
+                <a:solidFill>
+                  <a:schemeClr val="tx1"/>
+                </a:solidFill>
+                <a:cs typeface="+mn-ea"/>
+                <a:sym typeface="+mn-lt"/>
+              </a:rPr>
+              <a:t>1.</a:t>
+            </a:r>
+            <a:r>
+              <a:rPr lang="zh-CN" altLang="en-US" sz="1600" dirty="0" smtClean="0">
+                <a:solidFill>
+                  <a:schemeClr val="tx1"/>
+                </a:solidFill>
+                <a:cs typeface="+mn-ea"/>
+                <a:sym typeface="+mn-lt"/>
+              </a:rPr>
+              <a:t>负责</a:t>
+            </a:r>
+            <a:r>
+              <a:rPr lang="en-US" altLang="zh-CN" sz="1600" dirty="0" smtClean="0">
+                <a:solidFill>
+                  <a:schemeClr val="tx1"/>
+                </a:solidFill>
+                <a:cs typeface="+mn-ea"/>
+                <a:sym typeface="+mn-lt"/>
+              </a:rPr>
+              <a:t>DIY</a:t>
+            </a:r>
+            <a:r>
+              <a:rPr lang="zh-CN" altLang="en-US" sz="1600" dirty="0" smtClean="0">
+                <a:solidFill>
+                  <a:schemeClr val="tx1"/>
+                </a:solidFill>
+                <a:cs typeface="+mn-ea"/>
+                <a:sym typeface="+mn-lt"/>
+              </a:rPr>
+              <a:t>系统模块开发</a:t>
+            </a:r>
+            <a:endParaRPr lang="en-US" altLang="zh-CN" sz="1600" dirty="0">
+              <a:solidFill>
+                <a:schemeClr val="tx1"/>
+              </a:solidFill>
+              <a:cs typeface="+mn-ea"/>
+              <a:sym typeface="+mn-lt"/>
+            </a:endParaRPr>
+          </a:p>
+          <a:p>
+            <a:pPr lvl="0" algn="l"/>
+            <a:r>
+              <a:rPr lang="en-US" altLang="zh-CN" sz="1600" dirty="0">
+                <a:solidFill>
+                  <a:schemeClr val="tx1"/>
+                </a:solidFill>
+                <a:cs typeface="+mn-ea"/>
+                <a:sym typeface="+mn-lt"/>
+              </a:rPr>
+              <a:t>2</a:t>
+            </a:r>
+            <a:r>
+              <a:rPr lang="en-US" altLang="zh-CN" sz="1600" dirty="0" smtClean="0">
+                <a:solidFill>
+                  <a:schemeClr val="tx1"/>
+                </a:solidFill>
+                <a:cs typeface="+mn-ea"/>
+                <a:sym typeface="+mn-lt"/>
+              </a:rPr>
+              <a:t>.</a:t>
+            </a:r>
+            <a:r>
+              <a:rPr lang="zh-CN" altLang="en-US" sz="1600" dirty="0" smtClean="0">
+                <a:solidFill>
+                  <a:schemeClr val="tx1"/>
+                </a:solidFill>
+                <a:cs typeface="+mn-ea"/>
+                <a:sym typeface="+mn-lt"/>
+              </a:rPr>
+              <a:t>负责</a:t>
+            </a:r>
+            <a:r>
+              <a:rPr lang="en-US" altLang="zh-CN" sz="1600" dirty="0" smtClean="0">
+                <a:solidFill>
+                  <a:schemeClr val="tx1"/>
+                </a:solidFill>
+                <a:cs typeface="+mn-ea"/>
+                <a:sym typeface="+mn-lt"/>
+              </a:rPr>
+              <a:t>KD</a:t>
+            </a:r>
+            <a:r>
+              <a:rPr lang="zh-CN" altLang="en-US" sz="1600" dirty="0" smtClean="0">
+                <a:solidFill>
+                  <a:schemeClr val="tx1"/>
+                </a:solidFill>
+                <a:cs typeface="+mn-ea"/>
+                <a:sym typeface="+mn-lt"/>
+              </a:rPr>
+              <a:t>软件的模块开发</a:t>
+            </a:r>
+            <a:endParaRPr lang="en-US" altLang="zh-CN" sz="1600" dirty="0">
+              <a:solidFill>
+                <a:schemeClr val="tx1"/>
+              </a:solidFill>
+              <a:cs typeface="+mn-ea"/>
+              <a:sym typeface="+mn-lt"/>
+            </a:endParaRPr>
+          </a:p>
+          <a:p>
+            <a:pPr lvl="0" algn="l"/>
+            <a:r>
+              <a:rPr lang="en-US" altLang="zh-CN" sz="1600" dirty="0">
+                <a:solidFill>
+                  <a:schemeClr val="tx1"/>
+                </a:solidFill>
+                <a:cs typeface="+mn-ea"/>
+                <a:sym typeface="+mn-lt"/>
+              </a:rPr>
+              <a:t>3</a:t>
+            </a:r>
+            <a:r>
+              <a:rPr lang="en-US" altLang="zh-CN" sz="1600" dirty="0" smtClean="0">
+                <a:solidFill>
+                  <a:schemeClr val="tx1"/>
+                </a:solidFill>
+                <a:cs typeface="+mn-ea"/>
+                <a:sym typeface="+mn-lt"/>
+              </a:rPr>
+              <a:t>.</a:t>
+            </a:r>
+            <a:r>
+              <a:rPr lang="zh-CN" altLang="en-US" sz="1600" dirty="0" smtClean="0">
+                <a:solidFill>
+                  <a:schemeClr val="tx1"/>
+                </a:solidFill>
+                <a:cs typeface="+mn-ea"/>
+                <a:sym typeface="+mn-lt"/>
+              </a:rPr>
+              <a:t>负责</a:t>
+            </a:r>
+            <a:r>
+              <a:rPr lang="en-US" altLang="zh-CN" sz="1600" dirty="0" smtClean="0">
+                <a:solidFill>
+                  <a:schemeClr val="tx1"/>
+                </a:solidFill>
+                <a:cs typeface="+mn-ea"/>
+                <a:sym typeface="+mn-lt"/>
+              </a:rPr>
+              <a:t>MES</a:t>
+            </a:r>
+            <a:r>
+              <a:rPr lang="zh-CN" altLang="en-US" sz="1600" dirty="0" smtClean="0">
+                <a:solidFill>
+                  <a:schemeClr val="tx1"/>
+                </a:solidFill>
+                <a:cs typeface="+mn-ea"/>
+                <a:sym typeface="+mn-lt"/>
+              </a:rPr>
+              <a:t>系统的生成板块开发</a:t>
+            </a:r>
+            <a:endParaRPr lang="en-US" altLang="zh-CN" sz="1600" dirty="0">
+              <a:solidFill>
+                <a:schemeClr val="tx1"/>
+              </a:solidFill>
+              <a:cs typeface="+mn-ea"/>
+              <a:sym typeface="+mn-lt"/>
+            </a:endParaRPr>
+          </a:p>
+          <a:p>
+            <a:pPr lvl="0" algn="l"/>
+            <a:r>
+              <a:rPr lang="en-US" altLang="zh-CN" sz="1600" dirty="0" smtClean="0">
+                <a:solidFill>
+                  <a:schemeClr val="tx1"/>
+                </a:solidFill>
+                <a:cs typeface="+mn-ea"/>
+                <a:sym typeface="+mn-lt"/>
+              </a:rPr>
+              <a:t>4.PDA</a:t>
+            </a:r>
+            <a:r>
+              <a:rPr lang="zh-CN" altLang="en-US" sz="1600" dirty="0" smtClean="0">
+                <a:solidFill>
+                  <a:schemeClr val="tx1"/>
+                </a:solidFill>
+                <a:cs typeface="+mn-ea"/>
+                <a:sym typeface="+mn-lt"/>
+              </a:rPr>
+              <a:t>接口的开发</a:t>
+            </a:r>
+            <a:endParaRPr lang="en-US" altLang="zh-CN" sz="1600" dirty="0">
+              <a:solidFill>
+                <a:schemeClr val="tx1"/>
+              </a:solidFill>
+              <a:cs typeface="+mn-ea"/>
+              <a:sym typeface="+mn-lt"/>
+            </a:endParaRPr>
+          </a:p>
+          <a:p>
+            <a:pPr lvl="0" algn="l"/>
+            <a:r>
+              <a:rPr lang="en-US" altLang="zh-CN" sz="1600" dirty="0">
+                <a:solidFill>
+                  <a:schemeClr val="tx1"/>
+                </a:solidFill>
+                <a:cs typeface="+mn-ea"/>
+                <a:sym typeface="+mn-lt"/>
+              </a:rPr>
+              <a:t>5</a:t>
+            </a:r>
+            <a:r>
+              <a:rPr lang="en-US" altLang="zh-CN" sz="1600" dirty="0" smtClean="0">
+                <a:solidFill>
+                  <a:schemeClr val="tx1"/>
+                </a:solidFill>
+                <a:cs typeface="+mn-ea"/>
+                <a:sym typeface="+mn-lt"/>
+              </a:rPr>
+              <a:t>.</a:t>
+            </a:r>
+            <a:r>
+              <a:rPr lang="zh-CN" altLang="en-US" sz="1600" dirty="0" smtClean="0">
+                <a:solidFill>
+                  <a:schemeClr val="tx1"/>
+                </a:solidFill>
+                <a:cs typeface="+mn-ea"/>
+                <a:sym typeface="+mn-lt"/>
+              </a:rPr>
+              <a:t>生成数据看板的报表开发</a:t>
+            </a:r>
+            <a:endParaRPr lang="en-US" altLang="zh-CN" sz="1600" dirty="0">
+              <a:solidFill>
+                <a:schemeClr val="tx1"/>
+              </a:solidFill>
+              <a:cs typeface="+mn-ea"/>
+              <a:sym typeface="+mn-lt"/>
+            </a:endParaRPr>
+          </a:p>
+        </p:txBody>
+      </p:sp>
+      <p:sp>
+        <p:nvSpPr>
+          <p:cNvPr id="6" name="文本框 5"/>
+          <p:cNvSpPr txBox="1"/>
+          <p:nvPr/>
+        </p:nvSpPr>
+        <p:spPr>
+          <a:xfrm>
+            <a:off x="970280" y="4276090"/>
+            <a:ext cx="10252075" cy="1384995"/>
+          </a:xfrm>
+          <a:prstGeom prst="rect">
+            <a:avLst/>
+          </a:prstGeom>
+          <a:noFill/>
+          <a:ln w="19050">
+            <a:noFill/>
+            <a:prstDash val="solid"/>
+          </a:ln>
+        </p:spPr>
+        <p:txBody>
+          <a:bodyPr wrap="square" rtlCol="0">
+            <a:spAutoFit/>
+          </a:bodyPr>
+          <a:lstStyle/>
+          <a:p>
+            <a:pPr lvl="0" algn="l"/>
+            <a:r>
+              <a:rPr lang="zh-CN" altLang="en-US" sz="2000" dirty="0">
+                <a:solidFill>
+                  <a:schemeClr val="tx1"/>
+                </a:solidFill>
+                <a:cs typeface="+mn-ea"/>
+                <a:sym typeface="+mn-lt"/>
+              </a:rPr>
+              <a:t>职责：</a:t>
+            </a:r>
+          </a:p>
+          <a:p>
+            <a:pPr lvl="0" algn="l"/>
+            <a:r>
+              <a:rPr lang="en-US" altLang="zh-CN" sz="1600" dirty="0">
+                <a:solidFill>
+                  <a:schemeClr val="tx1"/>
+                </a:solidFill>
+                <a:cs typeface="+mn-ea"/>
+                <a:sym typeface="+mn-lt"/>
+              </a:rPr>
+              <a:t>1</a:t>
+            </a:r>
+            <a:r>
+              <a:rPr lang="en-US" altLang="zh-CN" sz="1600" dirty="0" smtClean="0">
+                <a:solidFill>
+                  <a:schemeClr val="tx1"/>
+                </a:solidFill>
+                <a:cs typeface="+mn-ea"/>
+                <a:sym typeface="+mn-lt"/>
+              </a:rPr>
+              <a:t>.</a:t>
+            </a:r>
+            <a:r>
+              <a:rPr lang="zh-CN" altLang="en-US" sz="1600" dirty="0" smtClean="0">
+                <a:solidFill>
+                  <a:schemeClr val="tx1"/>
+                </a:solidFill>
+                <a:cs typeface="+mn-ea"/>
+                <a:sym typeface="+mn-lt"/>
+              </a:rPr>
+              <a:t>负责饼图的开发</a:t>
+            </a:r>
+            <a:endParaRPr lang="en-US" altLang="zh-CN" sz="1600" dirty="0">
+              <a:solidFill>
+                <a:schemeClr val="tx1"/>
+              </a:solidFill>
+              <a:cs typeface="+mn-ea"/>
+              <a:sym typeface="+mn-lt"/>
+            </a:endParaRPr>
+          </a:p>
+          <a:p>
+            <a:pPr lvl="0" algn="l"/>
+            <a:r>
+              <a:rPr lang="en-US" altLang="zh-CN" sz="1600" dirty="0" smtClean="0">
+                <a:solidFill>
+                  <a:schemeClr val="tx1"/>
+                </a:solidFill>
+                <a:cs typeface="+mn-ea"/>
+                <a:sym typeface="+mn-lt"/>
+              </a:rPr>
+              <a:t>2.</a:t>
+            </a:r>
+            <a:r>
+              <a:rPr lang="zh-CN" altLang="en-US" sz="1600" dirty="0" smtClean="0">
+                <a:solidFill>
+                  <a:schemeClr val="tx1"/>
+                </a:solidFill>
+                <a:cs typeface="+mn-ea"/>
+                <a:sym typeface="+mn-lt"/>
+              </a:rPr>
+              <a:t>研究</a:t>
+            </a:r>
+            <a:r>
+              <a:rPr lang="en-US" altLang="zh-CN" sz="1600" dirty="0" err="1" smtClean="0">
+                <a:solidFill>
+                  <a:schemeClr val="tx1"/>
+                </a:solidFill>
+                <a:cs typeface="+mn-ea"/>
+                <a:sym typeface="+mn-lt"/>
+              </a:rPr>
+              <a:t>OpenXML</a:t>
+            </a:r>
+            <a:r>
+              <a:rPr lang="zh-CN" altLang="en-US" sz="1600" dirty="0" smtClean="0">
+                <a:cs typeface="+mn-ea"/>
+                <a:sym typeface="+mn-lt"/>
+              </a:rPr>
+              <a:t>的使用</a:t>
+            </a:r>
+            <a:endParaRPr lang="en-US" altLang="zh-CN" sz="1600" dirty="0">
+              <a:solidFill>
+                <a:schemeClr val="tx1"/>
+              </a:solidFill>
+              <a:cs typeface="+mn-ea"/>
+              <a:sym typeface="+mn-lt"/>
+            </a:endParaRPr>
+          </a:p>
+          <a:p>
+            <a:pPr lvl="0" algn="l"/>
+            <a:r>
+              <a:rPr lang="en-US" altLang="zh-CN" sz="1600" dirty="0" smtClean="0">
+                <a:solidFill>
+                  <a:schemeClr val="tx1"/>
+                </a:solidFill>
+                <a:cs typeface="+mn-ea"/>
+                <a:sym typeface="+mn-lt"/>
+              </a:rPr>
+              <a:t>4.</a:t>
+            </a:r>
+            <a:endParaRPr lang="en-US" altLang="zh-CN" sz="1600" dirty="0">
+              <a:solidFill>
+                <a:schemeClr val="tx1"/>
+              </a:solidFill>
+              <a:cs typeface="+mn-ea"/>
+              <a:sym typeface="+mn-lt"/>
+            </a:endParaRPr>
+          </a:p>
+          <a:p>
+            <a:pPr lvl="0" algn="l"/>
+            <a:r>
+              <a:rPr lang="en-US" altLang="zh-CN" sz="1600" dirty="0">
+                <a:solidFill>
+                  <a:schemeClr val="tx1"/>
+                </a:solidFill>
+                <a:cs typeface="+mn-ea"/>
+                <a:sym typeface="+mn-lt"/>
+              </a:rPr>
+              <a:t>5.</a:t>
+            </a:r>
+          </a:p>
+        </p:txBody>
+      </p:sp>
+      <p:sp>
+        <p:nvSpPr>
+          <p:cNvPr id="7" name="文本框 6"/>
+          <p:cNvSpPr txBox="1"/>
+          <p:nvPr/>
+        </p:nvSpPr>
+        <p:spPr>
+          <a:xfrm>
+            <a:off x="7575430" y="1368213"/>
+            <a:ext cx="3017124" cy="400110"/>
+          </a:xfrm>
+          <a:prstGeom prst="rect">
+            <a:avLst/>
+          </a:prstGeom>
+          <a:noFill/>
+          <a:ln w="19050">
+            <a:noFill/>
+            <a:prstDash val="solid"/>
+          </a:ln>
+        </p:spPr>
+        <p:txBody>
+          <a:bodyPr wrap="square" rtlCol="0">
+            <a:spAutoFit/>
+          </a:bodyPr>
+          <a:lstStyle/>
+          <a:p>
+            <a:pPr lvl="0" algn="l"/>
+            <a:r>
+              <a:rPr lang="zh-CN" altLang="en-US" sz="2000" dirty="0">
+                <a:solidFill>
+                  <a:schemeClr val="bg1"/>
+                </a:solidFill>
+                <a:cs typeface="+mn-ea"/>
+                <a:sym typeface="+mn-lt"/>
+              </a:rPr>
+              <a:t>职务</a:t>
+            </a:r>
+            <a:r>
+              <a:rPr lang="zh-CN" altLang="en-US" sz="2000" dirty="0" smtClean="0">
+                <a:solidFill>
+                  <a:schemeClr val="bg1"/>
+                </a:solidFill>
+                <a:cs typeface="+mn-ea"/>
+                <a:sym typeface="+mn-lt"/>
+              </a:rPr>
+              <a:t>：</a:t>
+            </a:r>
+            <a:r>
+              <a:rPr lang="en-US" altLang="zh-CN" sz="1600" dirty="0" err="1" smtClean="0">
+                <a:solidFill>
+                  <a:schemeClr val="bg1"/>
+                </a:solidFill>
+                <a:cs typeface="+mn-ea"/>
+                <a:sym typeface="+mn-lt"/>
+              </a:rPr>
+              <a:t>.net</a:t>
+            </a:r>
+            <a:r>
+              <a:rPr lang="zh-CN" altLang="en-US" sz="1600" dirty="0" smtClean="0">
+                <a:solidFill>
+                  <a:schemeClr val="bg1"/>
+                </a:solidFill>
+                <a:cs typeface="+mn-ea"/>
+                <a:sym typeface="+mn-lt"/>
+              </a:rPr>
+              <a:t>开发工程师</a:t>
+            </a:r>
+            <a:endParaRPr lang="en-US" altLang="zh-CN" sz="1600" dirty="0">
+              <a:solidFill>
+                <a:schemeClr val="bg1"/>
+              </a:solidFill>
+              <a:cs typeface="+mn-ea"/>
+              <a:sym typeface="+mn-lt"/>
+            </a:endParaRPr>
+          </a:p>
+        </p:txBody>
+      </p:sp>
+      <p:sp>
+        <p:nvSpPr>
+          <p:cNvPr id="8" name="文本框 7"/>
+          <p:cNvSpPr txBox="1"/>
+          <p:nvPr/>
+        </p:nvSpPr>
+        <p:spPr>
+          <a:xfrm>
+            <a:off x="970280" y="1368425"/>
+            <a:ext cx="2749550" cy="398780"/>
+          </a:xfrm>
+          <a:prstGeom prst="rect">
+            <a:avLst/>
+          </a:prstGeom>
+          <a:noFill/>
+          <a:ln w="19050">
+            <a:noFill/>
+            <a:prstDash val="solid"/>
+          </a:ln>
+        </p:spPr>
+        <p:txBody>
+          <a:bodyPr wrap="square" rtlCol="0">
+            <a:spAutoFit/>
+          </a:bodyPr>
+          <a:lstStyle/>
+          <a:p>
+            <a:pPr lvl="0" algn="l"/>
+            <a:r>
+              <a:rPr lang="zh-CN" altLang="en-US" sz="2000" dirty="0">
+                <a:solidFill>
+                  <a:schemeClr val="bg1"/>
+                </a:solidFill>
+                <a:cs typeface="+mn-ea"/>
+                <a:sym typeface="+mn-lt"/>
+              </a:rPr>
+              <a:t>时间：</a:t>
+            </a:r>
+            <a:r>
+              <a:rPr lang="en-US" altLang="zh-CN" sz="1600" dirty="0" smtClean="0">
+                <a:solidFill>
+                  <a:schemeClr val="bg1"/>
+                </a:solidFill>
+                <a:cs typeface="+mn-ea"/>
+                <a:sym typeface="+mn-lt"/>
+              </a:rPr>
+              <a:t>2019.07-2022.03</a:t>
+            </a:r>
+            <a:endParaRPr lang="en-US" altLang="zh-CN" sz="1600" dirty="0">
+              <a:solidFill>
+                <a:schemeClr val="bg1"/>
+              </a:solidFill>
+              <a:cs typeface="+mn-ea"/>
+              <a:sym typeface="+mn-lt"/>
+            </a:endParaRPr>
+          </a:p>
+        </p:txBody>
+      </p:sp>
+      <p:sp>
+        <p:nvSpPr>
+          <p:cNvPr id="9" name="文本框 8"/>
+          <p:cNvSpPr txBox="1"/>
+          <p:nvPr/>
+        </p:nvSpPr>
+        <p:spPr>
+          <a:xfrm>
+            <a:off x="970280" y="3759835"/>
+            <a:ext cx="2749550" cy="398780"/>
+          </a:xfrm>
+          <a:prstGeom prst="rect">
+            <a:avLst/>
+          </a:prstGeom>
+          <a:noFill/>
+          <a:ln w="19050">
+            <a:noFill/>
+            <a:prstDash val="solid"/>
+          </a:ln>
+        </p:spPr>
+        <p:txBody>
+          <a:bodyPr wrap="square" rtlCol="0">
+            <a:spAutoFit/>
+          </a:bodyPr>
+          <a:lstStyle/>
+          <a:p>
+            <a:pPr lvl="0" algn="l"/>
+            <a:r>
+              <a:rPr lang="zh-CN" altLang="en-US" sz="2000" dirty="0">
+                <a:solidFill>
+                  <a:schemeClr val="bg1"/>
+                </a:solidFill>
+                <a:cs typeface="+mn-ea"/>
+                <a:sym typeface="+mn-lt"/>
+              </a:rPr>
+              <a:t>时间：</a:t>
+            </a:r>
+            <a:r>
+              <a:rPr lang="en-US" altLang="zh-CN" sz="1600" dirty="0" smtClean="0">
+                <a:solidFill>
+                  <a:schemeClr val="bg1"/>
+                </a:solidFill>
+                <a:cs typeface="+mn-ea"/>
+                <a:sym typeface="+mn-lt"/>
+              </a:rPr>
+              <a:t>2022.03-2022.08</a:t>
+            </a:r>
+            <a:endParaRPr lang="en-US" altLang="zh-CN" sz="1600" dirty="0">
+              <a:solidFill>
+                <a:schemeClr val="bg1"/>
+              </a:solidFill>
+              <a:cs typeface="+mn-ea"/>
+              <a:sym typeface="+mn-lt"/>
+            </a:endParaRPr>
+          </a:p>
+        </p:txBody>
+      </p:sp>
+      <p:sp>
+        <p:nvSpPr>
+          <p:cNvPr id="10" name="文本框 9"/>
+          <p:cNvSpPr txBox="1"/>
+          <p:nvPr/>
+        </p:nvSpPr>
+        <p:spPr>
+          <a:xfrm>
+            <a:off x="7575430" y="3759623"/>
+            <a:ext cx="3017124" cy="400110"/>
+          </a:xfrm>
+          <a:prstGeom prst="rect">
+            <a:avLst/>
+          </a:prstGeom>
+          <a:noFill/>
+          <a:ln w="19050">
+            <a:noFill/>
+            <a:prstDash val="solid"/>
+          </a:ln>
+        </p:spPr>
+        <p:txBody>
+          <a:bodyPr wrap="square" rtlCol="0">
+            <a:spAutoFit/>
+          </a:bodyPr>
+          <a:lstStyle/>
+          <a:p>
+            <a:pPr lvl="0" algn="l"/>
+            <a:r>
+              <a:rPr lang="zh-CN" altLang="en-US" sz="2000" dirty="0">
+                <a:solidFill>
+                  <a:schemeClr val="bg1"/>
+                </a:solidFill>
+                <a:cs typeface="+mn-ea"/>
+                <a:sym typeface="+mn-lt"/>
+              </a:rPr>
+              <a:t>职务</a:t>
+            </a:r>
+            <a:r>
+              <a:rPr lang="zh-CN" altLang="en-US" sz="2000" dirty="0" smtClean="0">
+                <a:solidFill>
+                  <a:schemeClr val="bg1"/>
+                </a:solidFill>
+                <a:cs typeface="+mn-ea"/>
+                <a:sym typeface="+mn-lt"/>
+              </a:rPr>
+              <a:t>：</a:t>
+            </a:r>
+            <a:r>
+              <a:rPr lang="zh-CN" altLang="en-US" sz="1600" dirty="0" smtClean="0">
+                <a:solidFill>
+                  <a:schemeClr val="bg1"/>
+                </a:solidFill>
+                <a:cs typeface="+mn-ea"/>
+                <a:sym typeface="+mn-lt"/>
+              </a:rPr>
+              <a:t>软件开发工程师</a:t>
+            </a:r>
+            <a:endParaRPr lang="en-US" altLang="zh-CN" sz="1600" dirty="0">
+              <a:solidFill>
+                <a:schemeClr val="bg1"/>
+              </a:solidFill>
+              <a:cs typeface="+mn-ea"/>
+              <a:sym typeface="+mn-lt"/>
+            </a:endParaRPr>
+          </a:p>
+        </p:txBody>
+      </p:sp>
+    </p:spTree>
+  </p:cSld>
+  <p:clrMapOvr>
+    <a:overrideClrMapping bg1="lt1" tx1="dk1" bg2="lt2" tx2="dk2" accent1="accent1" accent2="accent2" accent3="accent3" accent4="accent4" accent5="accent5" accent6="accent6" hlink="hlink" folHlink="folHlink"/>
+  </p:clrMapOvr>
+  <p:timing>
+    <p:tnLst>
+      <p:par>
+        <p:cTn id="1" dur="indefinite" restart="never" nodeType="tmRoot"/>
+      </p:par>
+    </p:tnLst>
+  </p:timing>
+</p:sld>
+</file>
+
+<file path=ppt/slides/slide5.xml><?xml version="1.0" encoding="utf-8"?>
+<p:sld xmlns:a="http://schemas.openxmlformats.org/drawingml/2006/main" xmlns:r="http://schemas.openxmlformats.org/officeDocument/2006/relationships" xmlns:p="http://schemas.openxmlformats.org/presentationml/2006/main">
+  <p:cSld>
+    <p:bg>
+      <p:bgRef idx="1001">
+        <a:schemeClr val="bg1"/>
+      </p:bgRef>
+    </p:bg>
+    <p:spTree>
+      <p:nvGrpSpPr>
+        <p:cNvPr id="1" name=""/>
+        <p:cNvGrpSpPr/>
+        <p:nvPr/>
+      </p:nvGrpSpPr>
+      <p:grpSpPr>
+        <a:xfrm>
+          <a:off x="0" y="0"/>
+          <a:ext cx="0" cy="0"/>
+          <a:chOff x="0" y="0"/>
+          <a:chExt cx="0" cy="0"/>
+        </a:xfrm>
+      </p:grpSpPr>
+      <p:sp>
+        <p:nvSpPr>
+          <p:cNvPr id="20481" name="文本框 15"/>
+          <p:cNvSpPr txBox="1"/>
+          <p:nvPr/>
+        </p:nvSpPr>
+        <p:spPr>
+          <a:xfrm>
+            <a:off x="479743" y="246380"/>
+            <a:ext cx="3438525" cy="553085"/>
+          </a:xfrm>
+          <a:prstGeom prst="rect">
+            <a:avLst/>
+          </a:prstGeom>
+          <a:noFill/>
+          <a:ln w="9525">
+            <a:noFill/>
+          </a:ln>
+        </p:spPr>
+        <p:txBody>
+          <a:bodyPr wrap="none" anchor="t">
+            <a:spAutoFit/>
+          </a:bodyPr>
+          <a:lstStyle/>
+          <a:p>
+            <a:r>
+              <a:rPr lang="en-US" altLang="zh-CN" sz="3000" b="1">
+                <a:solidFill>
+                  <a:srgbClr val="0070C0"/>
+                </a:solidFill>
+                <a:latin typeface="黑体" panose="02010609060101010101" charset="-122"/>
+                <a:ea typeface="黑体" panose="02010609060101010101" charset="-122"/>
+                <a:sym typeface="等线" panose="02010600030101010101" charset="-122"/>
+              </a:rPr>
+              <a:t>2</a:t>
+            </a:r>
+            <a:r>
+              <a:rPr lang="zh-CN" altLang="en-US" sz="3000" b="1">
+                <a:solidFill>
+                  <a:srgbClr val="0070C0"/>
+                </a:solidFill>
+                <a:latin typeface="黑体" panose="02010609060101010101" charset="-122"/>
+                <a:ea typeface="黑体" panose="02010609060101010101" charset="-122"/>
+                <a:sym typeface="等线" panose="02010600030101010101" charset="-122"/>
+              </a:rPr>
+              <a:t>、试用期工作总结</a:t>
+            </a:r>
+          </a:p>
+        </p:txBody>
+      </p:sp>
+      <p:sp>
+        <p:nvSpPr>
+          <p:cNvPr id="8" name="文本框 7"/>
+          <p:cNvSpPr txBox="1"/>
+          <p:nvPr/>
+        </p:nvSpPr>
+        <p:spPr>
+          <a:xfrm>
+            <a:off x="626110" y="939523"/>
+            <a:ext cx="6704965" cy="646331"/>
+          </a:xfrm>
+          <a:prstGeom prst="rect">
+            <a:avLst/>
+          </a:prstGeom>
+          <a:noFill/>
+          <a:ln w="19050">
+            <a:noFill/>
+            <a:prstDash val="solid"/>
+          </a:ln>
+        </p:spPr>
+        <p:txBody>
+          <a:bodyPr wrap="square" rtlCol="0">
+            <a:spAutoFit/>
+          </a:bodyPr>
+          <a:lstStyle/>
+          <a:p>
+            <a:pPr lvl="0" algn="l"/>
+            <a:r>
+              <a:rPr lang="zh-CN" altLang="en-US" sz="2000" dirty="0">
+                <a:ea typeface="宋体" panose="02010600030101010101" pitchFamily="2" charset="-122"/>
+                <a:cs typeface="+mn-ea"/>
+                <a:sym typeface="+mn-lt"/>
+              </a:rPr>
+              <a:t>出</a:t>
+            </a:r>
+            <a:r>
+              <a:rPr lang="zh-CN" altLang="en-US" sz="2000" dirty="0" smtClean="0">
+                <a:ea typeface="宋体" panose="02010600030101010101" pitchFamily="2" charset="-122"/>
+                <a:cs typeface="+mn-ea"/>
+                <a:sym typeface="+mn-lt"/>
+              </a:rPr>
+              <a:t>入库单据</a:t>
+            </a:r>
+            <a:endParaRPr lang="en-US" altLang="zh-CN" sz="2000" dirty="0" smtClean="0">
+              <a:ea typeface="宋体" panose="02010600030101010101" pitchFamily="2" charset="-122"/>
+              <a:cs typeface="+mn-ea"/>
+              <a:sym typeface="+mn-lt"/>
+            </a:endParaRPr>
+          </a:p>
+          <a:p>
+            <a:pPr lvl="0" algn="l"/>
+            <a:endParaRPr lang="zh-CN" sz="1600" dirty="0">
+              <a:solidFill>
+                <a:srgbClr val="FF0000"/>
+              </a:solidFill>
+              <a:ea typeface="宋体" panose="02010600030101010101" pitchFamily="2" charset="-122"/>
+              <a:cs typeface="+mn-ea"/>
+              <a:sym typeface="+mn-lt"/>
+            </a:endParaRPr>
+          </a:p>
+        </p:txBody>
+      </p:sp>
+      <p:pic>
+        <p:nvPicPr>
+          <p:cNvPr id="2" name="图片 1"/>
+          <p:cNvPicPr>
+            <a:picLocks noChangeAspect="1"/>
+          </p:cNvPicPr>
+          <p:nvPr/>
+        </p:nvPicPr>
+        <p:blipFill>
+          <a:blip r:embed="rId3"/>
+          <a:stretch>
+            <a:fillRect/>
+          </a:stretch>
+        </p:blipFill>
+        <p:spPr>
+          <a:xfrm>
+            <a:off x="479743" y="1431945"/>
+            <a:ext cx="10134400" cy="5175783"/>
+          </a:xfrm>
+          <a:prstGeom prst="rect">
+            <a:avLst/>
+          </a:prstGeom>
+        </p:spPr>
+      </p:pic>
+    </p:spTree>
+  </p:cSld>
+  <p:clrMapOvr>
+    <a:overrideClrMapping bg1="lt1" tx1="dk1" bg2="lt2" tx2="dk2" accent1="accent1" accent2="accent2" accent3="accent3" accent4="accent4" accent5="accent5" accent6="accent6" hlink="hlink" folHlink="folHlink"/>
+  </p:clrMapOvr>
+  <p:timing>
+    <p:tnLst>
+      <p:par>
+        <p:cTn id="1" dur="indefinite" restart="never" nodeType="tmRoot"/>
+      </p:par>
+    </p:tnLst>
+  </p:timing>
+</p:sld>
+</file>
+
+<file path=ppt/slides/slide6.xml><?xml version="1.0" encoding="utf-8"?>
+<p:sld xmlns:a="http://schemas.openxmlformats.org/drawingml/2006/main" xmlns:r="http://schemas.openxmlformats.org/officeDocument/2006/relationships" xmlns:p="http://schemas.openxmlformats.org/presentationml/2006/main">
+  <p:cSld>
+    <p:spTree>
+      <p:nvGrpSpPr>
+        <p:cNvPr id="1" name=""/>
+        <p:cNvGrpSpPr/>
+        <p:nvPr/>
+      </p:nvGrpSpPr>
+      <p:grpSpPr>
+        <a:xfrm>
+          <a:off x="0" y="0"/>
+          <a:ext cx="0" cy="0"/>
+          <a:chOff x="0" y="0"/>
+          <a:chExt cx="0" cy="0"/>
+        </a:xfrm>
+      </p:grpSpPr>
+      <p:pic>
+        <p:nvPicPr>
+          <p:cNvPr id="2" name="图片 1"/>
+          <p:cNvPicPr>
+            <a:picLocks noChangeAspect="1"/>
+          </p:cNvPicPr>
+          <p:nvPr/>
+        </p:nvPicPr>
+        <p:blipFill>
+          <a:blip r:embed="rId2"/>
+          <a:stretch>
+            <a:fillRect/>
+          </a:stretch>
+        </p:blipFill>
+        <p:spPr>
+          <a:xfrm>
+            <a:off x="265643" y="1144251"/>
+            <a:ext cx="11316681" cy="4459844"/>
+          </a:xfrm>
+          <a:prstGeom prst="rect">
+            <a:avLst/>
+          </a:prstGeom>
+        </p:spPr>
+      </p:pic>
+      <p:sp>
+        <p:nvSpPr>
+          <p:cNvPr id="3" name="文本框 2"/>
+          <p:cNvSpPr txBox="1"/>
+          <p:nvPr/>
+        </p:nvSpPr>
+        <p:spPr>
+          <a:xfrm>
+            <a:off x="490309" y="432529"/>
+            <a:ext cx="6704965" cy="646331"/>
+          </a:xfrm>
+          <a:prstGeom prst="rect">
+            <a:avLst/>
+          </a:prstGeom>
+          <a:noFill/>
+          <a:ln w="19050">
+            <a:noFill/>
+            <a:prstDash val="solid"/>
+          </a:ln>
+        </p:spPr>
+        <p:txBody>
+          <a:bodyPr wrap="square" rtlCol="0">
+            <a:spAutoFit/>
+          </a:bodyPr>
+          <a:lstStyle/>
+          <a:p>
+            <a:pPr lvl="0" algn="l"/>
+            <a:r>
+              <a:rPr lang="zh-CN" altLang="en-US" sz="2000" dirty="0" smtClean="0">
+                <a:ea typeface="宋体" panose="02010600030101010101" pitchFamily="2" charset="-122"/>
+                <a:cs typeface="+mn-ea"/>
+                <a:sym typeface="+mn-lt"/>
+              </a:rPr>
+              <a:t>库存查询</a:t>
+            </a:r>
+            <a:endParaRPr lang="en-US" altLang="zh-CN" sz="2000" dirty="0" smtClean="0">
+              <a:ea typeface="宋体" panose="02010600030101010101" pitchFamily="2" charset="-122"/>
+              <a:cs typeface="+mn-ea"/>
+              <a:sym typeface="+mn-lt"/>
+            </a:endParaRPr>
+          </a:p>
+          <a:p>
+            <a:pPr lvl="0" algn="l"/>
+            <a:endParaRPr lang="zh-CN" sz="1600" dirty="0">
+              <a:solidFill>
+                <a:srgbClr val="FF0000"/>
+              </a:solidFill>
+              <a:ea typeface="宋体" panose="02010600030101010101" pitchFamily="2" charset="-122"/>
+              <a:cs typeface="+mn-ea"/>
+              <a:sym typeface="+mn-lt"/>
+            </a:endParaRPr>
+          </a:p>
+        </p:txBody>
+      </p:sp>
+    </p:spTree>
+    <p:extLst>
+      <p:ext uri="{BB962C8B-B14F-4D97-AF65-F5344CB8AC3E}">
+        <p14:creationId xmlns:p14="http://schemas.microsoft.com/office/powerpoint/2010/main" val="1311169729"/>
+      </p:ext>
+    </p:extLst>
+  </p:cSld>
+  <p:clrMapOvr>
+    <a:masterClrMapping/>
+  </p:clrMapOvr>
+</p:sld>
+</file>
+
+<file path=ppt/slides/slide7.xml><?xml version="1.0" encoding="utf-8"?>
+<p:sld xmlns:a="http://schemas.openxmlformats.org/drawingml/2006/main" xmlns:r="http://schemas.openxmlformats.org/officeDocument/2006/relationships" xmlns:p="http://schemas.openxmlformats.org/presentationml/2006/main">
+  <p:cSld>
+    <p:spTree>
+      <p:nvGrpSpPr>
+        <p:cNvPr id="1" name=""/>
+        <p:cNvGrpSpPr/>
+        <p:nvPr/>
+      </p:nvGrpSpPr>
+      <p:grpSpPr>
+        <a:xfrm>
+          <a:off x="0" y="0"/>
+          <a:ext cx="0" cy="0"/>
+          <a:chOff x="0" y="0"/>
+          <a:chExt cx="0" cy="0"/>
+        </a:xfrm>
+      </p:grpSpPr>
+      <p:sp>
+        <p:nvSpPr>
+          <p:cNvPr id="2" name="文本框 1"/>
+          <p:cNvSpPr txBox="1"/>
+          <p:nvPr/>
+        </p:nvSpPr>
+        <p:spPr>
+          <a:xfrm>
+            <a:off x="707591" y="577384"/>
+            <a:ext cx="6704965" cy="400110"/>
+          </a:xfrm>
+          <a:prstGeom prst="rect">
+            <a:avLst/>
+          </a:prstGeom>
+          <a:noFill/>
+          <a:ln w="19050">
+            <a:noFill/>
+            <a:prstDash val="solid"/>
+          </a:ln>
+        </p:spPr>
+        <p:txBody>
+          <a:bodyPr wrap="square" rtlCol="0">
+            <a:spAutoFit/>
+          </a:bodyPr>
+          <a:lstStyle/>
+          <a:p>
+            <a:pPr lvl="0" algn="l"/>
+            <a:r>
+              <a:rPr lang="zh-CN" altLang="en-US" sz="2000" dirty="0" smtClean="0">
+                <a:ea typeface="宋体" panose="02010600030101010101" pitchFamily="2" charset="-122"/>
+                <a:cs typeface="+mn-ea"/>
+                <a:sym typeface="+mn-lt"/>
+              </a:rPr>
+              <a:t>仓库备料</a:t>
+            </a:r>
+            <a:endParaRPr lang="zh-CN" sz="1600" dirty="0">
+              <a:solidFill>
+                <a:srgbClr val="FF0000"/>
+              </a:solidFill>
+              <a:ea typeface="宋体" panose="02010600030101010101" pitchFamily="2" charset="-122"/>
+              <a:cs typeface="+mn-ea"/>
+              <a:sym typeface="+mn-lt"/>
+            </a:endParaRPr>
+          </a:p>
+        </p:txBody>
+      </p:sp>
+      <p:pic>
+        <p:nvPicPr>
+          <p:cNvPr id="3" name="图片 2"/>
+          <p:cNvPicPr>
+            <a:picLocks noChangeAspect="1"/>
+          </p:cNvPicPr>
+          <p:nvPr/>
+        </p:nvPicPr>
+        <p:blipFill>
+          <a:blip r:embed="rId2"/>
+          <a:stretch>
+            <a:fillRect/>
+          </a:stretch>
+        </p:blipFill>
+        <p:spPr>
+          <a:xfrm>
+            <a:off x="470780" y="1099645"/>
+            <a:ext cx="9599931" cy="5047658"/>
+          </a:xfrm>
+          <a:prstGeom prst="rect">
+            <a:avLst/>
+          </a:prstGeom>
+        </p:spPr>
+      </p:pic>
+    </p:spTree>
+    <p:extLst>
+      <p:ext uri="{BB962C8B-B14F-4D97-AF65-F5344CB8AC3E}">
+        <p14:creationId xmlns:p14="http://schemas.microsoft.com/office/powerpoint/2010/main" val="2159098382"/>
+      </p:ext>
+    </p:extLst>
+  </p:cSld>
+  <p:clrMapOvr>
+    <a:masterClrMapping/>
+  </p:clrMapOvr>
+</p:sld>
+</file>
+
+<file path=ppt/slides/slide8.xml><?xml version="1.0" encoding="utf-8"?>
+<p:sld xmlns:a="http://schemas.openxmlformats.org/drawingml/2006/main" xmlns:r="http://schemas.openxmlformats.org/officeDocument/2006/relationships" xmlns:p="http://schemas.openxmlformats.org/presentationml/2006/main">
+  <p:cSld>
+    <p:spTree>
+      <p:nvGrpSpPr>
+        <p:cNvPr id="1" name=""/>
+        <p:cNvGrpSpPr/>
+        <p:nvPr/>
+      </p:nvGrpSpPr>
+      <p:grpSpPr>
+        <a:xfrm>
+          <a:off x="0" y="0"/>
+          <a:ext cx="0" cy="0"/>
+          <a:chOff x="0" y="0"/>
+          <a:chExt cx="0" cy="0"/>
+        </a:xfrm>
+      </p:grpSpPr>
+      <p:sp>
+        <p:nvSpPr>
+          <p:cNvPr id="3" name="文本框 2"/>
+          <p:cNvSpPr txBox="1"/>
+          <p:nvPr/>
+        </p:nvSpPr>
+        <p:spPr>
+          <a:xfrm>
+            <a:off x="698538" y="269566"/>
+            <a:ext cx="6704965" cy="646331"/>
+          </a:xfrm>
+          <a:prstGeom prst="rect">
+            <a:avLst/>
+          </a:prstGeom>
+          <a:noFill/>
+          <a:ln w="19050">
+            <a:noFill/>
+            <a:prstDash val="solid"/>
+          </a:ln>
+        </p:spPr>
+        <p:txBody>
+          <a:bodyPr wrap="square" rtlCol="0">
+            <a:spAutoFit/>
+          </a:bodyPr>
+          <a:lstStyle/>
+          <a:p>
+            <a:pPr lvl="0" algn="l"/>
+            <a:r>
+              <a:rPr lang="zh-CN" altLang="en-US" sz="2000" dirty="0" smtClean="0">
+                <a:ea typeface="宋体" panose="02010600030101010101" pitchFamily="2" charset="-122"/>
+                <a:cs typeface="+mn-ea"/>
+                <a:sym typeface="+mn-lt"/>
+              </a:rPr>
+              <a:t>仓库收料</a:t>
+            </a:r>
+            <a:endParaRPr lang="en-US" altLang="zh-CN" sz="2000" dirty="0" smtClean="0">
+              <a:ea typeface="宋体" panose="02010600030101010101" pitchFamily="2" charset="-122"/>
+              <a:cs typeface="+mn-ea"/>
+              <a:sym typeface="+mn-lt"/>
+            </a:endParaRPr>
+          </a:p>
+          <a:p>
+            <a:pPr lvl="0" algn="l"/>
+            <a:endParaRPr lang="zh-CN" sz="1600" dirty="0">
+              <a:solidFill>
+                <a:srgbClr val="FF0000"/>
+              </a:solidFill>
+              <a:ea typeface="宋体" panose="02010600030101010101" pitchFamily="2" charset="-122"/>
+              <a:cs typeface="+mn-ea"/>
+              <a:sym typeface="+mn-lt"/>
+            </a:endParaRPr>
+          </a:p>
+        </p:txBody>
+      </p:sp>
+      <p:pic>
+        <p:nvPicPr>
+          <p:cNvPr id="4" name="图片 3"/>
+          <p:cNvPicPr>
+            <a:picLocks noChangeAspect="1"/>
+          </p:cNvPicPr>
+          <p:nvPr/>
+        </p:nvPicPr>
+        <p:blipFill>
+          <a:blip r:embed="rId2"/>
+          <a:stretch>
+            <a:fillRect/>
+          </a:stretch>
+        </p:blipFill>
+        <p:spPr>
+          <a:xfrm>
+            <a:off x="443620" y="762016"/>
+            <a:ext cx="11274680" cy="5414280"/>
+          </a:xfrm>
+          <a:prstGeom prst="rect">
+            <a:avLst/>
+          </a:prstGeom>
+        </p:spPr>
+      </p:pic>
+    </p:spTree>
+    <p:extLst>
+      <p:ext uri="{BB962C8B-B14F-4D97-AF65-F5344CB8AC3E}">
+        <p14:creationId xmlns:p14="http://schemas.microsoft.com/office/powerpoint/2010/main" val="2918571895"/>
+      </p:ext>
+    </p:extLst>
+  </p:cSld>
+  <p:clrMapOvr>
+    <a:masterClrMapping/>
+  </p:clrMapOvr>
+</p:sld>
+</file>
+
+<file path=ppt/slides/slide9.xml><?xml version="1.0" encoding="utf-8"?>
+<p:sld xmlns:a="http://schemas.openxmlformats.org/drawingml/2006/main" xmlns:r="http://schemas.openxmlformats.org/officeDocument/2006/relationships" xmlns:p="http://schemas.openxmlformats.org/presentationml/2006/main">
+  <p:cSld>
+    <p:spTree>
+      <p:nvGrpSpPr>
+        <p:cNvPr id="1" name=""/>
+        <p:cNvGrpSpPr/>
+        <p:nvPr/>
+      </p:nvGrpSpPr>
+      <p:grpSpPr>
+        <a:xfrm>
+          <a:off x="0" y="0"/>
+          <a:ext cx="0" cy="0"/>
+          <a:chOff x="0" y="0"/>
+          <a:chExt cx="0" cy="0"/>
+        </a:xfrm>
+      </p:grpSpPr>
+      <p:pic>
+        <p:nvPicPr>
+          <p:cNvPr id="2" name="图片 1"/>
+          <p:cNvPicPr>
+            <a:picLocks noChangeAspect="1"/>
+          </p:cNvPicPr>
+          <p:nvPr/>
+        </p:nvPicPr>
+        <p:blipFill>
+          <a:blip r:embed="rId2"/>
+          <a:stretch>
+            <a:fillRect/>
+          </a:stretch>
+        </p:blipFill>
+        <p:spPr>
+          <a:xfrm>
+            <a:off x="698538" y="851781"/>
+            <a:ext cx="9833713" cy="5624255"/>
+          </a:xfrm>
+          <a:prstGeom prst="rect">
+            <a:avLst/>
+          </a:prstGeom>
+        </p:spPr>
+      </p:pic>
+      <p:sp>
+        <p:nvSpPr>
+          <p:cNvPr id="4" name="文本框 3"/>
+          <p:cNvSpPr txBox="1"/>
+          <p:nvPr/>
+        </p:nvSpPr>
+        <p:spPr>
+          <a:xfrm>
+            <a:off x="698538" y="269566"/>
+            <a:ext cx="6704965" cy="954107"/>
+          </a:xfrm>
+          <a:prstGeom prst="rect">
+            <a:avLst/>
+          </a:prstGeom>
+          <a:noFill/>
+          <a:ln w="19050">
+            <a:noFill/>
+            <a:prstDash val="solid"/>
+          </a:ln>
+        </p:spPr>
+        <p:txBody>
+          <a:bodyPr wrap="square" rtlCol="0">
+            <a:spAutoFit/>
+          </a:bodyPr>
+          <a:lstStyle/>
+          <a:p>
+            <a:pPr lvl="0" algn="l"/>
+            <a:r>
+              <a:rPr lang="zh-CN" altLang="en-US" sz="2000" dirty="0" smtClean="0">
+                <a:ea typeface="宋体" panose="02010600030101010101" pitchFamily="2" charset="-122"/>
+                <a:cs typeface="+mn-ea"/>
+                <a:sym typeface="+mn-lt"/>
+              </a:rPr>
+              <a:t>包装采集</a:t>
+            </a:r>
+            <a:endParaRPr lang="en-US" altLang="zh-CN" sz="2000" dirty="0" smtClean="0">
+              <a:ea typeface="宋体" panose="02010600030101010101" pitchFamily="2" charset="-122"/>
+              <a:cs typeface="+mn-ea"/>
+              <a:sym typeface="+mn-lt"/>
+            </a:endParaRPr>
+          </a:p>
+          <a:p>
+            <a:pPr lvl="0" algn="l"/>
+            <a:endParaRPr lang="en-US" altLang="zh-CN" sz="2000" dirty="0" smtClean="0">
+              <a:ea typeface="宋体" panose="02010600030101010101" pitchFamily="2" charset="-122"/>
+              <a:cs typeface="+mn-ea"/>
+              <a:sym typeface="+mn-lt"/>
+            </a:endParaRPr>
+          </a:p>
+          <a:p>
+            <a:pPr lvl="0" algn="l"/>
+            <a:endParaRPr lang="zh-CN" sz="1600" dirty="0">
+              <a:solidFill>
+                <a:srgbClr val="FF0000"/>
+              </a:solidFill>
+              <a:ea typeface="宋体" panose="02010600030101010101" pitchFamily="2" charset="-122"/>
+              <a:cs typeface="+mn-ea"/>
+              <a:sym typeface="+mn-lt"/>
+            </a:endParaRPr>
+          </a:p>
+        </p:txBody>
+      </p:sp>
+    </p:spTree>
+    <p:extLst>
+      <p:ext uri="{BB962C8B-B14F-4D97-AF65-F5344CB8AC3E}">
+        <p14:creationId xmlns:p14="http://schemas.microsoft.com/office/powerpoint/2010/main" val="3430348129"/>
+      </p:ext>
+    </p:extLst>
+  </p:cSld>
+  <p:clrMapOvr>
+    <a:masterClrMapping/>
+  </p:clrMapOvr>
 </p:sld>
 </file>
 

--- a/IPI-HR-30-07A转正述职报告.pptx
+++ b/IPI-HR-30-07A转正述职报告.pptx
@@ -5,10 +5,10 @@
     <p:sldMasterId id="2147483648" r:id="rId1"/>
   </p:sldMasterIdLst>
   <p:notesMasterIdLst>
-    <p:notesMasterId r:id="rId23"/>
+    <p:notesMasterId r:id="rId24"/>
   </p:notesMasterIdLst>
   <p:handoutMasterIdLst>
-    <p:handoutMasterId r:id="rId24"/>
+    <p:handoutMasterId r:id="rId25"/>
   </p:handoutMasterIdLst>
   <p:sldIdLst>
     <p:sldId id="256" r:id="rId2"/>
@@ -16,22 +16,23 @@
     <p:sldId id="466" r:id="rId4"/>
     <p:sldId id="468" r:id="rId5"/>
     <p:sldId id="470" r:id="rId6"/>
-    <p:sldId id="475" r:id="rId7"/>
-    <p:sldId id="476" r:id="rId8"/>
-    <p:sldId id="477" r:id="rId9"/>
-    <p:sldId id="478" r:id="rId10"/>
-    <p:sldId id="479" r:id="rId11"/>
-    <p:sldId id="486" r:id="rId12"/>
-    <p:sldId id="480" r:id="rId13"/>
-    <p:sldId id="481" r:id="rId14"/>
-    <p:sldId id="482" r:id="rId15"/>
-    <p:sldId id="483" r:id="rId16"/>
-    <p:sldId id="484" r:id="rId17"/>
-    <p:sldId id="485" r:id="rId18"/>
-    <p:sldId id="471" r:id="rId19"/>
-    <p:sldId id="472" r:id="rId20"/>
-    <p:sldId id="474" r:id="rId21"/>
-    <p:sldId id="299" r:id="rId22"/>
+    <p:sldId id="471" r:id="rId7"/>
+    <p:sldId id="486" r:id="rId8"/>
+    <p:sldId id="487" r:id="rId9"/>
+    <p:sldId id="488" r:id="rId10"/>
+    <p:sldId id="489" r:id="rId11"/>
+    <p:sldId id="490" r:id="rId12"/>
+    <p:sldId id="491" r:id="rId13"/>
+    <p:sldId id="492" r:id="rId14"/>
+    <p:sldId id="493" r:id="rId15"/>
+    <p:sldId id="494" r:id="rId16"/>
+    <p:sldId id="495" r:id="rId17"/>
+    <p:sldId id="496" r:id="rId18"/>
+    <p:sldId id="497" r:id="rId19"/>
+    <p:sldId id="485" r:id="rId20"/>
+    <p:sldId id="472" r:id="rId21"/>
+    <p:sldId id="474" r:id="rId22"/>
+    <p:sldId id="299" r:id="rId23"/>
   </p:sldIdLst>
   <p:sldSz cx="12192000" cy="6858000"/>
   <p:notesSz cx="6858000" cy="9144000"/>
@@ -140,19 +141,20 @@
             <p14:sldId id="466"/>
             <p14:sldId id="468"/>
             <p14:sldId id="470"/>
-            <p14:sldId id="475"/>
-            <p14:sldId id="476"/>
-            <p14:sldId id="477"/>
-            <p14:sldId id="478"/>
-            <p14:sldId id="479"/>
+            <p14:sldId id="471"/>
             <p14:sldId id="486"/>
-            <p14:sldId id="480"/>
-            <p14:sldId id="481"/>
-            <p14:sldId id="482"/>
-            <p14:sldId id="483"/>
-            <p14:sldId id="484"/>
+            <p14:sldId id="487"/>
+            <p14:sldId id="488"/>
+            <p14:sldId id="489"/>
+            <p14:sldId id="490"/>
+            <p14:sldId id="491"/>
+            <p14:sldId id="492"/>
+            <p14:sldId id="493"/>
+            <p14:sldId id="494"/>
+            <p14:sldId id="495"/>
+            <p14:sldId id="496"/>
+            <p14:sldId id="497"/>
             <p14:sldId id="485"/>
-            <p14:sldId id="471"/>
             <p14:sldId id="472"/>
             <p14:sldId id="474"/>
             <p14:sldId id="299"/>
@@ -293,7 +295,7 @@
           <a:p>
             <a:fld id="{5F851450-55FE-4347-9F50-E1818F6C717D}" type="datetimeFigureOut">
               <a:rPr lang="zh-CN" altLang="en-US" smtClean="0"/>
-              <a:t>2022/11/24</a:t>
+              <a:t>2022/12/2</a:t>
             </a:fld>
             <a:endParaRPr lang="zh-CN" altLang="en-US"/>
           </a:p>
@@ -458,7 +460,7 @@
           <a:p>
             <a:fld id="{61D29EEA-8BD0-45FC-94BF-A81C14DDF10B}" type="datetimeFigureOut">
               <a:rPr lang="zh-CN" altLang="en-US" smtClean="0"/>
-              <a:t>2022/11/24</a:t>
+              <a:t>2022/12/2</a:t>
             </a:fld>
             <a:endParaRPr lang="zh-CN" altLang="en-US"/>
           </a:p>
@@ -1439,7 +1441,7 @@
           <a:p>
             <a:fld id="{760FBDFE-C587-4B4C-A407-44438C67B59E}" type="datetimeFigureOut">
               <a:rPr lang="zh-CN" altLang="en-US" smtClean="0"/>
-              <a:t>2022/11/24</a:t>
+              <a:t>2022/12/2</a:t>
             </a:fld>
             <a:endParaRPr lang="zh-CN" altLang="en-US"/>
           </a:p>
@@ -3227,6 +3229,13 @@
     <a:masterClrMapping/>
   </p:clrMapOvr>
   <p:transition/>
+  <p:timing>
+    <p:tnLst>
+      <p:par>
+        <p:cTn id="1" dur="indefinite" restart="never" nodeType="tmRoot"/>
+      </p:par>
+    </p:tnLst>
+  </p:timing>
 </p:sld>
 </file>
 
@@ -3263,8 +3272,8 @@
         </p:blipFill>
         <p:spPr>
           <a:xfrm>
-            <a:off x="474455" y="1140735"/>
-            <a:ext cx="11045251" cy="4409039"/>
+            <a:off x="698538" y="851781"/>
+            <a:ext cx="9833713" cy="5624255"/>
           </a:xfrm>
           <a:prstGeom prst="rect">
             <a:avLst/>
@@ -3279,8 +3288,8 @@
         </p:nvSpPr>
         <p:spPr>
           <a:xfrm>
-            <a:off x="725699" y="287673"/>
-            <a:ext cx="6704965" cy="1261884"/>
+            <a:off x="698538" y="220839"/>
+            <a:ext cx="9547869" cy="954107"/>
           </a:xfrm>
           <a:prstGeom prst="rect">
             <a:avLst/>
@@ -3299,34 +3308,85 @@
           <a:p>
             <a:pPr lvl="0" algn="l"/>
             <a:r>
-              <a:rPr lang="zh-CN" altLang="en-US" sz="2000" dirty="0">
-                <a:ea typeface="宋体" panose="02010600030101010101" pitchFamily="2" charset="-122"/>
-                <a:cs typeface="+mn-ea"/>
-                <a:sym typeface="+mn-lt"/>
-              </a:rPr>
-              <a:t>上</a:t>
-            </a:r>
-            <a:r>
               <a:rPr lang="zh-CN" altLang="en-US" sz="2000" dirty="0" smtClean="0">
                 <a:ea typeface="宋体" panose="02010600030101010101" pitchFamily="2" charset="-122"/>
                 <a:cs typeface="+mn-ea"/>
                 <a:sym typeface="+mn-lt"/>
               </a:rPr>
-              <a:t>料表管理</a:t>
-            </a:r>
-            <a:endParaRPr lang="en-US" altLang="zh-CN" sz="2000" dirty="0" smtClean="0">
-              <a:ea typeface="宋体" panose="02010600030101010101" pitchFamily="2" charset="-122"/>
-              <a:cs typeface="+mn-ea"/>
-              <a:sym typeface="+mn-lt"/>
-            </a:endParaRPr>
-          </a:p>
-          <a:p>
-            <a:pPr lvl="0" algn="l"/>
-            <a:endParaRPr lang="en-US" altLang="zh-CN" sz="2000" dirty="0" smtClean="0">
-              <a:ea typeface="宋体" panose="02010600030101010101" pitchFamily="2" charset="-122"/>
-              <a:cs typeface="+mn-ea"/>
-              <a:sym typeface="+mn-lt"/>
-            </a:endParaRPr>
+              <a:t>包装采集 </a:t>
+            </a:r>
+            <a:r>
+              <a:rPr lang="en-US" altLang="zh-CN" sz="2000" dirty="0" smtClean="0">
+                <a:ea typeface="宋体" panose="02010600030101010101" pitchFamily="2" charset="-122"/>
+                <a:cs typeface="+mn-ea"/>
+                <a:sym typeface="+mn-lt"/>
+              </a:rPr>
+              <a:t>---</a:t>
+            </a:r>
+            <a:r>
+              <a:rPr lang="zh-CN" altLang="en-US" sz="2000" dirty="0" smtClean="0">
+                <a:ea typeface="宋体" panose="02010600030101010101" pitchFamily="2" charset="-122"/>
+                <a:cs typeface="+mn-ea"/>
+                <a:sym typeface="+mn-lt"/>
+              </a:rPr>
+              <a:t>产品进行包装过站的逻辑动作，包装到箱</a:t>
+            </a:r>
+            <a:r>
+              <a:rPr lang="en-US" altLang="zh-CN" sz="2000" dirty="0" smtClean="0">
+                <a:ea typeface="宋体" panose="02010600030101010101" pitchFamily="2" charset="-122"/>
+                <a:cs typeface="+mn-ea"/>
+                <a:sym typeface="+mn-lt"/>
+              </a:rPr>
+              <a:t>-</a:t>
+            </a:r>
+            <a:r>
+              <a:rPr lang="zh-CN" altLang="en-US" sz="2000" dirty="0" smtClean="0">
+                <a:ea typeface="宋体" panose="02010600030101010101" pitchFamily="2" charset="-122"/>
+                <a:cs typeface="+mn-ea"/>
+                <a:sym typeface="+mn-lt"/>
+              </a:rPr>
+              <a:t>彩盒</a:t>
+            </a:r>
+            <a:r>
+              <a:rPr lang="en-US" altLang="zh-CN" sz="2000" dirty="0" smtClean="0">
+                <a:ea typeface="宋体" panose="02010600030101010101" pitchFamily="2" charset="-122"/>
+                <a:cs typeface="+mn-ea"/>
+                <a:sym typeface="+mn-lt"/>
+              </a:rPr>
+              <a:t>-</a:t>
+            </a:r>
+            <a:r>
+              <a:rPr lang="zh-CN" altLang="en-US" sz="2000" dirty="0" smtClean="0">
+                <a:ea typeface="宋体" panose="02010600030101010101" pitchFamily="2" charset="-122"/>
+                <a:cs typeface="+mn-ea"/>
+                <a:sym typeface="+mn-lt"/>
+              </a:rPr>
+              <a:t>托盘</a:t>
+            </a:r>
+            <a:r>
+              <a:rPr lang="en-US" altLang="zh-CN" sz="2000" dirty="0" smtClean="0">
+                <a:ea typeface="宋体" panose="02010600030101010101" pitchFamily="2" charset="-122"/>
+                <a:cs typeface="+mn-ea"/>
+                <a:sym typeface="+mn-lt"/>
+              </a:rPr>
+              <a:t>-</a:t>
+            </a:r>
+            <a:r>
+              <a:rPr lang="zh-CN" altLang="en-US" sz="2000" dirty="0" smtClean="0">
+                <a:ea typeface="宋体" panose="02010600030101010101" pitchFamily="2" charset="-122"/>
+                <a:cs typeface="+mn-ea"/>
+                <a:sym typeface="+mn-lt"/>
+              </a:rPr>
+              <a:t>栈板</a:t>
+            </a:r>
+            <a:r>
+              <a:rPr lang="en-US" altLang="zh-CN" sz="2000" dirty="0" smtClean="0">
+                <a:ea typeface="宋体" panose="02010600030101010101" pitchFamily="2" charset="-122"/>
+                <a:cs typeface="+mn-ea"/>
+                <a:sym typeface="+mn-lt"/>
+              </a:rPr>
+              <a:t> </a:t>
+            </a:r>
           </a:p>
           <a:p>
             <a:pPr lvl="0" algn="l"/>
@@ -3352,13 +3412,20 @@
     </p:spTree>
     <p:extLst>
       <p:ext uri="{BB962C8B-B14F-4D97-AF65-F5344CB8AC3E}">
-        <p14:creationId xmlns:p14="http://schemas.microsoft.com/office/powerpoint/2010/main" val="2665948676"/>
+        <p14:creationId xmlns:p14="http://schemas.microsoft.com/office/powerpoint/2010/main" val="2811542057"/>
       </p:ext>
     </p:extLst>
   </p:cSld>
   <p:clrMapOvr>
     <a:masterClrMapping/>
   </p:clrMapOvr>
+  <p:timing>
+    <p:tnLst>
+      <p:par>
+        <p:cTn id="1" dur="indefinite" restart="never" nodeType="tmRoot"/>
+      </p:par>
+    </p:tnLst>
+  </p:timing>
 </p:sld>
 </file>
 
@@ -3395,8 +3462,8 @@
         </p:blipFill>
         <p:spPr>
           <a:xfrm>
-            <a:off x="575162" y="824261"/>
-            <a:ext cx="10371719" cy="5662151"/>
+            <a:off x="474455" y="1140735"/>
+            <a:ext cx="11045251" cy="4409039"/>
           </a:xfrm>
           <a:prstGeom prst="rect">
             <a:avLst/>
@@ -3405,14 +3472,14 @@
       </p:pic>
       <p:sp>
         <p:nvSpPr>
-          <p:cNvPr id="3" name="文本框 2"/>
+          <p:cNvPr id="4" name="文本框 3"/>
           <p:cNvSpPr txBox="1"/>
           <p:nvPr/>
         </p:nvSpPr>
         <p:spPr>
           <a:xfrm>
             <a:off x="725699" y="287673"/>
-            <a:ext cx="6704965" cy="1261884"/>
+            <a:ext cx="9315609" cy="1261884"/>
           </a:xfrm>
           <a:prstGeom prst="rect">
             <a:avLst/>
@@ -3444,7 +3511,23 @@
                 <a:cs typeface="+mn-ea"/>
                 <a:sym typeface="+mn-lt"/>
               </a:rPr>
-              <a:t>料表导入模板</a:t>
+              <a:t>料表管理</a:t>
+            </a:r>
+            <a:r>
+              <a:rPr lang="en-US" altLang="zh-CN" sz="2000" dirty="0" smtClean="0">
+                <a:ea typeface="宋体" panose="02010600030101010101" pitchFamily="2" charset="-122"/>
+                <a:cs typeface="+mn-ea"/>
+                <a:sym typeface="+mn-lt"/>
+              </a:rPr>
+              <a:t>--- </a:t>
+            </a:r>
+            <a:r>
+              <a:rPr lang="zh-CN" altLang="en-US" sz="2000" dirty="0" smtClean="0">
+                <a:ea typeface="宋体" panose="02010600030101010101" pitchFamily="2" charset="-122"/>
+                <a:cs typeface="+mn-ea"/>
+                <a:sym typeface="+mn-lt"/>
+              </a:rPr>
+              <a:t>根据模板导入上料表数据，产品需要哪些物料</a:t>
             </a:r>
             <a:endParaRPr lang="en-US" altLang="zh-CN" sz="2000" dirty="0" smtClean="0">
               <a:ea typeface="宋体" panose="02010600030101010101" pitchFamily="2" charset="-122"/>
@@ -3484,13 +3567,20 @@
     </p:spTree>
     <p:extLst>
       <p:ext uri="{BB962C8B-B14F-4D97-AF65-F5344CB8AC3E}">
-        <p14:creationId xmlns:p14="http://schemas.microsoft.com/office/powerpoint/2010/main" val="1726678472"/>
+        <p14:creationId xmlns:p14="http://schemas.microsoft.com/office/powerpoint/2010/main" val="1252814983"/>
       </p:ext>
     </p:extLst>
   </p:cSld>
   <p:clrMapOvr>
     <a:masterClrMapping/>
   </p:clrMapOvr>
+  <p:timing>
+    <p:tnLst>
+      <p:par>
+        <p:cTn id="1" dur="indefinite" restart="never" nodeType="tmRoot"/>
+      </p:par>
+    </p:tnLst>
+  </p:timing>
 </p:sld>
 </file>
 
@@ -3527,8 +3617,8 @@
         </p:blipFill>
         <p:spPr>
           <a:xfrm>
-            <a:off x="380245" y="918614"/>
-            <a:ext cx="11024679" cy="5418811"/>
+            <a:off x="575162" y="824261"/>
+            <a:ext cx="10371719" cy="5662151"/>
           </a:xfrm>
           <a:prstGeom prst="rect">
             <a:avLst/>
@@ -3544,7 +3634,7 @@
         <p:spPr>
           <a:xfrm>
             <a:off x="725699" y="287673"/>
-            <a:ext cx="6704965" cy="1261884"/>
+            <a:ext cx="9289972" cy="954107"/>
           </a:xfrm>
           <a:prstGeom prst="rect">
             <a:avLst/>
@@ -3576,16 +3666,24 @@
                 <a:cs typeface="+mn-ea"/>
                 <a:sym typeface="+mn-lt"/>
               </a:rPr>
-              <a:t>料</a:t>
-            </a:r>
-            <a:endParaRPr lang="en-US" altLang="zh-CN" sz="2000" dirty="0" smtClean="0">
-              <a:ea typeface="宋体" panose="02010600030101010101" pitchFamily="2" charset="-122"/>
-              <a:cs typeface="+mn-ea"/>
-              <a:sym typeface="+mn-lt"/>
-            </a:endParaRPr>
-          </a:p>
-          <a:p>
-            <a:pPr lvl="0" algn="l"/>
+              <a:t>料表导入模板</a:t>
+            </a:r>
+            <a:r>
+              <a:rPr lang="en-US" altLang="zh-CN" sz="2000" dirty="0" smtClean="0">
+                <a:ea typeface="宋体" panose="02010600030101010101" pitchFamily="2" charset="-122"/>
+                <a:cs typeface="+mn-ea"/>
+                <a:sym typeface="+mn-lt"/>
+              </a:rPr>
+              <a:t>--- </a:t>
+            </a:r>
+            <a:r>
+              <a:rPr lang="zh-CN" altLang="en-US" sz="2000" dirty="0" smtClean="0">
+                <a:ea typeface="宋体" panose="02010600030101010101" pitchFamily="2" charset="-122"/>
+                <a:cs typeface="+mn-ea"/>
+                <a:sym typeface="+mn-lt"/>
+              </a:rPr>
+              <a:t>设置导入模板的格式，然后进行导入</a:t>
+            </a:r>
             <a:endParaRPr lang="en-US" altLang="zh-CN" sz="2000" dirty="0" smtClean="0">
               <a:ea typeface="宋体" panose="02010600030101010101" pitchFamily="2" charset="-122"/>
               <a:cs typeface="+mn-ea"/>
@@ -3616,13 +3714,20 @@
     </p:spTree>
     <p:extLst>
       <p:ext uri="{BB962C8B-B14F-4D97-AF65-F5344CB8AC3E}">
-        <p14:creationId xmlns:p14="http://schemas.microsoft.com/office/powerpoint/2010/main" val="2700103903"/>
+        <p14:creationId xmlns:p14="http://schemas.microsoft.com/office/powerpoint/2010/main" val="3350410983"/>
       </p:ext>
     </p:extLst>
   </p:cSld>
   <p:clrMapOvr>
     <a:masterClrMapping/>
   </p:clrMapOvr>
+  <p:timing>
+    <p:tnLst>
+      <p:par>
+        <p:cTn id="1" dur="indefinite" restart="never" nodeType="tmRoot"/>
+      </p:par>
+    </p:tnLst>
+  </p:timing>
 </p:sld>
 </file>
 
@@ -3659,8 +3764,8 @@
         </p:blipFill>
         <p:spPr>
           <a:xfrm>
-            <a:off x="454785" y="918615"/>
-            <a:ext cx="10850551" cy="5409757"/>
+            <a:off x="405882" y="910068"/>
+            <a:ext cx="11024679" cy="5661648"/>
           </a:xfrm>
           <a:prstGeom prst="rect">
             <a:avLst/>
@@ -3675,8 +3780,8 @@
         </p:nvSpPr>
         <p:spPr>
           <a:xfrm>
-            <a:off x="725699" y="287673"/>
-            <a:ext cx="6704965" cy="1261884"/>
+            <a:off x="597512" y="287672"/>
+            <a:ext cx="10418017" cy="954107"/>
           </a:xfrm>
           <a:prstGeom prst="rect">
             <a:avLst/>
@@ -3695,21 +3800,53 @@
           <a:p>
             <a:pPr lvl="0" algn="l"/>
             <a:r>
+              <a:rPr lang="zh-CN" altLang="en-US" sz="2000" dirty="0">
+                <a:ea typeface="宋体" panose="02010600030101010101" pitchFamily="2" charset="-122"/>
+                <a:cs typeface="+mn-ea"/>
+                <a:sym typeface="+mn-lt"/>
+              </a:rPr>
+              <a:t>上</a:t>
+            </a:r>
+            <a:r>
               <a:rPr lang="zh-CN" altLang="en-US" sz="2000" dirty="0" smtClean="0">
                 <a:ea typeface="宋体" panose="02010600030101010101" pitchFamily="2" charset="-122"/>
                 <a:cs typeface="+mn-ea"/>
                 <a:sym typeface="+mn-lt"/>
               </a:rPr>
-              <a:t>下料</a:t>
-            </a:r>
-            <a:endParaRPr lang="en-US" altLang="zh-CN" sz="2000" dirty="0" smtClean="0">
-              <a:ea typeface="宋体" panose="02010600030101010101" pitchFamily="2" charset="-122"/>
-              <a:cs typeface="+mn-ea"/>
-              <a:sym typeface="+mn-lt"/>
-            </a:endParaRPr>
-          </a:p>
-          <a:p>
-            <a:pPr lvl="0" algn="l"/>
+              <a:t>料</a:t>
+            </a:r>
+            <a:r>
+              <a:rPr lang="en-US" altLang="zh-CN" sz="2000" dirty="0" smtClean="0">
+                <a:ea typeface="宋体" panose="02010600030101010101" pitchFamily="2" charset="-122"/>
+                <a:cs typeface="+mn-ea"/>
+                <a:sym typeface="+mn-lt"/>
+              </a:rPr>
+              <a:t>– </a:t>
+            </a:r>
+            <a:r>
+              <a:rPr lang="zh-CN" altLang="en-US" sz="2000" dirty="0" smtClean="0">
+                <a:ea typeface="宋体" panose="02010600030101010101" pitchFamily="2" charset="-122"/>
+                <a:cs typeface="+mn-ea"/>
+                <a:sym typeface="+mn-lt"/>
+              </a:rPr>
+              <a:t>上料过站动作，在哪个工位，哪个制令单 过哪些物料，通过</a:t>
+            </a:r>
+            <a:r>
+              <a:rPr lang="en-US" altLang="zh-CN" sz="2000" dirty="0" err="1" smtClean="0">
+                <a:ea typeface="宋体" panose="02010600030101010101" pitchFamily="2" charset="-122"/>
+                <a:cs typeface="+mn-ea"/>
+                <a:sym typeface="+mn-lt"/>
+              </a:rPr>
+              <a:t>WebAPi</a:t>
+            </a:r>
+            <a:r>
+              <a:rPr lang="zh-CN" altLang="en-US" sz="2000" dirty="0" smtClean="0">
+                <a:ea typeface="宋体" panose="02010600030101010101" pitchFamily="2" charset="-122"/>
+                <a:cs typeface="+mn-ea"/>
+                <a:sym typeface="+mn-lt"/>
+              </a:rPr>
+              <a:t>接口通讯过站</a:t>
+            </a:r>
             <a:endParaRPr lang="en-US" altLang="zh-CN" sz="2000" dirty="0" smtClean="0">
               <a:ea typeface="宋体" panose="02010600030101010101" pitchFamily="2" charset="-122"/>
               <a:cs typeface="+mn-ea"/>
@@ -3740,13 +3877,20 @@
     </p:spTree>
     <p:extLst>
       <p:ext uri="{BB962C8B-B14F-4D97-AF65-F5344CB8AC3E}">
-        <p14:creationId xmlns:p14="http://schemas.microsoft.com/office/powerpoint/2010/main" val="1804050216"/>
+        <p14:creationId xmlns:p14="http://schemas.microsoft.com/office/powerpoint/2010/main" val="734826835"/>
       </p:ext>
     </p:extLst>
   </p:cSld>
   <p:clrMapOvr>
     <a:masterClrMapping/>
   </p:clrMapOvr>
+  <p:timing>
+    <p:tnLst>
+      <p:par>
+        <p:cTn id="1" dur="indefinite" restart="never" nodeType="tmRoot"/>
+      </p:par>
+    </p:tnLst>
+  </p:timing>
 </p:sld>
 </file>
 
@@ -3783,8 +3927,8 @@
         </p:blipFill>
         <p:spPr>
           <a:xfrm>
-            <a:off x="399709" y="733330"/>
-            <a:ext cx="10981991" cy="5768008"/>
+            <a:off x="454785" y="918615"/>
+            <a:ext cx="10850551" cy="5409757"/>
           </a:xfrm>
           <a:prstGeom prst="rect">
             <a:avLst/>
@@ -3799,8 +3943,8 @@
         </p:nvSpPr>
         <p:spPr>
           <a:xfrm>
-            <a:off x="517470" y="169978"/>
-            <a:ext cx="6704965" cy="954107"/>
+            <a:off x="454785" y="219307"/>
+            <a:ext cx="10381282" cy="1569660"/>
           </a:xfrm>
           <a:prstGeom prst="rect">
             <a:avLst/>
@@ -3817,14 +3961,37 @@
           </a:bodyPr>
           <a:lstStyle/>
           <a:p>
-            <a:pPr lvl="0" algn="l"/>
+            <a:r>
+              <a:rPr lang="zh-CN" altLang="en-US" sz="2000" dirty="0" smtClean="0">
+                <a:ea typeface="宋体" panose="02010600030101010101" pitchFamily="2" charset="-122"/>
+                <a:cs typeface="+mn-ea"/>
+                <a:sym typeface="+mn-lt"/>
+              </a:rPr>
+              <a:t>下料</a:t>
+            </a:r>
+            <a:r>
+              <a:rPr lang="en-US" altLang="zh-CN" sz="2000" dirty="0" smtClean="0">
+                <a:ea typeface="宋体" panose="02010600030101010101" pitchFamily="2" charset="-122"/>
+                <a:cs typeface="+mn-ea"/>
+                <a:sym typeface="+mn-lt"/>
+              </a:rPr>
+              <a:t>—</a:t>
+            </a:r>
+            <a:r>
+              <a:rPr lang="zh-CN" altLang="en-US" sz="2000" dirty="0" smtClean="0">
+                <a:ea typeface="宋体" panose="02010600030101010101" pitchFamily="2" charset="-122"/>
+                <a:cs typeface="+mn-ea"/>
+                <a:sym typeface="+mn-lt"/>
+              </a:rPr>
+              <a:t>下</a:t>
+            </a:r>
             <a:r>
               <a:rPr lang="zh-CN" altLang="en-US" sz="2000" dirty="0">
                 <a:ea typeface="宋体" panose="02010600030101010101" pitchFamily="2" charset="-122"/>
                 <a:cs typeface="+mn-ea"/>
                 <a:sym typeface="+mn-lt"/>
               </a:rPr>
-              <a:t>过</a:t>
+              <a:t>料</a:t>
             </a:r>
             <a:r>
               <a:rPr lang="zh-CN" altLang="en-US" sz="2000" dirty="0" smtClean="0">
@@ -3832,8 +3999,48 @@
                 <a:cs typeface="+mn-ea"/>
                 <a:sym typeface="+mn-lt"/>
               </a:rPr>
-              <a:t>站扫描</a:t>
-            </a:r>
+              <a:t>过</a:t>
+            </a:r>
+            <a:r>
+              <a:rPr lang="zh-CN" altLang="en-US" sz="2000" dirty="0">
+                <a:ea typeface="宋体" panose="02010600030101010101" pitchFamily="2" charset="-122"/>
+                <a:cs typeface="+mn-ea"/>
+                <a:sym typeface="+mn-lt"/>
+              </a:rPr>
+              <a:t>站动作，在哪个工位，哪个制令单 过哪些物料，通过</a:t>
+            </a:r>
+            <a:r>
+              <a:rPr lang="en-US" altLang="zh-CN" sz="2000" dirty="0" err="1">
+                <a:ea typeface="宋体" panose="02010600030101010101" pitchFamily="2" charset="-122"/>
+                <a:cs typeface="+mn-ea"/>
+                <a:sym typeface="+mn-lt"/>
+              </a:rPr>
+              <a:t>WebAPi</a:t>
+            </a:r>
+            <a:r>
+              <a:rPr lang="zh-CN" altLang="en-US" sz="2000" dirty="0">
+                <a:ea typeface="宋体" panose="02010600030101010101" pitchFamily="2" charset="-122"/>
+                <a:cs typeface="+mn-ea"/>
+                <a:sym typeface="+mn-lt"/>
+              </a:rPr>
+              <a:t>接口通讯过站</a:t>
+            </a:r>
+            <a:endParaRPr lang="en-US" altLang="zh-CN" sz="2000" dirty="0">
+              <a:ea typeface="宋体" panose="02010600030101010101" pitchFamily="2" charset="-122"/>
+              <a:cs typeface="+mn-ea"/>
+              <a:sym typeface="+mn-lt"/>
+            </a:endParaRPr>
+          </a:p>
+          <a:p>
+            <a:pPr lvl="0" algn="l"/>
+            <a:endParaRPr lang="en-US" altLang="zh-CN" sz="2000" dirty="0" smtClean="0">
+              <a:ea typeface="宋体" panose="02010600030101010101" pitchFamily="2" charset="-122"/>
+              <a:cs typeface="+mn-ea"/>
+              <a:sym typeface="+mn-lt"/>
+            </a:endParaRPr>
+          </a:p>
+          <a:p>
+            <a:pPr lvl="0" algn="l"/>
             <a:endParaRPr lang="en-US" altLang="zh-CN" sz="2000" dirty="0" smtClean="0">
               <a:ea typeface="宋体" panose="02010600030101010101" pitchFamily="2" charset="-122"/>
               <a:cs typeface="+mn-ea"/>
@@ -3864,13 +4071,20 @@
     </p:spTree>
     <p:extLst>
       <p:ext uri="{BB962C8B-B14F-4D97-AF65-F5344CB8AC3E}">
-        <p14:creationId xmlns:p14="http://schemas.microsoft.com/office/powerpoint/2010/main" val="2043130284"/>
+        <p14:creationId xmlns:p14="http://schemas.microsoft.com/office/powerpoint/2010/main" val="2257069115"/>
       </p:ext>
     </p:extLst>
   </p:cSld>
   <p:clrMapOvr>
     <a:masterClrMapping/>
   </p:clrMapOvr>
+  <p:timing>
+    <p:tnLst>
+      <p:par>
+        <p:cTn id="1" dur="indefinite" restart="never" nodeType="tmRoot"/>
+      </p:par>
+    </p:tnLst>
+  </p:timing>
 </p:sld>
 </file>
 
@@ -3907,8 +4121,8 @@
         </p:blipFill>
         <p:spPr>
           <a:xfrm>
-            <a:off x="517470" y="1054486"/>
-            <a:ext cx="10756286" cy="5065657"/>
+            <a:off x="399709" y="733330"/>
+            <a:ext cx="10981991" cy="5768008"/>
           </a:xfrm>
           <a:prstGeom prst="rect">
             <a:avLst/>
@@ -3917,14 +4131,14 @@
       </p:pic>
       <p:sp>
         <p:nvSpPr>
-          <p:cNvPr id="4" name="文本框 3"/>
+          <p:cNvPr id="3" name="文本框 2"/>
           <p:cNvSpPr txBox="1"/>
           <p:nvPr/>
         </p:nvSpPr>
         <p:spPr>
           <a:xfrm>
             <a:off x="517470" y="169978"/>
-            <a:ext cx="6704965" cy="646331"/>
+            <a:ext cx="9797304" cy="954107"/>
           </a:xfrm>
           <a:prstGeom prst="rect">
             <a:avLst/>
@@ -3943,13 +4157,45 @@
           <a:p>
             <a:pPr lvl="0" algn="l"/>
             <a:r>
+              <a:rPr lang="zh-CN" altLang="en-US" sz="2000" dirty="0">
+                <a:ea typeface="宋体" panose="02010600030101010101" pitchFamily="2" charset="-122"/>
+                <a:cs typeface="+mn-ea"/>
+                <a:sym typeface="+mn-lt"/>
+              </a:rPr>
+              <a:t>过</a:t>
+            </a:r>
+            <a:r>
               <a:rPr lang="zh-CN" altLang="en-US" sz="2000" dirty="0" smtClean="0">
                 <a:ea typeface="宋体" panose="02010600030101010101" pitchFamily="2" charset="-122"/>
                 <a:cs typeface="+mn-ea"/>
                 <a:sym typeface="+mn-lt"/>
               </a:rPr>
-              <a:t>退料通知单</a:t>
-            </a:r>
+              <a:t>站扫描  </a:t>
+            </a:r>
+            <a:r>
+              <a:rPr lang="en-US" altLang="zh-CN" sz="2000" dirty="0" smtClean="0">
+                <a:ea typeface="宋体" panose="02010600030101010101" pitchFamily="2" charset="-122"/>
+                <a:cs typeface="+mn-ea"/>
+                <a:sym typeface="+mn-lt"/>
+              </a:rPr>
+              <a:t>-- </a:t>
+            </a:r>
+            <a:r>
+              <a:rPr lang="zh-CN" altLang="en-US" sz="2000" dirty="0" smtClean="0">
+                <a:ea typeface="宋体" panose="02010600030101010101" pitchFamily="2" charset="-122"/>
+                <a:cs typeface="+mn-ea"/>
+                <a:sym typeface="+mn-lt"/>
+              </a:rPr>
+              <a:t>在每一个不同的工序进行过站逻辑</a:t>
+            </a:r>
+            <a:endParaRPr lang="en-US" altLang="zh-CN" sz="2000" dirty="0" smtClean="0">
+              <a:ea typeface="宋体" panose="02010600030101010101" pitchFamily="2" charset="-122"/>
+              <a:cs typeface="+mn-ea"/>
+              <a:sym typeface="+mn-lt"/>
+            </a:endParaRPr>
+          </a:p>
+          <a:p>
+            <a:pPr lvl="0" algn="l"/>
             <a:endParaRPr lang="en-US" altLang="zh-CN" sz="2000" dirty="0" smtClean="0">
               <a:ea typeface="宋体" panose="02010600030101010101" pitchFamily="2" charset="-122"/>
               <a:cs typeface="+mn-ea"/>
@@ -3972,13 +4218,20 @@
     </p:spTree>
     <p:extLst>
       <p:ext uri="{BB962C8B-B14F-4D97-AF65-F5344CB8AC3E}">
-        <p14:creationId xmlns:p14="http://schemas.microsoft.com/office/powerpoint/2010/main" val="371436985"/>
+        <p14:creationId xmlns:p14="http://schemas.microsoft.com/office/powerpoint/2010/main" val="1362501366"/>
       </p:ext>
     </p:extLst>
   </p:cSld>
   <p:clrMapOvr>
     <a:masterClrMapping/>
   </p:clrMapOvr>
+  <p:timing>
+    <p:tnLst>
+      <p:par>
+        <p:cTn id="1" dur="indefinite" restart="never" nodeType="tmRoot"/>
+      </p:par>
+    </p:tnLst>
+  </p:timing>
 </p:sld>
 </file>
 
@@ -4015,8 +4268,8 @@
         </p:blipFill>
         <p:spPr>
           <a:xfrm>
-            <a:off x="320513" y="959668"/>
-            <a:ext cx="11463019" cy="4937812"/>
+            <a:off x="517470" y="1054486"/>
+            <a:ext cx="10756286" cy="5065657"/>
           </a:xfrm>
           <a:prstGeom prst="rect">
             <a:avLst/>
@@ -4025,14 +4278,14 @@
       </p:pic>
       <p:sp>
         <p:nvSpPr>
-          <p:cNvPr id="3" name="文本框 2"/>
+          <p:cNvPr id="4" name="文本框 3"/>
           <p:cNvSpPr txBox="1"/>
           <p:nvPr/>
         </p:nvSpPr>
         <p:spPr>
           <a:xfrm>
             <a:off x="517470" y="169978"/>
-            <a:ext cx="6704965" cy="646331"/>
+            <a:ext cx="9831487" cy="954107"/>
           </a:xfrm>
           <a:prstGeom prst="rect">
             <a:avLst/>
@@ -4056,7 +4309,23 @@
                 <a:cs typeface="+mn-ea"/>
                 <a:sym typeface="+mn-lt"/>
               </a:rPr>
-              <a:t>条码锁定</a:t>
+              <a:t>退料通知单</a:t>
+            </a:r>
+            <a:r>
+              <a:rPr lang="en-US" altLang="zh-CN" sz="2000" dirty="0" smtClean="0">
+                <a:ea typeface="宋体" panose="02010600030101010101" pitchFamily="2" charset="-122"/>
+                <a:cs typeface="+mn-ea"/>
+                <a:sym typeface="+mn-lt"/>
+              </a:rPr>
+              <a:t>—</a:t>
+            </a:r>
+            <a:r>
+              <a:rPr lang="zh-CN" altLang="en-US" sz="2000" dirty="0" smtClean="0">
+                <a:ea typeface="宋体" panose="02010600030101010101" pitchFamily="2" charset="-122"/>
+                <a:cs typeface="+mn-ea"/>
+                <a:sym typeface="+mn-lt"/>
+              </a:rPr>
+              <a:t>改界面下达退料通知单后，出入库单据生成一笔出库单据，仓管员收到后，进行扫描出库动作</a:t>
             </a:r>
             <a:endParaRPr lang="en-US" altLang="zh-CN" sz="2000" dirty="0" smtClean="0">
               <a:ea typeface="宋体" panose="02010600030101010101" pitchFamily="2" charset="-122"/>
@@ -4080,13 +4349,20 @@
     </p:spTree>
     <p:extLst>
       <p:ext uri="{BB962C8B-B14F-4D97-AF65-F5344CB8AC3E}">
-        <p14:creationId xmlns:p14="http://schemas.microsoft.com/office/powerpoint/2010/main" val="2965210956"/>
+        <p14:creationId xmlns:p14="http://schemas.microsoft.com/office/powerpoint/2010/main" val="181977617"/>
       </p:ext>
     </p:extLst>
   </p:cSld>
   <p:clrMapOvr>
     <a:masterClrMapping/>
   </p:clrMapOvr>
+  <p:timing>
+    <p:tnLst>
+      <p:par>
+        <p:cTn id="1" dur="indefinite" restart="never" nodeType="tmRoot"/>
+      </p:par>
+    </p:tnLst>
+  </p:timing>
 </p:sld>
 </file>
 
@@ -4123,8 +4399,8 @@
         </p:blipFill>
         <p:spPr>
           <a:xfrm>
-            <a:off x="298764" y="647031"/>
-            <a:ext cx="10793239" cy="5916731"/>
+            <a:off x="320513" y="959668"/>
+            <a:ext cx="11463019" cy="4937812"/>
           </a:xfrm>
           <a:prstGeom prst="rect">
             <a:avLst/>
@@ -4133,14 +4409,14 @@
       </p:pic>
       <p:sp>
         <p:nvSpPr>
-          <p:cNvPr id="5" name="文本框 4"/>
+          <p:cNvPr id="3" name="文本框 2"/>
           <p:cNvSpPr txBox="1"/>
           <p:nvPr/>
         </p:nvSpPr>
         <p:spPr>
           <a:xfrm>
             <a:off x="517470" y="169978"/>
-            <a:ext cx="6704965" cy="954107"/>
+            <a:ext cx="9669117" cy="954107"/>
           </a:xfrm>
           <a:prstGeom prst="rect">
             <a:avLst/>
@@ -4164,16 +4440,24 @@
                 <a:cs typeface="+mn-ea"/>
                 <a:sym typeface="+mn-lt"/>
               </a:rPr>
-              <a:t>设备维修单据申请</a:t>
-            </a:r>
-            <a:endParaRPr lang="en-US" altLang="zh-CN" sz="2000" dirty="0" smtClean="0">
-              <a:ea typeface="宋体" panose="02010600030101010101" pitchFamily="2" charset="-122"/>
-              <a:cs typeface="+mn-ea"/>
-              <a:sym typeface="+mn-lt"/>
-            </a:endParaRPr>
-          </a:p>
-          <a:p>
-            <a:pPr lvl="0" algn="l"/>
+              <a:t>条码锁定</a:t>
+            </a:r>
+            <a:r>
+              <a:rPr lang="en-US" altLang="zh-CN" sz="2000" dirty="0" smtClean="0">
+                <a:ea typeface="宋体" panose="02010600030101010101" pitchFamily="2" charset="-122"/>
+                <a:cs typeface="+mn-ea"/>
+                <a:sym typeface="+mn-lt"/>
+              </a:rPr>
+              <a:t>--- </a:t>
+            </a:r>
+            <a:r>
+              <a:rPr lang="zh-CN" altLang="en-US" sz="2000" dirty="0" smtClean="0">
+                <a:ea typeface="宋体" panose="02010600030101010101" pitchFamily="2" charset="-122"/>
+                <a:cs typeface="+mn-ea"/>
+                <a:sym typeface="+mn-lt"/>
+              </a:rPr>
+              <a:t>改界面是品质人员操作，定义哪些条码进行锁定，锁定的条码不能进行过站，在改界面也可以进行解锁功能</a:t>
+            </a:r>
             <a:endParaRPr lang="en-US" altLang="zh-CN" sz="2000" dirty="0" smtClean="0">
               <a:ea typeface="宋体" panose="02010600030101010101" pitchFamily="2" charset="-122"/>
               <a:cs typeface="+mn-ea"/>
@@ -4196,24 +4480,26 @@
     </p:spTree>
     <p:extLst>
       <p:ext uri="{BB962C8B-B14F-4D97-AF65-F5344CB8AC3E}">
-        <p14:creationId xmlns:p14="http://schemas.microsoft.com/office/powerpoint/2010/main" val="2194435856"/>
+        <p14:creationId xmlns:p14="http://schemas.microsoft.com/office/powerpoint/2010/main" val="3883699464"/>
       </p:ext>
     </p:extLst>
   </p:cSld>
   <p:clrMapOvr>
     <a:masterClrMapping/>
   </p:clrMapOvr>
+  <p:timing>
+    <p:tnLst>
+      <p:par>
+        <p:cTn id="1" dur="indefinite" restart="never" nodeType="tmRoot"/>
+      </p:par>
+    </p:tnLst>
+  </p:timing>
 </p:sld>
 </file>
 
 <file path=ppt/slides/slide18.xml><?xml version="1.0" encoding="utf-8"?>
 <p:sld xmlns:a="http://schemas.openxmlformats.org/drawingml/2006/main" xmlns:r="http://schemas.openxmlformats.org/officeDocument/2006/relationships" xmlns:p="http://schemas.openxmlformats.org/presentationml/2006/main">
   <p:cSld>
-    <p:bg>
-      <p:bgRef idx="1001">
-        <a:schemeClr val="bg1"/>
-      </p:bgRef>
-    </p:bg>
     <p:spTree>
       <p:nvGrpSpPr>
         <p:cNvPr id="1" name=""/>
@@ -4230,64 +4516,14 @@
       </p:grpSpPr>
       <p:sp>
         <p:nvSpPr>
-          <p:cNvPr id="20481" name="文本框 15"/>
+          <p:cNvPr id="2" name="文本框 1"/>
           <p:cNvSpPr txBox="1"/>
           <p:nvPr/>
         </p:nvSpPr>
         <p:spPr>
           <a:xfrm>
-            <a:off x="479743" y="246380"/>
-            <a:ext cx="4204335" cy="553085"/>
-          </a:xfrm>
-          <a:prstGeom prst="rect">
-            <a:avLst/>
-          </a:prstGeom>
-          <a:noFill/>
-          <a:ln w="9525">
-            <a:noFill/>
-          </a:ln>
-        </p:spPr>
-        <p:txBody>
-          <a:bodyPr wrap="none" anchor="t">
-            <a:spAutoFit/>
-          </a:bodyPr>
-          <a:lstStyle/>
-          <a:p>
-            <a:r>
-              <a:rPr lang="en-US" altLang="zh-CN" sz="3000" b="1">
-                <a:solidFill>
-                  <a:srgbClr val="0070C0"/>
-                </a:solidFill>
-                <a:latin typeface="黑体" panose="02010609060101010101" charset="-122"/>
-                <a:ea typeface="黑体" panose="02010609060101010101" charset="-122"/>
-                <a:sym typeface="等线" panose="02010600030101010101" charset="-122"/>
-              </a:rPr>
-              <a:t>3</a:t>
-            </a:r>
-            <a:r>
-              <a:rPr lang="zh-CN" altLang="en-US" sz="3000" b="1">
-                <a:solidFill>
-                  <a:srgbClr val="0070C0"/>
-                </a:solidFill>
-                <a:latin typeface="黑体" panose="02010609060101010101" charset="-122"/>
-                <a:ea typeface="黑体" panose="02010609060101010101" charset="-122"/>
-                <a:sym typeface="等线" panose="02010600030101010101" charset="-122"/>
-              </a:rPr>
-              <a:t>、试用期工作亮点展示</a:t>
-            </a:r>
-          </a:p>
-        </p:txBody>
-      </p:sp>
-      <p:sp>
-        <p:nvSpPr>
-          <p:cNvPr id="3" name="文本框 2"/>
-          <p:cNvSpPr txBox="1"/>
-          <p:nvPr/>
-        </p:nvSpPr>
-        <p:spPr>
-          <a:xfrm>
-            <a:off x="626110" y="1094740"/>
-            <a:ext cx="6704965" cy="398780"/>
+            <a:off x="517470" y="169978"/>
+            <a:ext cx="11104810" cy="954107"/>
           </a:xfrm>
           <a:prstGeom prst="rect">
             <a:avLst/>
@@ -4306,16 +4542,53 @@
           <a:p>
             <a:pPr lvl="0" algn="l"/>
             <a:r>
-              <a:rPr lang="zh-CN" sz="2000" dirty="0">
-                <a:solidFill>
-                  <a:srgbClr val="FF0000"/>
-                </a:solidFill>
+              <a:rPr lang="zh-CN" altLang="en-US" sz="2000" dirty="0" smtClean="0">
                 <a:ea typeface="宋体" panose="02010600030101010101" pitchFamily="2" charset="-122"/>
                 <a:cs typeface="+mn-ea"/>
                 <a:sym typeface="+mn-lt"/>
               </a:rPr>
-              <a:t>备注：试用期突出贡献</a:t>
-            </a:r>
+              <a:t>拆箱</a:t>
+            </a:r>
+            <a:r>
+              <a:rPr lang="en-US" altLang="zh-CN" sz="2000" dirty="0" smtClean="0">
+                <a:ea typeface="宋体" panose="02010600030101010101" pitchFamily="2" charset="-122"/>
+                <a:cs typeface="+mn-ea"/>
+                <a:sym typeface="+mn-lt"/>
+              </a:rPr>
+              <a:t>--- </a:t>
+            </a:r>
+            <a:r>
+              <a:rPr lang="zh-CN" altLang="en-US" sz="2000" dirty="0" smtClean="0">
+                <a:ea typeface="宋体" panose="02010600030101010101" pitchFamily="2" charset="-122"/>
+                <a:cs typeface="+mn-ea"/>
+                <a:sym typeface="+mn-lt"/>
+              </a:rPr>
+              <a:t>拆箱功能，当需要把</a:t>
+            </a:r>
+            <a:r>
+              <a:rPr lang="zh-CN" altLang="en-US" sz="2000" dirty="0">
+                <a:ea typeface="宋体" panose="02010600030101010101" pitchFamily="2" charset="-122"/>
+                <a:cs typeface="+mn-ea"/>
+                <a:sym typeface="+mn-lt"/>
+              </a:rPr>
+              <a:t>尾</a:t>
+            </a:r>
+            <a:r>
+              <a:rPr lang="zh-CN" altLang="en-US" sz="2000" dirty="0" smtClean="0">
+                <a:ea typeface="宋体" panose="02010600030101010101" pitchFamily="2" charset="-122"/>
+                <a:cs typeface="+mn-ea"/>
+                <a:sym typeface="+mn-lt"/>
+              </a:rPr>
+              <a:t>箱进行拆箱放入到其它箱子的时候需要进行的操作，打开包装然后扫描条码进行拆箱</a:t>
+            </a:r>
+            <a:endParaRPr lang="en-US" altLang="zh-CN" sz="2000" dirty="0" smtClean="0">
+              <a:ea typeface="宋体" panose="02010600030101010101" pitchFamily="2" charset="-122"/>
+              <a:cs typeface="+mn-ea"/>
+              <a:sym typeface="+mn-lt"/>
+            </a:endParaRPr>
+          </a:p>
+          <a:p>
+            <a:pPr lvl="0" algn="l"/>
             <a:endParaRPr lang="zh-CN" sz="1600" dirty="0">
               <a:solidFill>
                 <a:srgbClr val="FF0000"/>
@@ -4327,22 +4600,53 @@
           </a:p>
         </p:txBody>
       </p:sp>
+      <p:pic>
+        <p:nvPicPr>
+          <p:cNvPr id="3" name="图片 2"/>
+          <p:cNvPicPr>
+            <a:picLocks noChangeAspect="1"/>
+          </p:cNvPicPr>
+          <p:nvPr/>
+        </p:nvPicPr>
+        <p:blipFill>
+          <a:blip r:embed="rId2"/>
+          <a:stretch>
+            <a:fillRect/>
+          </a:stretch>
+        </p:blipFill>
+        <p:spPr>
+          <a:xfrm>
+            <a:off x="384561" y="836332"/>
+            <a:ext cx="10951238" cy="5359369"/>
+          </a:xfrm>
+          <a:prstGeom prst="rect">
+            <a:avLst/>
+          </a:prstGeom>
+        </p:spPr>
+      </p:pic>
     </p:spTree>
+    <p:extLst>
+      <p:ext uri="{BB962C8B-B14F-4D97-AF65-F5344CB8AC3E}">
+        <p14:creationId xmlns:p14="http://schemas.microsoft.com/office/powerpoint/2010/main" val="83689241"/>
+      </p:ext>
+    </p:extLst>
   </p:cSld>
   <p:clrMapOvr>
-    <a:overrideClrMapping bg1="lt1" tx1="dk1" bg2="lt2" tx2="dk2" accent1="accent1" accent2="accent2" accent3="accent3" accent4="accent4" accent5="accent5" accent6="accent6" hlink="hlink" folHlink="folHlink"/>
+    <a:masterClrMapping/>
   </p:clrMapOvr>
+  <p:timing>
+    <p:tnLst>
+      <p:par>
+        <p:cTn id="1" dur="indefinite" restart="never" nodeType="tmRoot"/>
+      </p:par>
+    </p:tnLst>
+  </p:timing>
 </p:sld>
 </file>
 
 <file path=ppt/slides/slide19.xml><?xml version="1.0" encoding="utf-8"?>
 <p:sld xmlns:a="http://schemas.openxmlformats.org/drawingml/2006/main" xmlns:r="http://schemas.openxmlformats.org/officeDocument/2006/relationships" xmlns:p="http://schemas.openxmlformats.org/presentationml/2006/main">
   <p:cSld>
-    <p:bg>
-      <p:bgRef idx="1001">
-        <a:schemeClr val="bg1"/>
-      </p:bgRef>
-    </p:bg>
     <p:spTree>
       <p:nvGrpSpPr>
         <p:cNvPr id="1" name=""/>
@@ -4357,71 +4661,125 @@
           <a:chExt cx="0" cy="0"/>
         </a:xfrm>
       </p:grpSpPr>
+      <p:pic>
+        <p:nvPicPr>
+          <p:cNvPr id="2" name="图片 1"/>
+          <p:cNvPicPr>
+            <a:picLocks noChangeAspect="1"/>
+          </p:cNvPicPr>
+          <p:nvPr/>
+        </p:nvPicPr>
+        <p:blipFill>
+          <a:blip r:embed="rId2"/>
+          <a:stretch>
+            <a:fillRect/>
+          </a:stretch>
+        </p:blipFill>
+        <p:spPr>
+          <a:xfrm>
+            <a:off x="298764" y="647031"/>
+            <a:ext cx="10793239" cy="5916731"/>
+          </a:xfrm>
+          <a:prstGeom prst="rect">
+            <a:avLst/>
+          </a:prstGeom>
+        </p:spPr>
+      </p:pic>
       <p:sp>
         <p:nvSpPr>
-          <p:cNvPr id="20481" name="文本框 15"/>
+          <p:cNvPr id="5" name="文本框 4"/>
           <p:cNvSpPr txBox="1"/>
           <p:nvPr/>
         </p:nvSpPr>
         <p:spPr>
           <a:xfrm>
-            <a:off x="479743" y="246380"/>
-            <a:ext cx="3438525" cy="553085"/>
+            <a:off x="517470" y="169978"/>
+            <a:ext cx="10933894" cy="954107"/>
           </a:xfrm>
           <a:prstGeom prst="rect">
             <a:avLst/>
           </a:prstGeom>
           <a:noFill/>
-          <a:ln w="9525">
+          <a:ln w="19050">
             <a:noFill/>
+            <a:prstDash val="solid"/>
           </a:ln>
         </p:spPr>
         <p:txBody>
-          <a:bodyPr wrap="none" anchor="t">
+          <a:bodyPr wrap="square" rtlCol="0">
             <a:spAutoFit/>
           </a:bodyPr>
           <a:lstStyle/>
           <a:p>
-            <a:r>
-              <a:rPr lang="en-US" altLang="zh-CN" sz="3000" b="1">
-                <a:solidFill>
-                  <a:srgbClr val="0070C0"/>
-                </a:solidFill>
-                <a:latin typeface="黑体" panose="02010609060101010101" charset="-122"/>
-                <a:ea typeface="黑体" panose="02010609060101010101" charset="-122"/>
-                <a:sym typeface="等线" panose="02010600030101010101" charset="-122"/>
-              </a:rPr>
-              <a:t>4</a:t>
-            </a:r>
-            <a:r>
-              <a:rPr lang="zh-CN" altLang="en-US" sz="3000" b="1">
-                <a:solidFill>
-                  <a:srgbClr val="0070C0"/>
-                </a:solidFill>
-                <a:latin typeface="黑体" panose="02010609060101010101" charset="-122"/>
-                <a:ea typeface="黑体" panose="02010609060101010101" charset="-122"/>
-                <a:sym typeface="等线" panose="02010600030101010101" charset="-122"/>
-              </a:rPr>
-              <a:t>、下阶段工作计划</a:t>
-            </a:r>
-            <a:endParaRPr lang="zh-CN" altLang="en-US" sz="3000" b="1">
+            <a:pPr lvl="0" algn="l"/>
+            <a:r>
+              <a:rPr lang="zh-CN" altLang="en-US" sz="2000" dirty="0" smtClean="0">
+                <a:ea typeface="宋体" panose="02010600030101010101" pitchFamily="2" charset="-122"/>
+                <a:cs typeface="+mn-ea"/>
+                <a:sym typeface="+mn-lt"/>
+              </a:rPr>
+              <a:t>设备维修单据申请</a:t>
+            </a:r>
+            <a:r>
+              <a:rPr lang="en-US" altLang="zh-CN" sz="2000" dirty="0" smtClean="0">
+                <a:ea typeface="宋体" panose="02010600030101010101" pitchFamily="2" charset="-122"/>
+                <a:cs typeface="+mn-ea"/>
+                <a:sym typeface="+mn-lt"/>
+              </a:rPr>
+              <a:t>---</a:t>
+            </a:r>
+            <a:r>
+              <a:rPr lang="zh-CN" altLang="en-US" sz="2000" dirty="0" smtClean="0">
+                <a:ea typeface="宋体" panose="02010600030101010101" pitchFamily="2" charset="-122"/>
+                <a:cs typeface="+mn-ea"/>
+                <a:sym typeface="+mn-lt"/>
+              </a:rPr>
+              <a:t>改界面是设备维修需要进行物料申请，然后进行领了单申请界面</a:t>
+            </a:r>
+            <a:endParaRPr lang="en-US" altLang="zh-CN" sz="2000" dirty="0" smtClean="0">
+              <a:ea typeface="宋体" panose="02010600030101010101" pitchFamily="2" charset="-122"/>
+              <a:cs typeface="+mn-ea"/>
+              <a:sym typeface="+mn-lt"/>
+            </a:endParaRPr>
+          </a:p>
+          <a:p>
+            <a:pPr lvl="0" algn="l"/>
+            <a:endParaRPr lang="en-US" altLang="zh-CN" sz="2000" dirty="0" smtClean="0">
+              <a:ea typeface="宋体" panose="02010600030101010101" pitchFamily="2" charset="-122"/>
+              <a:cs typeface="+mn-ea"/>
+              <a:sym typeface="+mn-lt"/>
+            </a:endParaRPr>
+          </a:p>
+          <a:p>
+            <a:pPr lvl="0" algn="l"/>
+            <a:endParaRPr lang="zh-CN" sz="1600" dirty="0">
               <a:solidFill>
-                <a:schemeClr val="bg2">
-                  <a:lumMod val="75000"/>
-                </a:schemeClr>
+                <a:srgbClr val="FF0000"/>
               </a:solidFill>
-              <a:latin typeface="黑体" panose="02010609060101010101" charset="-122"/>
-              <a:ea typeface="黑体" panose="02010609060101010101" charset="-122"/>
-              <a:sym typeface="等线" panose="02010600030101010101" charset="-122"/>
+              <a:ea typeface="宋体" panose="02010600030101010101" pitchFamily="2" charset="-122"/>
+              <a:cs typeface="+mn-ea"/>
+              <a:sym typeface="+mn-lt"/>
             </a:endParaRPr>
           </a:p>
         </p:txBody>
       </p:sp>
     </p:spTree>
+    <p:extLst>
+      <p:ext uri="{BB962C8B-B14F-4D97-AF65-F5344CB8AC3E}">
+        <p14:creationId xmlns:p14="http://schemas.microsoft.com/office/powerpoint/2010/main" val="2194435856"/>
+      </p:ext>
+    </p:extLst>
   </p:cSld>
   <p:clrMapOvr>
-    <a:overrideClrMapping bg1="lt1" tx1="dk1" bg2="lt2" tx2="dk2" accent1="accent1" accent2="accent2" accent3="accent3" accent4="accent4" accent5="accent5" accent6="accent6" hlink="hlink" folHlink="folHlink"/>
+    <a:masterClrMapping/>
   </p:clrMapOvr>
+  <p:timing>
+    <p:tnLst>
+      <p:par>
+        <p:cTn id="1" dur="indefinite" restart="never" nodeType="tmRoot"/>
+      </p:par>
+    </p:tnLst>
+  </p:timing>
 </p:sld>
 </file>
 
@@ -4769,7 +5127,7 @@
           <a:lstStyle/>
           <a:p>
             <a:r>
-              <a:rPr lang="zh-CN" altLang="en-US" sz="2800">
+              <a:rPr lang="zh-CN" altLang="en-US" sz="2800" dirty="0">
                 <a:latin typeface="黑体" panose="02010609060101010101" charset="-122"/>
                 <a:ea typeface="黑体" panose="02010609060101010101" charset="-122"/>
               </a:rPr>
@@ -5001,6 +5359,349 @@
         <p:spPr>
           <a:xfrm>
             <a:off x="479743" y="246380"/>
+            <a:ext cx="3438525" cy="553085"/>
+          </a:xfrm>
+          <a:prstGeom prst="rect">
+            <a:avLst/>
+          </a:prstGeom>
+          <a:noFill/>
+          <a:ln w="9525">
+            <a:noFill/>
+          </a:ln>
+        </p:spPr>
+        <p:txBody>
+          <a:bodyPr wrap="none" anchor="t">
+            <a:spAutoFit/>
+          </a:bodyPr>
+          <a:lstStyle/>
+          <a:p>
+            <a:r>
+              <a:rPr lang="en-US" altLang="zh-CN" sz="3000" b="1" dirty="0">
+                <a:solidFill>
+                  <a:srgbClr val="0070C0"/>
+                </a:solidFill>
+                <a:latin typeface="黑体" panose="02010609060101010101" charset="-122"/>
+                <a:ea typeface="黑体" panose="02010609060101010101" charset="-122"/>
+                <a:sym typeface="等线" panose="02010600030101010101" charset="-122"/>
+              </a:rPr>
+              <a:t>4</a:t>
+            </a:r>
+            <a:r>
+              <a:rPr lang="zh-CN" altLang="en-US" sz="3000" b="1" dirty="0">
+                <a:solidFill>
+                  <a:srgbClr val="0070C0"/>
+                </a:solidFill>
+                <a:latin typeface="黑体" panose="02010609060101010101" charset="-122"/>
+                <a:ea typeface="黑体" panose="02010609060101010101" charset="-122"/>
+                <a:sym typeface="等线" panose="02010600030101010101" charset="-122"/>
+              </a:rPr>
+              <a:t>、下阶段工作计划</a:t>
+            </a:r>
+            <a:endParaRPr lang="zh-CN" altLang="en-US" sz="3000" b="1" dirty="0">
+              <a:solidFill>
+                <a:schemeClr val="bg2">
+                  <a:lumMod val="75000"/>
+                </a:schemeClr>
+              </a:solidFill>
+              <a:latin typeface="黑体" panose="02010609060101010101" charset="-122"/>
+              <a:ea typeface="黑体" panose="02010609060101010101" charset="-122"/>
+              <a:sym typeface="等线" panose="02010600030101010101" charset="-122"/>
+            </a:endParaRPr>
+          </a:p>
+        </p:txBody>
+      </p:sp>
+      <p:sp>
+        <p:nvSpPr>
+          <p:cNvPr id="3" name="矩形 2"/>
+          <p:cNvSpPr/>
+          <p:nvPr/>
+        </p:nvSpPr>
+        <p:spPr>
+          <a:xfrm>
+            <a:off x="479743" y="1034498"/>
+            <a:ext cx="10937240" cy="4949825"/>
+          </a:xfrm>
+          <a:prstGeom prst="rect">
+            <a:avLst/>
+          </a:prstGeom>
+          <a:ln/>
+        </p:spPr>
+        <p:style>
+          <a:lnRef idx="2">
+            <a:schemeClr val="accent3"/>
+          </a:lnRef>
+          <a:fillRef idx="1">
+            <a:schemeClr val="lt1"/>
+          </a:fillRef>
+          <a:effectRef idx="0">
+            <a:schemeClr val="accent3"/>
+          </a:effectRef>
+          <a:fontRef idx="minor">
+            <a:schemeClr val="dk1"/>
+          </a:fontRef>
+        </p:style>
+        <p:txBody>
+          <a:bodyPr rtlCol="0" anchor="ctr"/>
+          <a:lstStyle/>
+          <a:p>
+            <a:pPr algn="ctr"/>
+            <a:endParaRPr lang="zh-CN" altLang="en-US" dirty="0">
+              <a:cs typeface="+mn-ea"/>
+              <a:sym typeface="+mn-lt"/>
+            </a:endParaRPr>
+          </a:p>
+        </p:txBody>
+      </p:sp>
+      <p:sp>
+        <p:nvSpPr>
+          <p:cNvPr id="2" name="文本框 1"/>
+          <p:cNvSpPr txBox="1"/>
+          <p:nvPr/>
+        </p:nvSpPr>
+        <p:spPr>
+          <a:xfrm>
+            <a:off x="752031" y="1375874"/>
+            <a:ext cx="10528418" cy="3000821"/>
+          </a:xfrm>
+          <a:prstGeom prst="rect">
+            <a:avLst/>
+          </a:prstGeom>
+          <a:noFill/>
+        </p:spPr>
+        <p:txBody>
+          <a:bodyPr wrap="square" rtlCol="0">
+            <a:spAutoFit/>
+          </a:bodyPr>
+          <a:lstStyle/>
+          <a:p>
+            <a:pPr marL="285750" indent="-285750">
+              <a:lnSpc>
+                <a:spcPct val="150000"/>
+              </a:lnSpc>
+              <a:buFont typeface="Wingdings" panose="05000000000000000000" pitchFamily="2" charset="2"/>
+              <a:buChar char="Ø"/>
+            </a:pPr>
+            <a:r>
+              <a:rPr lang="zh-CN" altLang="en-US" b="1" dirty="0" smtClean="0">
+                <a:latin typeface="华文宋体" panose="02010600040101010101" pitchFamily="2" charset="-122"/>
+                <a:ea typeface="华文宋体" panose="02010600040101010101" pitchFamily="2" charset="-122"/>
+              </a:rPr>
+              <a:t>采集系统的开发和维护 </a:t>
+            </a:r>
+            <a:endParaRPr lang="en-US" altLang="zh-CN" b="1" dirty="0" smtClean="0">
+              <a:latin typeface="华文宋体" panose="02010600040101010101" pitchFamily="2" charset="-122"/>
+              <a:ea typeface="华文宋体" panose="02010600040101010101" pitchFamily="2" charset="-122"/>
+            </a:endParaRPr>
+          </a:p>
+          <a:p>
+            <a:pPr>
+              <a:lnSpc>
+                <a:spcPct val="150000"/>
+              </a:lnSpc>
+            </a:pPr>
+            <a:r>
+              <a:rPr lang="zh-CN" altLang="en-US" dirty="0" smtClean="0">
+                <a:latin typeface="华文宋体" panose="02010600040101010101" pitchFamily="2" charset="-122"/>
+                <a:ea typeface="华文宋体" panose="02010600040101010101" pitchFamily="2" charset="-122"/>
+              </a:rPr>
+              <a:t>          目前自己的开发任务，对采集系统，或者以后的</a:t>
+            </a:r>
+            <a:r>
+              <a:rPr lang="en-US" altLang="zh-CN" dirty="0" smtClean="0">
+                <a:latin typeface="华文宋体" panose="02010600040101010101" pitchFamily="2" charset="-122"/>
+                <a:ea typeface="华文宋体" panose="02010600040101010101" pitchFamily="2" charset="-122"/>
+              </a:rPr>
+              <a:t>SCADA</a:t>
+            </a:r>
+            <a:r>
+              <a:rPr lang="zh-CN" altLang="en-US" dirty="0" smtClean="0">
+                <a:latin typeface="华文宋体" panose="02010600040101010101" pitchFamily="2" charset="-122"/>
+                <a:ea typeface="华文宋体" panose="02010600040101010101" pitchFamily="2" charset="-122"/>
+              </a:rPr>
+              <a:t>系统充分了解相关逻辑功能，做相应</a:t>
+            </a:r>
+            <a:r>
+              <a:rPr lang="zh-CN" altLang="en-US" dirty="0" smtClean="0">
+                <a:latin typeface="华文宋体" panose="02010600040101010101" pitchFamily="2" charset="-122"/>
+                <a:ea typeface="华文宋体" panose="02010600040101010101" pitchFamily="2" charset="-122"/>
+              </a:rPr>
+              <a:t>的开发</a:t>
+            </a:r>
+            <a:endParaRPr lang="en-US" altLang="zh-CN" dirty="0" smtClean="0">
+              <a:latin typeface="华文宋体" panose="02010600040101010101" pitchFamily="2" charset="-122"/>
+              <a:ea typeface="华文宋体" panose="02010600040101010101" pitchFamily="2" charset="-122"/>
+            </a:endParaRPr>
+          </a:p>
+          <a:p>
+            <a:pPr marL="285750" indent="-285750">
+              <a:lnSpc>
+                <a:spcPct val="150000"/>
+              </a:lnSpc>
+              <a:buFont typeface="Wingdings" panose="05000000000000000000" pitchFamily="2" charset="2"/>
+              <a:buChar char="Ø"/>
+            </a:pPr>
+            <a:r>
+              <a:rPr lang="en-US" altLang="zh-CN" b="1" dirty="0" smtClean="0">
+                <a:latin typeface="华文宋体" panose="02010600040101010101" pitchFamily="2" charset="-122"/>
+                <a:ea typeface="华文宋体" panose="02010600040101010101" pitchFamily="2" charset="-122"/>
+              </a:rPr>
+              <a:t>MES</a:t>
+            </a:r>
+            <a:r>
+              <a:rPr lang="zh-CN" altLang="en-US" b="1" dirty="0" smtClean="0">
+                <a:latin typeface="华文宋体" panose="02010600040101010101" pitchFamily="2" charset="-122"/>
+                <a:ea typeface="华文宋体" panose="02010600040101010101" pitchFamily="2" charset="-122"/>
+              </a:rPr>
+              <a:t>功能的开发和维护</a:t>
+            </a:r>
+            <a:endParaRPr lang="en-US" altLang="zh-CN" b="1" dirty="0" smtClean="0">
+              <a:latin typeface="华文宋体" panose="02010600040101010101" pitchFamily="2" charset="-122"/>
+              <a:ea typeface="华文宋体" panose="02010600040101010101" pitchFamily="2" charset="-122"/>
+            </a:endParaRPr>
+          </a:p>
+          <a:p>
+            <a:pPr>
+              <a:lnSpc>
+                <a:spcPct val="150000"/>
+              </a:lnSpc>
+            </a:pPr>
+            <a:r>
+              <a:rPr lang="en-US" altLang="zh-CN" dirty="0" smtClean="0">
+                <a:latin typeface="华文宋体" panose="02010600040101010101" pitchFamily="2" charset="-122"/>
+                <a:ea typeface="华文宋体" panose="02010600040101010101" pitchFamily="2" charset="-122"/>
+              </a:rPr>
+              <a:t>          </a:t>
+            </a:r>
+            <a:r>
+              <a:rPr lang="zh-CN" altLang="en-US" dirty="0" smtClean="0">
+                <a:latin typeface="华文宋体" panose="02010600040101010101" pitchFamily="2" charset="-122"/>
+                <a:ea typeface="华文宋体" panose="02010600040101010101" pitchFamily="2" charset="-122"/>
+              </a:rPr>
+              <a:t>完善剩下的</a:t>
+            </a:r>
+            <a:r>
+              <a:rPr lang="en-US" altLang="zh-CN" dirty="0" smtClean="0">
+                <a:latin typeface="华文宋体" panose="02010600040101010101" pitchFamily="2" charset="-122"/>
+                <a:ea typeface="华文宋体" panose="02010600040101010101" pitchFamily="2" charset="-122"/>
+              </a:rPr>
+              <a:t>MES</a:t>
+            </a:r>
+            <a:r>
+              <a:rPr lang="zh-CN" altLang="en-US" dirty="0" smtClean="0">
+                <a:latin typeface="华文宋体" panose="02010600040101010101" pitchFamily="2" charset="-122"/>
+                <a:ea typeface="华文宋体" panose="02010600040101010101" pitchFamily="2" charset="-122"/>
+              </a:rPr>
+              <a:t>开发功能，然后对</a:t>
+            </a:r>
+            <a:r>
+              <a:rPr lang="en-US" altLang="zh-CN" dirty="0" smtClean="0">
+                <a:latin typeface="华文宋体" panose="02010600040101010101" pitchFamily="2" charset="-122"/>
+                <a:ea typeface="华文宋体" panose="02010600040101010101" pitchFamily="2" charset="-122"/>
+              </a:rPr>
+              <a:t>MES</a:t>
+            </a:r>
+            <a:r>
+              <a:rPr lang="zh-CN" altLang="en-US" dirty="0" smtClean="0">
+                <a:latin typeface="华文宋体" panose="02010600040101010101" pitchFamily="2" charset="-122"/>
+                <a:ea typeface="华文宋体" panose="02010600040101010101" pitchFamily="2" charset="-122"/>
+              </a:rPr>
+              <a:t>的整体功能不断的补充和扩展，对相应的客户进行定制化开发，完善</a:t>
+            </a:r>
+            <a:r>
+              <a:rPr lang="en-US" altLang="zh-CN" dirty="0" smtClean="0">
+                <a:latin typeface="华文宋体" panose="02010600040101010101" pitchFamily="2" charset="-122"/>
+                <a:ea typeface="华文宋体" panose="02010600040101010101" pitchFamily="2" charset="-122"/>
+              </a:rPr>
+              <a:t>MES</a:t>
+            </a:r>
+            <a:r>
+              <a:rPr lang="zh-CN" altLang="en-US" dirty="0" smtClean="0">
+                <a:latin typeface="华文宋体" panose="02010600040101010101" pitchFamily="2" charset="-122"/>
+                <a:ea typeface="华文宋体" panose="02010600040101010101" pitchFamily="2" charset="-122"/>
+              </a:rPr>
+              <a:t>文档功能，和</a:t>
+            </a:r>
+            <a:r>
+              <a:rPr lang="en-US" altLang="zh-CN" dirty="0" smtClean="0">
+                <a:latin typeface="华文宋体" panose="02010600040101010101" pitchFamily="2" charset="-122"/>
+                <a:ea typeface="华文宋体" panose="02010600040101010101" pitchFamily="2" charset="-122"/>
+              </a:rPr>
+              <a:t>MES</a:t>
+            </a:r>
+            <a:r>
+              <a:rPr lang="zh-CN" altLang="en-US" dirty="0" smtClean="0">
+                <a:latin typeface="华文宋体" panose="02010600040101010101" pitchFamily="2" charset="-122"/>
+                <a:ea typeface="华文宋体" panose="02010600040101010101" pitchFamily="2" charset="-122"/>
+              </a:rPr>
+              <a:t>的实施，着重重新，时候了解市场的需求功能，实时完善</a:t>
+            </a:r>
+            <a:r>
+              <a:rPr lang="en-US" altLang="zh-CN" dirty="0" smtClean="0">
+                <a:latin typeface="华文宋体" panose="02010600040101010101" pitchFamily="2" charset="-122"/>
+                <a:ea typeface="华文宋体" panose="02010600040101010101" pitchFamily="2" charset="-122"/>
+              </a:rPr>
+              <a:t>MES</a:t>
+            </a:r>
+            <a:r>
+              <a:rPr lang="zh-CN" altLang="en-US" dirty="0" smtClean="0">
+                <a:latin typeface="华文宋体" panose="02010600040101010101" pitchFamily="2" charset="-122"/>
+                <a:ea typeface="华文宋体" panose="02010600040101010101" pitchFamily="2" charset="-122"/>
+              </a:rPr>
+              <a:t>的相关配套功能</a:t>
+            </a:r>
+            <a:endParaRPr lang="en-US" altLang="zh-CN" dirty="0" smtClean="0">
+              <a:latin typeface="华文宋体" panose="02010600040101010101" pitchFamily="2" charset="-122"/>
+              <a:ea typeface="华文宋体" panose="02010600040101010101" pitchFamily="2" charset="-122"/>
+            </a:endParaRPr>
+          </a:p>
+        </p:txBody>
+      </p:sp>
+    </p:spTree>
+  </p:cSld>
+  <p:clrMapOvr>
+    <a:overrideClrMapping bg1="lt1" tx1="dk1" bg2="lt2" tx2="dk2" accent1="accent1" accent2="accent2" accent3="accent3" accent4="accent4" accent5="accent5" accent6="accent6" hlink="hlink" folHlink="folHlink"/>
+  </p:clrMapOvr>
+  <p:timing>
+    <p:tnLst>
+      <p:par>
+        <p:cTn id="1" dur="indefinite" restart="never" nodeType="tmRoot"/>
+      </p:par>
+    </p:tnLst>
+  </p:timing>
+</p:sld>
+</file>
+
+<file path=ppt/slides/slide21.xml><?xml version="1.0" encoding="utf-8"?>
+<p:sld xmlns:a="http://schemas.openxmlformats.org/drawingml/2006/main" xmlns:r="http://schemas.openxmlformats.org/officeDocument/2006/relationships" xmlns:p="http://schemas.openxmlformats.org/presentationml/2006/main">
+  <p:cSld>
+    <p:bg>
+      <p:bgRef idx="1001">
+        <a:schemeClr val="bg1"/>
+      </p:bgRef>
+    </p:bg>
+    <p:spTree>
+      <p:nvGrpSpPr>
+        <p:cNvPr id="1" name=""/>
+        <p:cNvGrpSpPr/>
+        <p:nvPr/>
+      </p:nvGrpSpPr>
+      <p:grpSpPr>
+        <a:xfrm>
+          <a:off x="0" y="0"/>
+          <a:ext cx="0" cy="0"/>
+          <a:chOff x="0" y="0"/>
+          <a:chExt cx="0" cy="0"/>
+        </a:xfrm>
+      </p:grpSpPr>
+      <p:sp>
+        <p:nvSpPr>
+          <p:cNvPr id="20481" name="文本框 15"/>
+          <p:cNvSpPr txBox="1"/>
+          <p:nvPr/>
+        </p:nvSpPr>
+        <p:spPr>
+          <a:xfrm>
+            <a:off x="479743" y="246380"/>
             <a:ext cx="2289810" cy="553085"/>
           </a:xfrm>
           <a:prstGeom prst="rect">
@@ -5101,9 +5802,9 @@
           <p:nvPr/>
         </p:nvCxnSpPr>
         <p:spPr>
-          <a:xfrm flipV="1">
-            <a:off x="1653540" y="3615690"/>
-            <a:ext cx="7992745" cy="20320"/>
+          <a:xfrm>
+            <a:off x="1515745" y="3606325"/>
+            <a:ext cx="8130540" cy="9365"/>
           </a:xfrm>
           <a:prstGeom prst="line">
             <a:avLst/>
@@ -5133,7 +5834,7 @@
         </p:nvSpPr>
         <p:spPr>
           <a:xfrm>
-            <a:off x="1574800" y="1400810"/>
+            <a:off x="1565593" y="1354435"/>
             <a:ext cx="2082165" cy="368300"/>
           </a:xfrm>
           <a:prstGeom prst="rect">
@@ -5149,7 +5850,7 @@
           <a:p>
             <a:pPr algn="l"/>
             <a:r>
-              <a:rPr lang="zh-CN" altLang="en-US">
+              <a:rPr lang="zh-CN" altLang="en-US" dirty="0">
                 <a:solidFill>
                   <a:srgbClr val="0070C0"/>
                 </a:solidFill>
@@ -5160,7 +5861,7 @@
               <a:t>strength</a:t>
             </a:r>
             <a:r>
-              <a:rPr lang="en-US" altLang="zh-CN">
+              <a:rPr lang="en-US" altLang="zh-CN" dirty="0">
                 <a:solidFill>
                   <a:srgbClr val="00B050"/>
                 </a:solidFill>
@@ -5171,7 +5872,7 @@
               <a:t> </a:t>
             </a:r>
             <a:r>
-              <a:rPr lang="zh-CN" altLang="en-US">
+              <a:rPr lang="zh-CN" altLang="en-US" dirty="0">
                 <a:latin typeface="微软雅黑" panose="020B0503020204020204" charset="-122"/>
                 <a:ea typeface="微软雅黑" panose="020B0503020204020204" charset="-122"/>
                 <a:cs typeface="微软雅黑" panose="020B0503020204020204" charset="-122"/>
@@ -5206,7 +5907,7 @@
           <a:p>
             <a:pPr algn="l"/>
             <a:r>
-              <a:rPr lang="zh-CN" altLang="en-US">
+              <a:rPr lang="zh-CN" altLang="en-US" dirty="0">
                 <a:solidFill>
                   <a:schemeClr val="accent4">
                     <a:lumMod val="75000"/>
@@ -5219,7 +5920,7 @@
               <a:t>weakness</a:t>
             </a:r>
             <a:r>
-              <a:rPr lang="en-US" altLang="zh-CN">
+              <a:rPr lang="en-US" altLang="zh-CN" dirty="0">
                 <a:solidFill>
                   <a:schemeClr val="accent4">
                     <a:lumMod val="75000"/>
@@ -5232,7 +5933,7 @@
               <a:t> </a:t>
             </a:r>
             <a:r>
-              <a:rPr lang="zh-CN" altLang="en-US">
+              <a:rPr lang="zh-CN" altLang="en-US" dirty="0">
                 <a:latin typeface="微软雅黑" panose="020B0503020204020204" charset="-122"/>
                 <a:ea typeface="微软雅黑" panose="020B0503020204020204" charset="-122"/>
                 <a:cs typeface="微软雅黑" panose="020B0503020204020204" charset="-122"/>
@@ -5322,7 +6023,7 @@
           <a:p>
             <a:pPr algn="l"/>
             <a:r>
-              <a:rPr lang="zh-CN" altLang="en-US">
+              <a:rPr lang="zh-CN" altLang="en-US" dirty="0">
                 <a:solidFill>
                   <a:schemeClr val="accent2">
                     <a:lumMod val="50000"/>
@@ -5335,7 +6036,7 @@
               <a:t>threat</a:t>
             </a:r>
             <a:r>
-              <a:rPr lang="en-US" altLang="zh-CN">
+              <a:rPr lang="en-US" altLang="zh-CN" dirty="0">
                 <a:latin typeface="微软雅黑" panose="020B0503020204020204" charset="-122"/>
                 <a:ea typeface="微软雅黑" panose="020B0503020204020204" charset="-122"/>
                 <a:cs typeface="微软雅黑" panose="020B0503020204020204" charset="-122"/>
@@ -5343,7 +6044,7 @@
               <a:t> </a:t>
             </a:r>
             <a:r>
-              <a:rPr lang="zh-CN" altLang="en-US">
+              <a:rPr lang="zh-CN" altLang="en-US" dirty="0">
                 <a:latin typeface="微软雅黑" panose="020B0503020204020204" charset="-122"/>
                 <a:ea typeface="微软雅黑" panose="020B0503020204020204" charset="-122"/>
                 <a:cs typeface="微软雅黑" panose="020B0503020204020204" charset="-122"/>
@@ -5465,7 +6166,7 @@
         </p:nvSpPr>
         <p:spPr>
           <a:xfrm rot="10800000">
-            <a:off x="1160780" y="3418840"/>
+            <a:off x="1109891" y="3418840"/>
             <a:ext cx="356870" cy="414655"/>
           </a:xfrm>
           <a:prstGeom prst="chevron">
@@ -5505,8 +6206,8 @@
         </p:nvSpPr>
         <p:spPr>
           <a:xfrm>
-            <a:off x="1645920" y="1849755"/>
-            <a:ext cx="3845560" cy="1568450"/>
+            <a:off x="1435693" y="1849755"/>
+            <a:ext cx="4149767" cy="1446550"/>
           </a:xfrm>
           <a:prstGeom prst="rect">
             <a:avLst/>
@@ -5529,12 +6230,40 @@
               <a:buChar char="Ø"/>
             </a:pPr>
             <a:r>
-              <a:rPr lang="en-US" altLang="zh-CN" sz="1600">
+              <a:rPr lang="zh-CN" altLang="en-US" sz="1400" dirty="0" smtClean="0">
                 <a:latin typeface="微软雅黑" panose="020B0503020204020204" charset="-122"/>
                 <a:ea typeface="微软雅黑" panose="020B0503020204020204" charset="-122"/>
               </a:rPr>
+              <a:t>执行能力强（</a:t>
+            </a:r>
+            <a:r>
+              <a:rPr lang="zh-CN" altLang="en-US" sz="1400" dirty="0" smtClean="0">
+                <a:solidFill>
+                  <a:srgbClr val="FF0000"/>
+                </a:solidFill>
+                <a:latin typeface="微软雅黑" panose="020B0503020204020204" charset="-122"/>
+                <a:ea typeface="微软雅黑" panose="020B0503020204020204" charset="-122"/>
+              </a:rPr>
+              <a:t>快速完成领导下发的任务</a:t>
+            </a:r>
+            <a:r>
+              <a:rPr lang="zh-CN" altLang="en-US" sz="1400" dirty="0" smtClean="0">
+                <a:latin typeface="微软雅黑" panose="020B0503020204020204" charset="-122"/>
+                <a:ea typeface="微软雅黑" panose="020B0503020204020204" charset="-122"/>
+              </a:rPr>
+              <a:t>）</a:t>
+            </a:r>
+            <a:r>
+              <a:rPr lang="en-US" altLang="zh-CN" sz="1400" dirty="0" smtClean="0">
+                <a:latin typeface="微软雅黑" panose="020B0503020204020204" charset="-122"/>
+                <a:ea typeface="微软雅黑" panose="020B0503020204020204" charset="-122"/>
+              </a:rPr>
               <a:t> </a:t>
             </a:r>
+            <a:endParaRPr lang="en-US" altLang="zh-CN" sz="1400" dirty="0">
+              <a:latin typeface="微软雅黑" panose="020B0503020204020204" charset="-122"/>
+              <a:ea typeface="微软雅黑" panose="020B0503020204020204" charset="-122"/>
+            </a:endParaRPr>
           </a:p>
           <a:p>
             <a:pPr indent="0">
@@ -5542,7 +6271,7 @@
               <a:buNone/>
             </a:pPr>
             <a:r>
-              <a:rPr lang="en-US" altLang="zh-CN" sz="1600">
+              <a:rPr lang="en-US" altLang="zh-CN" sz="1600" dirty="0">
                 <a:latin typeface="微软雅黑" panose="020B0503020204020204" charset="-122"/>
                 <a:ea typeface="微软雅黑" panose="020B0503020204020204" charset="-122"/>
               </a:rPr>
@@ -5555,12 +6284,40 @@
               <a:buChar char="Ø"/>
             </a:pPr>
             <a:r>
-              <a:rPr lang="en-US" altLang="zh-CN" sz="1600">
+              <a:rPr lang="en-US" altLang="zh-CN" sz="1400" dirty="0">
                 <a:latin typeface="微软雅黑" panose="020B0503020204020204" charset="-122"/>
                 <a:ea typeface="微软雅黑" panose="020B0503020204020204" charset="-122"/>
               </a:rPr>
               <a:t> </a:t>
             </a:r>
+            <a:r>
+              <a:rPr lang="zh-CN" altLang="en-US" sz="1400" dirty="0" smtClean="0">
+                <a:latin typeface="微软雅黑" panose="020B0503020204020204" charset="-122"/>
+                <a:ea typeface="微软雅黑" panose="020B0503020204020204" charset="-122"/>
+              </a:rPr>
+              <a:t>适应力强（</a:t>
+            </a:r>
+            <a:r>
+              <a:rPr lang="zh-CN" altLang="en-US" sz="1400" dirty="0">
+                <a:solidFill>
+                  <a:srgbClr val="FF0000"/>
+                </a:solidFill>
+                <a:latin typeface="微软雅黑" panose="020B0503020204020204" charset="-122"/>
+                <a:ea typeface="微软雅黑" panose="020B0503020204020204" charset="-122"/>
+              </a:rPr>
+              <a:t>快速融入新环境</a:t>
+            </a:r>
+            <a:r>
+              <a:rPr lang="zh-CN" altLang="en-US" sz="1400" dirty="0" smtClean="0">
+                <a:latin typeface="微软雅黑" panose="020B0503020204020204" charset="-122"/>
+                <a:ea typeface="微软雅黑" panose="020B0503020204020204" charset="-122"/>
+              </a:rPr>
+              <a:t>）</a:t>
+            </a:r>
+            <a:endParaRPr lang="en-US" altLang="zh-CN" sz="1400" dirty="0">
+              <a:latin typeface="微软雅黑" panose="020B0503020204020204" charset="-122"/>
+              <a:ea typeface="微软雅黑" panose="020B0503020204020204" charset="-122"/>
+            </a:endParaRPr>
           </a:p>
           <a:p>
             <a:pPr indent="0">
@@ -5568,7 +6325,7 @@
               <a:buNone/>
             </a:pPr>
             <a:r>
-              <a:rPr lang="en-US" altLang="zh-CN" sz="1600">
+              <a:rPr lang="en-US" altLang="zh-CN" sz="1400" dirty="0">
                 <a:latin typeface="微软雅黑" panose="020B0503020204020204" charset="-122"/>
                 <a:ea typeface="微软雅黑" panose="020B0503020204020204" charset="-122"/>
               </a:rPr>
@@ -5581,12 +6338,40 @@
               <a:buChar char="Ø"/>
             </a:pPr>
             <a:r>
-              <a:rPr lang="en-US" altLang="zh-CN" sz="1600">
+              <a:rPr lang="zh-CN" altLang="en-US" sz="1400" dirty="0" smtClean="0">
                 <a:latin typeface="微软雅黑" panose="020B0503020204020204" charset="-122"/>
                 <a:ea typeface="微软雅黑" panose="020B0503020204020204" charset="-122"/>
               </a:rPr>
+              <a:t>团队协作能力强（</a:t>
+            </a:r>
+            <a:r>
+              <a:rPr lang="zh-CN" altLang="en-US" sz="1400" dirty="0">
+                <a:solidFill>
+                  <a:srgbClr val="FF0000"/>
+                </a:solidFill>
+                <a:latin typeface="微软雅黑" panose="020B0503020204020204" charset="-122"/>
+                <a:ea typeface="微软雅黑" panose="020B0503020204020204" charset="-122"/>
+              </a:rPr>
+              <a:t>能快速帮助同事开发协作</a:t>
+            </a:r>
+            <a:r>
+              <a:rPr lang="zh-CN" altLang="en-US" sz="1400" dirty="0" smtClean="0">
+                <a:latin typeface="微软雅黑" panose="020B0503020204020204" charset="-122"/>
+                <a:ea typeface="微软雅黑" panose="020B0503020204020204" charset="-122"/>
+              </a:rPr>
+              <a:t>）</a:t>
+            </a:r>
+            <a:r>
+              <a:rPr lang="en-US" altLang="zh-CN" sz="1400" dirty="0" smtClean="0">
+                <a:latin typeface="微软雅黑" panose="020B0503020204020204" charset="-122"/>
+                <a:ea typeface="微软雅黑" panose="020B0503020204020204" charset="-122"/>
+              </a:rPr>
               <a:t> </a:t>
             </a:r>
+            <a:endParaRPr lang="en-US" altLang="zh-CN" sz="1400" dirty="0">
+              <a:latin typeface="微软雅黑" panose="020B0503020204020204" charset="-122"/>
+              <a:ea typeface="微软雅黑" panose="020B0503020204020204" charset="-122"/>
+            </a:endParaRPr>
           </a:p>
           <a:p>
             <a:pPr indent="0">
@@ -5594,7 +6379,7 @@
               <a:buNone/>
             </a:pPr>
             <a:r>
-              <a:rPr lang="en-US" altLang="zh-CN" sz="1600">
+              <a:rPr lang="en-US" altLang="zh-CN" sz="1600" dirty="0">
                 <a:latin typeface="微软雅黑" panose="020B0503020204020204" charset="-122"/>
                 <a:ea typeface="微软雅黑" panose="020B0503020204020204" charset="-122"/>
               </a:rPr>
@@ -5635,12 +6420,23 @@
               <a:buChar char="Ø"/>
             </a:pPr>
             <a:r>
-              <a:rPr lang="en-US" altLang="zh-CN" sz="1600" dirty="0">
+              <a:rPr lang="zh-CN" altLang="en-US" sz="1600" dirty="0" smtClean="0">
                 <a:latin typeface="微软雅黑" panose="020B0503020204020204" charset="-122"/>
                 <a:ea typeface="微软雅黑" panose="020B0503020204020204" charset="-122"/>
               </a:rPr>
+              <a:t>表达沟通能力弱</a:t>
+            </a:r>
+            <a:r>
+              <a:rPr lang="en-US" altLang="zh-CN" sz="1600" dirty="0" smtClean="0">
+                <a:latin typeface="微软雅黑" panose="020B0503020204020204" charset="-122"/>
+                <a:ea typeface="微软雅黑" panose="020B0503020204020204" charset="-122"/>
+              </a:rPr>
               <a:t> </a:t>
             </a:r>
+            <a:endParaRPr lang="en-US" altLang="zh-CN" sz="1600" dirty="0">
+              <a:latin typeface="微软雅黑" panose="020B0503020204020204" charset="-122"/>
+              <a:ea typeface="微软雅黑" panose="020B0503020204020204" charset="-122"/>
+            </a:endParaRPr>
           </a:p>
           <a:p>
             <a:pPr indent="0">
@@ -5667,6 +6463,45 @@
               </a:rPr>
               <a:t> </a:t>
             </a:r>
+            <a:r>
+              <a:rPr lang="zh-CN" altLang="en-US" sz="1600" dirty="0" smtClean="0">
+                <a:latin typeface="微软雅黑" panose="020B0503020204020204" charset="-122"/>
+                <a:ea typeface="微软雅黑" panose="020B0503020204020204" charset="-122"/>
+              </a:rPr>
+              <a:t>文档</a:t>
+            </a:r>
+            <a:r>
+              <a:rPr lang="en-US" altLang="zh-CN" sz="1600" dirty="0" smtClean="0">
+                <a:latin typeface="微软雅黑" panose="020B0503020204020204" charset="-122"/>
+                <a:ea typeface="微软雅黑" panose="020B0503020204020204" charset="-122"/>
+              </a:rPr>
+              <a:t>PPT</a:t>
+            </a:r>
+            <a:r>
+              <a:rPr lang="zh-CN" altLang="en-US" sz="1600" dirty="0" smtClean="0">
+                <a:latin typeface="微软雅黑" panose="020B0503020204020204" charset="-122"/>
+                <a:ea typeface="微软雅黑" panose="020B0503020204020204" charset="-122"/>
+              </a:rPr>
+              <a:t>，</a:t>
+            </a:r>
+            <a:r>
+              <a:rPr lang="en-US" altLang="zh-CN" sz="1600" dirty="0" smtClean="0">
+                <a:latin typeface="微软雅黑" panose="020B0503020204020204" charset="-122"/>
+                <a:ea typeface="微软雅黑" panose="020B0503020204020204" charset="-122"/>
+              </a:rPr>
+              <a:t>Word</a:t>
+            </a:r>
+            <a:r>
+              <a:rPr lang="zh-CN" altLang="en-US" sz="1600" dirty="0" smtClean="0">
+                <a:latin typeface="微软雅黑" panose="020B0503020204020204" charset="-122"/>
+                <a:ea typeface="微软雅黑" panose="020B0503020204020204" charset="-122"/>
+              </a:rPr>
+              <a:t>撰写能力弱</a:t>
+            </a:r>
+            <a:endParaRPr lang="en-US" altLang="zh-CN" sz="1600" dirty="0">
+              <a:latin typeface="微软雅黑" panose="020B0503020204020204" charset="-122"/>
+              <a:ea typeface="微软雅黑" panose="020B0503020204020204" charset="-122"/>
+            </a:endParaRPr>
           </a:p>
           <a:p>
             <a:pPr indent="0">
@@ -5682,17 +6517,10 @@
             </a:r>
           </a:p>
           <a:p>
-            <a:pPr marL="285750" indent="-285750">
-              <a:buFont typeface="Wingdings" panose="05000000000000000000" charset="0"/>
-              <a:buChar char="Ø"/>
-            </a:pPr>
-            <a:r>
-              <a:rPr lang="en-US" altLang="zh-CN" sz="1600" dirty="0">
-                <a:latin typeface="微软雅黑" panose="020B0503020204020204" charset="-122"/>
-                <a:ea typeface="微软雅黑" panose="020B0503020204020204" charset="-122"/>
-              </a:rPr>
-              <a:t> </a:t>
-            </a:r>
+            <a:endParaRPr lang="en-US" altLang="zh-CN" sz="1600" dirty="0">
+              <a:latin typeface="微软雅黑" panose="020B0503020204020204" charset="-122"/>
+              <a:ea typeface="微软雅黑" panose="020B0503020204020204" charset="-122"/>
+            </a:endParaRPr>
           </a:p>
           <a:p>
             <a:pPr indent="0">
@@ -5717,8 +6545,8 @@
         </p:nvSpPr>
         <p:spPr>
           <a:xfrm>
-            <a:off x="1596073" y="3851275"/>
-            <a:ext cx="3845560" cy="1568450"/>
+            <a:off x="1435693" y="3851275"/>
+            <a:ext cx="4005940" cy="2062103"/>
           </a:xfrm>
           <a:prstGeom prst="rect">
             <a:avLst/>
@@ -5741,12 +6569,79 @@
               <a:buChar char="Ø"/>
             </a:pPr>
             <a:r>
-              <a:rPr lang="en-US" altLang="zh-CN" sz="1600">
+              <a:rPr lang="zh-CN" altLang="en-US" sz="1600" dirty="0" smtClean="0">
                 <a:latin typeface="微软雅黑" panose="020B0503020204020204" charset="-122"/>
                 <a:ea typeface="微软雅黑" panose="020B0503020204020204" charset="-122"/>
               </a:rPr>
+              <a:t>随着工业</a:t>
+            </a:r>
+            <a:r>
+              <a:rPr lang="en-US" altLang="zh-CN" sz="1600" dirty="0" smtClean="0">
+                <a:latin typeface="微软雅黑" panose="020B0503020204020204" charset="-122"/>
+                <a:ea typeface="微软雅黑" panose="020B0503020204020204" charset="-122"/>
+              </a:rPr>
+              <a:t>4.0</a:t>
+            </a:r>
+            <a:r>
+              <a:rPr lang="zh-CN" altLang="en-US" sz="1600" dirty="0" smtClean="0">
+                <a:latin typeface="微软雅黑" panose="020B0503020204020204" charset="-122"/>
+                <a:ea typeface="微软雅黑" panose="020B0503020204020204" charset="-122"/>
+              </a:rPr>
+              <a:t>的迅速兴起，工厂智能制造</a:t>
+            </a:r>
+            <a:r>
+              <a:rPr lang="en-US" altLang="zh-CN" sz="1600" dirty="0" smtClean="0">
+                <a:latin typeface="微软雅黑" panose="020B0503020204020204" charset="-122"/>
+                <a:ea typeface="微软雅黑" panose="020B0503020204020204" charset="-122"/>
+              </a:rPr>
+              <a:t>4.0,</a:t>
+            </a:r>
+            <a:r>
+              <a:rPr lang="zh-CN" altLang="en-US" sz="1600" dirty="0" smtClean="0">
+                <a:latin typeface="微软雅黑" panose="020B0503020204020204" charset="-122"/>
+                <a:ea typeface="微软雅黑" panose="020B0503020204020204" charset="-122"/>
+              </a:rPr>
+              <a:t>发展，传统的</a:t>
+            </a:r>
+            <a:r>
+              <a:rPr lang="en-US" altLang="zh-CN" sz="1600" dirty="0" smtClean="0">
+                <a:latin typeface="微软雅黑" panose="020B0503020204020204" charset="-122"/>
+                <a:ea typeface="微软雅黑" panose="020B0503020204020204" charset="-122"/>
+              </a:rPr>
+              <a:t>MES</a:t>
+            </a:r>
+            <a:r>
+              <a:rPr lang="zh-CN" altLang="en-US" sz="1600" dirty="0" smtClean="0">
+                <a:latin typeface="微软雅黑" panose="020B0503020204020204" charset="-122"/>
+                <a:ea typeface="微软雅黑" panose="020B0503020204020204" charset="-122"/>
+              </a:rPr>
+              <a:t>开发功能，也要向着</a:t>
+            </a:r>
+            <a:r>
+              <a:rPr lang="en-US" altLang="zh-CN" sz="1600" dirty="0" smtClean="0">
+                <a:latin typeface="微软雅黑" panose="020B0503020204020204" charset="-122"/>
+                <a:ea typeface="微软雅黑" panose="020B0503020204020204" charset="-122"/>
+              </a:rPr>
+              <a:t>4.0</a:t>
+            </a:r>
+            <a:r>
+              <a:rPr lang="zh-CN" altLang="en-US" sz="1600" dirty="0" smtClean="0">
+                <a:latin typeface="微软雅黑" panose="020B0503020204020204" charset="-122"/>
+                <a:ea typeface="微软雅黑" panose="020B0503020204020204" charset="-122"/>
+              </a:rPr>
+              <a:t>市场需求拓展。采集，视觉等开发，要相应的储备</a:t>
+            </a:r>
+            <a:r>
+              <a:rPr lang="en-US" altLang="zh-CN" sz="1600" dirty="0" smtClean="0">
+                <a:latin typeface="微软雅黑" panose="020B0503020204020204" charset="-122"/>
+                <a:ea typeface="微软雅黑" panose="020B0503020204020204" charset="-122"/>
+              </a:rPr>
               <a:t> </a:t>
             </a:r>
+            <a:endParaRPr lang="en-US" altLang="zh-CN" sz="1600" dirty="0">
+              <a:latin typeface="微软雅黑" panose="020B0503020204020204" charset="-122"/>
+              <a:ea typeface="微软雅黑" panose="020B0503020204020204" charset="-122"/>
+            </a:endParaRPr>
           </a:p>
           <a:p>
             <a:pPr indent="0">
@@ -5754,25 +6649,23 @@
               <a:buNone/>
             </a:pPr>
             <a:r>
-              <a:rPr lang="en-US" altLang="zh-CN" sz="1600">
+              <a:rPr lang="en-US" altLang="zh-CN" sz="1600" dirty="0">
                 <a:latin typeface="微软雅黑" panose="020B0503020204020204" charset="-122"/>
                 <a:ea typeface="微软雅黑" panose="020B0503020204020204" charset="-122"/>
               </a:rPr>
               <a:t> </a:t>
             </a:r>
-          </a:p>
-          <a:p>
-            <a:pPr marL="285750" indent="-285750">
-              <a:buFont typeface="Wingdings" panose="05000000000000000000" charset="0"/>
-              <a:buChar char="Ø"/>
-            </a:pPr>
-            <a:r>
-              <a:rPr lang="en-US" altLang="zh-CN" sz="1600">
+            <a:r>
+              <a:rPr lang="en-US" altLang="zh-CN" sz="1600" dirty="0" smtClean="0">
                 <a:latin typeface="微软雅黑" panose="020B0503020204020204" charset="-122"/>
                 <a:ea typeface="微软雅黑" panose="020B0503020204020204" charset="-122"/>
               </a:rPr>
               <a:t> </a:t>
             </a:r>
+            <a:endParaRPr lang="en-US" altLang="zh-CN" sz="1600" dirty="0">
+              <a:latin typeface="微软雅黑" panose="020B0503020204020204" charset="-122"/>
+              <a:ea typeface="微软雅黑" panose="020B0503020204020204" charset="-122"/>
+            </a:endParaRPr>
           </a:p>
           <a:p>
             <a:pPr indent="0">
@@ -5780,7 +6673,7 @@
               <a:buNone/>
             </a:pPr>
             <a:r>
-              <a:rPr lang="en-US" altLang="zh-CN" sz="1600">
+              <a:rPr lang="en-US" altLang="zh-CN" sz="1600" dirty="0">
                 <a:latin typeface="微软雅黑" panose="020B0503020204020204" charset="-122"/>
                 <a:ea typeface="微软雅黑" panose="020B0503020204020204" charset="-122"/>
               </a:rPr>
@@ -5788,17 +6681,10 @@
             </a:r>
           </a:p>
           <a:p>
-            <a:pPr marL="285750" indent="-285750">
-              <a:buFont typeface="Wingdings" panose="05000000000000000000" charset="0"/>
-              <a:buChar char="Ø"/>
-            </a:pPr>
-            <a:r>
-              <a:rPr lang="en-US" altLang="zh-CN" sz="1600">
-                <a:latin typeface="微软雅黑" panose="020B0503020204020204" charset="-122"/>
-                <a:ea typeface="微软雅黑" panose="020B0503020204020204" charset="-122"/>
-              </a:rPr>
-              <a:t> </a:t>
-            </a:r>
+            <a:endParaRPr lang="en-US" altLang="zh-CN" sz="1600" dirty="0">
+              <a:latin typeface="微软雅黑" panose="020B0503020204020204" charset="-122"/>
+              <a:ea typeface="微软雅黑" panose="020B0503020204020204" charset="-122"/>
+            </a:endParaRPr>
           </a:p>
           <a:p>
             <a:pPr indent="0">
@@ -5806,7 +6692,7 @@
               <a:buNone/>
             </a:pPr>
             <a:r>
-              <a:rPr lang="en-US" altLang="zh-CN" sz="1600">
+              <a:rPr lang="en-US" altLang="zh-CN" sz="1600" dirty="0">
                 <a:latin typeface="微软雅黑" panose="020B0503020204020204" charset="-122"/>
                 <a:ea typeface="微软雅黑" panose="020B0503020204020204" charset="-122"/>
               </a:rPr>
@@ -5824,7 +6710,7 @@
         <p:spPr>
           <a:xfrm>
             <a:off x="5807710" y="3824605"/>
-            <a:ext cx="3845560" cy="1568450"/>
+            <a:ext cx="3845560" cy="2062103"/>
           </a:xfrm>
           <a:prstGeom prst="rect">
             <a:avLst/>
@@ -5847,12 +6733,37 @@
               <a:buChar char="Ø"/>
             </a:pPr>
             <a:r>
-              <a:rPr lang="en-US" altLang="zh-CN" sz="1600">
+              <a:rPr lang="zh-CN" altLang="en-US" sz="1600" dirty="0" smtClean="0">
                 <a:latin typeface="微软雅黑" panose="020B0503020204020204" charset="-122"/>
                 <a:ea typeface="微软雅黑" panose="020B0503020204020204" charset="-122"/>
               </a:rPr>
+              <a:t>随着</a:t>
+            </a:r>
+            <a:r>
+              <a:rPr lang="en-US" altLang="zh-CN" sz="1600" dirty="0" smtClean="0">
+                <a:latin typeface="微软雅黑" panose="020B0503020204020204" charset="-122"/>
+                <a:ea typeface="微软雅黑" panose="020B0503020204020204" charset="-122"/>
+              </a:rPr>
+              <a:t>IT</a:t>
+            </a:r>
+            <a:r>
+              <a:rPr lang="zh-CN" altLang="en-US" sz="1600" dirty="0" smtClean="0">
+                <a:latin typeface="微软雅黑" panose="020B0503020204020204" charset="-122"/>
+                <a:ea typeface="微软雅黑" panose="020B0503020204020204" charset="-122"/>
+              </a:rPr>
+              <a:t>行业从业人员越来越多，年轻化增加，年龄压力越来越有威胁</a:t>
+            </a:r>
+            <a:r>
+              <a:rPr lang="en-US" altLang="zh-CN" sz="1600" dirty="0" smtClean="0">
+                <a:latin typeface="微软雅黑" panose="020B0503020204020204" charset="-122"/>
+                <a:ea typeface="微软雅黑" panose="020B0503020204020204" charset="-122"/>
+              </a:rPr>
               <a:t> </a:t>
             </a:r>
+            <a:endParaRPr lang="en-US" altLang="zh-CN" sz="1600" dirty="0">
+              <a:latin typeface="微软雅黑" panose="020B0503020204020204" charset="-122"/>
+              <a:ea typeface="微软雅黑" panose="020B0503020204020204" charset="-122"/>
+            </a:endParaRPr>
           </a:p>
           <a:p>
             <a:pPr indent="0">
@@ -5860,7 +6771,7 @@
               <a:buNone/>
             </a:pPr>
             <a:r>
-              <a:rPr lang="en-US" altLang="zh-CN" sz="1600">
+              <a:rPr lang="en-US" altLang="zh-CN" sz="1600" dirty="0">
                 <a:latin typeface="微软雅黑" panose="020B0503020204020204" charset="-122"/>
                 <a:ea typeface="微软雅黑" panose="020B0503020204020204" charset="-122"/>
               </a:rPr>
@@ -5873,12 +6784,23 @@
               <a:buChar char="Ø"/>
             </a:pPr>
             <a:r>
-              <a:rPr lang="en-US" altLang="zh-CN" sz="1600">
+              <a:rPr lang="en-US" altLang="zh-CN" sz="1600" dirty="0">
                 <a:latin typeface="微软雅黑" panose="020B0503020204020204" charset="-122"/>
                 <a:ea typeface="微软雅黑" panose="020B0503020204020204" charset="-122"/>
               </a:rPr>
               <a:t> </a:t>
             </a:r>
+            <a:r>
+              <a:rPr lang="zh-CN" altLang="en-US" sz="1600" dirty="0" smtClean="0">
+                <a:latin typeface="微软雅黑" panose="020B0503020204020204" charset="-122"/>
+                <a:ea typeface="微软雅黑" panose="020B0503020204020204" charset="-122"/>
+              </a:rPr>
+              <a:t>明确好发展方向，不断的努力提升自己，才能发挥所用</a:t>
+            </a:r>
+            <a:endParaRPr lang="en-US" altLang="zh-CN" sz="1600" dirty="0">
+              <a:latin typeface="微软雅黑" panose="020B0503020204020204" charset="-122"/>
+              <a:ea typeface="微软雅黑" panose="020B0503020204020204" charset="-122"/>
+            </a:endParaRPr>
           </a:p>
           <a:p>
             <a:pPr indent="0">
@@ -5886,7 +6808,7 @@
               <a:buNone/>
             </a:pPr>
             <a:r>
-              <a:rPr lang="en-US" altLang="zh-CN" sz="1600">
+              <a:rPr lang="en-US" altLang="zh-CN" sz="1600" dirty="0">
                 <a:latin typeface="微软雅黑" panose="020B0503020204020204" charset="-122"/>
                 <a:ea typeface="微软雅黑" panose="020B0503020204020204" charset="-122"/>
               </a:rPr>
@@ -5894,17 +6816,10 @@
             </a:r>
           </a:p>
           <a:p>
-            <a:pPr marL="285750" indent="-285750">
-              <a:buFont typeface="Wingdings" panose="05000000000000000000" charset="0"/>
-              <a:buChar char="Ø"/>
-            </a:pPr>
-            <a:r>
-              <a:rPr lang="en-US" altLang="zh-CN" sz="1600">
-                <a:latin typeface="微软雅黑" panose="020B0503020204020204" charset="-122"/>
-                <a:ea typeface="微软雅黑" panose="020B0503020204020204" charset="-122"/>
-              </a:rPr>
-              <a:t> </a:t>
-            </a:r>
+            <a:endParaRPr lang="en-US" altLang="zh-CN" sz="1600" dirty="0">
+              <a:latin typeface="微软雅黑" panose="020B0503020204020204" charset="-122"/>
+              <a:ea typeface="微软雅黑" panose="020B0503020204020204" charset="-122"/>
+            </a:endParaRPr>
           </a:p>
           <a:p>
             <a:pPr indent="0">
@@ -5912,7 +6827,7 @@
               <a:buNone/>
             </a:pPr>
             <a:r>
-              <a:rPr lang="en-US" altLang="zh-CN" sz="1600">
+              <a:rPr lang="en-US" altLang="zh-CN" sz="1600" dirty="0">
                 <a:latin typeface="微软雅黑" panose="020B0503020204020204" charset="-122"/>
                 <a:ea typeface="微软雅黑" panose="020B0503020204020204" charset="-122"/>
               </a:rPr>
@@ -5926,10 +6841,17 @@
   <p:clrMapOvr>
     <a:overrideClrMapping bg1="lt1" tx1="dk1" bg2="lt2" tx2="dk2" accent1="accent1" accent2="accent2" accent3="accent3" accent4="accent4" accent5="accent5" accent6="accent6" hlink="hlink" folHlink="folHlink"/>
   </p:clrMapOvr>
+  <p:timing>
+    <p:tnLst>
+      <p:par>
+        <p:cTn id="1" dur="indefinite" restart="never" nodeType="tmRoot"/>
+      </p:par>
+    </p:tnLst>
+  </p:timing>
 </p:sld>
 </file>
 
-<file path=ppt/slides/slide21.xml><?xml version="1.0" encoding="utf-8"?>
+<file path=ppt/slides/slide22.xml><?xml version="1.0" encoding="utf-8"?>
 <p:sld xmlns:a="http://schemas.openxmlformats.org/drawingml/2006/main" xmlns:r="http://schemas.openxmlformats.org/officeDocument/2006/relationships" xmlns:p="http://schemas.openxmlformats.org/presentationml/2006/main">
   <p:cSld>
     <p:spTree>
@@ -7143,6 +8065,13 @@
     <a:masterClrMapping/>
   </p:clrMapOvr>
   <p:transition/>
+  <p:timing>
+    <p:tnLst>
+      <p:par>
+        <p:cTn id="1" dur="indefinite" restart="never" nodeType="tmRoot"/>
+      </p:par>
+    </p:tnLst>
+  </p:timing>
 </p:sld>
 </file>
 
@@ -7537,7 +8466,7 @@
                 <a:cs typeface="+mn-ea"/>
                 <a:sym typeface="+mn-lt"/>
               </a:rPr>
-              <a:t>生成模块：上料表管理，上料，下料，过站扫描，退料通知单，包装作业</a:t>
+              <a:t>生成模块：上料表管理，上料，下料，过站扫描，退料通知单，包装作业，拆箱</a:t>
             </a:r>
             <a:endParaRPr lang="en-US" altLang="zh-CN" sz="1600" b="1" dirty="0">
               <a:solidFill>
@@ -8082,7 +9011,7 @@
           <a:lstStyle/>
           <a:p>
             <a:r>
-              <a:rPr lang="en-US" altLang="zh-CN" sz="3000" b="1">
+              <a:rPr lang="en-US" altLang="zh-CN" sz="3000" b="1" dirty="0">
                 <a:solidFill>
                   <a:srgbClr val="0070C0"/>
                 </a:solidFill>
@@ -8093,7 +9022,7 @@
               <a:t>1</a:t>
             </a:r>
             <a:r>
-              <a:rPr lang="zh-CN" altLang="en-US" sz="3000" b="1">
+              <a:rPr lang="zh-CN" altLang="en-US" sz="3000" b="1" dirty="0">
                 <a:solidFill>
                   <a:srgbClr val="0070C0"/>
                 </a:solidFill>
@@ -8104,7 +9033,7 @@
               <a:t>、自我介绍</a:t>
             </a:r>
             <a:r>
-              <a:rPr lang="en-US" altLang="zh-CN" sz="3000" b="1">
+              <a:rPr lang="en-US" altLang="zh-CN" sz="3000" b="1" dirty="0">
                 <a:solidFill>
                   <a:srgbClr val="0070C0"/>
                 </a:solidFill>
@@ -8115,7 +9044,7 @@
               <a:t>-</a:t>
             </a:r>
             <a:r>
-              <a:rPr lang="zh-CN" altLang="en-US" sz="3000" b="1">
+              <a:rPr lang="zh-CN" altLang="en-US" sz="3000" b="1" dirty="0">
                 <a:solidFill>
                   <a:srgbClr val="0070C0"/>
                 </a:solidFill>
@@ -8176,24 +9105,14 @@
               <a:t>：</a:t>
             </a:r>
             <a:r>
-              <a:rPr lang="zh-CN" altLang="en-US" sz="1600" dirty="0">
+              <a:rPr lang="zh-CN" altLang="en-US" sz="1600" dirty="0" smtClean="0">
                 <a:solidFill>
                   <a:schemeClr val="bg1"/>
                 </a:solidFill>
                 <a:cs typeface="+mn-ea"/>
                 <a:sym typeface="+mn-lt"/>
               </a:rPr>
-              <a:t>中</a:t>
-            </a:r>
-            <a:r>
-              <a:rPr lang="zh-CN" altLang="en-US" sz="1600" dirty="0" smtClean="0">
-                <a:solidFill>
-                  <a:schemeClr val="bg1"/>
-                </a:solidFill>
-                <a:cs typeface="+mn-ea"/>
-                <a:sym typeface="+mn-lt"/>
-              </a:rPr>
-              <a:t>软国际有限公司</a:t>
+              <a:t>广东中德电缆有限公司</a:t>
             </a:r>
             <a:endParaRPr lang="en-US" altLang="zh-CN" sz="1600" dirty="0">
               <a:solidFill>
@@ -8473,7 +9392,7 @@
                 <a:cs typeface="+mn-ea"/>
                 <a:sym typeface="+mn-lt"/>
               </a:rPr>
-              <a:t>生成数据看板的报表开发</a:t>
+              <a:t>生成数据看板的报表接口开发</a:t>
             </a:r>
             <a:endParaRPr lang="en-US" altLang="zh-CN" sz="1600" dirty="0">
               <a:solidFill>
@@ -8526,24 +9445,48 @@
           <a:p>
             <a:pPr lvl="0" algn="l"/>
             <a:r>
-              <a:rPr lang="en-US" altLang="zh-CN" sz="1600" dirty="0">
+              <a:rPr lang="en-US" altLang="zh-CN" sz="1600" dirty="0" smtClean="0">
                 <a:solidFill>
                   <a:schemeClr val="tx1"/>
                 </a:solidFill>
                 <a:cs typeface="+mn-ea"/>
                 <a:sym typeface="+mn-lt"/>
               </a:rPr>
-              <a:t>1</a:t>
+              <a:t>1.</a:t>
             </a:r>
             <a:r>
               <a:rPr lang="en-US" altLang="zh-CN" sz="1600" dirty="0" smtClean="0">
+                <a:cs typeface="+mn-ea"/>
+                <a:sym typeface="+mn-lt"/>
+              </a:rPr>
+              <a:t>OA</a:t>
+            </a:r>
+            <a:r>
+              <a:rPr lang="zh-CN" altLang="en-US" sz="1600" dirty="0" smtClean="0">
+                <a:cs typeface="+mn-ea"/>
+                <a:sym typeface="+mn-lt"/>
+              </a:rPr>
+              <a:t>系统的二次开发</a:t>
+            </a:r>
+            <a:endParaRPr lang="en-US" altLang="zh-CN" sz="1600" dirty="0" smtClean="0">
+              <a:solidFill>
+                <a:schemeClr val="tx1"/>
+              </a:solidFill>
+              <a:cs typeface="+mn-ea"/>
+              <a:sym typeface="+mn-lt"/>
+            </a:endParaRPr>
+          </a:p>
+          <a:p>
+            <a:pPr lvl="0" algn="l"/>
+            <a:r>
+              <a:rPr lang="en-US" altLang="zh-CN" sz="1600" dirty="0" smtClean="0">
                 <a:solidFill>
                   <a:schemeClr val="tx1"/>
                 </a:solidFill>
                 <a:cs typeface="+mn-ea"/>
                 <a:sym typeface="+mn-lt"/>
               </a:rPr>
-              <a:t>.</a:t>
+              <a:t>2.</a:t>
             </a:r>
             <a:r>
               <a:rPr lang="zh-CN" altLang="en-US" sz="1600" dirty="0" smtClean="0">
@@ -8553,7 +9496,57 @@
                 <a:cs typeface="+mn-ea"/>
                 <a:sym typeface="+mn-lt"/>
               </a:rPr>
-              <a:t>负责饼图的开发</a:t>
+              <a:t>参与邮件系统，与服务器的搭建</a:t>
+            </a:r>
+            <a:endParaRPr lang="en-US" altLang="zh-CN" sz="1600" dirty="0" smtClean="0">
+              <a:solidFill>
+                <a:schemeClr val="tx1"/>
+              </a:solidFill>
+              <a:cs typeface="+mn-ea"/>
+              <a:sym typeface="+mn-lt"/>
+            </a:endParaRPr>
+          </a:p>
+          <a:p>
+            <a:pPr lvl="0" algn="l"/>
+            <a:r>
+              <a:rPr lang="en-US" altLang="zh-CN" sz="1600" dirty="0" smtClean="0">
+                <a:solidFill>
+                  <a:schemeClr val="tx1"/>
+                </a:solidFill>
+                <a:cs typeface="+mn-ea"/>
+                <a:sym typeface="+mn-lt"/>
+              </a:rPr>
+              <a:t>4.OA</a:t>
+            </a:r>
+            <a:r>
+              <a:rPr lang="zh-CN" altLang="en-US" sz="1600" dirty="0" smtClean="0">
+                <a:solidFill>
+                  <a:schemeClr val="tx1"/>
+                </a:solidFill>
+                <a:cs typeface="+mn-ea"/>
+                <a:sym typeface="+mn-lt"/>
+              </a:rPr>
+              <a:t>存储过程，</a:t>
+            </a:r>
+            <a:r>
+              <a:rPr lang="en-US" altLang="zh-CN" sz="1600" dirty="0" smtClean="0">
+                <a:solidFill>
+                  <a:schemeClr val="tx1"/>
+                </a:solidFill>
+                <a:cs typeface="+mn-ea"/>
+                <a:sym typeface="+mn-lt"/>
+              </a:rPr>
+              <a:t>SQL</a:t>
+            </a:r>
+            <a:r>
+              <a:rPr lang="zh-CN" altLang="en-US" sz="1600" dirty="0" smtClean="0">
+                <a:solidFill>
+                  <a:schemeClr val="tx1"/>
+                </a:solidFill>
+                <a:cs typeface="+mn-ea"/>
+                <a:sym typeface="+mn-lt"/>
+              </a:rPr>
+              <a:t>的编写</a:t>
             </a:r>
             <a:endParaRPr lang="en-US" altLang="zh-CN" sz="1600" dirty="0">
               <a:solidFill>
@@ -8573,7 +9566,7 @@
                 <a:cs typeface="+mn-ea"/>
                 <a:sym typeface="+mn-lt"/>
               </a:rPr>
-              <a:t>2.</a:t>
+              <a:t>5.EDM</a:t>
             </a:r>
             <a:r>
               <a:rPr lang="zh-CN" altLang="en-US" sz="1600" dirty="0" smtClean="0">
@@ -8583,24 +9576,7 @@
                 <a:cs typeface="+mn-ea"/>
                 <a:sym typeface="+mn-lt"/>
               </a:rPr>
-              <a:t>研究</a:t>
-            </a:r>
-            <a:r>
-              <a:rPr lang="en-US" altLang="zh-CN" sz="1600" dirty="0" err="1" smtClean="0">
-                <a:solidFill>
-                  <a:schemeClr val="tx1"/>
-                </a:solidFill>
-                <a:cs typeface="+mn-ea"/>
-                <a:sym typeface="+mn-lt"/>
-              </a:rPr>
-              <a:t>OpenXML</a:t>
-            </a:r>
-            <a:r>
-              <a:rPr lang="zh-CN" altLang="en-US" sz="1600" dirty="0" smtClean="0">
-                <a:cs typeface="+mn-ea"/>
-                <a:sym typeface="+mn-lt"/>
-              </a:rPr>
-              <a:t>的使用</a:t>
+              <a:t>系统的开发</a:t>
             </a:r>
             <a:endParaRPr lang="en-US" altLang="zh-CN" sz="1600" dirty="0">
               <a:solidFill>
@@ -8609,39 +9585,6 @@
               <a:cs typeface="+mn-ea"/>
               <a:sym typeface="+mn-lt"/>
             </a:endParaRPr>
-          </a:p>
-          <a:p>
-            <a:pPr lvl="0" algn="l"/>
-            <a:r>
-              <a:rPr lang="en-US" altLang="zh-CN" sz="1600" dirty="0" smtClean="0">
-                <a:solidFill>
-                  <a:schemeClr val="tx1"/>
-                </a:solidFill>
-                <a:cs typeface="+mn-ea"/>
-                <a:sym typeface="+mn-lt"/>
-              </a:rPr>
-              <a:t>4.</a:t>
-            </a:r>
-            <a:endParaRPr lang="en-US" altLang="zh-CN" sz="1600" dirty="0">
-              <a:solidFill>
-                <a:schemeClr val="tx1"/>
-              </a:solidFill>
-              <a:cs typeface="+mn-ea"/>
-              <a:sym typeface="+mn-lt"/>
-            </a:endParaRPr>
-          </a:p>
-          <a:p>
-            <a:pPr lvl="0" algn="l"/>
-            <a:r>
-              <a:rPr lang="en-US" altLang="zh-CN" sz="1600" dirty="0">
-                <a:solidFill>
-                  <a:schemeClr val="tx1"/>
-                </a:solidFill>
-                <a:cs typeface="+mn-ea"/>
-                <a:sym typeface="+mn-lt"/>
-              </a:rPr>
-              <a:t>5.</a:t>
-            </a:r>
           </a:p>
         </p:txBody>
       </p:sp>
@@ -8814,7 +9757,17 @@
                 <a:cs typeface="+mn-ea"/>
                 <a:sym typeface="+mn-lt"/>
               </a:rPr>
-              <a:t>时间：</a:t>
+              <a:t>时间</a:t>
+            </a:r>
+            <a:r>
+              <a:rPr lang="zh-CN" altLang="en-US" sz="2000" dirty="0" smtClean="0">
+                <a:solidFill>
+                  <a:schemeClr val="bg1"/>
+                </a:solidFill>
+                <a:cs typeface="+mn-ea"/>
+                <a:sym typeface="+mn-lt"/>
+              </a:rPr>
+              <a:t>：</a:t>
             </a:r>
             <a:r>
               <a:rPr lang="en-US" altLang="zh-CN" sz="1600" dirty="0" smtClean="0">
@@ -8824,7 +9777,7 @@
                 <a:cs typeface="+mn-ea"/>
                 <a:sym typeface="+mn-lt"/>
               </a:rPr>
-              <a:t>2022.03-2022.08</a:t>
+              <a:t>2017.11-2019.03</a:t>
             </a:r>
             <a:endParaRPr lang="en-US" altLang="zh-CN" sz="1600" dirty="0">
               <a:solidFill>
@@ -8966,7 +9919,7 @@
           <a:lstStyle/>
           <a:p>
             <a:r>
-              <a:rPr lang="en-US" altLang="zh-CN" sz="3000" b="1">
+              <a:rPr lang="en-US" altLang="zh-CN" sz="3000" b="1" dirty="0">
                 <a:solidFill>
                   <a:srgbClr val="0070C0"/>
                 </a:solidFill>
@@ -8977,7 +9930,7 @@
               <a:t>2</a:t>
             </a:r>
             <a:r>
-              <a:rPr lang="zh-CN" altLang="en-US" sz="3000" b="1">
+              <a:rPr lang="zh-CN" altLang="en-US" sz="3000" b="1" dirty="0">
                 <a:solidFill>
                   <a:srgbClr val="0070C0"/>
                 </a:solidFill>
@@ -8992,14 +9945,477 @@
       </p:sp>
       <p:sp>
         <p:nvSpPr>
-          <p:cNvPr id="8" name="文本框 7"/>
+          <p:cNvPr id="6" name="矩形 5"/>
+          <p:cNvSpPr/>
+          <p:nvPr/>
+        </p:nvSpPr>
+        <p:spPr>
+          <a:xfrm>
+            <a:off x="479743" y="1077227"/>
+            <a:ext cx="10937240" cy="4949825"/>
+          </a:xfrm>
+          <a:prstGeom prst="rect">
+            <a:avLst/>
+          </a:prstGeom>
+          <a:ln/>
+        </p:spPr>
+        <p:style>
+          <a:lnRef idx="2">
+            <a:schemeClr val="accent3"/>
+          </a:lnRef>
+          <a:fillRef idx="1">
+            <a:schemeClr val="lt1"/>
+          </a:fillRef>
+          <a:effectRef idx="0">
+            <a:schemeClr val="accent3"/>
+          </a:effectRef>
+          <a:fontRef idx="minor">
+            <a:schemeClr val="dk1"/>
+          </a:fontRef>
+        </p:style>
+        <p:txBody>
+          <a:bodyPr rtlCol="0" anchor="ctr"/>
+          <a:lstStyle/>
+          <a:p>
+            <a:pPr algn="ctr"/>
+            <a:endParaRPr lang="zh-CN" altLang="en-US" dirty="0">
+              <a:cs typeface="+mn-ea"/>
+              <a:sym typeface="+mn-lt"/>
+            </a:endParaRPr>
+          </a:p>
+        </p:txBody>
+      </p:sp>
+      <p:sp>
+        <p:nvSpPr>
+          <p:cNvPr id="4" name="文本框 3"/>
           <p:cNvSpPr txBox="1"/>
           <p:nvPr/>
         </p:nvSpPr>
         <p:spPr>
           <a:xfrm>
-            <a:off x="626110" y="939523"/>
-            <a:ext cx="6704965" cy="646331"/>
+            <a:off x="743486" y="1615154"/>
+            <a:ext cx="10528418" cy="3631763"/>
+          </a:xfrm>
+          <a:prstGeom prst="rect">
+            <a:avLst/>
+          </a:prstGeom>
+          <a:noFill/>
+        </p:spPr>
+        <p:txBody>
+          <a:bodyPr wrap="square" rtlCol="0">
+            <a:spAutoFit/>
+          </a:bodyPr>
+          <a:lstStyle/>
+          <a:p>
+            <a:r>
+              <a:rPr lang="en-US" altLang="zh-CN" sz="1600" dirty="0" smtClean="0">
+                <a:solidFill>
+                  <a:srgbClr val="FF0000"/>
+                </a:solidFill>
+                <a:ea typeface="宋体" panose="02010600030101010101" pitchFamily="2" charset="-122"/>
+                <a:cs typeface="+mn-ea"/>
+              </a:rPr>
+              <a:t>1.</a:t>
+            </a:r>
+            <a:r>
+              <a:rPr lang="zh-CN" altLang="en-US" sz="1600" dirty="0" smtClean="0">
+                <a:solidFill>
+                  <a:srgbClr val="FF0000"/>
+                </a:solidFill>
+                <a:ea typeface="宋体" panose="02010600030101010101" pitchFamily="2" charset="-122"/>
+                <a:cs typeface="+mn-ea"/>
+              </a:rPr>
+              <a:t>智能产</a:t>
+            </a:r>
+            <a:r>
+              <a:rPr lang="zh-CN" altLang="en-US" sz="1600" dirty="0">
+                <a:solidFill>
+                  <a:srgbClr val="FF0000"/>
+                </a:solidFill>
+                <a:ea typeface="宋体" panose="02010600030101010101" pitchFamily="2" charset="-122"/>
+                <a:cs typeface="+mn-ea"/>
+              </a:rPr>
+              <a:t>线管理平台</a:t>
+            </a:r>
+            <a:endParaRPr lang="en-US" altLang="zh-CN" sz="1600" dirty="0">
+              <a:solidFill>
+                <a:srgbClr val="FF0000"/>
+              </a:solidFill>
+              <a:ea typeface="宋体" panose="02010600030101010101" pitchFamily="2" charset="-122"/>
+              <a:cs typeface="+mn-ea"/>
+            </a:endParaRPr>
+          </a:p>
+          <a:p>
+            <a:pPr marL="342900" indent="-342900">
+              <a:spcBef>
+                <a:spcPts val="1200"/>
+              </a:spcBef>
+              <a:buFont typeface="+mj-ea"/>
+              <a:buAutoNum type="circleNumDbPlain"/>
+            </a:pPr>
+            <a:r>
+              <a:rPr lang="zh-CN" altLang="en-US" sz="1600" dirty="0">
+                <a:ea typeface="宋体" panose="02010600030101010101" pitchFamily="2" charset="-122"/>
+                <a:cs typeface="+mn-ea"/>
+              </a:rPr>
+              <a:t>仓储模块</a:t>
+            </a:r>
+            <a:r>
+              <a:rPr lang="zh-CN" altLang="en-US" sz="1600" dirty="0">
+                <a:ea typeface="宋体" panose="02010600030101010101" pitchFamily="2" charset="-122"/>
+                <a:cs typeface="+mn-ea"/>
+              </a:rPr>
+              <a:t>：</a:t>
+            </a:r>
+            <a:r>
+              <a:rPr lang="zh-CN" altLang="en-US" sz="1600" dirty="0">
+                <a:ea typeface="宋体" panose="02010600030101010101" pitchFamily="2" charset="-122"/>
+                <a:cs typeface="+mn-ea"/>
+              </a:rPr>
+              <a:t>包括出入库单据，库存查询，仓库的备料功能，以及上料功能</a:t>
+            </a:r>
+            <a:endParaRPr lang="en-US" altLang="zh-CN" sz="1600" dirty="0">
+              <a:ea typeface="宋体" panose="02010600030101010101" pitchFamily="2" charset="-122"/>
+              <a:cs typeface="+mn-ea"/>
+            </a:endParaRPr>
+          </a:p>
+          <a:p>
+            <a:pPr marL="342900" indent="-342900">
+              <a:spcBef>
+                <a:spcPts val="1200"/>
+              </a:spcBef>
+              <a:buFont typeface="+mj-ea"/>
+              <a:buAutoNum type="circleNumDbPlain"/>
+            </a:pPr>
+            <a:r>
+              <a:rPr lang="zh-CN" altLang="en-US" sz="1600" dirty="0">
+                <a:ea typeface="宋体" panose="02010600030101010101" pitchFamily="2" charset="-122"/>
+                <a:cs typeface="+mn-ea"/>
+              </a:rPr>
+              <a:t>设备管理模块</a:t>
+            </a:r>
+            <a:r>
+              <a:rPr lang="zh-CN" altLang="en-US" sz="1600" dirty="0">
+                <a:ea typeface="宋体" panose="02010600030101010101" pitchFamily="2" charset="-122"/>
+                <a:cs typeface="+mn-ea"/>
+              </a:rPr>
+              <a:t>： </a:t>
+            </a:r>
+            <a:r>
+              <a:rPr lang="zh-CN" altLang="en-US" sz="1600" dirty="0">
+                <a:ea typeface="宋体" panose="02010600030101010101" pitchFamily="2" charset="-122"/>
+                <a:cs typeface="+mn-ea"/>
+              </a:rPr>
+              <a:t>设备的维修申请单，物料申请及更换</a:t>
+            </a:r>
+            <a:endParaRPr lang="en-US" altLang="zh-CN" sz="1600" dirty="0">
+              <a:ea typeface="宋体" panose="02010600030101010101" pitchFamily="2" charset="-122"/>
+              <a:cs typeface="+mn-ea"/>
+            </a:endParaRPr>
+          </a:p>
+          <a:p>
+            <a:pPr marL="342900" indent="-342900">
+              <a:lnSpc>
+                <a:spcPct val="150000"/>
+              </a:lnSpc>
+              <a:spcBef>
+                <a:spcPts val="1200"/>
+              </a:spcBef>
+              <a:buFont typeface="+mj-ea"/>
+              <a:buAutoNum type="circleNumDbPlain"/>
+            </a:pPr>
+            <a:r>
+              <a:rPr lang="zh-CN" altLang="en-US" sz="1600" dirty="0">
+                <a:ea typeface="宋体" panose="02010600030101010101" pitchFamily="2" charset="-122"/>
+                <a:cs typeface="+mn-ea"/>
+              </a:rPr>
+              <a:t>生成管理模块：条码的过站功能，上料下料的逻辑，退料通知单，及包装过站作业逻辑，和拆箱的逻辑，以及上料表管理，相关过站的</a:t>
+            </a:r>
+            <a:r>
+              <a:rPr lang="en-US" altLang="zh-CN" sz="1600" dirty="0" err="1">
+                <a:ea typeface="宋体" panose="02010600030101010101" pitchFamily="2" charset="-122"/>
+                <a:cs typeface="+mn-ea"/>
+              </a:rPr>
+              <a:t>WebApi</a:t>
+            </a:r>
+            <a:r>
+              <a:rPr lang="zh-CN" altLang="en-US" sz="1600" dirty="0">
+                <a:ea typeface="宋体" panose="02010600030101010101" pitchFamily="2" charset="-122"/>
+                <a:cs typeface="+mn-ea"/>
+              </a:rPr>
+              <a:t>接口开发</a:t>
+            </a:r>
+            <a:endParaRPr lang="en-US" altLang="zh-CN" sz="1600" dirty="0">
+              <a:ea typeface="宋体" panose="02010600030101010101" pitchFamily="2" charset="-122"/>
+              <a:cs typeface="+mn-ea"/>
+            </a:endParaRPr>
+          </a:p>
+          <a:p>
+            <a:pPr marL="342900" indent="-342900">
+              <a:spcBef>
+                <a:spcPts val="1200"/>
+              </a:spcBef>
+              <a:buFont typeface="+mj-ea"/>
+              <a:buAutoNum type="circleNumDbPlain"/>
+            </a:pPr>
+            <a:r>
+              <a:rPr lang="zh-CN" altLang="en-US" sz="1600" dirty="0">
+                <a:ea typeface="宋体" panose="02010600030101010101" pitchFamily="2" charset="-122"/>
+                <a:cs typeface="+mn-ea"/>
+              </a:rPr>
+              <a:t>品质</a:t>
+            </a:r>
+            <a:r>
+              <a:rPr lang="zh-CN" altLang="en-US" sz="1600" dirty="0">
+                <a:ea typeface="宋体" panose="02010600030101010101" pitchFamily="2" charset="-122"/>
+                <a:cs typeface="+mn-ea"/>
+              </a:rPr>
+              <a:t>管理：</a:t>
+            </a:r>
+            <a:r>
+              <a:rPr lang="zh-CN" altLang="en-US" sz="1600" dirty="0">
+                <a:ea typeface="宋体" panose="02010600030101010101" pitchFamily="2" charset="-122"/>
+                <a:cs typeface="+mn-ea"/>
+              </a:rPr>
+              <a:t>条码的</a:t>
+            </a:r>
+            <a:r>
+              <a:rPr lang="en-US" altLang="zh-CN" sz="1600" dirty="0">
+                <a:ea typeface="宋体" panose="02010600030101010101" pitchFamily="2" charset="-122"/>
+                <a:cs typeface="+mn-ea"/>
+              </a:rPr>
+              <a:t>SN</a:t>
+            </a:r>
+            <a:r>
+              <a:rPr lang="zh-CN" altLang="en-US" sz="1600" dirty="0">
+                <a:ea typeface="宋体" panose="02010600030101010101" pitchFamily="2" charset="-122"/>
+                <a:cs typeface="+mn-ea"/>
+              </a:rPr>
+              <a:t>锁定</a:t>
+            </a:r>
+            <a:r>
+              <a:rPr lang="zh-CN" altLang="en-US" sz="1600" dirty="0">
+                <a:ea typeface="宋体" panose="02010600030101010101" pitchFamily="2" charset="-122"/>
+                <a:cs typeface="+mn-ea"/>
+              </a:rPr>
+              <a:t>功能逻辑</a:t>
+            </a:r>
+            <a:endParaRPr lang="en-US" altLang="zh-CN" sz="1600" dirty="0">
+              <a:ea typeface="宋体" panose="02010600030101010101" pitchFamily="2" charset="-122"/>
+              <a:cs typeface="+mn-ea"/>
+            </a:endParaRPr>
+          </a:p>
+          <a:p>
+            <a:pPr marL="342900" indent="-342900">
+              <a:spcBef>
+                <a:spcPts val="1200"/>
+              </a:spcBef>
+              <a:buFont typeface="+mj-ea"/>
+              <a:buAutoNum type="circleNumDbPlain"/>
+            </a:pPr>
+            <a:r>
+              <a:rPr lang="zh-CN" altLang="en-US" sz="1600" dirty="0">
+                <a:ea typeface="宋体" panose="02010600030101010101" pitchFamily="2" charset="-122"/>
+                <a:cs typeface="+mn-ea"/>
+              </a:rPr>
+              <a:t>报表模块：</a:t>
+            </a:r>
+            <a:r>
+              <a:rPr lang="zh-CN" altLang="en-US" sz="1600" dirty="0">
+                <a:ea typeface="宋体" panose="02010600030101010101" pitchFamily="2" charset="-122"/>
+                <a:cs typeface="+mn-ea"/>
+              </a:rPr>
+              <a:t>条码的过站记录</a:t>
+            </a:r>
+            <a:r>
+              <a:rPr lang="zh-CN" altLang="en-US" sz="1600" dirty="0" smtClean="0">
+                <a:ea typeface="宋体" panose="02010600030101010101" pitchFamily="2" charset="-122"/>
+                <a:cs typeface="+mn-ea"/>
+              </a:rPr>
+              <a:t>报表</a:t>
+            </a:r>
+            <a:r>
+              <a:rPr lang="en-US" altLang="zh-CN" sz="1600" dirty="0" smtClean="0">
+                <a:ea typeface="宋体" panose="02010600030101010101" pitchFamily="2" charset="-122"/>
+                <a:cs typeface="+mn-ea"/>
+              </a:rPr>
+              <a:t>	</a:t>
+            </a:r>
+          </a:p>
+          <a:p>
+            <a:pPr>
+              <a:spcBef>
+                <a:spcPts val="1200"/>
+              </a:spcBef>
+            </a:pPr>
+            <a:r>
+              <a:rPr lang="en-US" altLang="zh-CN" sz="1600" dirty="0">
+                <a:solidFill>
+                  <a:srgbClr val="FF0000"/>
+                </a:solidFill>
+                <a:ea typeface="宋体" panose="02010600030101010101" pitchFamily="2" charset="-122"/>
+                <a:cs typeface="+mn-ea"/>
+              </a:rPr>
+              <a:t>2.</a:t>
+            </a:r>
+            <a:r>
+              <a:rPr lang="zh-CN" altLang="en-US" sz="1600" dirty="0" smtClean="0">
+                <a:solidFill>
+                  <a:srgbClr val="FF0000"/>
+                </a:solidFill>
+                <a:ea typeface="宋体" panose="02010600030101010101" pitchFamily="2" charset="-122"/>
+                <a:cs typeface="+mn-ea"/>
+              </a:rPr>
+              <a:t>数据采集系统</a:t>
+            </a:r>
+            <a:endParaRPr lang="en-US" altLang="zh-CN" sz="1600" dirty="0" smtClean="0">
+              <a:solidFill>
+                <a:srgbClr val="FF0000"/>
+              </a:solidFill>
+              <a:ea typeface="宋体" panose="02010600030101010101" pitchFamily="2" charset="-122"/>
+              <a:cs typeface="+mn-ea"/>
+            </a:endParaRPr>
+          </a:p>
+          <a:p>
+            <a:pPr marL="342900" indent="-342900">
+              <a:spcBef>
+                <a:spcPts val="1200"/>
+              </a:spcBef>
+              <a:buFont typeface="+mj-ea"/>
+              <a:buAutoNum type="circleNumDbPlain"/>
+            </a:pPr>
+            <a:r>
+              <a:rPr lang="zh-CN" altLang="en-US" sz="1600" dirty="0" smtClean="0">
+                <a:ea typeface="宋体" panose="02010600030101010101" pitchFamily="2" charset="-122"/>
+                <a:cs typeface="+mn-ea"/>
+              </a:rPr>
+              <a:t>运行采集主程序，通过</a:t>
+            </a:r>
+            <a:r>
+              <a:rPr lang="zh-CN" altLang="en-US" sz="1600" dirty="0">
+                <a:ea typeface="宋体" panose="02010600030101010101" pitchFamily="2" charset="-122"/>
+                <a:cs typeface="+mn-ea"/>
+              </a:rPr>
+              <a:t>线程池开启线程，采集通用平台传输过来的数据写入到</a:t>
+            </a:r>
+            <a:r>
+              <a:rPr lang="zh-CN" altLang="en-US" sz="1600" dirty="0" smtClean="0">
+                <a:ea typeface="宋体" panose="02010600030101010101" pitchFamily="2" charset="-122"/>
+                <a:cs typeface="+mn-ea"/>
+              </a:rPr>
+              <a:t>数据库，然后上传到</a:t>
+            </a:r>
+            <a:r>
+              <a:rPr lang="en-US" altLang="zh-CN" sz="1600" dirty="0" smtClean="0">
+                <a:ea typeface="宋体" panose="02010600030101010101" pitchFamily="2" charset="-122"/>
+                <a:cs typeface="+mn-ea"/>
+              </a:rPr>
+              <a:t>OEE</a:t>
+            </a:r>
+            <a:endParaRPr lang="en-US" altLang="zh-CN" sz="1600" dirty="0">
+              <a:ea typeface="宋体" panose="02010600030101010101" pitchFamily="2" charset="-122"/>
+              <a:cs typeface="+mn-ea"/>
+            </a:endParaRPr>
+          </a:p>
+        </p:txBody>
+      </p:sp>
+    </p:spTree>
+  </p:cSld>
+  <p:clrMapOvr>
+    <a:overrideClrMapping bg1="lt1" tx1="dk1" bg2="lt2" tx2="dk2" accent1="accent1" accent2="accent2" accent3="accent3" accent4="accent4" accent5="accent5" accent6="accent6" hlink="hlink" folHlink="folHlink"/>
+  </p:clrMapOvr>
+  <p:timing>
+    <p:tnLst>
+      <p:par>
+        <p:cTn id="1" dur="indefinite" restart="never" nodeType="tmRoot"/>
+      </p:par>
+    </p:tnLst>
+  </p:timing>
+</p:sld>
+</file>
+
+<file path=ppt/slides/slide6.xml><?xml version="1.0" encoding="utf-8"?>
+<p:sld xmlns:a="http://schemas.openxmlformats.org/drawingml/2006/main" xmlns:r="http://schemas.openxmlformats.org/officeDocument/2006/relationships" xmlns:p="http://schemas.openxmlformats.org/presentationml/2006/main">
+  <p:cSld>
+    <p:bg>
+      <p:bgRef idx="1001">
+        <a:schemeClr val="bg1"/>
+      </p:bgRef>
+    </p:bg>
+    <p:spTree>
+      <p:nvGrpSpPr>
+        <p:cNvPr id="1" name=""/>
+        <p:cNvGrpSpPr/>
+        <p:nvPr/>
+      </p:nvGrpSpPr>
+      <p:grpSpPr>
+        <a:xfrm>
+          <a:off x="0" y="0"/>
+          <a:ext cx="0" cy="0"/>
+          <a:chOff x="0" y="0"/>
+          <a:chExt cx="0" cy="0"/>
+        </a:xfrm>
+      </p:grpSpPr>
+      <p:sp>
+        <p:nvSpPr>
+          <p:cNvPr id="20481" name="文本框 15"/>
+          <p:cNvSpPr txBox="1"/>
+          <p:nvPr/>
+        </p:nvSpPr>
+        <p:spPr>
+          <a:xfrm>
+            <a:off x="479743" y="246380"/>
+            <a:ext cx="4204335" cy="553085"/>
+          </a:xfrm>
+          <a:prstGeom prst="rect">
+            <a:avLst/>
+          </a:prstGeom>
+          <a:noFill/>
+          <a:ln w="9525">
+            <a:noFill/>
+          </a:ln>
+        </p:spPr>
+        <p:txBody>
+          <a:bodyPr wrap="none" anchor="t">
+            <a:spAutoFit/>
+          </a:bodyPr>
+          <a:lstStyle/>
+          <a:p>
+            <a:r>
+              <a:rPr lang="en-US" altLang="zh-CN" sz="3000" b="1">
+                <a:solidFill>
+                  <a:srgbClr val="0070C0"/>
+                </a:solidFill>
+                <a:latin typeface="黑体" panose="02010609060101010101" charset="-122"/>
+                <a:ea typeface="黑体" panose="02010609060101010101" charset="-122"/>
+                <a:sym typeface="等线" panose="02010600030101010101" charset="-122"/>
+              </a:rPr>
+              <a:t>3</a:t>
+            </a:r>
+            <a:r>
+              <a:rPr lang="zh-CN" altLang="en-US" sz="3000" b="1">
+                <a:solidFill>
+                  <a:srgbClr val="0070C0"/>
+                </a:solidFill>
+                <a:latin typeface="黑体" panose="02010609060101010101" charset="-122"/>
+                <a:ea typeface="黑体" panose="02010609060101010101" charset="-122"/>
+                <a:sym typeface="等线" panose="02010600030101010101" charset="-122"/>
+              </a:rPr>
+              <a:t>、试用期工作亮点展示</a:t>
+            </a:r>
+          </a:p>
+        </p:txBody>
+      </p:sp>
+      <p:sp>
+        <p:nvSpPr>
+          <p:cNvPr id="4" name="文本框 3"/>
+          <p:cNvSpPr txBox="1"/>
+          <p:nvPr/>
+        </p:nvSpPr>
+        <p:spPr>
+          <a:xfrm>
+            <a:off x="488289" y="914400"/>
+            <a:ext cx="11106633" cy="646331"/>
           </a:xfrm>
           <a:prstGeom prst="rect">
             <a:avLst/>
@@ -9031,7 +10447,23 @@
                 <a:cs typeface="+mn-ea"/>
                 <a:sym typeface="+mn-lt"/>
               </a:rPr>
-              <a:t>入库单据</a:t>
+              <a:t>入库单据  </a:t>
+            </a:r>
+            <a:r>
+              <a:rPr lang="en-US" altLang="zh-CN" sz="2000" dirty="0" smtClean="0">
+                <a:ea typeface="宋体" panose="02010600030101010101" pitchFamily="2" charset="-122"/>
+                <a:cs typeface="+mn-ea"/>
+                <a:sym typeface="+mn-lt"/>
+              </a:rPr>
+              <a:t>---- </a:t>
+            </a:r>
+            <a:r>
+              <a:rPr lang="zh-CN" altLang="en-US" sz="2000" dirty="0" smtClean="0">
+                <a:ea typeface="宋体" panose="02010600030101010101" pitchFamily="2" charset="-122"/>
+                <a:cs typeface="+mn-ea"/>
+                <a:sym typeface="+mn-lt"/>
+              </a:rPr>
+              <a:t>不同模块申请库存都需要在这个界面显示，出库和入库</a:t>
             </a:r>
             <a:endParaRPr lang="en-US" altLang="zh-CN" sz="2000" dirty="0" smtClean="0">
               <a:ea typeface="宋体" panose="02010600030101010101" pitchFamily="2" charset="-122"/>
@@ -9054,7 +10486,7 @@
       </p:sp>
       <p:pic>
         <p:nvPicPr>
-          <p:cNvPr id="2" name="图片 1"/>
+          <p:cNvPr id="5" name="图片 4"/>
           <p:cNvPicPr>
             <a:picLocks noChangeAspect="1"/>
           </p:cNvPicPr>
@@ -9068,7 +10500,7 @@
         </p:blipFill>
         <p:spPr>
           <a:xfrm>
-            <a:off x="479743" y="1431945"/>
+            <a:off x="479743" y="1412039"/>
             <a:ext cx="10134400" cy="5175783"/>
           </a:xfrm>
           <a:prstGeom prst="rect">
@@ -9091,7 +10523,7 @@
 </p:sld>
 </file>
 
-<file path=ppt/slides/slide6.xml><?xml version="1.0" encoding="utf-8"?>
+<file path=ppt/slides/slide7.xml><?xml version="1.0" encoding="utf-8"?>
 <p:sld xmlns:a="http://schemas.openxmlformats.org/drawingml/2006/main" xmlns:r="http://schemas.openxmlformats.org/officeDocument/2006/relationships" xmlns:p="http://schemas.openxmlformats.org/presentationml/2006/main">
   <p:cSld>
     <p:spTree>
@@ -9124,8 +10556,8 @@
         </p:blipFill>
         <p:spPr>
           <a:xfrm>
-            <a:off x="265643" y="1144251"/>
-            <a:ext cx="11316681" cy="4459844"/>
+            <a:off x="581114" y="1144251"/>
+            <a:ext cx="11001210" cy="4459844"/>
           </a:xfrm>
           <a:prstGeom prst="rect">
             <a:avLst/>
@@ -9141,7 +10573,7 @@
         <p:spPr>
           <a:xfrm>
             <a:off x="490309" y="432529"/>
-            <a:ext cx="6704965" cy="646331"/>
+            <a:ext cx="10012472" cy="646331"/>
           </a:xfrm>
           <a:prstGeom prst="rect">
             <a:avLst/>
@@ -9165,7 +10597,23 @@
                 <a:cs typeface="+mn-ea"/>
                 <a:sym typeface="+mn-lt"/>
               </a:rPr>
-              <a:t>库存查询</a:t>
+              <a:t>库存查询 </a:t>
+            </a:r>
+            <a:r>
+              <a:rPr lang="en-US" altLang="zh-CN" sz="2000" dirty="0" smtClean="0">
+                <a:ea typeface="宋体" panose="02010600030101010101" pitchFamily="2" charset="-122"/>
+                <a:cs typeface="+mn-ea"/>
+                <a:sym typeface="+mn-lt"/>
+              </a:rPr>
+              <a:t>– </a:t>
+            </a:r>
+            <a:r>
+              <a:rPr lang="zh-CN" altLang="en-US" sz="2000" dirty="0" smtClean="0">
+                <a:ea typeface="宋体" panose="02010600030101010101" pitchFamily="2" charset="-122"/>
+                <a:cs typeface="+mn-ea"/>
+                <a:sym typeface="+mn-lt"/>
+              </a:rPr>
+              <a:t>这个界面展示不同的库房 有哪些料号，良品库存有多少</a:t>
             </a:r>
             <a:endParaRPr lang="en-US" altLang="zh-CN" sz="2000" dirty="0" smtClean="0">
               <a:ea typeface="宋体" panose="02010600030101010101" pitchFamily="2" charset="-122"/>
@@ -9189,17 +10637,24 @@
     </p:spTree>
     <p:extLst>
       <p:ext uri="{BB962C8B-B14F-4D97-AF65-F5344CB8AC3E}">
-        <p14:creationId xmlns:p14="http://schemas.microsoft.com/office/powerpoint/2010/main" val="1311169729"/>
+        <p14:creationId xmlns:p14="http://schemas.microsoft.com/office/powerpoint/2010/main" val="1987339830"/>
       </p:ext>
     </p:extLst>
   </p:cSld>
   <p:clrMapOvr>
     <a:masterClrMapping/>
   </p:clrMapOvr>
+  <p:timing>
+    <p:tnLst>
+      <p:par>
+        <p:cTn id="1" dur="indefinite" restart="never" nodeType="tmRoot"/>
+      </p:par>
+    </p:tnLst>
+  </p:timing>
 </p:sld>
 </file>
 
-<file path=ppt/slides/slide7.xml><?xml version="1.0" encoding="utf-8"?>
+<file path=ppt/slides/slide8.xml><?xml version="1.0" encoding="utf-8"?>
 <p:sld xmlns:a="http://schemas.openxmlformats.org/drawingml/2006/main" xmlns:r="http://schemas.openxmlformats.org/officeDocument/2006/relationships" xmlns:p="http://schemas.openxmlformats.org/presentationml/2006/main">
   <p:cSld>
     <p:spTree>
@@ -9224,8 +10679,8 @@
         </p:nvSpPr>
         <p:spPr>
           <a:xfrm>
-            <a:off x="707591" y="577384"/>
-            <a:ext cx="6704965" cy="400110"/>
+            <a:off x="470781" y="577384"/>
+            <a:ext cx="9912360" cy="400110"/>
           </a:xfrm>
           <a:prstGeom prst="rect">
             <a:avLst/>
@@ -9250,6 +10705,22 @@
                 <a:sym typeface="+mn-lt"/>
               </a:rPr>
               <a:t>仓库备料</a:t>
+            </a:r>
+            <a:r>
+              <a:rPr lang="en-US" altLang="zh-CN" sz="2000" dirty="0" smtClean="0">
+                <a:ea typeface="宋体" panose="02010600030101010101" pitchFamily="2" charset="-122"/>
+                <a:cs typeface="+mn-ea"/>
+                <a:sym typeface="+mn-lt"/>
+              </a:rPr>
+              <a:t>—</a:t>
+            </a:r>
+            <a:r>
+              <a:rPr lang="zh-CN" altLang="en-US" sz="2000" dirty="0" smtClean="0">
+                <a:ea typeface="宋体" panose="02010600030101010101" pitchFamily="2" charset="-122"/>
+                <a:cs typeface="+mn-ea"/>
+                <a:sym typeface="+mn-lt"/>
+              </a:rPr>
+              <a:t>根据产线用量需求，需要在仓库备料，有备给产线，备给产品</a:t>
             </a:r>
             <a:endParaRPr lang="zh-CN" sz="1600" dirty="0">
               <a:solidFill>
@@ -9289,17 +10760,24 @@
     </p:spTree>
     <p:extLst>
       <p:ext uri="{BB962C8B-B14F-4D97-AF65-F5344CB8AC3E}">
-        <p14:creationId xmlns:p14="http://schemas.microsoft.com/office/powerpoint/2010/main" val="2159098382"/>
+        <p14:creationId xmlns:p14="http://schemas.microsoft.com/office/powerpoint/2010/main" val="2643833774"/>
       </p:ext>
     </p:extLst>
   </p:cSld>
   <p:clrMapOvr>
     <a:masterClrMapping/>
   </p:clrMapOvr>
+  <p:timing>
+    <p:tnLst>
+      <p:par>
+        <p:cTn id="1" dur="indefinite" restart="never" nodeType="tmRoot"/>
+      </p:par>
+    </p:tnLst>
+  </p:timing>
 </p:sld>
 </file>
 
-<file path=ppt/slides/slide8.xml><?xml version="1.0" encoding="utf-8"?>
+<file path=ppt/slides/slide9.xml><?xml version="1.0" encoding="utf-8"?>
 <p:sld xmlns:a="http://schemas.openxmlformats.org/drawingml/2006/main" xmlns:r="http://schemas.openxmlformats.org/officeDocument/2006/relationships" xmlns:p="http://schemas.openxmlformats.org/presentationml/2006/main">
   <p:cSld>
     <p:spTree>
@@ -9325,7 +10803,7 @@
         <p:spPr>
           <a:xfrm>
             <a:off x="698538" y="269566"/>
-            <a:ext cx="6704965" cy="646331"/>
+            <a:ext cx="9453866" cy="646331"/>
           </a:xfrm>
           <a:prstGeom prst="rect">
             <a:avLst/>
@@ -9350,6 +10828,22 @@
                 <a:sym typeface="+mn-lt"/>
               </a:rPr>
               <a:t>仓库收料</a:t>
+            </a:r>
+            <a:r>
+              <a:rPr lang="en-US" altLang="zh-CN" sz="2000" dirty="0" smtClean="0">
+                <a:ea typeface="宋体" panose="02010600030101010101" pitchFamily="2" charset="-122"/>
+                <a:cs typeface="+mn-ea"/>
+                <a:sym typeface="+mn-lt"/>
+              </a:rPr>
+              <a:t>--- </a:t>
+            </a:r>
+            <a:r>
+              <a:rPr lang="zh-CN" altLang="en-US" sz="2000" dirty="0" smtClean="0">
+                <a:ea typeface="宋体" panose="02010600030101010101" pitchFamily="2" charset="-122"/>
+                <a:cs typeface="+mn-ea"/>
+                <a:sym typeface="+mn-lt"/>
+              </a:rPr>
+              <a:t>根据供应商提供过来的物料，进行扫描入产库动作</a:t>
             </a:r>
             <a:endParaRPr lang="en-US" altLang="zh-CN" sz="2000" dirty="0" smtClean="0">
               <a:ea typeface="宋体" panose="02010600030101010101" pitchFamily="2" charset="-122"/>
@@ -9397,129 +10891,20 @@
     </p:spTree>
     <p:extLst>
       <p:ext uri="{BB962C8B-B14F-4D97-AF65-F5344CB8AC3E}">
-        <p14:creationId xmlns:p14="http://schemas.microsoft.com/office/powerpoint/2010/main" val="2918571895"/>
+        <p14:creationId xmlns:p14="http://schemas.microsoft.com/office/powerpoint/2010/main" val="1242105169"/>
       </p:ext>
     </p:extLst>
   </p:cSld>
   <p:clrMapOvr>
     <a:masterClrMapping/>
   </p:clrMapOvr>
-</p:sld>
-</file>
-
-<file path=ppt/slides/slide9.xml><?xml version="1.0" encoding="utf-8"?>
-<p:sld xmlns:a="http://schemas.openxmlformats.org/drawingml/2006/main" xmlns:r="http://schemas.openxmlformats.org/officeDocument/2006/relationships" xmlns:p="http://schemas.openxmlformats.org/presentationml/2006/main">
-  <p:cSld>
-    <p:spTree>
-      <p:nvGrpSpPr>
-        <p:cNvPr id="1" name=""/>
-        <p:cNvGrpSpPr/>
-        <p:nvPr/>
-      </p:nvGrpSpPr>
-      <p:grpSpPr>
-        <a:xfrm>
-          <a:off x="0" y="0"/>
-          <a:ext cx="0" cy="0"/>
-          <a:chOff x="0" y="0"/>
-          <a:chExt cx="0" cy="0"/>
-        </a:xfrm>
-      </p:grpSpPr>
-      <p:pic>
-        <p:nvPicPr>
-          <p:cNvPr id="2" name="图片 1"/>
-          <p:cNvPicPr>
-            <a:picLocks noChangeAspect="1"/>
-          </p:cNvPicPr>
-          <p:nvPr/>
-        </p:nvPicPr>
-        <p:blipFill>
-          <a:blip r:embed="rId2"/>
-          <a:stretch>
-            <a:fillRect/>
-          </a:stretch>
-        </p:blipFill>
-        <p:spPr>
-          <a:xfrm>
-            <a:off x="698538" y="851781"/>
-            <a:ext cx="9833713" cy="5624255"/>
-          </a:xfrm>
-          <a:prstGeom prst="rect">
-            <a:avLst/>
-          </a:prstGeom>
-        </p:spPr>
-      </p:pic>
-      <p:sp>
-        <p:nvSpPr>
-          <p:cNvPr id="4" name="文本框 3"/>
-          <p:cNvSpPr txBox="1"/>
-          <p:nvPr/>
-        </p:nvSpPr>
-        <p:spPr>
-          <a:xfrm>
-            <a:off x="698538" y="269566"/>
-            <a:ext cx="6704965" cy="954107"/>
-          </a:xfrm>
-          <a:prstGeom prst="rect">
-            <a:avLst/>
-          </a:prstGeom>
-          <a:noFill/>
-          <a:ln w="19050">
-            <a:noFill/>
-            <a:prstDash val="solid"/>
-          </a:ln>
-        </p:spPr>
-        <p:txBody>
-          <a:bodyPr wrap="square" rtlCol="0">
-            <a:spAutoFit/>
-          </a:bodyPr>
-          <a:lstStyle/>
-          <a:p>
-            <a:pPr lvl="0" algn="l"/>
-            <a:r>
-              <a:rPr lang="zh-CN" altLang="en-US" sz="2000" dirty="0" smtClean="0">
-                <a:ea typeface="宋体" panose="02010600030101010101" pitchFamily="2" charset="-122"/>
-                <a:cs typeface="+mn-ea"/>
-                <a:sym typeface="+mn-lt"/>
-              </a:rPr>
-              <a:t>包装采集</a:t>
-            </a:r>
-            <a:endParaRPr lang="en-US" altLang="zh-CN" sz="2000" dirty="0" smtClean="0">
-              <a:ea typeface="宋体" panose="02010600030101010101" pitchFamily="2" charset="-122"/>
-              <a:cs typeface="+mn-ea"/>
-              <a:sym typeface="+mn-lt"/>
-            </a:endParaRPr>
-          </a:p>
-          <a:p>
-            <a:pPr lvl="0" algn="l"/>
-            <a:endParaRPr lang="en-US" altLang="zh-CN" sz="2000" dirty="0" smtClean="0">
-              <a:ea typeface="宋体" panose="02010600030101010101" pitchFamily="2" charset="-122"/>
-              <a:cs typeface="+mn-ea"/>
-              <a:sym typeface="+mn-lt"/>
-            </a:endParaRPr>
-          </a:p>
-          <a:p>
-            <a:pPr lvl="0" algn="l"/>
-            <a:endParaRPr lang="zh-CN" sz="1600" dirty="0">
-              <a:solidFill>
-                <a:srgbClr val="FF0000"/>
-              </a:solidFill>
-              <a:ea typeface="宋体" panose="02010600030101010101" pitchFamily="2" charset="-122"/>
-              <a:cs typeface="+mn-ea"/>
-              <a:sym typeface="+mn-lt"/>
-            </a:endParaRPr>
-          </a:p>
-        </p:txBody>
-      </p:sp>
-    </p:spTree>
-    <p:extLst>
-      <p:ext uri="{BB962C8B-B14F-4D97-AF65-F5344CB8AC3E}">
-        <p14:creationId xmlns:p14="http://schemas.microsoft.com/office/powerpoint/2010/main" val="3430348129"/>
-      </p:ext>
-    </p:extLst>
-  </p:cSld>
-  <p:clrMapOvr>
-    <a:masterClrMapping/>
-  </p:clrMapOvr>
+  <p:timing>
+    <p:tnLst>
+      <p:par>
+        <p:cTn id="1" dur="indefinite" restart="never" nodeType="tmRoot"/>
+      </p:par>
+    </p:tnLst>
+  </p:timing>
 </p:sld>
 </file>
 

--- a/IPI-HR-30-07A转正述职报告.pptx
+++ b/IPI-HR-30-07A转正述职报告.pptx
@@ -295,7 +295,7 @@
           <a:p>
             <a:fld id="{5F851450-55FE-4347-9F50-E1818F6C717D}" type="datetimeFigureOut">
               <a:rPr lang="zh-CN" altLang="en-US" smtClean="0"/>
-              <a:t>2022/12/2</a:t>
+              <a:t>2022/12/7</a:t>
             </a:fld>
             <a:endParaRPr lang="zh-CN" altLang="en-US"/>
           </a:p>
@@ -460,7 +460,7 @@
           <a:p>
             <a:fld id="{61D29EEA-8BD0-45FC-94BF-A81C14DDF10B}" type="datetimeFigureOut">
               <a:rPr lang="zh-CN" altLang="en-US" smtClean="0"/>
-              <a:t>2022/12/2</a:t>
+              <a:t>2022/12/7</a:t>
             </a:fld>
             <a:endParaRPr lang="zh-CN" altLang="en-US"/>
           </a:p>
@@ -1441,7 +1441,7 @@
           <a:p>
             <a:fld id="{760FBDFE-C587-4B4C-A407-44438C67B59E}" type="datetimeFigureOut">
               <a:rPr lang="zh-CN" altLang="en-US" smtClean="0"/>
-              <a:t>2022/12/2</a:t>
+              <a:t>2022/12/7</a:t>
             </a:fld>
             <a:endParaRPr lang="zh-CN" altLang="en-US"/>
           </a:p>
@@ -3074,7 +3074,7 @@
           <a:blip r:embed="rId2">
             <a:extLst>
               <a:ext uri="{96DAC541-7B7A-43D3-8B79-37D633B846F1}">
-                <asvg:svgBlip xmlns="" xmlns:asvg="http://schemas.microsoft.com/office/drawing/2016/SVG/main" r:embed="rId3"/>
+                <asvg:svgBlip xmlns:asvg="http://schemas.microsoft.com/office/drawing/2016/SVG/main" xmlns="" r:embed="rId3"/>
               </a:ext>
             </a:extLst>
           </a:blip>
@@ -3218,8 +3218,27 @@
                 <a:ea typeface="微软雅黑" panose="020B0503020204020204" charset="-122"/>
                 <a:cs typeface="微软雅黑" panose="020B0503020204020204" charset="-122"/>
               </a:rPr>
-              <a:t>述职人：吴利登</a:t>
-            </a:r>
+              <a:t>述职人</a:t>
+            </a:r>
+            <a:r>
+              <a:rPr lang="zh-CN" altLang="en-US" sz="2800" dirty="0" smtClean="0">
+                <a:solidFill>
+                  <a:schemeClr val="tx1"/>
+                </a:solidFill>
+                <a:latin typeface="微软雅黑" panose="020B0503020204020204" charset="-122"/>
+                <a:ea typeface="微软雅黑" panose="020B0503020204020204" charset="-122"/>
+                <a:cs typeface="微软雅黑" panose="020B0503020204020204" charset="-122"/>
+              </a:rPr>
+              <a:t>：肖自翔</a:t>
+            </a:r>
+            <a:endParaRPr lang="zh-CN" altLang="en-US" sz="2800" dirty="0">
+              <a:solidFill>
+                <a:schemeClr val="tx1"/>
+              </a:solidFill>
+              <a:latin typeface="微软雅黑" panose="020B0503020204020204" charset="-122"/>
+              <a:ea typeface="微软雅黑" panose="020B0503020204020204" charset="-122"/>
+              <a:cs typeface="微软雅黑" panose="020B0503020204020204" charset="-122"/>
+            </a:endParaRPr>
           </a:p>
         </p:txBody>
       </p:sp>
@@ -3272,8 +3291,8 @@
         </p:blipFill>
         <p:spPr>
           <a:xfrm>
-            <a:off x="698538" y="851781"/>
-            <a:ext cx="9833713" cy="5624255"/>
+            <a:off x="698538" y="1239140"/>
+            <a:ext cx="9833713" cy="5236896"/>
           </a:xfrm>
           <a:prstGeom prst="rect">
             <a:avLst/>
@@ -3288,7 +3307,7 @@
         </p:nvSpPr>
         <p:spPr>
           <a:xfrm>
-            <a:off x="698538" y="220839"/>
+            <a:off x="698538" y="665220"/>
             <a:ext cx="9547869" cy="954107"/>
           </a:xfrm>
           <a:prstGeom prst="rect">
@@ -3405,6 +3424,53 @@
               <a:ea typeface="宋体" panose="02010600030101010101" pitchFamily="2" charset="-122"/>
               <a:cs typeface="+mn-ea"/>
               <a:sym typeface="+mn-lt"/>
+            </a:endParaRPr>
+          </a:p>
+        </p:txBody>
+      </p:sp>
+      <p:sp>
+        <p:nvSpPr>
+          <p:cNvPr id="5" name="文本框 15"/>
+          <p:cNvSpPr txBox="1"/>
+          <p:nvPr/>
+        </p:nvSpPr>
+        <p:spPr>
+          <a:xfrm>
+            <a:off x="539563" y="111222"/>
+            <a:ext cx="2502608" cy="553998"/>
+          </a:xfrm>
+          <a:prstGeom prst="rect">
+            <a:avLst/>
+          </a:prstGeom>
+          <a:noFill/>
+          <a:ln w="9525">
+            <a:noFill/>
+          </a:ln>
+        </p:spPr>
+        <p:txBody>
+          <a:bodyPr wrap="none" anchor="t">
+            <a:spAutoFit/>
+          </a:bodyPr>
+          <a:lstStyle/>
+          <a:p>
+            <a:r>
+              <a:rPr lang="zh-CN" altLang="en-US" sz="3000" b="1" dirty="0" smtClean="0">
+                <a:solidFill>
+                  <a:srgbClr val="0070C0"/>
+                </a:solidFill>
+                <a:latin typeface="黑体" panose="02010609060101010101" charset="-122"/>
+                <a:ea typeface="黑体" panose="02010609060101010101" charset="-122"/>
+                <a:sym typeface="等线" panose="02010600030101010101" charset="-122"/>
+              </a:rPr>
+              <a:t>部分页面展示</a:t>
+            </a:r>
+            <a:endParaRPr lang="zh-CN" altLang="en-US" sz="3000" b="1" dirty="0">
+              <a:solidFill>
+                <a:srgbClr val="0070C0"/>
+              </a:solidFill>
+              <a:latin typeface="黑体" panose="02010609060101010101" charset="-122"/>
+              <a:ea typeface="黑体" panose="02010609060101010101" charset="-122"/>
+              <a:sym typeface="等线" panose="02010600030101010101" charset="-122"/>
             </a:endParaRPr>
           </a:p>
         </p:txBody>
@@ -3462,7 +3528,7 @@
         </p:blipFill>
         <p:spPr>
           <a:xfrm>
-            <a:off x="474455" y="1140735"/>
+            <a:off x="474455" y="1311650"/>
             <a:ext cx="11045251" cy="4409039"/>
           </a:xfrm>
           <a:prstGeom prst="rect">
@@ -3478,7 +3544,7 @@
         </p:nvSpPr>
         <p:spPr>
           <a:xfrm>
-            <a:off x="725699" y="287673"/>
+            <a:off x="768428" y="714963"/>
             <a:ext cx="9315609" cy="1261884"/>
           </a:xfrm>
           <a:prstGeom prst="rect">
@@ -3560,6 +3626,53 @@
               <a:ea typeface="宋体" panose="02010600030101010101" pitchFamily="2" charset="-122"/>
               <a:cs typeface="+mn-ea"/>
               <a:sym typeface="+mn-lt"/>
+            </a:endParaRPr>
+          </a:p>
+        </p:txBody>
+      </p:sp>
+      <p:sp>
+        <p:nvSpPr>
+          <p:cNvPr id="5" name="文本框 15"/>
+          <p:cNvSpPr txBox="1"/>
+          <p:nvPr/>
+        </p:nvSpPr>
+        <p:spPr>
+          <a:xfrm>
+            <a:off x="402831" y="96852"/>
+            <a:ext cx="2502608" cy="553998"/>
+          </a:xfrm>
+          <a:prstGeom prst="rect">
+            <a:avLst/>
+          </a:prstGeom>
+          <a:noFill/>
+          <a:ln w="9525">
+            <a:noFill/>
+          </a:ln>
+        </p:spPr>
+        <p:txBody>
+          <a:bodyPr wrap="none" anchor="t">
+            <a:spAutoFit/>
+          </a:bodyPr>
+          <a:lstStyle/>
+          <a:p>
+            <a:r>
+              <a:rPr lang="zh-CN" altLang="en-US" sz="3000" b="1" dirty="0" smtClean="0">
+                <a:solidFill>
+                  <a:srgbClr val="0070C0"/>
+                </a:solidFill>
+                <a:latin typeface="黑体" panose="02010609060101010101" charset="-122"/>
+                <a:ea typeface="黑体" panose="02010609060101010101" charset="-122"/>
+                <a:sym typeface="等线" panose="02010600030101010101" charset="-122"/>
+              </a:rPr>
+              <a:t>部分页面展示</a:t>
+            </a:r>
+            <a:endParaRPr lang="zh-CN" altLang="en-US" sz="3000" b="1" dirty="0">
+              <a:solidFill>
+                <a:srgbClr val="0070C0"/>
+              </a:solidFill>
+              <a:latin typeface="黑体" panose="02010609060101010101" charset="-122"/>
+              <a:ea typeface="黑体" panose="02010609060101010101" charset="-122"/>
+              <a:sym typeface="等线" panose="02010600030101010101" charset="-122"/>
             </a:endParaRPr>
           </a:p>
         </p:txBody>
@@ -3617,8 +3730,8 @@
         </p:blipFill>
         <p:spPr>
           <a:xfrm>
-            <a:off x="575162" y="824261"/>
-            <a:ext cx="10371719" cy="5662151"/>
+            <a:off x="575162" y="1478422"/>
+            <a:ext cx="10371719" cy="5007990"/>
           </a:xfrm>
           <a:prstGeom prst="rect">
             <a:avLst/>
@@ -3633,7 +3746,7 @@
         </p:nvSpPr>
         <p:spPr>
           <a:xfrm>
-            <a:off x="725699" y="287673"/>
+            <a:off x="717153" y="843150"/>
             <a:ext cx="9289972" cy="954107"/>
           </a:xfrm>
           <a:prstGeom prst="rect">
@@ -3707,6 +3820,53 @@
               <a:ea typeface="宋体" panose="02010600030101010101" pitchFamily="2" charset="-122"/>
               <a:cs typeface="+mn-ea"/>
               <a:sym typeface="+mn-lt"/>
+            </a:endParaRPr>
+          </a:p>
+        </p:txBody>
+      </p:sp>
+      <p:sp>
+        <p:nvSpPr>
+          <p:cNvPr id="4" name="文本框 15"/>
+          <p:cNvSpPr txBox="1"/>
+          <p:nvPr/>
+        </p:nvSpPr>
+        <p:spPr>
+          <a:xfrm>
+            <a:off x="479743" y="246380"/>
+            <a:ext cx="2502608" cy="553998"/>
+          </a:xfrm>
+          <a:prstGeom prst="rect">
+            <a:avLst/>
+          </a:prstGeom>
+          <a:noFill/>
+          <a:ln w="9525">
+            <a:noFill/>
+          </a:ln>
+        </p:spPr>
+        <p:txBody>
+          <a:bodyPr wrap="none" anchor="t">
+            <a:spAutoFit/>
+          </a:bodyPr>
+          <a:lstStyle/>
+          <a:p>
+            <a:r>
+              <a:rPr lang="zh-CN" altLang="en-US" sz="3000" b="1" dirty="0" smtClean="0">
+                <a:solidFill>
+                  <a:srgbClr val="0070C0"/>
+                </a:solidFill>
+                <a:latin typeface="黑体" panose="02010609060101010101" charset="-122"/>
+                <a:ea typeface="黑体" panose="02010609060101010101" charset="-122"/>
+                <a:sym typeface="等线" panose="02010600030101010101" charset="-122"/>
+              </a:rPr>
+              <a:t>部分页面展示</a:t>
+            </a:r>
+            <a:endParaRPr lang="zh-CN" altLang="en-US" sz="3000" b="1" dirty="0">
+              <a:solidFill>
+                <a:srgbClr val="0070C0"/>
+              </a:solidFill>
+              <a:latin typeface="黑体" panose="02010609060101010101" charset="-122"/>
+              <a:ea typeface="黑体" panose="02010609060101010101" charset="-122"/>
+              <a:sym typeface="等线" panose="02010600030101010101" charset="-122"/>
             </a:endParaRPr>
           </a:p>
         </p:txBody>
@@ -3764,8 +3924,8 @@
         </p:blipFill>
         <p:spPr>
           <a:xfrm>
-            <a:off x="405882" y="910068"/>
-            <a:ext cx="11024679" cy="5661648"/>
+            <a:off x="405882" y="1281869"/>
+            <a:ext cx="11024679" cy="5076201"/>
           </a:xfrm>
           <a:prstGeom prst="rect">
             <a:avLst/>
@@ -3780,7 +3940,7 @@
         </p:nvSpPr>
         <p:spPr>
           <a:xfrm>
-            <a:off x="597512" y="287672"/>
+            <a:off x="405882" y="849055"/>
             <a:ext cx="10418017" cy="954107"/>
           </a:xfrm>
           <a:prstGeom prst="rect">
@@ -3870,6 +4030,53 @@
               <a:ea typeface="宋体" panose="02010600030101010101" pitchFamily="2" charset="-122"/>
               <a:cs typeface="+mn-ea"/>
               <a:sym typeface="+mn-lt"/>
+            </a:endParaRPr>
+          </a:p>
+        </p:txBody>
+      </p:sp>
+      <p:sp>
+        <p:nvSpPr>
+          <p:cNvPr id="4" name="文本框 15"/>
+          <p:cNvSpPr txBox="1"/>
+          <p:nvPr/>
+        </p:nvSpPr>
+        <p:spPr>
+          <a:xfrm>
+            <a:off x="479743" y="246380"/>
+            <a:ext cx="2502608" cy="553998"/>
+          </a:xfrm>
+          <a:prstGeom prst="rect">
+            <a:avLst/>
+          </a:prstGeom>
+          <a:noFill/>
+          <a:ln w="9525">
+            <a:noFill/>
+          </a:ln>
+        </p:spPr>
+        <p:txBody>
+          <a:bodyPr wrap="none" anchor="t">
+            <a:spAutoFit/>
+          </a:bodyPr>
+          <a:lstStyle/>
+          <a:p>
+            <a:r>
+              <a:rPr lang="zh-CN" altLang="en-US" sz="3000" b="1" dirty="0" smtClean="0">
+                <a:solidFill>
+                  <a:srgbClr val="0070C0"/>
+                </a:solidFill>
+                <a:latin typeface="黑体" panose="02010609060101010101" charset="-122"/>
+                <a:ea typeface="黑体" panose="02010609060101010101" charset="-122"/>
+                <a:sym typeface="等线" panose="02010600030101010101" charset="-122"/>
+              </a:rPr>
+              <a:t>部分页面展示</a:t>
+            </a:r>
+            <a:endParaRPr lang="zh-CN" altLang="en-US" sz="3000" b="1" dirty="0">
+              <a:solidFill>
+                <a:srgbClr val="0070C0"/>
+              </a:solidFill>
+              <a:latin typeface="黑体" panose="02010609060101010101" charset="-122"/>
+              <a:ea typeface="黑体" panose="02010609060101010101" charset="-122"/>
+              <a:sym typeface="等线" panose="02010600030101010101" charset="-122"/>
             </a:endParaRPr>
           </a:p>
         </p:txBody>
@@ -3927,8 +4134,8 @@
         </p:blipFill>
         <p:spPr>
           <a:xfrm>
-            <a:off x="454785" y="918615"/>
-            <a:ext cx="10850551" cy="5409757"/>
+            <a:off x="454785" y="1196411"/>
+            <a:ext cx="10850551" cy="5131961"/>
           </a:xfrm>
           <a:prstGeom prst="rect">
             <a:avLst/>
@@ -3943,7 +4150,7 @@
         </p:nvSpPr>
         <p:spPr>
           <a:xfrm>
-            <a:off x="454785" y="219307"/>
+            <a:off x="454785" y="672235"/>
             <a:ext cx="10381282" cy="1569660"/>
           </a:xfrm>
           <a:prstGeom prst="rect">
@@ -4064,6 +4271,53 @@
               <a:ea typeface="宋体" panose="02010600030101010101" pitchFamily="2" charset="-122"/>
               <a:cs typeface="+mn-ea"/>
               <a:sym typeface="+mn-lt"/>
+            </a:endParaRPr>
+          </a:p>
+        </p:txBody>
+      </p:sp>
+      <p:sp>
+        <p:nvSpPr>
+          <p:cNvPr id="4" name="文本框 15"/>
+          <p:cNvSpPr txBox="1"/>
+          <p:nvPr/>
+        </p:nvSpPr>
+        <p:spPr>
+          <a:xfrm>
+            <a:off x="394285" y="126783"/>
+            <a:ext cx="2502608" cy="553998"/>
+          </a:xfrm>
+          <a:prstGeom prst="rect">
+            <a:avLst/>
+          </a:prstGeom>
+          <a:noFill/>
+          <a:ln w="9525">
+            <a:noFill/>
+          </a:ln>
+        </p:spPr>
+        <p:txBody>
+          <a:bodyPr wrap="none" anchor="t">
+            <a:spAutoFit/>
+          </a:bodyPr>
+          <a:lstStyle/>
+          <a:p>
+            <a:r>
+              <a:rPr lang="zh-CN" altLang="en-US" sz="3000" b="1" dirty="0" smtClean="0">
+                <a:solidFill>
+                  <a:srgbClr val="0070C0"/>
+                </a:solidFill>
+                <a:latin typeface="黑体" panose="02010609060101010101" charset="-122"/>
+                <a:ea typeface="黑体" panose="02010609060101010101" charset="-122"/>
+                <a:sym typeface="等线" panose="02010600030101010101" charset="-122"/>
+              </a:rPr>
+              <a:t>部分页面展示</a:t>
+            </a:r>
+            <a:endParaRPr lang="zh-CN" altLang="en-US" sz="3000" b="1" dirty="0">
+              <a:solidFill>
+                <a:srgbClr val="0070C0"/>
+              </a:solidFill>
+              <a:latin typeface="黑体" panose="02010609060101010101" charset="-122"/>
+              <a:ea typeface="黑体" panose="02010609060101010101" charset="-122"/>
+              <a:sym typeface="等线" panose="02010600030101010101" charset="-122"/>
             </a:endParaRPr>
           </a:p>
         </p:txBody>
@@ -4121,8 +4375,8 @@
         </p:blipFill>
         <p:spPr>
           <a:xfrm>
-            <a:off x="399709" y="733330"/>
-            <a:ext cx="10981991" cy="5768008"/>
+            <a:off x="399709" y="1615154"/>
+            <a:ext cx="10981991" cy="4886183"/>
           </a:xfrm>
           <a:prstGeom prst="rect">
             <a:avLst/>
@@ -4137,7 +4391,7 @@
         </p:nvSpPr>
         <p:spPr>
           <a:xfrm>
-            <a:off x="517470" y="169978"/>
+            <a:off x="483287" y="973282"/>
             <a:ext cx="9797304" cy="954107"/>
           </a:xfrm>
           <a:prstGeom prst="rect">
@@ -4211,6 +4465,53 @@
               <a:ea typeface="宋体" panose="02010600030101010101" pitchFamily="2" charset="-122"/>
               <a:cs typeface="+mn-ea"/>
               <a:sym typeface="+mn-lt"/>
+            </a:endParaRPr>
+          </a:p>
+        </p:txBody>
+      </p:sp>
+      <p:sp>
+        <p:nvSpPr>
+          <p:cNvPr id="4" name="文本框 15"/>
+          <p:cNvSpPr txBox="1"/>
+          <p:nvPr/>
+        </p:nvSpPr>
+        <p:spPr>
+          <a:xfrm>
+            <a:off x="479743" y="246380"/>
+            <a:ext cx="2502608" cy="553998"/>
+          </a:xfrm>
+          <a:prstGeom prst="rect">
+            <a:avLst/>
+          </a:prstGeom>
+          <a:noFill/>
+          <a:ln w="9525">
+            <a:noFill/>
+          </a:ln>
+        </p:spPr>
+        <p:txBody>
+          <a:bodyPr wrap="none" anchor="t">
+            <a:spAutoFit/>
+          </a:bodyPr>
+          <a:lstStyle/>
+          <a:p>
+            <a:r>
+              <a:rPr lang="zh-CN" altLang="en-US" sz="3000" b="1" dirty="0" smtClean="0">
+                <a:solidFill>
+                  <a:srgbClr val="0070C0"/>
+                </a:solidFill>
+                <a:latin typeface="黑体" panose="02010609060101010101" charset="-122"/>
+                <a:ea typeface="黑体" panose="02010609060101010101" charset="-122"/>
+                <a:sym typeface="等线" panose="02010600030101010101" charset="-122"/>
+              </a:rPr>
+              <a:t>部分页面展示</a:t>
+            </a:r>
+            <a:endParaRPr lang="zh-CN" altLang="en-US" sz="3000" b="1" dirty="0">
+              <a:solidFill>
+                <a:srgbClr val="0070C0"/>
+              </a:solidFill>
+              <a:latin typeface="黑体" panose="02010609060101010101" charset="-122"/>
+              <a:ea typeface="黑体" panose="02010609060101010101" charset="-122"/>
+              <a:sym typeface="等线" panose="02010600030101010101" charset="-122"/>
             </a:endParaRPr>
           </a:p>
         </p:txBody>
@@ -4268,8 +4569,8 @@
         </p:blipFill>
         <p:spPr>
           <a:xfrm>
-            <a:off x="517470" y="1054486"/>
-            <a:ext cx="10756286" cy="5065657"/>
+            <a:off x="517470" y="1521151"/>
+            <a:ext cx="10756286" cy="4598992"/>
           </a:xfrm>
           <a:prstGeom prst="rect">
             <a:avLst/>
@@ -4284,7 +4585,7 @@
         </p:nvSpPr>
         <p:spPr>
           <a:xfrm>
-            <a:off x="517470" y="169978"/>
+            <a:off x="517470" y="699817"/>
             <a:ext cx="9831487" cy="954107"/>
           </a:xfrm>
           <a:prstGeom prst="rect">
@@ -4342,6 +4643,53 @@
               <a:ea typeface="宋体" panose="02010600030101010101" pitchFamily="2" charset="-122"/>
               <a:cs typeface="+mn-ea"/>
               <a:sym typeface="+mn-lt"/>
+            </a:endParaRPr>
+          </a:p>
+        </p:txBody>
+      </p:sp>
+      <p:sp>
+        <p:nvSpPr>
+          <p:cNvPr id="5" name="文本框 15"/>
+          <p:cNvSpPr txBox="1"/>
+          <p:nvPr/>
+        </p:nvSpPr>
+        <p:spPr>
+          <a:xfrm>
+            <a:off x="517470" y="145819"/>
+            <a:ext cx="2502608" cy="553998"/>
+          </a:xfrm>
+          <a:prstGeom prst="rect">
+            <a:avLst/>
+          </a:prstGeom>
+          <a:noFill/>
+          <a:ln w="9525">
+            <a:noFill/>
+          </a:ln>
+        </p:spPr>
+        <p:txBody>
+          <a:bodyPr wrap="none" anchor="t">
+            <a:spAutoFit/>
+          </a:bodyPr>
+          <a:lstStyle/>
+          <a:p>
+            <a:r>
+              <a:rPr lang="zh-CN" altLang="en-US" sz="3000" b="1" dirty="0" smtClean="0">
+                <a:solidFill>
+                  <a:srgbClr val="0070C0"/>
+                </a:solidFill>
+                <a:latin typeface="黑体" panose="02010609060101010101" charset="-122"/>
+                <a:ea typeface="黑体" panose="02010609060101010101" charset="-122"/>
+                <a:sym typeface="等线" panose="02010600030101010101" charset="-122"/>
+              </a:rPr>
+              <a:t>部分页面展示</a:t>
+            </a:r>
+            <a:endParaRPr lang="zh-CN" altLang="en-US" sz="3000" b="1" dirty="0">
+              <a:solidFill>
+                <a:srgbClr val="0070C0"/>
+              </a:solidFill>
+              <a:latin typeface="黑体" panose="02010609060101010101" charset="-122"/>
+              <a:ea typeface="黑体" panose="02010609060101010101" charset="-122"/>
+              <a:sym typeface="等线" panose="02010600030101010101" charset="-122"/>
             </a:endParaRPr>
           </a:p>
         </p:txBody>
@@ -4399,7 +4747,7 @@
         </p:blipFill>
         <p:spPr>
           <a:xfrm>
-            <a:off x="320513" y="959668"/>
+            <a:off x="371787" y="1455324"/>
             <a:ext cx="11463019" cy="4937812"/>
           </a:xfrm>
           <a:prstGeom prst="rect">
@@ -4415,7 +4763,7 @@
         </p:nvSpPr>
         <p:spPr>
           <a:xfrm>
-            <a:off x="517470" y="169978"/>
+            <a:off x="602928" y="648543"/>
             <a:ext cx="9669117" cy="954107"/>
           </a:xfrm>
           <a:prstGeom prst="rect">
@@ -4473,6 +4821,53 @@
               <a:ea typeface="宋体" panose="02010600030101010101" pitchFamily="2" charset="-122"/>
               <a:cs typeface="+mn-ea"/>
               <a:sym typeface="+mn-lt"/>
+            </a:endParaRPr>
+          </a:p>
+        </p:txBody>
+      </p:sp>
+      <p:sp>
+        <p:nvSpPr>
+          <p:cNvPr id="4" name="文本框 15"/>
+          <p:cNvSpPr txBox="1"/>
+          <p:nvPr/>
+        </p:nvSpPr>
+        <p:spPr>
+          <a:xfrm>
+            <a:off x="471197" y="94545"/>
+            <a:ext cx="2502608" cy="553998"/>
+          </a:xfrm>
+          <a:prstGeom prst="rect">
+            <a:avLst/>
+          </a:prstGeom>
+          <a:noFill/>
+          <a:ln w="9525">
+            <a:noFill/>
+          </a:ln>
+        </p:spPr>
+        <p:txBody>
+          <a:bodyPr wrap="none" anchor="t">
+            <a:spAutoFit/>
+          </a:bodyPr>
+          <a:lstStyle/>
+          <a:p>
+            <a:r>
+              <a:rPr lang="zh-CN" altLang="en-US" sz="3000" b="1" dirty="0" smtClean="0">
+                <a:solidFill>
+                  <a:srgbClr val="0070C0"/>
+                </a:solidFill>
+                <a:latin typeface="黑体" panose="02010609060101010101" charset="-122"/>
+                <a:ea typeface="黑体" panose="02010609060101010101" charset="-122"/>
+                <a:sym typeface="等线" panose="02010600030101010101" charset="-122"/>
+              </a:rPr>
+              <a:t>部分页面展示</a:t>
+            </a:r>
+            <a:endParaRPr lang="zh-CN" altLang="en-US" sz="3000" b="1" dirty="0">
+              <a:solidFill>
+                <a:srgbClr val="0070C0"/>
+              </a:solidFill>
+              <a:latin typeface="黑体" panose="02010609060101010101" charset="-122"/>
+              <a:ea typeface="黑体" panose="02010609060101010101" charset="-122"/>
+              <a:sym typeface="等线" panose="02010600030101010101" charset="-122"/>
             </a:endParaRPr>
           </a:p>
         </p:txBody>
@@ -4522,7 +4917,7 @@
         </p:nvSpPr>
         <p:spPr>
           <a:xfrm>
-            <a:off x="517470" y="169978"/>
+            <a:off x="479743" y="800378"/>
             <a:ext cx="11104810" cy="954107"/>
           </a:xfrm>
           <a:prstGeom prst="rect">
@@ -4616,14 +5011,61 @@
         </p:blipFill>
         <p:spPr>
           <a:xfrm>
-            <a:off x="384561" y="836332"/>
-            <a:ext cx="10951238" cy="5359369"/>
+            <a:off x="384561" y="1546790"/>
+            <a:ext cx="10951238" cy="4648912"/>
           </a:xfrm>
           <a:prstGeom prst="rect">
             <a:avLst/>
           </a:prstGeom>
         </p:spPr>
       </p:pic>
+      <p:sp>
+        <p:nvSpPr>
+          <p:cNvPr id="4" name="文本框 15"/>
+          <p:cNvSpPr txBox="1"/>
+          <p:nvPr/>
+        </p:nvSpPr>
+        <p:spPr>
+          <a:xfrm>
+            <a:off x="479743" y="246380"/>
+            <a:ext cx="2502608" cy="553998"/>
+          </a:xfrm>
+          <a:prstGeom prst="rect">
+            <a:avLst/>
+          </a:prstGeom>
+          <a:noFill/>
+          <a:ln w="9525">
+            <a:noFill/>
+          </a:ln>
+        </p:spPr>
+        <p:txBody>
+          <a:bodyPr wrap="none" anchor="t">
+            <a:spAutoFit/>
+          </a:bodyPr>
+          <a:lstStyle/>
+          <a:p>
+            <a:r>
+              <a:rPr lang="zh-CN" altLang="en-US" sz="3000" b="1" dirty="0" smtClean="0">
+                <a:solidFill>
+                  <a:srgbClr val="0070C0"/>
+                </a:solidFill>
+                <a:latin typeface="黑体" panose="02010609060101010101" charset="-122"/>
+                <a:ea typeface="黑体" panose="02010609060101010101" charset="-122"/>
+                <a:sym typeface="等线" panose="02010600030101010101" charset="-122"/>
+              </a:rPr>
+              <a:t>部分页面展示</a:t>
+            </a:r>
+            <a:endParaRPr lang="zh-CN" altLang="en-US" sz="3000" b="1" dirty="0">
+              <a:solidFill>
+                <a:srgbClr val="0070C0"/>
+              </a:solidFill>
+              <a:latin typeface="黑体" panose="02010609060101010101" charset="-122"/>
+              <a:ea typeface="黑体" panose="02010609060101010101" charset="-122"/>
+              <a:sym typeface="等线" panose="02010600030101010101" charset="-122"/>
+            </a:endParaRPr>
+          </a:p>
+        </p:txBody>
+      </p:sp>
     </p:spTree>
     <p:extLst>
       <p:ext uri="{BB962C8B-B14F-4D97-AF65-F5344CB8AC3E}">
@@ -4677,8 +5119,8 @@
         </p:blipFill>
         <p:spPr>
           <a:xfrm>
-            <a:off x="298764" y="647031"/>
-            <a:ext cx="10793239" cy="5916731"/>
+            <a:off x="298764" y="1452785"/>
+            <a:ext cx="10793239" cy="5110977"/>
           </a:xfrm>
           <a:prstGeom prst="rect">
             <a:avLst/>
@@ -4693,7 +5135,7 @@
         </p:nvSpPr>
         <p:spPr>
           <a:xfrm>
-            <a:off x="517470" y="169978"/>
+            <a:off x="479743" y="820444"/>
             <a:ext cx="10933894" cy="954107"/>
           </a:xfrm>
           <a:prstGeom prst="rect">
@@ -4759,6 +5201,53 @@
               <a:ea typeface="宋体" panose="02010600030101010101" pitchFamily="2" charset="-122"/>
               <a:cs typeface="+mn-ea"/>
               <a:sym typeface="+mn-lt"/>
+            </a:endParaRPr>
+          </a:p>
+        </p:txBody>
+      </p:sp>
+      <p:sp>
+        <p:nvSpPr>
+          <p:cNvPr id="4" name="文本框 15"/>
+          <p:cNvSpPr txBox="1"/>
+          <p:nvPr/>
+        </p:nvSpPr>
+        <p:spPr>
+          <a:xfrm>
+            <a:off x="479743" y="246380"/>
+            <a:ext cx="2502608" cy="553998"/>
+          </a:xfrm>
+          <a:prstGeom prst="rect">
+            <a:avLst/>
+          </a:prstGeom>
+          <a:noFill/>
+          <a:ln w="9525">
+            <a:noFill/>
+          </a:ln>
+        </p:spPr>
+        <p:txBody>
+          <a:bodyPr wrap="none" anchor="t">
+            <a:spAutoFit/>
+          </a:bodyPr>
+          <a:lstStyle/>
+          <a:p>
+            <a:r>
+              <a:rPr lang="zh-CN" altLang="en-US" sz="3000" b="1" dirty="0" smtClean="0">
+                <a:solidFill>
+                  <a:srgbClr val="0070C0"/>
+                </a:solidFill>
+                <a:latin typeface="黑体" panose="02010609060101010101" charset="-122"/>
+                <a:ea typeface="黑体" panose="02010609060101010101" charset="-122"/>
+                <a:sym typeface="等线" panose="02010600030101010101" charset="-122"/>
+              </a:rPr>
+              <a:t>部分页面展示</a:t>
+            </a:r>
+            <a:endParaRPr lang="zh-CN" altLang="en-US" sz="3000" b="1" dirty="0">
+              <a:solidFill>
+                <a:srgbClr val="0070C0"/>
+              </a:solidFill>
+              <a:latin typeface="黑体" panose="02010609060101010101" charset="-122"/>
+              <a:ea typeface="黑体" panose="02010609060101010101" charset="-122"/>
+              <a:sym typeface="等线" panose="02010600030101010101" charset="-122"/>
             </a:endParaRPr>
           </a:p>
         </p:txBody>
@@ -5461,7 +5950,7 @@
         <p:spPr>
           <a:xfrm>
             <a:off x="752031" y="1375874"/>
-            <a:ext cx="10528418" cy="3000821"/>
+            <a:ext cx="10528418" cy="2585323"/>
           </a:xfrm>
           <a:prstGeom prst="rect">
             <a:avLst/>
@@ -5518,14 +6007,7 @@
                 <a:latin typeface="华文宋体" panose="02010600040101010101" pitchFamily="2" charset="-122"/>
                 <a:ea typeface="华文宋体" panose="02010600040101010101" pitchFamily="2" charset="-122"/>
               </a:rPr>
-              <a:t>系统充分了解相关逻辑功能，做相应</a:t>
-            </a:r>
-            <a:r>
-              <a:rPr lang="zh-CN" altLang="en-US" dirty="0" smtClean="0">
-                <a:latin typeface="华文宋体" panose="02010600040101010101" pitchFamily="2" charset="-122"/>
-                <a:ea typeface="华文宋体" panose="02010600040101010101" pitchFamily="2" charset="-122"/>
-              </a:rPr>
-              <a:t>的开发</a:t>
+              <a:t>系统充分了解相关逻辑功能，做相应的开发</a:t>
             </a:r>
             <a:endParaRPr lang="en-US" altLang="zh-CN" dirty="0" smtClean="0">
               <a:latin typeface="华文宋体" panose="02010600040101010101" pitchFamily="2" charset="-122"/>
@@ -5633,7 +6115,28 @@
                 <a:latin typeface="华文宋体" panose="02010600040101010101" pitchFamily="2" charset="-122"/>
                 <a:ea typeface="华文宋体" panose="02010600040101010101" pitchFamily="2" charset="-122"/>
               </a:rPr>
-              <a:t>的实施，着重重新，时候了解市场的需求功能，实时完善</a:t>
+              <a:t>的</a:t>
+            </a:r>
+            <a:r>
+              <a:rPr lang="zh-CN" altLang="en-US" dirty="0" smtClean="0">
+                <a:latin typeface="华文宋体" panose="02010600040101010101" pitchFamily="2" charset="-122"/>
+                <a:ea typeface="华文宋体" panose="02010600040101010101" pitchFamily="2" charset="-122"/>
+              </a:rPr>
+              <a:t>实施，</a:t>
+            </a:r>
+            <a:r>
+              <a:rPr lang="zh-CN" altLang="en-US" dirty="0" smtClean="0">
+                <a:latin typeface="华文宋体" panose="02010600040101010101" pitchFamily="2" charset="-122"/>
+                <a:ea typeface="华文宋体" panose="02010600040101010101" pitchFamily="2" charset="-122"/>
+              </a:rPr>
+              <a:t>时候了解市场的需求功能</a:t>
+            </a:r>
+            <a:r>
+              <a:rPr lang="zh-CN" altLang="en-US" dirty="0" smtClean="0">
+                <a:latin typeface="华文宋体" panose="02010600040101010101" pitchFamily="2" charset="-122"/>
+                <a:ea typeface="华文宋体" panose="02010600040101010101" pitchFamily="2" charset="-122"/>
+              </a:rPr>
+              <a:t>，不断完善</a:t>
             </a:r>
             <a:r>
               <a:rPr lang="en-US" altLang="zh-CN" dirty="0" smtClean="0">
@@ -10058,21 +10561,7 @@
                 <a:ea typeface="宋体" panose="02010600030101010101" pitchFamily="2" charset="-122"/>
                 <a:cs typeface="+mn-ea"/>
               </a:rPr>
-              <a:t>仓储模块</a:t>
-            </a:r>
-            <a:r>
-              <a:rPr lang="zh-CN" altLang="en-US" sz="1600" dirty="0">
-                <a:ea typeface="宋体" panose="02010600030101010101" pitchFamily="2" charset="-122"/>
-                <a:cs typeface="+mn-ea"/>
-              </a:rPr>
-              <a:t>：</a:t>
-            </a:r>
-            <a:r>
-              <a:rPr lang="zh-CN" altLang="en-US" sz="1600" dirty="0">
-                <a:ea typeface="宋体" panose="02010600030101010101" pitchFamily="2" charset="-122"/>
-                <a:cs typeface="+mn-ea"/>
-              </a:rPr>
-              <a:t>包括出入库单据，库存查询，仓库的备料功能，以及上料功能</a:t>
+              <a:t>仓储模块：包括出入库单据，库存查询，仓库的备料功能，以及上料功能</a:t>
             </a:r>
             <a:endParaRPr lang="en-US" altLang="zh-CN" sz="1600" dirty="0">
               <a:ea typeface="宋体" panose="02010600030101010101" pitchFamily="2" charset="-122"/>
@@ -10092,21 +10581,7 @@
                 <a:ea typeface="宋体" panose="02010600030101010101" pitchFamily="2" charset="-122"/>
                 <a:cs typeface="+mn-ea"/>
               </a:rPr>
-              <a:t>设备管理模块</a:t>
-            </a:r>
-            <a:r>
-              <a:rPr lang="zh-CN" altLang="en-US" sz="1600" dirty="0">
-                <a:ea typeface="宋体" panose="02010600030101010101" pitchFamily="2" charset="-122"/>
-                <a:cs typeface="+mn-ea"/>
-              </a:rPr>
-              <a:t>： </a:t>
-            </a:r>
-            <a:r>
-              <a:rPr lang="zh-CN" altLang="en-US" sz="1600" dirty="0">
-                <a:ea typeface="宋体" panose="02010600030101010101" pitchFamily="2" charset="-122"/>
-                <a:cs typeface="+mn-ea"/>
-              </a:rPr>
-              <a:t>设备的维修申请单，物料申请及更换</a:t>
+              <a:t>设备管理模块： 设备的维修申请单，物料申请及更换</a:t>
             </a:r>
             <a:endParaRPr lang="en-US" altLang="zh-CN" sz="1600" dirty="0">
               <a:ea typeface="宋体" panose="02010600030101010101" pitchFamily="2" charset="-122"/>
@@ -10163,42 +10638,21 @@
                 <a:ea typeface="宋体" panose="02010600030101010101" pitchFamily="2" charset="-122"/>
                 <a:cs typeface="+mn-ea"/>
               </a:rPr>
-              <a:t>品质</a:t>
+              <a:t>品质管理：条码的</a:t>
+            </a:r>
+            <a:r>
+              <a:rPr lang="en-US" altLang="zh-CN" sz="1600" dirty="0">
+                <a:ea typeface="宋体" panose="02010600030101010101" pitchFamily="2" charset="-122"/>
+                <a:cs typeface="+mn-ea"/>
+              </a:rPr>
+              <a:t>SN</a:t>
             </a:r>
             <a:r>
               <a:rPr lang="zh-CN" altLang="en-US" sz="1600" dirty="0">
                 <a:ea typeface="宋体" panose="02010600030101010101" pitchFamily="2" charset="-122"/>
                 <a:cs typeface="+mn-ea"/>
               </a:rPr>
-              <a:t>管理：</a:t>
-            </a:r>
-            <a:r>
-              <a:rPr lang="zh-CN" altLang="en-US" sz="1600" dirty="0">
-                <a:ea typeface="宋体" panose="02010600030101010101" pitchFamily="2" charset="-122"/>
-                <a:cs typeface="+mn-ea"/>
-              </a:rPr>
-              <a:t>条码的</a:t>
-            </a:r>
-            <a:r>
-              <a:rPr lang="en-US" altLang="zh-CN" sz="1600" dirty="0">
-                <a:ea typeface="宋体" panose="02010600030101010101" pitchFamily="2" charset="-122"/>
-                <a:cs typeface="+mn-ea"/>
-              </a:rPr>
-              <a:t>SN</a:t>
-            </a:r>
-            <a:r>
-              <a:rPr lang="zh-CN" altLang="en-US" sz="1600" dirty="0">
-                <a:ea typeface="宋体" panose="02010600030101010101" pitchFamily="2" charset="-122"/>
-                <a:cs typeface="+mn-ea"/>
-              </a:rPr>
-              <a:t>锁定</a:t>
-            </a:r>
-            <a:r>
-              <a:rPr lang="zh-CN" altLang="en-US" sz="1600" dirty="0">
-                <a:ea typeface="宋体" panose="02010600030101010101" pitchFamily="2" charset="-122"/>
-                <a:cs typeface="+mn-ea"/>
-              </a:rPr>
-              <a:t>功能逻辑</a:t>
+              <a:t>锁定功能逻辑</a:t>
             </a:r>
             <a:endParaRPr lang="en-US" altLang="zh-CN" sz="1600" dirty="0">
               <a:ea typeface="宋体" panose="02010600030101010101" pitchFamily="2" charset="-122"/>
@@ -10218,14 +10672,7 @@
                 <a:ea typeface="宋体" panose="02010600030101010101" pitchFamily="2" charset="-122"/>
                 <a:cs typeface="+mn-ea"/>
               </a:rPr>
-              <a:t>报表模块：</a:t>
-            </a:r>
-            <a:r>
-              <a:rPr lang="zh-CN" altLang="en-US" sz="1600" dirty="0">
-                <a:ea typeface="宋体" panose="02010600030101010101" pitchFamily="2" charset="-122"/>
-                <a:cs typeface="+mn-ea"/>
-              </a:rPr>
-              <a:t>条码的过站记录</a:t>
+              <a:t>报表模块：条码的过站记录</a:t>
             </a:r>
             <a:r>
               <a:rPr lang="zh-CN" altLang="en-US" sz="1600" dirty="0" smtClean="0">
@@ -10382,7 +10829,7 @@
           <a:lstStyle/>
           <a:p>
             <a:r>
-              <a:rPr lang="en-US" altLang="zh-CN" sz="3000" b="1">
+              <a:rPr lang="en-US" altLang="zh-CN" sz="3000" b="1" dirty="0">
                 <a:solidFill>
                   <a:srgbClr val="0070C0"/>
                 </a:solidFill>
@@ -10393,7 +10840,7 @@
               <a:t>3</a:t>
             </a:r>
             <a:r>
-              <a:rPr lang="zh-CN" altLang="en-US" sz="3000" b="1">
+              <a:rPr lang="zh-CN" altLang="en-US" sz="3000" b="1" dirty="0">
                 <a:solidFill>
                   <a:srgbClr val="0070C0"/>
                 </a:solidFill>
@@ -10415,7 +10862,7 @@
         <p:spPr>
           <a:xfrm>
             <a:off x="488289" y="914400"/>
-            <a:ext cx="11106633" cy="646331"/>
+            <a:ext cx="11106633" cy="400110"/>
           </a:xfrm>
           <a:prstGeom prst="rect">
             <a:avLst/>
@@ -10434,20 +10881,12 @@
           <a:p>
             <a:pPr lvl="0" algn="l"/>
             <a:r>
-              <a:rPr lang="zh-CN" altLang="en-US" sz="2000" dirty="0">
-                <a:ea typeface="宋体" panose="02010600030101010101" pitchFamily="2" charset="-122"/>
-                <a:cs typeface="+mn-ea"/>
-                <a:sym typeface="+mn-lt"/>
-              </a:rPr>
-              <a:t>出</a:t>
-            </a:r>
-            <a:r>
               <a:rPr lang="zh-CN" altLang="en-US" sz="2000" dirty="0" smtClean="0">
                 <a:ea typeface="宋体" panose="02010600030101010101" pitchFamily="2" charset="-122"/>
                 <a:cs typeface="+mn-ea"/>
                 <a:sym typeface="+mn-lt"/>
               </a:rPr>
-              <a:t>入库单据  </a:t>
+              <a:t>部分</a:t>
             </a:r>
             <a:r>
               <a:rPr lang="en-US" altLang="zh-CN" sz="2000" dirty="0" smtClean="0">
@@ -10455,7 +10894,7 @@
                 <a:cs typeface="+mn-ea"/>
                 <a:sym typeface="+mn-lt"/>
               </a:rPr>
-              <a:t>---- </a:t>
+              <a:t>MES</a:t>
             </a:r>
             <a:r>
               <a:rPr lang="zh-CN" altLang="en-US" sz="2000" dirty="0" smtClean="0">
@@ -10463,16 +10902,8 @@
                 <a:cs typeface="+mn-ea"/>
                 <a:sym typeface="+mn-lt"/>
               </a:rPr>
-              <a:t>不同模块申请库存都需要在这个界面显示，出库和入库</a:t>
-            </a:r>
-            <a:endParaRPr lang="en-US" altLang="zh-CN" sz="2000" dirty="0" smtClean="0">
-              <a:ea typeface="宋体" panose="02010600030101010101" pitchFamily="2" charset="-122"/>
-              <a:cs typeface="+mn-ea"/>
-              <a:sym typeface="+mn-lt"/>
-            </a:endParaRPr>
-          </a:p>
-          <a:p>
-            <a:pPr lvl="0" algn="l"/>
+              <a:t>功能整体架构</a:t>
+            </a:r>
             <a:endParaRPr lang="zh-CN" sz="1600" dirty="0">
               <a:solidFill>
                 <a:srgbClr val="FF0000"/>
@@ -10486,22 +10917,28 @@
       </p:sp>
       <p:pic>
         <p:nvPicPr>
-          <p:cNvPr id="5" name="图片 4"/>
+          <p:cNvPr id="3" name="图片 2"/>
           <p:cNvPicPr>
             <a:picLocks noChangeAspect="1"/>
           </p:cNvPicPr>
           <p:nvPr/>
         </p:nvPicPr>
         <p:blipFill>
-          <a:blip r:embed="rId3"/>
+          <a:blip r:embed="rId3">
+            <a:extLst>
+              <a:ext uri="{28A0092B-C50C-407E-A947-70E740481C1C}">
+                <a14:useLocalDpi xmlns:a14="http://schemas.microsoft.com/office/drawing/2010/main" val="0"/>
+              </a:ext>
+            </a:extLst>
+          </a:blip>
           <a:stretch>
             <a:fillRect/>
           </a:stretch>
         </p:blipFill>
         <p:spPr>
           <a:xfrm>
-            <a:off x="479743" y="1412039"/>
-            <a:ext cx="10134400" cy="5175783"/>
+            <a:off x="1059679" y="1314510"/>
+            <a:ext cx="9750751" cy="5240114"/>
           </a:xfrm>
           <a:prstGeom prst="rect">
             <a:avLst/>
@@ -10556,8 +10993,8 @@
         </p:blipFill>
         <p:spPr>
           <a:xfrm>
-            <a:off x="581114" y="1144251"/>
-            <a:ext cx="11001210" cy="4459844"/>
+            <a:off x="555477" y="1324597"/>
+            <a:ext cx="11001210" cy="3657365"/>
           </a:xfrm>
           <a:prstGeom prst="rect">
             <a:avLst/>
@@ -10572,7 +11009,7 @@
         </p:nvSpPr>
         <p:spPr>
           <a:xfrm>
-            <a:off x="490309" y="432529"/>
+            <a:off x="555477" y="894002"/>
             <a:ext cx="10012472" cy="646331"/>
           </a:xfrm>
           <a:prstGeom prst="rect">
@@ -10630,6 +11067,53 @@
               <a:ea typeface="宋体" panose="02010600030101010101" pitchFamily="2" charset="-122"/>
               <a:cs typeface="+mn-ea"/>
               <a:sym typeface="+mn-lt"/>
+            </a:endParaRPr>
+          </a:p>
+        </p:txBody>
+      </p:sp>
+      <p:sp>
+        <p:nvSpPr>
+          <p:cNvPr id="4" name="文本框 15"/>
+          <p:cNvSpPr txBox="1"/>
+          <p:nvPr/>
+        </p:nvSpPr>
+        <p:spPr>
+          <a:xfrm>
+            <a:off x="479743" y="246380"/>
+            <a:ext cx="2502608" cy="553998"/>
+          </a:xfrm>
+          <a:prstGeom prst="rect">
+            <a:avLst/>
+          </a:prstGeom>
+          <a:noFill/>
+          <a:ln w="9525">
+            <a:noFill/>
+          </a:ln>
+        </p:spPr>
+        <p:txBody>
+          <a:bodyPr wrap="none" anchor="t">
+            <a:spAutoFit/>
+          </a:bodyPr>
+          <a:lstStyle/>
+          <a:p>
+            <a:r>
+              <a:rPr lang="zh-CN" altLang="en-US" sz="3000" b="1" dirty="0" smtClean="0">
+                <a:solidFill>
+                  <a:srgbClr val="0070C0"/>
+                </a:solidFill>
+                <a:latin typeface="黑体" panose="02010609060101010101" charset="-122"/>
+                <a:ea typeface="黑体" panose="02010609060101010101" charset="-122"/>
+                <a:sym typeface="等线" panose="02010600030101010101" charset="-122"/>
+              </a:rPr>
+              <a:t>部分页面展示</a:t>
+            </a:r>
+            <a:endParaRPr lang="zh-CN" altLang="en-US" sz="3000" b="1" dirty="0">
+              <a:solidFill>
+                <a:srgbClr val="0070C0"/>
+              </a:solidFill>
+              <a:latin typeface="黑体" panose="02010609060101010101" charset="-122"/>
+              <a:ea typeface="黑体" panose="02010609060101010101" charset="-122"/>
+              <a:sym typeface="等线" panose="02010600030101010101" charset="-122"/>
             </a:endParaRPr>
           </a:p>
         </p:txBody>
@@ -10679,7 +11163,7 @@
         </p:nvSpPr>
         <p:spPr>
           <a:xfrm>
-            <a:off x="470781" y="577384"/>
+            <a:off x="470780" y="800378"/>
             <a:ext cx="9912360" cy="400110"/>
           </a:xfrm>
           <a:prstGeom prst="rect">
@@ -10749,14 +11233,61 @@
         </p:blipFill>
         <p:spPr>
           <a:xfrm>
-            <a:off x="470780" y="1099645"/>
-            <a:ext cx="9599931" cy="5047658"/>
+            <a:off x="470780" y="1392963"/>
+            <a:ext cx="9599931" cy="4754339"/>
           </a:xfrm>
           <a:prstGeom prst="rect">
             <a:avLst/>
           </a:prstGeom>
         </p:spPr>
       </p:pic>
+      <p:sp>
+        <p:nvSpPr>
+          <p:cNvPr id="4" name="文本框 15"/>
+          <p:cNvSpPr txBox="1"/>
+          <p:nvPr/>
+        </p:nvSpPr>
+        <p:spPr>
+          <a:xfrm>
+            <a:off x="479743" y="246380"/>
+            <a:ext cx="2502608" cy="553998"/>
+          </a:xfrm>
+          <a:prstGeom prst="rect">
+            <a:avLst/>
+          </a:prstGeom>
+          <a:noFill/>
+          <a:ln w="9525">
+            <a:noFill/>
+          </a:ln>
+        </p:spPr>
+        <p:txBody>
+          <a:bodyPr wrap="none" anchor="t">
+            <a:spAutoFit/>
+          </a:bodyPr>
+          <a:lstStyle/>
+          <a:p>
+            <a:r>
+              <a:rPr lang="zh-CN" altLang="en-US" sz="3000" b="1" dirty="0" smtClean="0">
+                <a:solidFill>
+                  <a:srgbClr val="0070C0"/>
+                </a:solidFill>
+                <a:latin typeface="黑体" panose="02010609060101010101" charset="-122"/>
+                <a:ea typeface="黑体" panose="02010609060101010101" charset="-122"/>
+                <a:sym typeface="等线" panose="02010600030101010101" charset="-122"/>
+              </a:rPr>
+              <a:t>部分页面展示</a:t>
+            </a:r>
+            <a:endParaRPr lang="zh-CN" altLang="en-US" sz="3000" b="1" dirty="0">
+              <a:solidFill>
+                <a:srgbClr val="0070C0"/>
+              </a:solidFill>
+              <a:latin typeface="黑体" panose="02010609060101010101" charset="-122"/>
+              <a:ea typeface="黑体" panose="02010609060101010101" charset="-122"/>
+              <a:sym typeface="等线" panose="02010600030101010101" charset="-122"/>
+            </a:endParaRPr>
+          </a:p>
+        </p:txBody>
+      </p:sp>
     </p:spTree>
     <p:extLst>
       <p:ext uri="{BB962C8B-B14F-4D97-AF65-F5344CB8AC3E}">
@@ -10802,7 +11333,7 @@
         </p:nvSpPr>
         <p:spPr>
           <a:xfrm>
-            <a:off x="698538" y="269566"/>
+            <a:off x="698538" y="644084"/>
             <a:ext cx="9453866" cy="646331"/>
           </a:xfrm>
           <a:prstGeom prst="rect">
@@ -10880,14 +11411,61 @@
         </p:blipFill>
         <p:spPr>
           <a:xfrm>
-            <a:off x="443620" y="762016"/>
-            <a:ext cx="11274680" cy="5414280"/>
+            <a:off x="443620" y="1153682"/>
+            <a:ext cx="11274680" cy="5022614"/>
           </a:xfrm>
           <a:prstGeom prst="rect">
             <a:avLst/>
           </a:prstGeom>
         </p:spPr>
       </p:pic>
+      <p:sp>
+        <p:nvSpPr>
+          <p:cNvPr id="5" name="文本框 15"/>
+          <p:cNvSpPr txBox="1"/>
+          <p:nvPr/>
+        </p:nvSpPr>
+        <p:spPr>
+          <a:xfrm>
+            <a:off x="548110" y="67886"/>
+            <a:ext cx="2502608" cy="553998"/>
+          </a:xfrm>
+          <a:prstGeom prst="rect">
+            <a:avLst/>
+          </a:prstGeom>
+          <a:noFill/>
+          <a:ln w="9525">
+            <a:noFill/>
+          </a:ln>
+        </p:spPr>
+        <p:txBody>
+          <a:bodyPr wrap="none" anchor="t">
+            <a:spAutoFit/>
+          </a:bodyPr>
+          <a:lstStyle/>
+          <a:p>
+            <a:r>
+              <a:rPr lang="zh-CN" altLang="en-US" sz="3000" b="1" dirty="0" smtClean="0">
+                <a:solidFill>
+                  <a:srgbClr val="0070C0"/>
+                </a:solidFill>
+                <a:latin typeface="黑体" panose="02010609060101010101" charset="-122"/>
+                <a:ea typeface="黑体" panose="02010609060101010101" charset="-122"/>
+                <a:sym typeface="等线" panose="02010600030101010101" charset="-122"/>
+              </a:rPr>
+              <a:t>部分页面展示</a:t>
+            </a:r>
+            <a:endParaRPr lang="zh-CN" altLang="en-US" sz="3000" b="1" dirty="0">
+              <a:solidFill>
+                <a:srgbClr val="0070C0"/>
+              </a:solidFill>
+              <a:latin typeface="黑体" panose="02010609060101010101" charset="-122"/>
+              <a:ea typeface="黑体" panose="02010609060101010101" charset="-122"/>
+              <a:sym typeface="等线" panose="02010600030101010101" charset="-122"/>
+            </a:endParaRPr>
+          </a:p>
+        </p:txBody>
+      </p:sp>
     </p:spTree>
     <p:extLst>
       <p:ext uri="{BB962C8B-B14F-4D97-AF65-F5344CB8AC3E}">
